--- a/04_day.pptx
+++ b/04_day.pptx
@@ -9,6 +9,9 @@
     <p:sldId id="257" r:id="rId3"/>
     <p:sldId id="258" r:id="rId4"/>
     <p:sldId id="259" r:id="rId5"/>
+    <p:sldId id="260" r:id="rId6"/>
+    <p:sldId id="261" r:id="rId7"/>
+    <p:sldId id="262" r:id="rId8"/>
   </p:sldIdLst>
   <p:sldSz cx="9144000" cy="6858000" type="screen4x3"/>
   <p:notesSz cx="6858000" cy="9144000"/>
@@ -3583,7 +3586,11 @@
           </a:p>
           <a:p>
             <a:r>
-              <a:rPr lang="en-US" altLang="ko-KR" sz="2000" b="1"/>
+              <a:rPr lang="en-US" altLang="ko-KR" sz="2000" b="1">
+                <a:solidFill>
+                  <a:srgbClr val="FF0000"/>
+                </a:solidFill>
+              </a:rPr>
               <a:t>- Flexible Array</a:t>
             </a:r>
           </a:p>
@@ -5442,6 +5449,4897 @@
     <p:extLst>
       <p:ext uri="{BB962C8B-B14F-4D97-AF65-F5344CB8AC3E}">
         <p14:creationId xmlns:p14="http://schemas.microsoft.com/office/powerpoint/2010/main" val="2500445083"/>
+      </p:ext>
+    </p:extLst>
+  </p:cSld>
+  <p:clrMapOvr>
+    <a:masterClrMapping/>
+  </p:clrMapOvr>
+</p:sld>
+</file>
+
+<file path=ppt/slides/slide5.xml><?xml version="1.0" encoding="utf-8"?>
+<p:sld xmlns:a="http://schemas.openxmlformats.org/drawingml/2006/main" xmlns:r="http://schemas.openxmlformats.org/officeDocument/2006/relationships" xmlns:p="http://schemas.openxmlformats.org/presentationml/2006/main">
+  <p:cSld>
+    <p:spTree>
+      <p:nvGrpSpPr>
+        <p:cNvPr id="1" name=""/>
+        <p:cNvGrpSpPr/>
+        <p:nvPr/>
+      </p:nvGrpSpPr>
+      <p:grpSpPr>
+        <a:xfrm>
+          <a:off x="0" y="0"/>
+          <a:ext cx="0" cy="0"/>
+          <a:chOff x="0" y="0"/>
+          <a:chExt cx="0" cy="0"/>
+        </a:xfrm>
+      </p:grpSpPr>
+      <p:sp>
+        <p:nvSpPr>
+          <p:cNvPr id="4" name="TextBox 3">
+            <a:extLst>
+              <a:ext uri="{FF2B5EF4-FFF2-40B4-BE49-F238E27FC236}">
+                <a16:creationId xmlns:a16="http://schemas.microsoft.com/office/drawing/2014/main" id="{600629BB-8D01-49CA-BDE1-D06632A149AA}"/>
+              </a:ext>
+            </a:extLst>
+          </p:cNvPr>
+          <p:cNvSpPr txBox="1"/>
+          <p:nvPr/>
+        </p:nvSpPr>
+        <p:spPr>
+          <a:xfrm>
+            <a:off x="179512" y="548680"/>
+            <a:ext cx="10495181" cy="5632311"/>
+          </a:xfrm>
+          <a:prstGeom prst="rect">
+            <a:avLst/>
+          </a:prstGeom>
+          <a:noFill/>
+        </p:spPr>
+        <p:txBody>
+          <a:bodyPr wrap="none" rtlCol="0">
+            <a:spAutoFit/>
+          </a:bodyPr>
+          <a:lstStyle/>
+          <a:p>
+            <a:r>
+              <a:rPr lang="en-US" altLang="ko-KR" sz="2000">
+                <a:latin typeface="Consolas" pitchFamily="49" charset="0"/>
+                <a:cs typeface="Consolas" pitchFamily="49" charset="0"/>
+              </a:rPr>
+              <a:t>struct flex_array *fa;</a:t>
+            </a:r>
+          </a:p>
+          <a:p>
+            <a:r>
+              <a:rPr lang="en-US" altLang="ko-KR" sz="2000">
+                <a:latin typeface="Consolas" pitchFamily="49" charset="0"/>
+                <a:cs typeface="Consolas" pitchFamily="49" charset="0"/>
+              </a:rPr>
+              <a:t>fa = flex_array_alloc(</a:t>
+            </a:r>
+            <a:r>
+              <a:rPr lang="ko-KR" altLang="en-US" sz="2000">
+                <a:latin typeface="Consolas" pitchFamily="49" charset="0"/>
+                <a:cs typeface="Consolas" pitchFamily="49" charset="0"/>
+              </a:rPr>
+              <a:t> </a:t>
+            </a:r>
+            <a:r>
+              <a:rPr lang="en-US" altLang="ko-KR" sz="2000">
+                <a:latin typeface="Consolas" pitchFamily="49" charset="0"/>
+                <a:cs typeface="Consolas" pitchFamily="49" charset="0"/>
+              </a:rPr>
+              <a:t>sizeof(int),</a:t>
+            </a:r>
+            <a:r>
+              <a:rPr lang="ko-KR" altLang="en-US" sz="2000">
+                <a:latin typeface="Consolas" pitchFamily="49" charset="0"/>
+                <a:cs typeface="Consolas" pitchFamily="49" charset="0"/>
+              </a:rPr>
+              <a:t> </a:t>
+            </a:r>
+            <a:r>
+              <a:rPr lang="en-US" altLang="ko-KR" sz="2000">
+                <a:latin typeface="Consolas" pitchFamily="49" charset="0"/>
+                <a:cs typeface="Consolas" pitchFamily="49" charset="0"/>
+              </a:rPr>
+              <a:t>1000,</a:t>
+            </a:r>
+            <a:r>
+              <a:rPr lang="ko-KR" altLang="en-US" sz="2000">
+                <a:latin typeface="Consolas" pitchFamily="49" charset="0"/>
+                <a:cs typeface="Consolas" pitchFamily="49" charset="0"/>
+              </a:rPr>
+              <a:t> </a:t>
+            </a:r>
+            <a:r>
+              <a:rPr lang="en-US" altLang="ko-KR" sz="2000">
+                <a:latin typeface="Consolas" pitchFamily="49" charset="0"/>
+                <a:cs typeface="Consolas" pitchFamily="49" charset="0"/>
+              </a:rPr>
+              <a:t>0</a:t>
+            </a:r>
+            <a:r>
+              <a:rPr lang="ko-KR" altLang="en-US" sz="2000">
+                <a:latin typeface="Consolas" pitchFamily="49" charset="0"/>
+                <a:cs typeface="Consolas" pitchFamily="49" charset="0"/>
+              </a:rPr>
+              <a:t> </a:t>
+            </a:r>
+            <a:r>
+              <a:rPr lang="en-US" altLang="ko-KR" sz="2000">
+                <a:latin typeface="Consolas" pitchFamily="49" charset="0"/>
+                <a:cs typeface="Consolas" pitchFamily="49" charset="0"/>
+              </a:rPr>
+              <a:t>);</a:t>
+            </a:r>
+          </a:p>
+          <a:p>
+            <a:r>
+              <a:rPr lang="en-US" altLang="ko-KR" sz="2000">
+                <a:latin typeface="Consolas" pitchFamily="49" charset="0"/>
+                <a:cs typeface="Consolas" pitchFamily="49" charset="0"/>
+              </a:rPr>
+              <a:t>x = 2^32/1024 = 0.0009765625 * ( 1&lt;&lt;32) = 4194304</a:t>
+            </a:r>
+          </a:p>
+          <a:p>
+            <a:r>
+              <a:rPr lang="en-US" altLang="ko-KR" sz="2000">
+                <a:latin typeface="Consolas" pitchFamily="49" charset="0"/>
+                <a:cs typeface="Consolas" pitchFamily="49" charset="0"/>
+              </a:rPr>
+              <a:t>4096/1024 = (4094*x)&gt;&gt;32</a:t>
+            </a:r>
+          </a:p>
+          <a:p>
+            <a:r>
+              <a:rPr lang="en-US" altLang="ko-KR" sz="2000">
+                <a:latin typeface="Consolas" pitchFamily="49" charset="0"/>
+                <a:cs typeface="Consolas" pitchFamily="49" charset="0"/>
+              </a:rPr>
+              <a:t>struct flex_array *flex_array_alloc(int element_size, unsigned int total,</a:t>
+            </a:r>
+          </a:p>
+          <a:p>
+            <a:r>
+              <a:rPr lang="en-US" altLang="ko-KR" sz="2000">
+                <a:latin typeface="Consolas" pitchFamily="49" charset="0"/>
+                <a:cs typeface="Consolas" pitchFamily="49" charset="0"/>
+              </a:rPr>
+              <a:t>					gfp_t flags)</a:t>
+            </a:r>
+          </a:p>
+          <a:p>
+            <a:r>
+              <a:rPr lang="en-US" altLang="ko-KR" sz="2000">
+                <a:latin typeface="Consolas" pitchFamily="49" charset="0"/>
+                <a:cs typeface="Consolas" pitchFamily="49" charset="0"/>
+              </a:rPr>
+              <a:t>{</a:t>
+            </a:r>
+          </a:p>
+          <a:p>
+            <a:r>
+              <a:rPr lang="en-US" altLang="ko-KR" sz="2000">
+                <a:latin typeface="Consolas" pitchFamily="49" charset="0"/>
+                <a:cs typeface="Consolas" pitchFamily="49" charset="0"/>
+              </a:rPr>
+              <a:t>	struct flex_array *ret;</a:t>
+            </a:r>
+          </a:p>
+          <a:p>
+            <a:r>
+              <a:rPr lang="en-US" altLang="ko-KR" sz="2000">
+                <a:latin typeface="Consolas" pitchFamily="49" charset="0"/>
+                <a:cs typeface="Consolas" pitchFamily="49" charset="0"/>
+              </a:rPr>
+              <a:t>	int elems_per_part = 0;</a:t>
+            </a:r>
+          </a:p>
+          <a:p>
+            <a:r>
+              <a:rPr lang="en-US" altLang="ko-KR" sz="2000">
+                <a:latin typeface="Consolas" pitchFamily="49" charset="0"/>
+                <a:cs typeface="Consolas" pitchFamily="49" charset="0"/>
+              </a:rPr>
+              <a:t>	int reciprocal_elems = 0;</a:t>
+            </a:r>
+          </a:p>
+          <a:p>
+            <a:r>
+              <a:rPr lang="en-US" altLang="ko-KR" sz="2000">
+                <a:latin typeface="Consolas" pitchFamily="49" charset="0"/>
+                <a:cs typeface="Consolas" pitchFamily="49" charset="0"/>
+              </a:rPr>
+              <a:t>	int max_size = 0;</a:t>
+            </a:r>
+          </a:p>
+          <a:p>
+            <a:endParaRPr lang="en-US" altLang="ko-KR" sz="2000">
+              <a:latin typeface="Consolas" pitchFamily="49" charset="0"/>
+              <a:cs typeface="Consolas" pitchFamily="49" charset="0"/>
+            </a:endParaRPr>
+          </a:p>
+          <a:p>
+            <a:r>
+              <a:rPr lang="en-US" altLang="ko-KR" sz="2000">
+                <a:latin typeface="Consolas" pitchFamily="49" charset="0"/>
+                <a:cs typeface="Consolas" pitchFamily="49" charset="0"/>
+              </a:rPr>
+              <a:t>	if (element_size) {</a:t>
+            </a:r>
+          </a:p>
+          <a:p>
+            <a:r>
+              <a:rPr lang="en-US" altLang="ko-KR" sz="2000">
+                <a:latin typeface="Consolas" pitchFamily="49" charset="0"/>
+                <a:cs typeface="Consolas" pitchFamily="49" charset="0"/>
+              </a:rPr>
+              <a:t>		elems_per_part = FLEX_ARRAY_ELEMENTS_PER_PART(element_size);</a:t>
+            </a:r>
+          </a:p>
+          <a:p>
+            <a:r>
+              <a:rPr lang="en-US" altLang="ko-KR" sz="2000">
+                <a:latin typeface="Consolas" pitchFamily="49" charset="0"/>
+                <a:cs typeface="Consolas" pitchFamily="49" charset="0"/>
+              </a:rPr>
+              <a:t>                                        4096 / 4; </a:t>
+            </a:r>
+          </a:p>
+          <a:p>
+            <a:r>
+              <a:rPr lang="en-US" altLang="ko-KR" sz="2000">
+                <a:latin typeface="Consolas" pitchFamily="49" charset="0"/>
+                <a:cs typeface="Consolas" pitchFamily="49" charset="0"/>
+              </a:rPr>
+              <a:t>		reciprocal_elems = reciprocal_value(elems_per_part);</a:t>
+            </a:r>
+          </a:p>
+          <a:p>
+            <a:r>
+              <a:rPr lang="en-US" altLang="ko-KR" sz="2000">
+                <a:latin typeface="Consolas" pitchFamily="49" charset="0"/>
+                <a:cs typeface="Consolas" pitchFamily="49" charset="0"/>
+              </a:rPr>
+              <a:t>		max_size = FLEX_ARRAY_NR_BASE_PTRS * elems_per_part;</a:t>
+            </a:r>
+          </a:p>
+          <a:p>
+            <a:r>
+              <a:rPr lang="en-US" altLang="ko-KR" sz="2000">
+                <a:latin typeface="Consolas" pitchFamily="49" charset="0"/>
+                <a:cs typeface="Consolas" pitchFamily="49" charset="0"/>
+              </a:rPr>
+              <a:t>	       1044480 =  1020 * 1024</a:t>
+            </a:r>
+            <a:endParaRPr lang="ko-KR" altLang="en-US" sz="2000">
+              <a:latin typeface="Consolas" pitchFamily="49" charset="0"/>
+              <a:cs typeface="Consolas" pitchFamily="49" charset="0"/>
+            </a:endParaRPr>
+          </a:p>
+        </p:txBody>
+      </p:sp>
+    </p:spTree>
+    <p:extLst>
+      <p:ext uri="{BB962C8B-B14F-4D97-AF65-F5344CB8AC3E}">
+        <p14:creationId xmlns:p14="http://schemas.microsoft.com/office/powerpoint/2010/main" val="1543422686"/>
+      </p:ext>
+    </p:extLst>
+  </p:cSld>
+  <p:clrMapOvr>
+    <a:masterClrMapping/>
+  </p:clrMapOvr>
+</p:sld>
+</file>
+
+<file path=ppt/slides/slide6.xml><?xml version="1.0" encoding="utf-8"?>
+<p:sld xmlns:a="http://schemas.openxmlformats.org/drawingml/2006/main" xmlns:r="http://schemas.openxmlformats.org/officeDocument/2006/relationships" xmlns:p="http://schemas.openxmlformats.org/presentationml/2006/main">
+  <p:cSld>
+    <p:spTree>
+      <p:nvGrpSpPr>
+        <p:cNvPr id="1" name=""/>
+        <p:cNvGrpSpPr/>
+        <p:nvPr/>
+      </p:nvGrpSpPr>
+      <p:grpSpPr>
+        <a:xfrm>
+          <a:off x="0" y="0"/>
+          <a:ext cx="0" cy="0"/>
+          <a:chOff x="0" y="0"/>
+          <a:chExt cx="0" cy="0"/>
+        </a:xfrm>
+      </p:grpSpPr>
+      <p:sp>
+        <p:nvSpPr>
+          <p:cNvPr id="4" name="직사각형 3">
+            <a:extLst>
+              <a:ext uri="{FF2B5EF4-FFF2-40B4-BE49-F238E27FC236}">
+                <a16:creationId xmlns:a16="http://schemas.microsoft.com/office/drawing/2014/main" id="{23782B9D-1E1F-4CD8-98D4-1219E1BF3155}"/>
+              </a:ext>
+            </a:extLst>
+          </p:cNvPr>
+          <p:cNvSpPr/>
+          <p:nvPr/>
+        </p:nvSpPr>
+        <p:spPr>
+          <a:xfrm>
+            <a:off x="1043608" y="476672"/>
+            <a:ext cx="1584176" cy="432048"/>
+          </a:xfrm>
+          <a:prstGeom prst="rect">
+            <a:avLst/>
+          </a:prstGeom>
+          <a:solidFill>
+            <a:srgbClr val="FFC000"/>
+          </a:solidFill>
+          <a:ln w="9525"/>
+        </p:spPr>
+        <p:style>
+          <a:lnRef idx="2">
+            <a:schemeClr val="accent1">
+              <a:shade val="50000"/>
+            </a:schemeClr>
+          </a:lnRef>
+          <a:fillRef idx="1">
+            <a:schemeClr val="accent1"/>
+          </a:fillRef>
+          <a:effectRef idx="0">
+            <a:schemeClr val="accent1"/>
+          </a:effectRef>
+          <a:fontRef idx="minor">
+            <a:schemeClr val="lt1"/>
+          </a:fontRef>
+        </p:style>
+        <p:txBody>
+          <a:bodyPr rot="0" spcFirstLastPara="0" vertOverflow="overflow" horzOverflow="overflow" vert="horz" wrap="square" lIns="91440" tIns="45720" rIns="91440" bIns="45720" numCol="1" spcCol="0" rtlCol="0" fromWordArt="0" anchor="ctr" anchorCtr="0" forceAA="0" compatLnSpc="1">
+            <a:prstTxWarp prst="textNoShape">
+              <a:avLst/>
+            </a:prstTxWarp>
+            <a:noAutofit/>
+          </a:bodyPr>
+          <a:lstStyle/>
+          <a:p>
+            <a:pPr algn="ctr"/>
+            <a:r>
+              <a:rPr lang="en-US" altLang="ko-KR" sz="2000">
+                <a:solidFill>
+                  <a:schemeClr val="tx1"/>
+                </a:solidFill>
+                <a:latin typeface="Consolas" pitchFamily="49" charset="0"/>
+                <a:cs typeface="Consolas" pitchFamily="49" charset="0"/>
+              </a:rPr>
+              <a:t>4</a:t>
+            </a:r>
+            <a:endParaRPr lang="ko-KR" altLang="en-US" sz="2000">
+              <a:solidFill>
+                <a:schemeClr val="tx1"/>
+              </a:solidFill>
+              <a:latin typeface="Consolas" pitchFamily="49" charset="0"/>
+              <a:cs typeface="Consolas" pitchFamily="49" charset="0"/>
+            </a:endParaRPr>
+          </a:p>
+        </p:txBody>
+      </p:sp>
+      <p:sp>
+        <p:nvSpPr>
+          <p:cNvPr id="5" name="직사각형 4">
+            <a:extLst>
+              <a:ext uri="{FF2B5EF4-FFF2-40B4-BE49-F238E27FC236}">
+                <a16:creationId xmlns:a16="http://schemas.microsoft.com/office/drawing/2014/main" id="{09EC972D-5E4F-4FBF-B5F7-9DCAF4AD7EBE}"/>
+              </a:ext>
+            </a:extLst>
+          </p:cNvPr>
+          <p:cNvSpPr/>
+          <p:nvPr/>
+        </p:nvSpPr>
+        <p:spPr>
+          <a:xfrm>
+            <a:off x="1043608" y="908720"/>
+            <a:ext cx="1584176" cy="432048"/>
+          </a:xfrm>
+          <a:prstGeom prst="rect">
+            <a:avLst/>
+          </a:prstGeom>
+          <a:solidFill>
+            <a:srgbClr val="FFC000"/>
+          </a:solidFill>
+          <a:ln w="9525"/>
+        </p:spPr>
+        <p:style>
+          <a:lnRef idx="2">
+            <a:schemeClr val="accent1">
+              <a:shade val="50000"/>
+            </a:schemeClr>
+          </a:lnRef>
+          <a:fillRef idx="1">
+            <a:schemeClr val="accent1"/>
+          </a:fillRef>
+          <a:effectRef idx="0">
+            <a:schemeClr val="accent1"/>
+          </a:effectRef>
+          <a:fontRef idx="minor">
+            <a:schemeClr val="lt1"/>
+          </a:fontRef>
+        </p:style>
+        <p:txBody>
+          <a:bodyPr rot="0" spcFirstLastPara="0" vertOverflow="overflow" horzOverflow="overflow" vert="horz" wrap="square" lIns="91440" tIns="45720" rIns="91440" bIns="45720" numCol="1" spcCol="0" rtlCol="0" fromWordArt="0" anchor="ctr" anchorCtr="0" forceAA="0" compatLnSpc="1">
+            <a:prstTxWarp prst="textNoShape">
+              <a:avLst/>
+            </a:prstTxWarp>
+            <a:noAutofit/>
+          </a:bodyPr>
+          <a:lstStyle/>
+          <a:p>
+            <a:pPr algn="ctr"/>
+            <a:r>
+              <a:rPr lang="en-US" altLang="ko-KR" sz="2000">
+                <a:solidFill>
+                  <a:schemeClr val="tx1"/>
+                </a:solidFill>
+                <a:latin typeface="Consolas" pitchFamily="49" charset="0"/>
+                <a:cs typeface="Consolas" pitchFamily="49" charset="0"/>
+              </a:rPr>
+              <a:t>1000</a:t>
+            </a:r>
+            <a:endParaRPr lang="ko-KR" altLang="en-US" sz="2000">
+              <a:solidFill>
+                <a:schemeClr val="tx1"/>
+              </a:solidFill>
+              <a:latin typeface="Consolas" pitchFamily="49" charset="0"/>
+              <a:cs typeface="Consolas" pitchFamily="49" charset="0"/>
+            </a:endParaRPr>
+          </a:p>
+        </p:txBody>
+      </p:sp>
+      <p:sp>
+        <p:nvSpPr>
+          <p:cNvPr id="6" name="직사각형 5">
+            <a:extLst>
+              <a:ext uri="{FF2B5EF4-FFF2-40B4-BE49-F238E27FC236}">
+                <a16:creationId xmlns:a16="http://schemas.microsoft.com/office/drawing/2014/main" id="{1C5F09CE-1466-4508-BF61-53CEC775A32B}"/>
+              </a:ext>
+            </a:extLst>
+          </p:cNvPr>
+          <p:cNvSpPr/>
+          <p:nvPr/>
+        </p:nvSpPr>
+        <p:spPr>
+          <a:xfrm>
+            <a:off x="1043608" y="1340768"/>
+            <a:ext cx="1584176" cy="432048"/>
+          </a:xfrm>
+          <a:prstGeom prst="rect">
+            <a:avLst/>
+          </a:prstGeom>
+          <a:solidFill>
+            <a:srgbClr val="FFC000"/>
+          </a:solidFill>
+          <a:ln w="9525"/>
+        </p:spPr>
+        <p:style>
+          <a:lnRef idx="2">
+            <a:schemeClr val="accent1">
+              <a:shade val="50000"/>
+            </a:schemeClr>
+          </a:lnRef>
+          <a:fillRef idx="1">
+            <a:schemeClr val="accent1"/>
+          </a:fillRef>
+          <a:effectRef idx="0">
+            <a:schemeClr val="accent1"/>
+          </a:effectRef>
+          <a:fontRef idx="minor">
+            <a:schemeClr val="lt1"/>
+          </a:fontRef>
+        </p:style>
+        <p:txBody>
+          <a:bodyPr rot="0" spcFirstLastPara="0" vertOverflow="overflow" horzOverflow="overflow" vert="horz" wrap="square" lIns="91440" tIns="45720" rIns="91440" bIns="45720" numCol="1" spcCol="0" rtlCol="0" fromWordArt="0" anchor="ctr" anchorCtr="0" forceAA="0" compatLnSpc="1">
+            <a:prstTxWarp prst="textNoShape">
+              <a:avLst/>
+            </a:prstTxWarp>
+            <a:noAutofit/>
+          </a:bodyPr>
+          <a:lstStyle/>
+          <a:p>
+            <a:pPr algn="ctr"/>
+            <a:r>
+              <a:rPr lang="en-US" altLang="ko-KR" sz="2000">
+                <a:solidFill>
+                  <a:schemeClr val="tx1"/>
+                </a:solidFill>
+                <a:latin typeface="Consolas" pitchFamily="49" charset="0"/>
+                <a:cs typeface="Consolas" pitchFamily="49" charset="0"/>
+              </a:rPr>
+              <a:t>1024</a:t>
+            </a:r>
+            <a:endParaRPr lang="ko-KR" altLang="en-US" sz="2000">
+              <a:solidFill>
+                <a:schemeClr val="tx1"/>
+              </a:solidFill>
+              <a:latin typeface="Consolas" pitchFamily="49" charset="0"/>
+              <a:cs typeface="Consolas" pitchFamily="49" charset="0"/>
+            </a:endParaRPr>
+          </a:p>
+        </p:txBody>
+      </p:sp>
+      <p:sp>
+        <p:nvSpPr>
+          <p:cNvPr id="7" name="직사각형 6">
+            <a:extLst>
+              <a:ext uri="{FF2B5EF4-FFF2-40B4-BE49-F238E27FC236}">
+                <a16:creationId xmlns:a16="http://schemas.microsoft.com/office/drawing/2014/main" id="{602241F4-F82A-46BC-8B9C-DAB50535CEF0}"/>
+              </a:ext>
+            </a:extLst>
+          </p:cNvPr>
+          <p:cNvSpPr/>
+          <p:nvPr/>
+        </p:nvSpPr>
+        <p:spPr>
+          <a:xfrm>
+            <a:off x="1043608" y="1772816"/>
+            <a:ext cx="1584176" cy="432048"/>
+          </a:xfrm>
+          <a:prstGeom prst="rect">
+            <a:avLst/>
+          </a:prstGeom>
+          <a:solidFill>
+            <a:srgbClr val="FFC000"/>
+          </a:solidFill>
+          <a:ln w="9525"/>
+        </p:spPr>
+        <p:style>
+          <a:lnRef idx="2">
+            <a:schemeClr val="accent1">
+              <a:shade val="50000"/>
+            </a:schemeClr>
+          </a:lnRef>
+          <a:fillRef idx="1">
+            <a:schemeClr val="accent1"/>
+          </a:fillRef>
+          <a:effectRef idx="0">
+            <a:schemeClr val="accent1"/>
+          </a:effectRef>
+          <a:fontRef idx="minor">
+            <a:schemeClr val="lt1"/>
+          </a:fontRef>
+        </p:style>
+        <p:txBody>
+          <a:bodyPr rot="0" spcFirstLastPara="0" vertOverflow="overflow" horzOverflow="overflow" vert="horz" wrap="square" lIns="91440" tIns="45720" rIns="91440" bIns="45720" numCol="1" spcCol="0" rtlCol="0" fromWordArt="0" anchor="ctr" anchorCtr="0" forceAA="0" compatLnSpc="1">
+            <a:prstTxWarp prst="textNoShape">
+              <a:avLst/>
+            </a:prstTxWarp>
+            <a:noAutofit/>
+          </a:bodyPr>
+          <a:lstStyle/>
+          <a:p>
+            <a:pPr algn="ctr"/>
+            <a:r>
+              <a:rPr lang="en-US" altLang="ko-KR" sz="2000">
+                <a:solidFill>
+                  <a:schemeClr val="tx1"/>
+                </a:solidFill>
+                <a:latin typeface="Consolas" pitchFamily="49" charset="0"/>
+                <a:cs typeface="Consolas" pitchFamily="49" charset="0"/>
+              </a:rPr>
+              <a:t>4194304</a:t>
+            </a:r>
+            <a:endParaRPr lang="ko-KR" altLang="en-US" sz="2000">
+              <a:solidFill>
+                <a:schemeClr val="tx1"/>
+              </a:solidFill>
+              <a:latin typeface="Consolas" pitchFamily="49" charset="0"/>
+              <a:cs typeface="Consolas" pitchFamily="49" charset="0"/>
+            </a:endParaRPr>
+          </a:p>
+        </p:txBody>
+      </p:sp>
+      <p:sp>
+        <p:nvSpPr>
+          <p:cNvPr id="8" name="직사각형 7">
+            <a:extLst>
+              <a:ext uri="{FF2B5EF4-FFF2-40B4-BE49-F238E27FC236}">
+                <a16:creationId xmlns:a16="http://schemas.microsoft.com/office/drawing/2014/main" id="{E7B78854-5CCD-486F-922D-5000731C0624}"/>
+              </a:ext>
+            </a:extLst>
+          </p:cNvPr>
+          <p:cNvSpPr/>
+          <p:nvPr/>
+        </p:nvSpPr>
+        <p:spPr>
+          <a:xfrm>
+            <a:off x="1043608" y="2203507"/>
+            <a:ext cx="1584176" cy="432048"/>
+          </a:xfrm>
+          <a:prstGeom prst="rect">
+            <a:avLst/>
+          </a:prstGeom>
+          <a:solidFill>
+            <a:srgbClr val="FFFF00"/>
+          </a:solidFill>
+          <a:ln w="9525"/>
+        </p:spPr>
+        <p:style>
+          <a:lnRef idx="2">
+            <a:schemeClr val="accent1">
+              <a:shade val="50000"/>
+            </a:schemeClr>
+          </a:lnRef>
+          <a:fillRef idx="1">
+            <a:schemeClr val="accent1"/>
+          </a:fillRef>
+          <a:effectRef idx="0">
+            <a:schemeClr val="accent1"/>
+          </a:effectRef>
+          <a:fontRef idx="minor">
+            <a:schemeClr val="lt1"/>
+          </a:fontRef>
+        </p:style>
+        <p:txBody>
+          <a:bodyPr rot="0" spcFirstLastPara="0" vertOverflow="overflow" horzOverflow="overflow" vert="horz" wrap="square" lIns="91440" tIns="45720" rIns="91440" bIns="45720" numCol="1" spcCol="0" rtlCol="0" fromWordArt="0" anchor="ctr" anchorCtr="0" forceAA="0" compatLnSpc="1">
+            <a:prstTxWarp prst="textNoShape">
+              <a:avLst/>
+            </a:prstTxWarp>
+            <a:noAutofit/>
+          </a:bodyPr>
+          <a:lstStyle/>
+          <a:p>
+            <a:pPr algn="ctr"/>
+            <a:r>
+              <a:rPr lang="en-US" altLang="ko-KR" sz="2000">
+                <a:solidFill>
+                  <a:schemeClr val="tx1"/>
+                </a:solidFill>
+                <a:latin typeface="Consolas" pitchFamily="49" charset="0"/>
+                <a:cs typeface="Consolas" pitchFamily="49" charset="0"/>
+              </a:rPr>
+              <a:t>0x6c6c6c6c</a:t>
+            </a:r>
+            <a:endParaRPr lang="ko-KR" altLang="en-US" sz="2000">
+              <a:solidFill>
+                <a:schemeClr val="tx1"/>
+              </a:solidFill>
+              <a:latin typeface="Consolas" pitchFamily="49" charset="0"/>
+              <a:cs typeface="Consolas" pitchFamily="49" charset="0"/>
+            </a:endParaRPr>
+          </a:p>
+        </p:txBody>
+      </p:sp>
+      <p:sp>
+        <p:nvSpPr>
+          <p:cNvPr id="9" name="직사각형 8">
+            <a:extLst>
+              <a:ext uri="{FF2B5EF4-FFF2-40B4-BE49-F238E27FC236}">
+                <a16:creationId xmlns:a16="http://schemas.microsoft.com/office/drawing/2014/main" id="{D403B81A-4835-41C9-A10D-F5A65033DD25}"/>
+              </a:ext>
+            </a:extLst>
+          </p:cNvPr>
+          <p:cNvSpPr/>
+          <p:nvPr/>
+        </p:nvSpPr>
+        <p:spPr>
+          <a:xfrm>
+            <a:off x="1043608" y="2636912"/>
+            <a:ext cx="1584176" cy="432048"/>
+          </a:xfrm>
+          <a:prstGeom prst="rect">
+            <a:avLst/>
+          </a:prstGeom>
+          <a:solidFill>
+            <a:srgbClr val="FFFF00"/>
+          </a:solidFill>
+          <a:ln w="9525"/>
+        </p:spPr>
+        <p:style>
+          <a:lnRef idx="2">
+            <a:schemeClr val="accent1">
+              <a:shade val="50000"/>
+            </a:schemeClr>
+          </a:lnRef>
+          <a:fillRef idx="1">
+            <a:schemeClr val="accent1"/>
+          </a:fillRef>
+          <a:effectRef idx="0">
+            <a:schemeClr val="accent1"/>
+          </a:effectRef>
+          <a:fontRef idx="minor">
+            <a:schemeClr val="lt1"/>
+          </a:fontRef>
+        </p:style>
+        <p:txBody>
+          <a:bodyPr rot="0" spcFirstLastPara="0" vertOverflow="overflow" horzOverflow="overflow" vert="horz" wrap="square" lIns="91440" tIns="45720" rIns="91440" bIns="45720" numCol="1" spcCol="0" rtlCol="0" fromWordArt="0" anchor="ctr" anchorCtr="0" forceAA="0" compatLnSpc="1">
+            <a:prstTxWarp prst="textNoShape">
+              <a:avLst/>
+            </a:prstTxWarp>
+            <a:noAutofit/>
+          </a:bodyPr>
+          <a:lstStyle/>
+          <a:p>
+            <a:pPr algn="ctr"/>
+            <a:r>
+              <a:rPr lang="en-US" altLang="ko-KR" sz="2000">
+                <a:solidFill>
+                  <a:schemeClr val="tx1"/>
+                </a:solidFill>
+                <a:latin typeface="Consolas" pitchFamily="49" charset="0"/>
+                <a:cs typeface="Consolas" pitchFamily="49" charset="0"/>
+              </a:rPr>
+              <a:t>0x6c6c6c6c</a:t>
+            </a:r>
+            <a:endParaRPr lang="ko-KR" altLang="en-US" sz="2000">
+              <a:solidFill>
+                <a:schemeClr val="tx1"/>
+              </a:solidFill>
+              <a:latin typeface="Consolas" pitchFamily="49" charset="0"/>
+              <a:cs typeface="Consolas" pitchFamily="49" charset="0"/>
+            </a:endParaRPr>
+          </a:p>
+        </p:txBody>
+      </p:sp>
+      <p:sp>
+        <p:nvSpPr>
+          <p:cNvPr id="10" name="직사각형 9">
+            <a:extLst>
+              <a:ext uri="{FF2B5EF4-FFF2-40B4-BE49-F238E27FC236}">
+                <a16:creationId xmlns:a16="http://schemas.microsoft.com/office/drawing/2014/main" id="{AC324062-3B41-483C-B937-0A734A9B25E6}"/>
+              </a:ext>
+            </a:extLst>
+          </p:cNvPr>
+          <p:cNvSpPr/>
+          <p:nvPr/>
+        </p:nvSpPr>
+        <p:spPr>
+          <a:xfrm>
+            <a:off x="1043608" y="3076762"/>
+            <a:ext cx="1584176" cy="432048"/>
+          </a:xfrm>
+          <a:prstGeom prst="rect">
+            <a:avLst/>
+          </a:prstGeom>
+          <a:solidFill>
+            <a:srgbClr val="FFFF00"/>
+          </a:solidFill>
+          <a:ln w="9525"/>
+        </p:spPr>
+        <p:style>
+          <a:lnRef idx="2">
+            <a:schemeClr val="accent1">
+              <a:shade val="50000"/>
+            </a:schemeClr>
+          </a:lnRef>
+          <a:fillRef idx="1">
+            <a:schemeClr val="accent1"/>
+          </a:fillRef>
+          <a:effectRef idx="0">
+            <a:schemeClr val="accent1"/>
+          </a:effectRef>
+          <a:fontRef idx="minor">
+            <a:schemeClr val="lt1"/>
+          </a:fontRef>
+        </p:style>
+        <p:txBody>
+          <a:bodyPr rot="0" spcFirstLastPara="0" vertOverflow="overflow" horzOverflow="overflow" vert="horz" wrap="square" lIns="91440" tIns="45720" rIns="91440" bIns="45720" numCol="1" spcCol="0" rtlCol="0" fromWordArt="0" anchor="ctr" anchorCtr="0" forceAA="0" compatLnSpc="1">
+            <a:prstTxWarp prst="textNoShape">
+              <a:avLst/>
+            </a:prstTxWarp>
+            <a:noAutofit/>
+          </a:bodyPr>
+          <a:lstStyle/>
+          <a:p>
+            <a:pPr algn="ctr"/>
+            <a:r>
+              <a:rPr lang="en-US" altLang="ko-KR" sz="2000">
+                <a:solidFill>
+                  <a:schemeClr val="tx1"/>
+                </a:solidFill>
+                <a:latin typeface="Consolas" pitchFamily="49" charset="0"/>
+                <a:cs typeface="Consolas" pitchFamily="49" charset="0"/>
+              </a:rPr>
+              <a:t>0x6c6c6c6c</a:t>
+            </a:r>
+            <a:endParaRPr lang="ko-KR" altLang="en-US" sz="2000">
+              <a:solidFill>
+                <a:schemeClr val="tx1"/>
+              </a:solidFill>
+              <a:latin typeface="Consolas" pitchFamily="49" charset="0"/>
+              <a:cs typeface="Consolas" pitchFamily="49" charset="0"/>
+            </a:endParaRPr>
+          </a:p>
+        </p:txBody>
+      </p:sp>
+      <p:sp>
+        <p:nvSpPr>
+          <p:cNvPr id="11" name="직사각형 10">
+            <a:extLst>
+              <a:ext uri="{FF2B5EF4-FFF2-40B4-BE49-F238E27FC236}">
+                <a16:creationId xmlns:a16="http://schemas.microsoft.com/office/drawing/2014/main" id="{08C83D0F-CDB1-4969-8304-407AAF986A0A}"/>
+              </a:ext>
+            </a:extLst>
+          </p:cNvPr>
+          <p:cNvSpPr/>
+          <p:nvPr/>
+        </p:nvSpPr>
+        <p:spPr>
+          <a:xfrm>
+            <a:off x="1043608" y="3501008"/>
+            <a:ext cx="1584176" cy="432048"/>
+          </a:xfrm>
+          <a:prstGeom prst="rect">
+            <a:avLst/>
+          </a:prstGeom>
+          <a:solidFill>
+            <a:srgbClr val="FFFF00"/>
+          </a:solidFill>
+          <a:ln w="9525"/>
+        </p:spPr>
+        <p:style>
+          <a:lnRef idx="2">
+            <a:schemeClr val="accent1">
+              <a:shade val="50000"/>
+            </a:schemeClr>
+          </a:lnRef>
+          <a:fillRef idx="1">
+            <a:schemeClr val="accent1"/>
+          </a:fillRef>
+          <a:effectRef idx="0">
+            <a:schemeClr val="accent1"/>
+          </a:effectRef>
+          <a:fontRef idx="minor">
+            <a:schemeClr val="lt1"/>
+          </a:fontRef>
+        </p:style>
+        <p:txBody>
+          <a:bodyPr rot="0" spcFirstLastPara="0" vertOverflow="overflow" horzOverflow="overflow" vert="horz" wrap="square" lIns="91440" tIns="45720" rIns="91440" bIns="45720" numCol="1" spcCol="0" rtlCol="0" fromWordArt="0" anchor="ctr" anchorCtr="0" forceAA="0" compatLnSpc="1">
+            <a:prstTxWarp prst="textNoShape">
+              <a:avLst/>
+            </a:prstTxWarp>
+            <a:noAutofit/>
+          </a:bodyPr>
+          <a:lstStyle/>
+          <a:p>
+            <a:pPr algn="ctr"/>
+            <a:r>
+              <a:rPr lang="en-US" altLang="ko-KR" sz="2000">
+                <a:solidFill>
+                  <a:schemeClr val="tx1"/>
+                </a:solidFill>
+                <a:latin typeface="Consolas" pitchFamily="49" charset="0"/>
+                <a:cs typeface="Consolas" pitchFamily="49" charset="0"/>
+              </a:rPr>
+              <a:t>10</a:t>
+            </a:r>
+            <a:endParaRPr lang="ko-KR" altLang="en-US" sz="2000">
+              <a:solidFill>
+                <a:schemeClr val="tx1"/>
+              </a:solidFill>
+              <a:latin typeface="Consolas" pitchFamily="49" charset="0"/>
+              <a:cs typeface="Consolas" pitchFamily="49" charset="0"/>
+            </a:endParaRPr>
+          </a:p>
+        </p:txBody>
+      </p:sp>
+      <p:sp>
+        <p:nvSpPr>
+          <p:cNvPr id="12" name="직사각형 11">
+            <a:extLst>
+              <a:ext uri="{FF2B5EF4-FFF2-40B4-BE49-F238E27FC236}">
+                <a16:creationId xmlns:a16="http://schemas.microsoft.com/office/drawing/2014/main" id="{F2175D4E-BEB2-48AF-9C90-C2F846CC39C7}"/>
+              </a:ext>
+            </a:extLst>
+          </p:cNvPr>
+          <p:cNvSpPr/>
+          <p:nvPr/>
+        </p:nvSpPr>
+        <p:spPr>
+          <a:xfrm>
+            <a:off x="1043608" y="3933056"/>
+            <a:ext cx="1584176" cy="432048"/>
+          </a:xfrm>
+          <a:prstGeom prst="rect">
+            <a:avLst/>
+          </a:prstGeom>
+          <a:solidFill>
+            <a:srgbClr val="FFFF00"/>
+          </a:solidFill>
+          <a:ln w="9525"/>
+        </p:spPr>
+        <p:style>
+          <a:lnRef idx="2">
+            <a:schemeClr val="accent1">
+              <a:shade val="50000"/>
+            </a:schemeClr>
+          </a:lnRef>
+          <a:fillRef idx="1">
+            <a:schemeClr val="accent1"/>
+          </a:fillRef>
+          <a:effectRef idx="0">
+            <a:schemeClr val="accent1"/>
+          </a:effectRef>
+          <a:fontRef idx="minor">
+            <a:schemeClr val="lt1"/>
+          </a:fontRef>
+        </p:style>
+        <p:txBody>
+          <a:bodyPr rot="0" spcFirstLastPara="0" vertOverflow="overflow" horzOverflow="overflow" vert="horz" wrap="square" lIns="91440" tIns="45720" rIns="91440" bIns="45720" numCol="1" spcCol="0" rtlCol="0" fromWordArt="0" anchor="ctr" anchorCtr="0" forceAA="0" compatLnSpc="1">
+            <a:prstTxWarp prst="textNoShape">
+              <a:avLst/>
+            </a:prstTxWarp>
+            <a:noAutofit/>
+          </a:bodyPr>
+          <a:lstStyle/>
+          <a:p>
+            <a:pPr algn="ctr"/>
+            <a:r>
+              <a:rPr lang="en-US" altLang="ko-KR" sz="2000">
+                <a:solidFill>
+                  <a:schemeClr val="tx1"/>
+                </a:solidFill>
+                <a:latin typeface="Consolas" pitchFamily="49" charset="0"/>
+                <a:cs typeface="Consolas" pitchFamily="49" charset="0"/>
+              </a:rPr>
+              <a:t>...</a:t>
+            </a:r>
+            <a:endParaRPr lang="ko-KR" altLang="en-US" sz="2000">
+              <a:solidFill>
+                <a:schemeClr val="tx1"/>
+              </a:solidFill>
+              <a:latin typeface="Consolas" pitchFamily="49" charset="0"/>
+              <a:cs typeface="Consolas" pitchFamily="49" charset="0"/>
+            </a:endParaRPr>
+          </a:p>
+        </p:txBody>
+      </p:sp>
+      <p:sp>
+        <p:nvSpPr>
+          <p:cNvPr id="13" name="직사각형 12">
+            <a:extLst>
+              <a:ext uri="{FF2B5EF4-FFF2-40B4-BE49-F238E27FC236}">
+                <a16:creationId xmlns:a16="http://schemas.microsoft.com/office/drawing/2014/main" id="{3BD3CB45-F080-4EDD-8D16-7CEB0FAB57F2}"/>
+              </a:ext>
+            </a:extLst>
+          </p:cNvPr>
+          <p:cNvSpPr/>
+          <p:nvPr/>
+        </p:nvSpPr>
+        <p:spPr>
+          <a:xfrm>
+            <a:off x="1043608" y="4365104"/>
+            <a:ext cx="1584176" cy="432048"/>
+          </a:xfrm>
+          <a:prstGeom prst="rect">
+            <a:avLst/>
+          </a:prstGeom>
+          <a:solidFill>
+            <a:srgbClr val="FFFF00"/>
+          </a:solidFill>
+          <a:ln w="9525"/>
+        </p:spPr>
+        <p:style>
+          <a:lnRef idx="2">
+            <a:schemeClr val="accent1">
+              <a:shade val="50000"/>
+            </a:schemeClr>
+          </a:lnRef>
+          <a:fillRef idx="1">
+            <a:schemeClr val="accent1"/>
+          </a:fillRef>
+          <a:effectRef idx="0">
+            <a:schemeClr val="accent1"/>
+          </a:effectRef>
+          <a:fontRef idx="minor">
+            <a:schemeClr val="lt1"/>
+          </a:fontRef>
+        </p:style>
+        <p:txBody>
+          <a:bodyPr rot="0" spcFirstLastPara="0" vertOverflow="overflow" horzOverflow="overflow" vert="horz" wrap="square" lIns="91440" tIns="45720" rIns="91440" bIns="45720" numCol="1" spcCol="0" rtlCol="0" fromWordArt="0" anchor="ctr" anchorCtr="0" forceAA="0" compatLnSpc="1">
+            <a:prstTxWarp prst="textNoShape">
+              <a:avLst/>
+            </a:prstTxWarp>
+            <a:noAutofit/>
+          </a:bodyPr>
+          <a:lstStyle/>
+          <a:p>
+            <a:pPr algn="ctr"/>
+            <a:endParaRPr lang="ko-KR" altLang="en-US" sz="2000">
+              <a:solidFill>
+                <a:schemeClr val="tx1"/>
+              </a:solidFill>
+              <a:latin typeface="Consolas" pitchFamily="49" charset="0"/>
+              <a:cs typeface="Consolas" pitchFamily="49" charset="0"/>
+            </a:endParaRPr>
+          </a:p>
+        </p:txBody>
+      </p:sp>
+      <p:sp>
+        <p:nvSpPr>
+          <p:cNvPr id="14" name="직사각형 13">
+            <a:extLst>
+              <a:ext uri="{FF2B5EF4-FFF2-40B4-BE49-F238E27FC236}">
+                <a16:creationId xmlns:a16="http://schemas.microsoft.com/office/drawing/2014/main" id="{35E33ACF-A7EC-41EC-B834-8E247AA3DD35}"/>
+              </a:ext>
+            </a:extLst>
+          </p:cNvPr>
+          <p:cNvSpPr/>
+          <p:nvPr/>
+        </p:nvSpPr>
+        <p:spPr>
+          <a:xfrm>
+            <a:off x="1043608" y="4797152"/>
+            <a:ext cx="1584176" cy="432048"/>
+          </a:xfrm>
+          <a:prstGeom prst="rect">
+            <a:avLst/>
+          </a:prstGeom>
+          <a:solidFill>
+            <a:schemeClr val="bg1">
+              <a:lumMod val="75000"/>
+            </a:schemeClr>
+          </a:solidFill>
+          <a:ln w="9525"/>
+        </p:spPr>
+        <p:style>
+          <a:lnRef idx="2">
+            <a:schemeClr val="accent1">
+              <a:shade val="50000"/>
+            </a:schemeClr>
+          </a:lnRef>
+          <a:fillRef idx="1">
+            <a:schemeClr val="accent1"/>
+          </a:fillRef>
+          <a:effectRef idx="0">
+            <a:schemeClr val="accent1"/>
+          </a:effectRef>
+          <a:fontRef idx="minor">
+            <a:schemeClr val="lt1"/>
+          </a:fontRef>
+        </p:style>
+        <p:txBody>
+          <a:bodyPr rot="0" spcFirstLastPara="0" vertOverflow="overflow" horzOverflow="overflow" vert="horz" wrap="square" lIns="91440" tIns="45720" rIns="91440" bIns="45720" numCol="1" spcCol="0" rtlCol="0" fromWordArt="0" anchor="ctr" anchorCtr="0" forceAA="0" compatLnSpc="1">
+            <a:prstTxWarp prst="textNoShape">
+              <a:avLst/>
+            </a:prstTxWarp>
+            <a:noAutofit/>
+          </a:bodyPr>
+          <a:lstStyle/>
+          <a:p>
+            <a:pPr algn="ctr"/>
+            <a:endParaRPr lang="ko-KR" altLang="en-US" sz="2000">
+              <a:solidFill>
+                <a:schemeClr val="tx1"/>
+              </a:solidFill>
+              <a:latin typeface="Consolas" pitchFamily="49" charset="0"/>
+              <a:cs typeface="Consolas" pitchFamily="49" charset="0"/>
+            </a:endParaRPr>
+          </a:p>
+        </p:txBody>
+      </p:sp>
+      <p:sp>
+        <p:nvSpPr>
+          <p:cNvPr id="15" name="직사각형 14">
+            <a:extLst>
+              <a:ext uri="{FF2B5EF4-FFF2-40B4-BE49-F238E27FC236}">
+                <a16:creationId xmlns:a16="http://schemas.microsoft.com/office/drawing/2014/main" id="{D313945D-5A98-4576-B4B6-AE785B2F27D0}"/>
+              </a:ext>
+            </a:extLst>
+          </p:cNvPr>
+          <p:cNvSpPr/>
+          <p:nvPr/>
+        </p:nvSpPr>
+        <p:spPr>
+          <a:xfrm>
+            <a:off x="1043608" y="5229200"/>
+            <a:ext cx="1584176" cy="432048"/>
+          </a:xfrm>
+          <a:prstGeom prst="rect">
+            <a:avLst/>
+          </a:prstGeom>
+          <a:solidFill>
+            <a:schemeClr val="bg1">
+              <a:lumMod val="75000"/>
+            </a:schemeClr>
+          </a:solidFill>
+          <a:ln w="9525"/>
+        </p:spPr>
+        <p:style>
+          <a:lnRef idx="2">
+            <a:schemeClr val="accent1">
+              <a:shade val="50000"/>
+            </a:schemeClr>
+          </a:lnRef>
+          <a:fillRef idx="1">
+            <a:schemeClr val="accent1"/>
+          </a:fillRef>
+          <a:effectRef idx="0">
+            <a:schemeClr val="accent1"/>
+          </a:effectRef>
+          <a:fontRef idx="minor">
+            <a:schemeClr val="lt1"/>
+          </a:fontRef>
+        </p:style>
+        <p:txBody>
+          <a:bodyPr rot="0" spcFirstLastPara="0" vertOverflow="overflow" horzOverflow="overflow" vert="horz" wrap="square" lIns="91440" tIns="45720" rIns="91440" bIns="45720" numCol="1" spcCol="0" rtlCol="0" fromWordArt="0" anchor="ctr" anchorCtr="0" forceAA="0" compatLnSpc="1">
+            <a:prstTxWarp prst="textNoShape">
+              <a:avLst/>
+            </a:prstTxWarp>
+            <a:noAutofit/>
+          </a:bodyPr>
+          <a:lstStyle/>
+          <a:p>
+            <a:pPr algn="ctr"/>
+            <a:endParaRPr lang="ko-KR" altLang="en-US" sz="2000">
+              <a:solidFill>
+                <a:schemeClr val="tx1"/>
+              </a:solidFill>
+              <a:latin typeface="Consolas" pitchFamily="49" charset="0"/>
+              <a:cs typeface="Consolas" pitchFamily="49" charset="0"/>
+            </a:endParaRPr>
+          </a:p>
+        </p:txBody>
+      </p:sp>
+      <p:sp>
+        <p:nvSpPr>
+          <p:cNvPr id="16" name="TextBox 15">
+            <a:extLst>
+              <a:ext uri="{FF2B5EF4-FFF2-40B4-BE49-F238E27FC236}">
+                <a16:creationId xmlns:a16="http://schemas.microsoft.com/office/drawing/2014/main" id="{4092C110-1CE8-430C-BA36-CE1D78195788}"/>
+              </a:ext>
+            </a:extLst>
+          </p:cNvPr>
+          <p:cNvSpPr txBox="1"/>
+          <p:nvPr/>
+        </p:nvSpPr>
+        <p:spPr>
+          <a:xfrm>
+            <a:off x="2699792" y="476672"/>
+            <a:ext cx="1877437" cy="400110"/>
+          </a:xfrm>
+          <a:prstGeom prst="rect">
+            <a:avLst/>
+          </a:prstGeom>
+          <a:noFill/>
+        </p:spPr>
+        <p:txBody>
+          <a:bodyPr wrap="none" rtlCol="0">
+            <a:spAutoFit/>
+          </a:bodyPr>
+          <a:lstStyle/>
+          <a:p>
+            <a:r>
+              <a:rPr lang="en-US" altLang="ko-KR" sz="2000">
+                <a:latin typeface="Consolas" pitchFamily="49" charset="0"/>
+                <a:cs typeface="Consolas" pitchFamily="49" charset="0"/>
+              </a:rPr>
+              <a:t>element_size</a:t>
+            </a:r>
+            <a:endParaRPr lang="ko-KR" altLang="en-US" sz="2000">
+              <a:latin typeface="Consolas" pitchFamily="49" charset="0"/>
+              <a:cs typeface="Consolas" pitchFamily="49" charset="0"/>
+            </a:endParaRPr>
+          </a:p>
+        </p:txBody>
+      </p:sp>
+      <p:sp>
+        <p:nvSpPr>
+          <p:cNvPr id="18" name="TextBox 17">
+            <a:extLst>
+              <a:ext uri="{FF2B5EF4-FFF2-40B4-BE49-F238E27FC236}">
+                <a16:creationId xmlns:a16="http://schemas.microsoft.com/office/drawing/2014/main" id="{FEEB045B-FA8E-4F69-94DB-79F7A510CFB0}"/>
+              </a:ext>
+            </a:extLst>
+          </p:cNvPr>
+          <p:cNvSpPr txBox="1"/>
+          <p:nvPr/>
+        </p:nvSpPr>
+        <p:spPr>
+          <a:xfrm>
+            <a:off x="2699791" y="908720"/>
+            <a:ext cx="2582758" cy="400110"/>
+          </a:xfrm>
+          <a:prstGeom prst="rect">
+            <a:avLst/>
+          </a:prstGeom>
+          <a:noFill/>
+        </p:spPr>
+        <p:txBody>
+          <a:bodyPr wrap="none" rtlCol="0">
+            <a:spAutoFit/>
+          </a:bodyPr>
+          <a:lstStyle/>
+          <a:p>
+            <a:r>
+              <a:rPr lang="en-US" altLang="ko-KR" sz="2000">
+                <a:latin typeface="Consolas" pitchFamily="49" charset="0"/>
+                <a:cs typeface="Consolas" pitchFamily="49" charset="0"/>
+              </a:rPr>
+              <a:t>total_nr_elements</a:t>
+            </a:r>
+            <a:endParaRPr lang="ko-KR" altLang="en-US" sz="2000">
+              <a:latin typeface="Consolas" pitchFamily="49" charset="0"/>
+              <a:cs typeface="Consolas" pitchFamily="49" charset="0"/>
+            </a:endParaRPr>
+          </a:p>
+        </p:txBody>
+      </p:sp>
+      <p:sp>
+        <p:nvSpPr>
+          <p:cNvPr id="19" name="TextBox 18">
+            <a:extLst>
+              <a:ext uri="{FF2B5EF4-FFF2-40B4-BE49-F238E27FC236}">
+                <a16:creationId xmlns:a16="http://schemas.microsoft.com/office/drawing/2014/main" id="{46D261E9-E9CB-4708-9183-E767DBFCACE6}"/>
+              </a:ext>
+            </a:extLst>
+          </p:cNvPr>
+          <p:cNvSpPr txBox="1"/>
+          <p:nvPr/>
+        </p:nvSpPr>
+        <p:spPr>
+          <a:xfrm>
+            <a:off x="2699791" y="1340768"/>
+            <a:ext cx="2159566" cy="400110"/>
+          </a:xfrm>
+          <a:prstGeom prst="rect">
+            <a:avLst/>
+          </a:prstGeom>
+          <a:noFill/>
+        </p:spPr>
+        <p:txBody>
+          <a:bodyPr wrap="none" rtlCol="0">
+            <a:spAutoFit/>
+          </a:bodyPr>
+          <a:lstStyle/>
+          <a:p>
+            <a:r>
+              <a:rPr lang="en-US" altLang="ko-KR" sz="2000">
+                <a:latin typeface="Consolas" pitchFamily="49" charset="0"/>
+                <a:cs typeface="Consolas" pitchFamily="49" charset="0"/>
+              </a:rPr>
+              <a:t>elems_per_part</a:t>
+            </a:r>
+            <a:endParaRPr lang="ko-KR" altLang="en-US" sz="2000">
+              <a:latin typeface="Consolas" pitchFamily="49" charset="0"/>
+              <a:cs typeface="Consolas" pitchFamily="49" charset="0"/>
+            </a:endParaRPr>
+          </a:p>
+        </p:txBody>
+      </p:sp>
+      <p:sp>
+        <p:nvSpPr>
+          <p:cNvPr id="20" name="TextBox 19">
+            <a:extLst>
+              <a:ext uri="{FF2B5EF4-FFF2-40B4-BE49-F238E27FC236}">
+                <a16:creationId xmlns:a16="http://schemas.microsoft.com/office/drawing/2014/main" id="{002102A7-0B45-4469-AB1F-6052D4C2FBF5}"/>
+              </a:ext>
+            </a:extLst>
+          </p:cNvPr>
+          <p:cNvSpPr txBox="1"/>
+          <p:nvPr/>
+        </p:nvSpPr>
+        <p:spPr>
+          <a:xfrm>
+            <a:off x="2699792" y="1740878"/>
+            <a:ext cx="2441694" cy="400110"/>
+          </a:xfrm>
+          <a:prstGeom prst="rect">
+            <a:avLst/>
+          </a:prstGeom>
+          <a:noFill/>
+        </p:spPr>
+        <p:txBody>
+          <a:bodyPr wrap="none" rtlCol="0">
+            <a:spAutoFit/>
+          </a:bodyPr>
+          <a:lstStyle/>
+          <a:p>
+            <a:r>
+              <a:rPr lang="en-US" altLang="ko-KR" sz="2000">
+                <a:latin typeface="Consolas" pitchFamily="49" charset="0"/>
+                <a:cs typeface="Consolas" pitchFamily="49" charset="0"/>
+              </a:rPr>
+              <a:t>reciprocal_elems</a:t>
+            </a:r>
+            <a:endParaRPr lang="ko-KR" altLang="en-US" sz="2000">
+              <a:latin typeface="Consolas" pitchFamily="49" charset="0"/>
+              <a:cs typeface="Consolas" pitchFamily="49" charset="0"/>
+            </a:endParaRPr>
+          </a:p>
+        </p:txBody>
+      </p:sp>
+      <p:sp>
+        <p:nvSpPr>
+          <p:cNvPr id="24" name="TextBox 23">
+            <a:extLst>
+              <a:ext uri="{FF2B5EF4-FFF2-40B4-BE49-F238E27FC236}">
+                <a16:creationId xmlns:a16="http://schemas.microsoft.com/office/drawing/2014/main" id="{E77FF436-DBBF-4413-ACD6-2AFFBF15E484}"/>
+              </a:ext>
+            </a:extLst>
+          </p:cNvPr>
+          <p:cNvSpPr txBox="1"/>
+          <p:nvPr/>
+        </p:nvSpPr>
+        <p:spPr>
+          <a:xfrm>
+            <a:off x="5292080" y="-36980"/>
+            <a:ext cx="4980851" cy="1015663"/>
+          </a:xfrm>
+          <a:prstGeom prst="rect">
+            <a:avLst/>
+          </a:prstGeom>
+          <a:noFill/>
+        </p:spPr>
+        <p:txBody>
+          <a:bodyPr wrap="none" rtlCol="0">
+            <a:spAutoFit/>
+          </a:bodyPr>
+          <a:lstStyle/>
+          <a:p>
+            <a:r>
+              <a:rPr lang="en-US" altLang="ko-KR" sz="2000">
+                <a:latin typeface="Consolas" pitchFamily="49" charset="0"/>
+                <a:cs typeface="Consolas" pitchFamily="49" charset="0"/>
+              </a:rPr>
+              <a:t>int data=10;</a:t>
+            </a:r>
+          </a:p>
+          <a:p>
+            <a:r>
+              <a:rPr lang="en-US" altLang="ko-KR" sz="2000">
+                <a:latin typeface="Consolas" pitchFamily="49" charset="0"/>
+                <a:cs typeface="Consolas" pitchFamily="49" charset="0"/>
+              </a:rPr>
+              <a:t>flex_array_put( fa,100,&amp;data, 0 );</a:t>
+            </a:r>
+          </a:p>
+          <a:p>
+            <a:r>
+              <a:rPr lang="en-US" altLang="ko-KR" sz="2000">
+                <a:latin typeface="Consolas" pitchFamily="49" charset="0"/>
+                <a:cs typeface="Consolas" pitchFamily="49" charset="0"/>
+              </a:rPr>
+              <a:t>   fa[100] = 10;  </a:t>
+            </a:r>
+            <a:endParaRPr lang="ko-KR" altLang="en-US" sz="2000">
+              <a:latin typeface="Consolas" pitchFamily="49" charset="0"/>
+              <a:cs typeface="Consolas" pitchFamily="49" charset="0"/>
+            </a:endParaRPr>
+          </a:p>
+        </p:txBody>
+      </p:sp>
+      <p:sp>
+        <p:nvSpPr>
+          <p:cNvPr id="26" name="TextBox 25">
+            <a:extLst>
+              <a:ext uri="{FF2B5EF4-FFF2-40B4-BE49-F238E27FC236}">
+                <a16:creationId xmlns:a16="http://schemas.microsoft.com/office/drawing/2014/main" id="{B2B9539B-1EE1-4F55-83C4-4E7ED92CC11C}"/>
+              </a:ext>
+            </a:extLst>
+          </p:cNvPr>
+          <p:cNvSpPr txBox="1"/>
+          <p:nvPr/>
+        </p:nvSpPr>
+        <p:spPr>
+          <a:xfrm>
+            <a:off x="2699792" y="2172926"/>
+            <a:ext cx="1454244" cy="400110"/>
+          </a:xfrm>
+          <a:prstGeom prst="rect">
+            <a:avLst/>
+          </a:prstGeom>
+          <a:noFill/>
+        </p:spPr>
+        <p:txBody>
+          <a:bodyPr wrap="none" rtlCol="0">
+            <a:spAutoFit/>
+          </a:bodyPr>
+          <a:lstStyle/>
+          <a:p>
+            <a:r>
+              <a:rPr lang="en-US" altLang="ko-KR" sz="2000">
+                <a:latin typeface="Consolas" pitchFamily="49" charset="0"/>
+                <a:cs typeface="Consolas" pitchFamily="49" charset="0"/>
+              </a:rPr>
+              <a:t>*parts[0]</a:t>
+            </a:r>
+            <a:endParaRPr lang="ko-KR" altLang="en-US" sz="2000">
+              <a:latin typeface="Consolas" pitchFamily="49" charset="0"/>
+              <a:cs typeface="Consolas" pitchFamily="49" charset="0"/>
+            </a:endParaRPr>
+          </a:p>
+        </p:txBody>
+      </p:sp>
+      <p:cxnSp>
+        <p:nvCxnSpPr>
+          <p:cNvPr id="28" name="직선 연결선 27">
+            <a:extLst>
+              <a:ext uri="{FF2B5EF4-FFF2-40B4-BE49-F238E27FC236}">
+                <a16:creationId xmlns:a16="http://schemas.microsoft.com/office/drawing/2014/main" id="{2597CF6E-7A23-45D1-9E61-26A456D6A749}"/>
+              </a:ext>
+            </a:extLst>
+          </p:cNvPr>
+          <p:cNvCxnSpPr/>
+          <p:nvPr/>
+        </p:nvCxnSpPr>
+        <p:spPr>
+          <a:xfrm>
+            <a:off x="467544" y="476672"/>
+            <a:ext cx="576064" cy="0"/>
+          </a:xfrm>
+          <a:prstGeom prst="line">
+            <a:avLst/>
+          </a:prstGeom>
+        </p:spPr>
+        <p:style>
+          <a:lnRef idx="1">
+            <a:schemeClr val="accent1"/>
+          </a:lnRef>
+          <a:fillRef idx="0">
+            <a:schemeClr val="accent1"/>
+          </a:fillRef>
+          <a:effectRef idx="0">
+            <a:schemeClr val="accent1"/>
+          </a:effectRef>
+          <a:fontRef idx="minor">
+            <a:schemeClr val="tx1"/>
+          </a:fontRef>
+        </p:style>
+      </p:cxnSp>
+      <p:cxnSp>
+        <p:nvCxnSpPr>
+          <p:cNvPr id="29" name="직선 연결선 28">
+            <a:extLst>
+              <a:ext uri="{FF2B5EF4-FFF2-40B4-BE49-F238E27FC236}">
+                <a16:creationId xmlns:a16="http://schemas.microsoft.com/office/drawing/2014/main" id="{8E37DD39-F2E2-4974-9483-11C78844C183}"/>
+              </a:ext>
+            </a:extLst>
+          </p:cNvPr>
+          <p:cNvCxnSpPr/>
+          <p:nvPr/>
+        </p:nvCxnSpPr>
+        <p:spPr>
+          <a:xfrm>
+            <a:off x="467544" y="2204864"/>
+            <a:ext cx="576064" cy="0"/>
+          </a:xfrm>
+          <a:prstGeom prst="line">
+            <a:avLst/>
+          </a:prstGeom>
+        </p:spPr>
+        <p:style>
+          <a:lnRef idx="1">
+            <a:schemeClr val="accent1"/>
+          </a:lnRef>
+          <a:fillRef idx="0">
+            <a:schemeClr val="accent1"/>
+          </a:fillRef>
+          <a:effectRef idx="0">
+            <a:schemeClr val="accent1"/>
+          </a:effectRef>
+          <a:fontRef idx="minor">
+            <a:schemeClr val="tx1"/>
+          </a:fontRef>
+        </p:style>
+      </p:cxnSp>
+      <p:cxnSp>
+        <p:nvCxnSpPr>
+          <p:cNvPr id="31" name="직선 화살표 연결선 30">
+            <a:extLst>
+              <a:ext uri="{FF2B5EF4-FFF2-40B4-BE49-F238E27FC236}">
+                <a16:creationId xmlns:a16="http://schemas.microsoft.com/office/drawing/2014/main" id="{8C60FBBB-005D-4CFD-9D3E-4D1F1A4E529C}"/>
+              </a:ext>
+            </a:extLst>
+          </p:cNvPr>
+          <p:cNvCxnSpPr/>
+          <p:nvPr/>
+        </p:nvCxnSpPr>
+        <p:spPr>
+          <a:xfrm flipV="1">
+            <a:off x="683568" y="476672"/>
+            <a:ext cx="0" cy="1728192"/>
+          </a:xfrm>
+          <a:prstGeom prst="straightConnector1">
+            <a:avLst/>
+          </a:prstGeom>
+          <a:ln>
+            <a:solidFill>
+              <a:srgbClr val="FF0000"/>
+            </a:solidFill>
+            <a:tailEnd type="triangle"/>
+          </a:ln>
+        </p:spPr>
+        <p:style>
+          <a:lnRef idx="1">
+            <a:schemeClr val="accent1"/>
+          </a:lnRef>
+          <a:fillRef idx="0">
+            <a:schemeClr val="accent1"/>
+          </a:fillRef>
+          <a:effectRef idx="0">
+            <a:schemeClr val="accent1"/>
+          </a:effectRef>
+          <a:fontRef idx="minor">
+            <a:schemeClr val="tx1"/>
+          </a:fontRef>
+        </p:style>
+      </p:cxnSp>
+      <p:sp>
+        <p:nvSpPr>
+          <p:cNvPr id="32" name="TextBox 31">
+            <a:extLst>
+              <a:ext uri="{FF2B5EF4-FFF2-40B4-BE49-F238E27FC236}">
+                <a16:creationId xmlns:a16="http://schemas.microsoft.com/office/drawing/2014/main" id="{6F62AC11-7C68-4E20-BFE0-5976D9C2DF04}"/>
+              </a:ext>
+            </a:extLst>
+          </p:cNvPr>
+          <p:cNvSpPr txBox="1"/>
+          <p:nvPr/>
+        </p:nvSpPr>
+        <p:spPr>
+          <a:xfrm>
+            <a:off x="26741" y="1059743"/>
+            <a:ext cx="466794" cy="400110"/>
+          </a:xfrm>
+          <a:prstGeom prst="rect">
+            <a:avLst/>
+          </a:prstGeom>
+          <a:noFill/>
+        </p:spPr>
+        <p:txBody>
+          <a:bodyPr wrap="none" rtlCol="0">
+            <a:spAutoFit/>
+          </a:bodyPr>
+          <a:lstStyle/>
+          <a:p>
+            <a:r>
+              <a:rPr lang="en-US" altLang="ko-KR" sz="2000">
+                <a:latin typeface="Consolas" pitchFamily="49" charset="0"/>
+                <a:cs typeface="Consolas" pitchFamily="49" charset="0"/>
+              </a:rPr>
+              <a:t>16</a:t>
+            </a:r>
+            <a:endParaRPr lang="ko-KR" altLang="en-US" sz="2000">
+              <a:latin typeface="Consolas" pitchFamily="49" charset="0"/>
+              <a:cs typeface="Consolas" pitchFamily="49" charset="0"/>
+            </a:endParaRPr>
+          </a:p>
+        </p:txBody>
+      </p:sp>
+      <p:sp>
+        <p:nvSpPr>
+          <p:cNvPr id="45" name="TextBox 44">
+            <a:extLst>
+              <a:ext uri="{FF2B5EF4-FFF2-40B4-BE49-F238E27FC236}">
+                <a16:creationId xmlns:a16="http://schemas.microsoft.com/office/drawing/2014/main" id="{E9031781-ED11-4196-986B-794C37059C85}"/>
+              </a:ext>
+            </a:extLst>
+          </p:cNvPr>
+          <p:cNvSpPr txBox="1"/>
+          <p:nvPr/>
+        </p:nvSpPr>
+        <p:spPr>
+          <a:xfrm>
+            <a:off x="-331323" y="227585"/>
+            <a:ext cx="466794" cy="400110"/>
+          </a:xfrm>
+          <a:prstGeom prst="rect">
+            <a:avLst/>
+          </a:prstGeom>
+          <a:noFill/>
+        </p:spPr>
+        <p:txBody>
+          <a:bodyPr wrap="none" rtlCol="0">
+            <a:spAutoFit/>
+          </a:bodyPr>
+          <a:lstStyle/>
+          <a:p>
+            <a:r>
+              <a:rPr lang="en-US" altLang="ko-KR" sz="2000">
+                <a:latin typeface="Consolas" pitchFamily="49" charset="0"/>
+                <a:cs typeface="Consolas" pitchFamily="49" charset="0"/>
+              </a:rPr>
+              <a:t>fa</a:t>
+            </a:r>
+            <a:endParaRPr lang="ko-KR" altLang="en-US" sz="2000">
+              <a:latin typeface="Consolas" pitchFamily="49" charset="0"/>
+              <a:cs typeface="Consolas" pitchFamily="49" charset="0"/>
+            </a:endParaRPr>
+          </a:p>
+        </p:txBody>
+      </p:sp>
+      <p:sp>
+        <p:nvSpPr>
+          <p:cNvPr id="46" name="TextBox 45">
+            <a:extLst>
+              <a:ext uri="{FF2B5EF4-FFF2-40B4-BE49-F238E27FC236}">
+                <a16:creationId xmlns:a16="http://schemas.microsoft.com/office/drawing/2014/main" id="{73C2FBE2-D2D1-4CE3-9101-2B10D1CE4205}"/>
+              </a:ext>
+            </a:extLst>
+          </p:cNvPr>
+          <p:cNvSpPr txBox="1"/>
+          <p:nvPr/>
+        </p:nvSpPr>
+        <p:spPr>
+          <a:xfrm>
+            <a:off x="2699792" y="5216385"/>
+            <a:ext cx="1877437" cy="400110"/>
+          </a:xfrm>
+          <a:prstGeom prst="rect">
+            <a:avLst/>
+          </a:prstGeom>
+          <a:noFill/>
+        </p:spPr>
+        <p:txBody>
+          <a:bodyPr wrap="none" rtlCol="0">
+            <a:spAutoFit/>
+          </a:bodyPr>
+          <a:lstStyle/>
+          <a:p>
+            <a:r>
+              <a:rPr lang="en-US" altLang="ko-KR" sz="2000">
+                <a:latin typeface="Consolas" pitchFamily="49" charset="0"/>
+                <a:cs typeface="Consolas" pitchFamily="49" charset="0"/>
+              </a:rPr>
+              <a:t>*parts[1019]</a:t>
+            </a:r>
+            <a:endParaRPr lang="ko-KR" altLang="en-US" sz="2000">
+              <a:latin typeface="Consolas" pitchFamily="49" charset="0"/>
+              <a:cs typeface="Consolas" pitchFamily="49" charset="0"/>
+            </a:endParaRPr>
+          </a:p>
+        </p:txBody>
+      </p:sp>
+      <p:sp>
+        <p:nvSpPr>
+          <p:cNvPr id="47" name="TextBox 46">
+            <a:extLst>
+              <a:ext uri="{FF2B5EF4-FFF2-40B4-BE49-F238E27FC236}">
+                <a16:creationId xmlns:a16="http://schemas.microsoft.com/office/drawing/2014/main" id="{2DC3F705-FF26-4E7D-B56D-0B3591401A55}"/>
+              </a:ext>
+            </a:extLst>
+          </p:cNvPr>
+          <p:cNvSpPr txBox="1"/>
+          <p:nvPr/>
+        </p:nvSpPr>
+        <p:spPr>
+          <a:xfrm>
+            <a:off x="2669884" y="4365104"/>
+            <a:ext cx="1736373" cy="400110"/>
+          </a:xfrm>
+          <a:prstGeom prst="rect">
+            <a:avLst/>
+          </a:prstGeom>
+          <a:noFill/>
+        </p:spPr>
+        <p:txBody>
+          <a:bodyPr wrap="none" rtlCol="0">
+            <a:spAutoFit/>
+          </a:bodyPr>
+          <a:lstStyle/>
+          <a:p>
+            <a:r>
+              <a:rPr lang="en-US" altLang="ko-KR" sz="2000">
+                <a:latin typeface="Consolas" pitchFamily="49" charset="0"/>
+                <a:cs typeface="Consolas" pitchFamily="49" charset="0"/>
+              </a:rPr>
+              <a:t>*parts[999]</a:t>
+            </a:r>
+            <a:endParaRPr lang="ko-KR" altLang="en-US" sz="2000">
+              <a:latin typeface="Consolas" pitchFamily="49" charset="0"/>
+              <a:cs typeface="Consolas" pitchFamily="49" charset="0"/>
+            </a:endParaRPr>
+          </a:p>
+        </p:txBody>
+      </p:sp>
+      <p:sp>
+        <p:nvSpPr>
+          <p:cNvPr id="27" name="직사각형 26">
+            <a:extLst>
+              <a:ext uri="{FF2B5EF4-FFF2-40B4-BE49-F238E27FC236}">
+                <a16:creationId xmlns:a16="http://schemas.microsoft.com/office/drawing/2014/main" id="{ECC14124-881F-4E83-B411-1F78180643B3}"/>
+              </a:ext>
+            </a:extLst>
+          </p:cNvPr>
+          <p:cNvSpPr/>
+          <p:nvPr/>
+        </p:nvSpPr>
+        <p:spPr>
+          <a:xfrm>
+            <a:off x="5940152" y="1466615"/>
+            <a:ext cx="936104" cy="365848"/>
+          </a:xfrm>
+          <a:prstGeom prst="rect">
+            <a:avLst/>
+          </a:prstGeom>
+          <a:solidFill>
+            <a:srgbClr val="FFFF00"/>
+          </a:solidFill>
+          <a:ln w="9525"/>
+        </p:spPr>
+        <p:style>
+          <a:lnRef idx="2">
+            <a:schemeClr val="accent1">
+              <a:shade val="50000"/>
+            </a:schemeClr>
+          </a:lnRef>
+          <a:fillRef idx="1">
+            <a:schemeClr val="accent1"/>
+          </a:fillRef>
+          <a:effectRef idx="0">
+            <a:schemeClr val="accent1"/>
+          </a:effectRef>
+          <a:fontRef idx="minor">
+            <a:schemeClr val="lt1"/>
+          </a:fontRef>
+        </p:style>
+        <p:txBody>
+          <a:bodyPr rot="0" spcFirstLastPara="0" vertOverflow="overflow" horzOverflow="overflow" vert="horz" wrap="square" lIns="91440" tIns="45720" rIns="91440" bIns="45720" numCol="1" spcCol="0" rtlCol="0" fromWordArt="0" anchor="ctr" anchorCtr="0" forceAA="0" compatLnSpc="1">
+            <a:prstTxWarp prst="textNoShape">
+              <a:avLst/>
+            </a:prstTxWarp>
+            <a:noAutofit/>
+          </a:bodyPr>
+          <a:lstStyle/>
+          <a:p>
+            <a:pPr algn="ctr"/>
+            <a:r>
+              <a:rPr lang="en-US" altLang="ko-KR" sz="2000">
+                <a:solidFill>
+                  <a:schemeClr val="tx1"/>
+                </a:solidFill>
+                <a:latin typeface="Consolas" pitchFamily="49" charset="0"/>
+                <a:cs typeface="Consolas" pitchFamily="49" charset="0"/>
+              </a:rPr>
+              <a:t>10</a:t>
+            </a:r>
+            <a:endParaRPr lang="ko-KR" altLang="en-US" sz="2000">
+              <a:solidFill>
+                <a:schemeClr val="tx1"/>
+              </a:solidFill>
+              <a:latin typeface="Consolas" pitchFamily="49" charset="0"/>
+              <a:cs typeface="Consolas" pitchFamily="49" charset="0"/>
+            </a:endParaRPr>
+          </a:p>
+        </p:txBody>
+      </p:sp>
+      <p:sp>
+        <p:nvSpPr>
+          <p:cNvPr id="30" name="TextBox 29">
+            <a:extLst>
+              <a:ext uri="{FF2B5EF4-FFF2-40B4-BE49-F238E27FC236}">
+                <a16:creationId xmlns:a16="http://schemas.microsoft.com/office/drawing/2014/main" id="{AA2D1DB4-78D1-413E-B3C2-2B674ACA78C2}"/>
+              </a:ext>
+            </a:extLst>
+          </p:cNvPr>
+          <p:cNvSpPr txBox="1"/>
+          <p:nvPr/>
+        </p:nvSpPr>
+        <p:spPr>
+          <a:xfrm>
+            <a:off x="6849511" y="1418873"/>
+            <a:ext cx="748923" cy="400110"/>
+          </a:xfrm>
+          <a:prstGeom prst="rect">
+            <a:avLst/>
+          </a:prstGeom>
+          <a:noFill/>
+        </p:spPr>
+        <p:txBody>
+          <a:bodyPr wrap="none" rtlCol="0">
+            <a:spAutoFit/>
+          </a:bodyPr>
+          <a:lstStyle/>
+          <a:p>
+            <a:r>
+              <a:rPr lang="en-US" altLang="ko-KR" sz="2000">
+                <a:latin typeface="Consolas" pitchFamily="49" charset="0"/>
+                <a:cs typeface="Consolas" pitchFamily="49" charset="0"/>
+              </a:rPr>
+              <a:t>data</a:t>
+            </a:r>
+            <a:endParaRPr lang="ko-KR" altLang="en-US" sz="2000">
+              <a:latin typeface="Consolas" pitchFamily="49" charset="0"/>
+              <a:cs typeface="Consolas" pitchFamily="49" charset="0"/>
+            </a:endParaRPr>
+          </a:p>
+        </p:txBody>
+      </p:sp>
+      <p:sp>
+        <p:nvSpPr>
+          <p:cNvPr id="33" name="직사각형 32">
+            <a:extLst>
+              <a:ext uri="{FF2B5EF4-FFF2-40B4-BE49-F238E27FC236}">
+                <a16:creationId xmlns:a16="http://schemas.microsoft.com/office/drawing/2014/main" id="{164546D7-B454-4F39-BAC8-6F9936736119}"/>
+              </a:ext>
+            </a:extLst>
+          </p:cNvPr>
+          <p:cNvSpPr/>
+          <p:nvPr/>
+        </p:nvSpPr>
+        <p:spPr>
+          <a:xfrm>
+            <a:off x="5940152" y="2020583"/>
+            <a:ext cx="936104" cy="365848"/>
+          </a:xfrm>
+          <a:prstGeom prst="rect">
+            <a:avLst/>
+          </a:prstGeom>
+          <a:solidFill>
+            <a:srgbClr val="FFFF00"/>
+          </a:solidFill>
+          <a:ln w="9525"/>
+        </p:spPr>
+        <p:style>
+          <a:lnRef idx="2">
+            <a:schemeClr val="accent1">
+              <a:shade val="50000"/>
+            </a:schemeClr>
+          </a:lnRef>
+          <a:fillRef idx="1">
+            <a:schemeClr val="accent1"/>
+          </a:fillRef>
+          <a:effectRef idx="0">
+            <a:schemeClr val="accent1"/>
+          </a:effectRef>
+          <a:fontRef idx="minor">
+            <a:schemeClr val="lt1"/>
+          </a:fontRef>
+        </p:style>
+        <p:txBody>
+          <a:bodyPr rot="0" spcFirstLastPara="0" vertOverflow="overflow" horzOverflow="overflow" vert="horz" wrap="square" lIns="91440" tIns="45720" rIns="91440" bIns="45720" numCol="1" spcCol="0" rtlCol="0" fromWordArt="0" anchor="ctr" anchorCtr="0" forceAA="0" compatLnSpc="1">
+            <a:prstTxWarp prst="textNoShape">
+              <a:avLst/>
+            </a:prstTxWarp>
+            <a:noAutofit/>
+          </a:bodyPr>
+          <a:lstStyle/>
+          <a:p>
+            <a:pPr algn="ctr"/>
+            <a:r>
+              <a:rPr lang="en-US" altLang="ko-KR" sz="2000">
+                <a:solidFill>
+                  <a:schemeClr val="tx1"/>
+                </a:solidFill>
+                <a:latin typeface="Consolas" pitchFamily="49" charset="0"/>
+                <a:cs typeface="Consolas" pitchFamily="49" charset="0"/>
+              </a:rPr>
+              <a:t>0</a:t>
+            </a:r>
+            <a:endParaRPr lang="ko-KR" altLang="en-US" sz="2000">
+              <a:solidFill>
+                <a:schemeClr val="tx1"/>
+              </a:solidFill>
+              <a:latin typeface="Consolas" pitchFamily="49" charset="0"/>
+              <a:cs typeface="Consolas" pitchFamily="49" charset="0"/>
+            </a:endParaRPr>
+          </a:p>
+        </p:txBody>
+      </p:sp>
+      <p:sp>
+        <p:nvSpPr>
+          <p:cNvPr id="34" name="TextBox 33">
+            <a:extLst>
+              <a:ext uri="{FF2B5EF4-FFF2-40B4-BE49-F238E27FC236}">
+                <a16:creationId xmlns:a16="http://schemas.microsoft.com/office/drawing/2014/main" id="{BAA74B88-3EFB-44BB-8BF6-D915B2952A1C}"/>
+              </a:ext>
+            </a:extLst>
+          </p:cNvPr>
+          <p:cNvSpPr txBox="1"/>
+          <p:nvPr/>
+        </p:nvSpPr>
+        <p:spPr>
+          <a:xfrm>
+            <a:off x="6849511" y="1972841"/>
+            <a:ext cx="1172116" cy="400110"/>
+          </a:xfrm>
+          <a:prstGeom prst="rect">
+            <a:avLst/>
+          </a:prstGeom>
+          <a:noFill/>
+        </p:spPr>
+        <p:txBody>
+          <a:bodyPr wrap="none" rtlCol="0">
+            <a:spAutoFit/>
+          </a:bodyPr>
+          <a:lstStyle/>
+          <a:p>
+            <a:r>
+              <a:rPr lang="en-US" altLang="ko-KR" sz="2000">
+                <a:latin typeface="Consolas" pitchFamily="49" charset="0"/>
+                <a:cs typeface="Consolas" pitchFamily="49" charset="0"/>
+              </a:rPr>
+              <a:t>part_nr</a:t>
+            </a:r>
+            <a:endParaRPr lang="ko-KR" altLang="en-US" sz="2000">
+              <a:latin typeface="Consolas" pitchFamily="49" charset="0"/>
+              <a:cs typeface="Consolas" pitchFamily="49" charset="0"/>
+            </a:endParaRPr>
+          </a:p>
+        </p:txBody>
+      </p:sp>
+      <p:sp>
+        <p:nvSpPr>
+          <p:cNvPr id="35" name="직사각형 34">
+            <a:extLst>
+              <a:ext uri="{FF2B5EF4-FFF2-40B4-BE49-F238E27FC236}">
+                <a16:creationId xmlns:a16="http://schemas.microsoft.com/office/drawing/2014/main" id="{AC6E283B-0E8A-4107-988C-E40770C69344}"/>
+              </a:ext>
+            </a:extLst>
+          </p:cNvPr>
+          <p:cNvSpPr/>
+          <p:nvPr/>
+        </p:nvSpPr>
+        <p:spPr>
+          <a:xfrm>
+            <a:off x="5956290" y="2529441"/>
+            <a:ext cx="936104" cy="365848"/>
+          </a:xfrm>
+          <a:prstGeom prst="rect">
+            <a:avLst/>
+          </a:prstGeom>
+          <a:solidFill>
+            <a:srgbClr val="FFFF00"/>
+          </a:solidFill>
+          <a:ln w="9525"/>
+        </p:spPr>
+        <p:style>
+          <a:lnRef idx="2">
+            <a:schemeClr val="accent1">
+              <a:shade val="50000"/>
+            </a:schemeClr>
+          </a:lnRef>
+          <a:fillRef idx="1">
+            <a:schemeClr val="accent1"/>
+          </a:fillRef>
+          <a:effectRef idx="0">
+            <a:schemeClr val="accent1"/>
+          </a:effectRef>
+          <a:fontRef idx="minor">
+            <a:schemeClr val="lt1"/>
+          </a:fontRef>
+        </p:style>
+        <p:txBody>
+          <a:bodyPr rot="0" spcFirstLastPara="0" vertOverflow="overflow" horzOverflow="overflow" vert="horz" wrap="square" lIns="91440" tIns="45720" rIns="91440" bIns="45720" numCol="1" spcCol="0" rtlCol="0" fromWordArt="0" anchor="ctr" anchorCtr="0" forceAA="0" compatLnSpc="1">
+            <a:prstTxWarp prst="textNoShape">
+              <a:avLst/>
+            </a:prstTxWarp>
+            <a:noAutofit/>
+          </a:bodyPr>
+          <a:lstStyle/>
+          <a:p>
+            <a:pPr algn="ctr"/>
+            <a:endParaRPr lang="ko-KR" altLang="en-US" sz="2000">
+              <a:solidFill>
+                <a:schemeClr val="tx1"/>
+              </a:solidFill>
+              <a:latin typeface="Consolas" pitchFamily="49" charset="0"/>
+              <a:cs typeface="Consolas" pitchFamily="49" charset="0"/>
+            </a:endParaRPr>
+          </a:p>
+        </p:txBody>
+      </p:sp>
+      <p:sp>
+        <p:nvSpPr>
+          <p:cNvPr id="36" name="TextBox 35">
+            <a:extLst>
+              <a:ext uri="{FF2B5EF4-FFF2-40B4-BE49-F238E27FC236}">
+                <a16:creationId xmlns:a16="http://schemas.microsoft.com/office/drawing/2014/main" id="{A96C5B90-D300-4C4A-896C-2BCD8EB99A0D}"/>
+              </a:ext>
+            </a:extLst>
+          </p:cNvPr>
+          <p:cNvSpPr txBox="1"/>
+          <p:nvPr/>
+        </p:nvSpPr>
+        <p:spPr>
+          <a:xfrm>
+            <a:off x="6865649" y="2481699"/>
+            <a:ext cx="748923" cy="400110"/>
+          </a:xfrm>
+          <a:prstGeom prst="rect">
+            <a:avLst/>
+          </a:prstGeom>
+          <a:noFill/>
+        </p:spPr>
+        <p:txBody>
+          <a:bodyPr wrap="none" rtlCol="0">
+            <a:spAutoFit/>
+          </a:bodyPr>
+          <a:lstStyle/>
+          <a:p>
+            <a:r>
+              <a:rPr lang="en-US" altLang="ko-KR" sz="2000">
+                <a:latin typeface="Consolas" pitchFamily="49" charset="0"/>
+                <a:cs typeface="Consolas" pitchFamily="49" charset="0"/>
+              </a:rPr>
+              <a:t>part</a:t>
+            </a:r>
+            <a:endParaRPr lang="ko-KR" altLang="en-US" sz="2000">
+              <a:latin typeface="Consolas" pitchFamily="49" charset="0"/>
+              <a:cs typeface="Consolas" pitchFamily="49" charset="0"/>
+            </a:endParaRPr>
+          </a:p>
+        </p:txBody>
+      </p:sp>
+      <p:sp>
+        <p:nvSpPr>
+          <p:cNvPr id="37" name="직사각형 36">
+            <a:extLst>
+              <a:ext uri="{FF2B5EF4-FFF2-40B4-BE49-F238E27FC236}">
+                <a16:creationId xmlns:a16="http://schemas.microsoft.com/office/drawing/2014/main" id="{2C41B91F-E7F0-408E-8E87-C1E4FB6488A4}"/>
+              </a:ext>
+            </a:extLst>
+          </p:cNvPr>
+          <p:cNvSpPr/>
+          <p:nvPr/>
+        </p:nvSpPr>
+        <p:spPr>
+          <a:xfrm>
+            <a:off x="5979047" y="3092816"/>
+            <a:ext cx="936104" cy="365848"/>
+          </a:xfrm>
+          <a:prstGeom prst="rect">
+            <a:avLst/>
+          </a:prstGeom>
+          <a:solidFill>
+            <a:srgbClr val="FFFF00"/>
+          </a:solidFill>
+          <a:ln w="9525"/>
+        </p:spPr>
+        <p:style>
+          <a:lnRef idx="2">
+            <a:schemeClr val="accent1">
+              <a:shade val="50000"/>
+            </a:schemeClr>
+          </a:lnRef>
+          <a:fillRef idx="1">
+            <a:schemeClr val="accent1"/>
+          </a:fillRef>
+          <a:effectRef idx="0">
+            <a:schemeClr val="accent1"/>
+          </a:effectRef>
+          <a:fontRef idx="minor">
+            <a:schemeClr val="lt1"/>
+          </a:fontRef>
+        </p:style>
+        <p:txBody>
+          <a:bodyPr rot="0" spcFirstLastPara="0" vertOverflow="overflow" horzOverflow="overflow" vert="horz" wrap="square" lIns="91440" tIns="45720" rIns="91440" bIns="45720" numCol="1" spcCol="0" rtlCol="0" fromWordArt="0" anchor="ctr" anchorCtr="0" forceAA="0" compatLnSpc="1">
+            <a:prstTxWarp prst="textNoShape">
+              <a:avLst/>
+            </a:prstTxWarp>
+            <a:noAutofit/>
+          </a:bodyPr>
+          <a:lstStyle/>
+          <a:p>
+            <a:pPr algn="ctr"/>
+            <a:endParaRPr lang="ko-KR" altLang="en-US" sz="2000">
+              <a:solidFill>
+                <a:schemeClr val="tx1"/>
+              </a:solidFill>
+              <a:latin typeface="Consolas" pitchFamily="49" charset="0"/>
+              <a:cs typeface="Consolas" pitchFamily="49" charset="0"/>
+            </a:endParaRPr>
+          </a:p>
+        </p:txBody>
+      </p:sp>
+      <p:sp>
+        <p:nvSpPr>
+          <p:cNvPr id="38" name="TextBox 37">
+            <a:extLst>
+              <a:ext uri="{FF2B5EF4-FFF2-40B4-BE49-F238E27FC236}">
+                <a16:creationId xmlns:a16="http://schemas.microsoft.com/office/drawing/2014/main" id="{3BDE369A-3DF2-4A3B-865B-2B51294B084B}"/>
+              </a:ext>
+            </a:extLst>
+          </p:cNvPr>
+          <p:cNvSpPr txBox="1"/>
+          <p:nvPr/>
+        </p:nvSpPr>
+        <p:spPr>
+          <a:xfrm>
+            <a:off x="6888406" y="3045074"/>
+            <a:ext cx="607859" cy="400110"/>
+          </a:xfrm>
+          <a:prstGeom prst="rect">
+            <a:avLst/>
+          </a:prstGeom>
+          <a:noFill/>
+        </p:spPr>
+        <p:txBody>
+          <a:bodyPr wrap="none" rtlCol="0">
+            <a:spAutoFit/>
+          </a:bodyPr>
+          <a:lstStyle/>
+          <a:p>
+            <a:r>
+              <a:rPr lang="en-US" altLang="ko-KR" sz="2000">
+                <a:latin typeface="Consolas" pitchFamily="49" charset="0"/>
+                <a:cs typeface="Consolas" pitchFamily="49" charset="0"/>
+              </a:rPr>
+              <a:t>dst</a:t>
+            </a:r>
+            <a:endParaRPr lang="ko-KR" altLang="en-US" sz="2000">
+              <a:latin typeface="Consolas" pitchFamily="49" charset="0"/>
+              <a:cs typeface="Consolas" pitchFamily="49" charset="0"/>
+            </a:endParaRPr>
+          </a:p>
+        </p:txBody>
+      </p:sp>
+      <p:cxnSp>
+        <p:nvCxnSpPr>
+          <p:cNvPr id="39" name="직선 화살표 연결선 38">
+            <a:extLst>
+              <a:ext uri="{FF2B5EF4-FFF2-40B4-BE49-F238E27FC236}">
+                <a16:creationId xmlns:a16="http://schemas.microsoft.com/office/drawing/2014/main" id="{8D55573A-2B83-4A5B-9256-F0657359B82C}"/>
+              </a:ext>
+            </a:extLst>
+          </p:cNvPr>
+          <p:cNvCxnSpPr>
+            <a:cxnSpLocks/>
+            <a:stCxn id="35" idx="1"/>
+          </p:cNvCxnSpPr>
+          <p:nvPr/>
+        </p:nvCxnSpPr>
+        <p:spPr>
+          <a:xfrm flipH="1" flipV="1">
+            <a:off x="2627784" y="2203507"/>
+            <a:ext cx="3328506" cy="508858"/>
+          </a:xfrm>
+          <a:prstGeom prst="straightConnector1">
+            <a:avLst/>
+          </a:prstGeom>
+          <a:ln>
+            <a:solidFill>
+              <a:srgbClr val="FF0000"/>
+            </a:solidFill>
+            <a:tailEnd type="triangle"/>
+          </a:ln>
+        </p:spPr>
+        <p:style>
+          <a:lnRef idx="1">
+            <a:schemeClr val="accent1"/>
+          </a:lnRef>
+          <a:fillRef idx="0">
+            <a:schemeClr val="accent1"/>
+          </a:fillRef>
+          <a:effectRef idx="0">
+            <a:schemeClr val="accent1"/>
+          </a:effectRef>
+          <a:fontRef idx="minor">
+            <a:schemeClr val="tx1"/>
+          </a:fontRef>
+        </p:style>
+      </p:cxnSp>
+      <p:sp>
+        <p:nvSpPr>
+          <p:cNvPr id="40" name="TextBox 39">
+            <a:extLst>
+              <a:ext uri="{FF2B5EF4-FFF2-40B4-BE49-F238E27FC236}">
+                <a16:creationId xmlns:a16="http://schemas.microsoft.com/office/drawing/2014/main" id="{4B360446-50C1-4B18-9330-6E255CB23B80}"/>
+              </a:ext>
+            </a:extLst>
+          </p:cNvPr>
+          <p:cNvSpPr txBox="1"/>
+          <p:nvPr/>
+        </p:nvSpPr>
+        <p:spPr>
+          <a:xfrm>
+            <a:off x="2626202" y="3505979"/>
+            <a:ext cx="1736373" cy="400110"/>
+          </a:xfrm>
+          <a:prstGeom prst="rect">
+            <a:avLst/>
+          </a:prstGeom>
+          <a:noFill/>
+        </p:spPr>
+        <p:txBody>
+          <a:bodyPr wrap="none" rtlCol="0">
+            <a:spAutoFit/>
+          </a:bodyPr>
+          <a:lstStyle/>
+          <a:p>
+            <a:r>
+              <a:rPr lang="en-US" altLang="ko-KR" sz="2000">
+                <a:latin typeface="Consolas" pitchFamily="49" charset="0"/>
+                <a:cs typeface="Consolas" pitchFamily="49" charset="0"/>
+              </a:rPr>
+              <a:t>*parts[100]</a:t>
+            </a:r>
+            <a:endParaRPr lang="ko-KR" altLang="en-US" sz="2000">
+              <a:latin typeface="Consolas" pitchFamily="49" charset="0"/>
+              <a:cs typeface="Consolas" pitchFamily="49" charset="0"/>
+            </a:endParaRPr>
+          </a:p>
+        </p:txBody>
+      </p:sp>
+      <p:cxnSp>
+        <p:nvCxnSpPr>
+          <p:cNvPr id="41" name="직선 연결선 40">
+            <a:extLst>
+              <a:ext uri="{FF2B5EF4-FFF2-40B4-BE49-F238E27FC236}">
+                <a16:creationId xmlns:a16="http://schemas.microsoft.com/office/drawing/2014/main" id="{15C29A6C-A5CD-4C5D-8BAA-03CE9B477B03}"/>
+              </a:ext>
+            </a:extLst>
+          </p:cNvPr>
+          <p:cNvCxnSpPr/>
+          <p:nvPr/>
+        </p:nvCxnSpPr>
+        <p:spPr>
+          <a:xfrm>
+            <a:off x="467544" y="3509213"/>
+            <a:ext cx="576064" cy="0"/>
+          </a:xfrm>
+          <a:prstGeom prst="line">
+            <a:avLst/>
+          </a:prstGeom>
+        </p:spPr>
+        <p:style>
+          <a:lnRef idx="1">
+            <a:schemeClr val="accent1"/>
+          </a:lnRef>
+          <a:fillRef idx="0">
+            <a:schemeClr val="accent1"/>
+          </a:fillRef>
+          <a:effectRef idx="0">
+            <a:schemeClr val="accent1"/>
+          </a:effectRef>
+          <a:fontRef idx="minor">
+            <a:schemeClr val="tx1"/>
+          </a:fontRef>
+        </p:style>
+      </p:cxnSp>
+      <p:cxnSp>
+        <p:nvCxnSpPr>
+          <p:cNvPr id="42" name="직선 화살표 연결선 41">
+            <a:extLst>
+              <a:ext uri="{FF2B5EF4-FFF2-40B4-BE49-F238E27FC236}">
+                <a16:creationId xmlns:a16="http://schemas.microsoft.com/office/drawing/2014/main" id="{217482D2-F332-4A1F-808E-E2AD7588A7D8}"/>
+              </a:ext>
+            </a:extLst>
+          </p:cNvPr>
+          <p:cNvCxnSpPr>
+            <a:cxnSpLocks/>
+          </p:cNvCxnSpPr>
+          <p:nvPr/>
+        </p:nvCxnSpPr>
+        <p:spPr>
+          <a:xfrm>
+            <a:off x="827584" y="2204864"/>
+            <a:ext cx="0" cy="1312555"/>
+          </a:xfrm>
+          <a:prstGeom prst="straightConnector1">
+            <a:avLst/>
+          </a:prstGeom>
+          <a:ln>
+            <a:solidFill>
+              <a:srgbClr val="FF0000"/>
+            </a:solidFill>
+            <a:tailEnd type="triangle"/>
+          </a:ln>
+        </p:spPr>
+        <p:style>
+          <a:lnRef idx="1">
+            <a:schemeClr val="accent1"/>
+          </a:lnRef>
+          <a:fillRef idx="0">
+            <a:schemeClr val="accent1"/>
+          </a:fillRef>
+          <a:effectRef idx="0">
+            <a:schemeClr val="accent1"/>
+          </a:effectRef>
+          <a:fontRef idx="minor">
+            <a:schemeClr val="tx1"/>
+          </a:fontRef>
+        </p:style>
+      </p:cxnSp>
+      <p:sp>
+        <p:nvSpPr>
+          <p:cNvPr id="43" name="TextBox 42">
+            <a:extLst>
+              <a:ext uri="{FF2B5EF4-FFF2-40B4-BE49-F238E27FC236}">
+                <a16:creationId xmlns:a16="http://schemas.microsoft.com/office/drawing/2014/main" id="{45805DCE-BF7C-496C-B530-B59AA1A4FD0C}"/>
+              </a:ext>
+            </a:extLst>
+          </p:cNvPr>
+          <p:cNvSpPr txBox="1"/>
+          <p:nvPr/>
+        </p:nvSpPr>
+        <p:spPr>
+          <a:xfrm>
+            <a:off x="105406" y="2857145"/>
+            <a:ext cx="607859" cy="400110"/>
+          </a:xfrm>
+          <a:prstGeom prst="rect">
+            <a:avLst/>
+          </a:prstGeom>
+          <a:noFill/>
+        </p:spPr>
+        <p:txBody>
+          <a:bodyPr wrap="none" rtlCol="0">
+            <a:spAutoFit/>
+          </a:bodyPr>
+          <a:lstStyle/>
+          <a:p>
+            <a:r>
+              <a:rPr lang="en-US" altLang="ko-KR" sz="2000">
+                <a:latin typeface="Consolas" pitchFamily="49" charset="0"/>
+                <a:cs typeface="Consolas" pitchFamily="49" charset="0"/>
+              </a:rPr>
+              <a:t>400</a:t>
+            </a:r>
+            <a:endParaRPr lang="ko-KR" altLang="en-US" sz="2000">
+              <a:latin typeface="Consolas" pitchFamily="49" charset="0"/>
+              <a:cs typeface="Consolas" pitchFamily="49" charset="0"/>
+            </a:endParaRPr>
+          </a:p>
+        </p:txBody>
+      </p:sp>
+      <p:cxnSp>
+        <p:nvCxnSpPr>
+          <p:cNvPr id="44" name="직선 화살표 연결선 43">
+            <a:extLst>
+              <a:ext uri="{FF2B5EF4-FFF2-40B4-BE49-F238E27FC236}">
+                <a16:creationId xmlns:a16="http://schemas.microsoft.com/office/drawing/2014/main" id="{C082C909-41C0-4E9A-A79F-59CCE3581CC6}"/>
+              </a:ext>
+            </a:extLst>
+          </p:cNvPr>
+          <p:cNvCxnSpPr>
+            <a:cxnSpLocks/>
+            <a:stCxn id="37" idx="1"/>
+          </p:cNvCxnSpPr>
+          <p:nvPr/>
+        </p:nvCxnSpPr>
+        <p:spPr>
+          <a:xfrm flipH="1">
+            <a:off x="2626202" y="3275740"/>
+            <a:ext cx="3352845" cy="229836"/>
+          </a:xfrm>
+          <a:prstGeom prst="straightConnector1">
+            <a:avLst/>
+          </a:prstGeom>
+          <a:ln>
+            <a:solidFill>
+              <a:srgbClr val="FF0000"/>
+            </a:solidFill>
+            <a:tailEnd type="triangle"/>
+          </a:ln>
+        </p:spPr>
+        <p:style>
+          <a:lnRef idx="1">
+            <a:schemeClr val="accent1"/>
+          </a:lnRef>
+          <a:fillRef idx="0">
+            <a:schemeClr val="accent1"/>
+          </a:fillRef>
+          <a:effectRef idx="0">
+            <a:schemeClr val="accent1"/>
+          </a:effectRef>
+          <a:fontRef idx="minor">
+            <a:schemeClr val="tx1"/>
+          </a:fontRef>
+        </p:style>
+      </p:cxnSp>
+    </p:spTree>
+    <p:extLst>
+      <p:ext uri="{BB962C8B-B14F-4D97-AF65-F5344CB8AC3E}">
+        <p14:creationId xmlns:p14="http://schemas.microsoft.com/office/powerpoint/2010/main" val="728866471"/>
+      </p:ext>
+    </p:extLst>
+  </p:cSld>
+  <p:clrMapOvr>
+    <a:masterClrMapping/>
+  </p:clrMapOvr>
+</p:sld>
+</file>
+
+<file path=ppt/slides/slide7.xml><?xml version="1.0" encoding="utf-8"?>
+<p:sld xmlns:a="http://schemas.openxmlformats.org/drawingml/2006/main" xmlns:r="http://schemas.openxmlformats.org/officeDocument/2006/relationships" xmlns:p="http://schemas.openxmlformats.org/presentationml/2006/main">
+  <p:cSld>
+    <p:spTree>
+      <p:nvGrpSpPr>
+        <p:cNvPr id="1" name=""/>
+        <p:cNvGrpSpPr/>
+        <p:nvPr/>
+      </p:nvGrpSpPr>
+      <p:grpSpPr>
+        <a:xfrm>
+          <a:off x="0" y="0"/>
+          <a:ext cx="0" cy="0"/>
+          <a:chOff x="0" y="0"/>
+          <a:chExt cx="0" cy="0"/>
+        </a:xfrm>
+      </p:grpSpPr>
+      <p:sp>
+        <p:nvSpPr>
+          <p:cNvPr id="4" name="직사각형 3">
+            <a:extLst>
+              <a:ext uri="{FF2B5EF4-FFF2-40B4-BE49-F238E27FC236}">
+                <a16:creationId xmlns:a16="http://schemas.microsoft.com/office/drawing/2014/main" id="{23782B9D-1E1F-4CD8-98D4-1219E1BF3155}"/>
+              </a:ext>
+            </a:extLst>
+          </p:cNvPr>
+          <p:cNvSpPr/>
+          <p:nvPr/>
+        </p:nvSpPr>
+        <p:spPr>
+          <a:xfrm>
+            <a:off x="981131" y="332656"/>
+            <a:ext cx="1584176" cy="432048"/>
+          </a:xfrm>
+          <a:prstGeom prst="rect">
+            <a:avLst/>
+          </a:prstGeom>
+          <a:solidFill>
+            <a:srgbClr val="FFC000"/>
+          </a:solidFill>
+          <a:ln w="9525"/>
+        </p:spPr>
+        <p:style>
+          <a:lnRef idx="2">
+            <a:schemeClr val="accent1">
+              <a:shade val="50000"/>
+            </a:schemeClr>
+          </a:lnRef>
+          <a:fillRef idx="1">
+            <a:schemeClr val="accent1"/>
+          </a:fillRef>
+          <a:effectRef idx="0">
+            <a:schemeClr val="accent1"/>
+          </a:effectRef>
+          <a:fontRef idx="minor">
+            <a:schemeClr val="lt1"/>
+          </a:fontRef>
+        </p:style>
+        <p:txBody>
+          <a:bodyPr rot="0" spcFirstLastPara="0" vertOverflow="overflow" horzOverflow="overflow" vert="horz" wrap="square" lIns="91440" tIns="45720" rIns="91440" bIns="45720" numCol="1" spcCol="0" rtlCol="0" fromWordArt="0" anchor="ctr" anchorCtr="0" forceAA="0" compatLnSpc="1">
+            <a:prstTxWarp prst="textNoShape">
+              <a:avLst/>
+            </a:prstTxWarp>
+            <a:noAutofit/>
+          </a:bodyPr>
+          <a:lstStyle/>
+          <a:p>
+            <a:pPr algn="ctr"/>
+            <a:r>
+              <a:rPr lang="en-US" altLang="ko-KR" sz="2000">
+                <a:solidFill>
+                  <a:schemeClr val="tx1"/>
+                </a:solidFill>
+                <a:latin typeface="Consolas" pitchFamily="49" charset="0"/>
+                <a:cs typeface="Consolas" pitchFamily="49" charset="0"/>
+              </a:rPr>
+              <a:t>4</a:t>
+            </a:r>
+            <a:endParaRPr lang="ko-KR" altLang="en-US" sz="2000">
+              <a:solidFill>
+                <a:schemeClr val="tx1"/>
+              </a:solidFill>
+              <a:latin typeface="Consolas" pitchFamily="49" charset="0"/>
+              <a:cs typeface="Consolas" pitchFamily="49" charset="0"/>
+            </a:endParaRPr>
+          </a:p>
+        </p:txBody>
+      </p:sp>
+      <p:sp>
+        <p:nvSpPr>
+          <p:cNvPr id="5" name="직사각형 4">
+            <a:extLst>
+              <a:ext uri="{FF2B5EF4-FFF2-40B4-BE49-F238E27FC236}">
+                <a16:creationId xmlns:a16="http://schemas.microsoft.com/office/drawing/2014/main" id="{09EC972D-5E4F-4FBF-B5F7-9DCAF4AD7EBE}"/>
+              </a:ext>
+            </a:extLst>
+          </p:cNvPr>
+          <p:cNvSpPr/>
+          <p:nvPr/>
+        </p:nvSpPr>
+        <p:spPr>
+          <a:xfrm>
+            <a:off x="981131" y="763348"/>
+            <a:ext cx="1584176" cy="432048"/>
+          </a:xfrm>
+          <a:prstGeom prst="rect">
+            <a:avLst/>
+          </a:prstGeom>
+          <a:solidFill>
+            <a:srgbClr val="FFC000"/>
+          </a:solidFill>
+          <a:ln w="9525"/>
+        </p:spPr>
+        <p:style>
+          <a:lnRef idx="2">
+            <a:schemeClr val="accent1">
+              <a:shade val="50000"/>
+            </a:schemeClr>
+          </a:lnRef>
+          <a:fillRef idx="1">
+            <a:schemeClr val="accent1"/>
+          </a:fillRef>
+          <a:effectRef idx="0">
+            <a:schemeClr val="accent1"/>
+          </a:effectRef>
+          <a:fontRef idx="minor">
+            <a:schemeClr val="lt1"/>
+          </a:fontRef>
+        </p:style>
+        <p:txBody>
+          <a:bodyPr rot="0" spcFirstLastPara="0" vertOverflow="overflow" horzOverflow="overflow" vert="horz" wrap="square" lIns="91440" tIns="45720" rIns="91440" bIns="45720" numCol="1" spcCol="0" rtlCol="0" fromWordArt="0" anchor="ctr" anchorCtr="0" forceAA="0" compatLnSpc="1">
+            <a:prstTxWarp prst="textNoShape">
+              <a:avLst/>
+            </a:prstTxWarp>
+            <a:noAutofit/>
+          </a:bodyPr>
+          <a:lstStyle/>
+          <a:p>
+            <a:pPr algn="ctr"/>
+            <a:r>
+              <a:rPr lang="en-US" altLang="ko-KR" sz="2000">
+                <a:solidFill>
+                  <a:schemeClr val="tx1"/>
+                </a:solidFill>
+                <a:latin typeface="Consolas" pitchFamily="49" charset="0"/>
+                <a:cs typeface="Consolas" pitchFamily="49" charset="0"/>
+              </a:rPr>
+              <a:t>2000</a:t>
+            </a:r>
+            <a:endParaRPr lang="ko-KR" altLang="en-US" sz="2000">
+              <a:solidFill>
+                <a:schemeClr val="tx1"/>
+              </a:solidFill>
+              <a:latin typeface="Consolas" pitchFamily="49" charset="0"/>
+              <a:cs typeface="Consolas" pitchFamily="49" charset="0"/>
+            </a:endParaRPr>
+          </a:p>
+        </p:txBody>
+      </p:sp>
+      <p:sp>
+        <p:nvSpPr>
+          <p:cNvPr id="6" name="직사각형 5">
+            <a:extLst>
+              <a:ext uri="{FF2B5EF4-FFF2-40B4-BE49-F238E27FC236}">
+                <a16:creationId xmlns:a16="http://schemas.microsoft.com/office/drawing/2014/main" id="{1C5F09CE-1466-4508-BF61-53CEC775A32B}"/>
+              </a:ext>
+            </a:extLst>
+          </p:cNvPr>
+          <p:cNvSpPr/>
+          <p:nvPr/>
+        </p:nvSpPr>
+        <p:spPr>
+          <a:xfrm>
+            <a:off x="981131" y="1196752"/>
+            <a:ext cx="1584176" cy="432048"/>
+          </a:xfrm>
+          <a:prstGeom prst="rect">
+            <a:avLst/>
+          </a:prstGeom>
+          <a:solidFill>
+            <a:srgbClr val="FFC000"/>
+          </a:solidFill>
+          <a:ln w="9525"/>
+        </p:spPr>
+        <p:style>
+          <a:lnRef idx="2">
+            <a:schemeClr val="accent1">
+              <a:shade val="50000"/>
+            </a:schemeClr>
+          </a:lnRef>
+          <a:fillRef idx="1">
+            <a:schemeClr val="accent1"/>
+          </a:fillRef>
+          <a:effectRef idx="0">
+            <a:schemeClr val="accent1"/>
+          </a:effectRef>
+          <a:fontRef idx="minor">
+            <a:schemeClr val="lt1"/>
+          </a:fontRef>
+        </p:style>
+        <p:txBody>
+          <a:bodyPr rot="0" spcFirstLastPara="0" vertOverflow="overflow" horzOverflow="overflow" vert="horz" wrap="square" lIns="91440" tIns="45720" rIns="91440" bIns="45720" numCol="1" spcCol="0" rtlCol="0" fromWordArt="0" anchor="ctr" anchorCtr="0" forceAA="0" compatLnSpc="1">
+            <a:prstTxWarp prst="textNoShape">
+              <a:avLst/>
+            </a:prstTxWarp>
+            <a:noAutofit/>
+          </a:bodyPr>
+          <a:lstStyle/>
+          <a:p>
+            <a:pPr algn="ctr"/>
+            <a:r>
+              <a:rPr lang="en-US" altLang="ko-KR" sz="2000">
+                <a:solidFill>
+                  <a:schemeClr val="tx1"/>
+                </a:solidFill>
+                <a:latin typeface="Consolas" pitchFamily="49" charset="0"/>
+                <a:cs typeface="Consolas" pitchFamily="49" charset="0"/>
+              </a:rPr>
+              <a:t>1024</a:t>
+            </a:r>
+            <a:endParaRPr lang="ko-KR" altLang="en-US" sz="2000">
+              <a:solidFill>
+                <a:schemeClr val="tx1"/>
+              </a:solidFill>
+              <a:latin typeface="Consolas" pitchFamily="49" charset="0"/>
+              <a:cs typeface="Consolas" pitchFamily="49" charset="0"/>
+            </a:endParaRPr>
+          </a:p>
+        </p:txBody>
+      </p:sp>
+      <p:sp>
+        <p:nvSpPr>
+          <p:cNvPr id="7" name="직사각형 6">
+            <a:extLst>
+              <a:ext uri="{FF2B5EF4-FFF2-40B4-BE49-F238E27FC236}">
+                <a16:creationId xmlns:a16="http://schemas.microsoft.com/office/drawing/2014/main" id="{602241F4-F82A-46BC-8B9C-DAB50535CEF0}"/>
+              </a:ext>
+            </a:extLst>
+          </p:cNvPr>
+          <p:cNvSpPr/>
+          <p:nvPr/>
+        </p:nvSpPr>
+        <p:spPr>
+          <a:xfrm>
+            <a:off x="981131" y="1628800"/>
+            <a:ext cx="1584176" cy="432048"/>
+          </a:xfrm>
+          <a:prstGeom prst="rect">
+            <a:avLst/>
+          </a:prstGeom>
+          <a:solidFill>
+            <a:srgbClr val="FFC000"/>
+          </a:solidFill>
+          <a:ln w="9525"/>
+        </p:spPr>
+        <p:style>
+          <a:lnRef idx="2">
+            <a:schemeClr val="accent1">
+              <a:shade val="50000"/>
+            </a:schemeClr>
+          </a:lnRef>
+          <a:fillRef idx="1">
+            <a:schemeClr val="accent1"/>
+          </a:fillRef>
+          <a:effectRef idx="0">
+            <a:schemeClr val="accent1"/>
+          </a:effectRef>
+          <a:fontRef idx="minor">
+            <a:schemeClr val="lt1"/>
+          </a:fontRef>
+        </p:style>
+        <p:txBody>
+          <a:bodyPr rot="0" spcFirstLastPara="0" vertOverflow="overflow" horzOverflow="overflow" vert="horz" wrap="square" lIns="91440" tIns="45720" rIns="91440" bIns="45720" numCol="1" spcCol="0" rtlCol="0" fromWordArt="0" anchor="ctr" anchorCtr="0" forceAA="0" compatLnSpc="1">
+            <a:prstTxWarp prst="textNoShape">
+              <a:avLst/>
+            </a:prstTxWarp>
+            <a:noAutofit/>
+          </a:bodyPr>
+          <a:lstStyle/>
+          <a:p>
+            <a:pPr algn="ctr"/>
+            <a:r>
+              <a:rPr lang="en-US" altLang="ko-KR" sz="2000">
+                <a:solidFill>
+                  <a:schemeClr val="tx1"/>
+                </a:solidFill>
+                <a:latin typeface="Consolas" pitchFamily="49" charset="0"/>
+                <a:cs typeface="Consolas" pitchFamily="49" charset="0"/>
+              </a:rPr>
+              <a:t>4194304</a:t>
+            </a:r>
+            <a:endParaRPr lang="ko-KR" altLang="en-US" sz="2000">
+              <a:solidFill>
+                <a:schemeClr val="tx1"/>
+              </a:solidFill>
+              <a:latin typeface="Consolas" pitchFamily="49" charset="0"/>
+              <a:cs typeface="Consolas" pitchFamily="49" charset="0"/>
+            </a:endParaRPr>
+          </a:p>
+        </p:txBody>
+      </p:sp>
+      <p:sp>
+        <p:nvSpPr>
+          <p:cNvPr id="8" name="직사각형 7">
+            <a:extLst>
+              <a:ext uri="{FF2B5EF4-FFF2-40B4-BE49-F238E27FC236}">
+                <a16:creationId xmlns:a16="http://schemas.microsoft.com/office/drawing/2014/main" id="{E7B78854-5CCD-486F-922D-5000731C0624}"/>
+              </a:ext>
+            </a:extLst>
+          </p:cNvPr>
+          <p:cNvSpPr/>
+          <p:nvPr/>
+        </p:nvSpPr>
+        <p:spPr>
+          <a:xfrm>
+            <a:off x="975443" y="2059491"/>
+            <a:ext cx="1584176" cy="432048"/>
+          </a:xfrm>
+          <a:prstGeom prst="rect">
+            <a:avLst/>
+          </a:prstGeom>
+          <a:solidFill>
+            <a:srgbClr val="FFFF00"/>
+          </a:solidFill>
+          <a:ln w="9525"/>
+        </p:spPr>
+        <p:style>
+          <a:lnRef idx="2">
+            <a:schemeClr val="accent1">
+              <a:shade val="50000"/>
+            </a:schemeClr>
+          </a:lnRef>
+          <a:fillRef idx="1">
+            <a:schemeClr val="accent1"/>
+          </a:fillRef>
+          <a:effectRef idx="0">
+            <a:schemeClr val="accent1"/>
+          </a:effectRef>
+          <a:fontRef idx="minor">
+            <a:schemeClr val="lt1"/>
+          </a:fontRef>
+        </p:style>
+        <p:txBody>
+          <a:bodyPr rot="0" spcFirstLastPara="0" vertOverflow="overflow" horzOverflow="overflow" vert="horz" wrap="square" lIns="91440" tIns="45720" rIns="91440" bIns="45720" numCol="1" spcCol="0" rtlCol="0" fromWordArt="0" anchor="ctr" anchorCtr="0" forceAA="0" compatLnSpc="1">
+            <a:prstTxWarp prst="textNoShape">
+              <a:avLst/>
+            </a:prstTxWarp>
+            <a:noAutofit/>
+          </a:bodyPr>
+          <a:lstStyle/>
+          <a:p>
+            <a:pPr algn="ctr"/>
+            <a:r>
+              <a:rPr lang="en-US" altLang="ko-KR" sz="2000">
+                <a:solidFill>
+                  <a:schemeClr val="tx1"/>
+                </a:solidFill>
+                <a:latin typeface="Consolas" pitchFamily="49" charset="0"/>
+                <a:cs typeface="Consolas" pitchFamily="49" charset="0"/>
+              </a:rPr>
+              <a:t>0</a:t>
+            </a:r>
+            <a:endParaRPr lang="ko-KR" altLang="en-US" sz="2000">
+              <a:solidFill>
+                <a:schemeClr val="tx1"/>
+              </a:solidFill>
+              <a:latin typeface="Consolas" pitchFamily="49" charset="0"/>
+              <a:cs typeface="Consolas" pitchFamily="49" charset="0"/>
+            </a:endParaRPr>
+          </a:p>
+        </p:txBody>
+      </p:sp>
+      <p:sp>
+        <p:nvSpPr>
+          <p:cNvPr id="9" name="직사각형 8">
+            <a:extLst>
+              <a:ext uri="{FF2B5EF4-FFF2-40B4-BE49-F238E27FC236}">
+                <a16:creationId xmlns:a16="http://schemas.microsoft.com/office/drawing/2014/main" id="{D403B81A-4835-41C9-A10D-F5A65033DD25}"/>
+              </a:ext>
+            </a:extLst>
+          </p:cNvPr>
+          <p:cNvSpPr/>
+          <p:nvPr/>
+        </p:nvSpPr>
+        <p:spPr>
+          <a:xfrm>
+            <a:off x="981131" y="2492896"/>
+            <a:ext cx="1584176" cy="432048"/>
+          </a:xfrm>
+          <a:prstGeom prst="rect">
+            <a:avLst/>
+          </a:prstGeom>
+          <a:solidFill>
+            <a:srgbClr val="FFFF00"/>
+          </a:solidFill>
+          <a:ln w="9525"/>
+        </p:spPr>
+        <p:style>
+          <a:lnRef idx="2">
+            <a:schemeClr val="accent1">
+              <a:shade val="50000"/>
+            </a:schemeClr>
+          </a:lnRef>
+          <a:fillRef idx="1">
+            <a:schemeClr val="accent1"/>
+          </a:fillRef>
+          <a:effectRef idx="0">
+            <a:schemeClr val="accent1"/>
+          </a:effectRef>
+          <a:fontRef idx="minor">
+            <a:schemeClr val="lt1"/>
+          </a:fontRef>
+        </p:style>
+        <p:txBody>
+          <a:bodyPr rot="0" spcFirstLastPara="0" vertOverflow="overflow" horzOverflow="overflow" vert="horz" wrap="square" lIns="91440" tIns="45720" rIns="91440" bIns="45720" numCol="1" spcCol="0" rtlCol="0" fromWordArt="0" anchor="ctr" anchorCtr="0" forceAA="0" compatLnSpc="1">
+            <a:prstTxWarp prst="textNoShape">
+              <a:avLst/>
+            </a:prstTxWarp>
+            <a:noAutofit/>
+          </a:bodyPr>
+          <a:lstStyle/>
+          <a:p>
+            <a:pPr algn="ctr"/>
+            <a:endParaRPr lang="ko-KR" altLang="en-US" sz="2000">
+              <a:solidFill>
+                <a:schemeClr val="tx1"/>
+              </a:solidFill>
+              <a:latin typeface="Consolas" pitchFamily="49" charset="0"/>
+              <a:cs typeface="Consolas" pitchFamily="49" charset="0"/>
+            </a:endParaRPr>
+          </a:p>
+        </p:txBody>
+      </p:sp>
+      <p:sp>
+        <p:nvSpPr>
+          <p:cNvPr id="10" name="직사각형 9">
+            <a:extLst>
+              <a:ext uri="{FF2B5EF4-FFF2-40B4-BE49-F238E27FC236}">
+                <a16:creationId xmlns:a16="http://schemas.microsoft.com/office/drawing/2014/main" id="{AC324062-3B41-483C-B937-0A734A9B25E6}"/>
+              </a:ext>
+            </a:extLst>
+          </p:cNvPr>
+          <p:cNvSpPr/>
+          <p:nvPr/>
+        </p:nvSpPr>
+        <p:spPr>
+          <a:xfrm>
+            <a:off x="981131" y="2932746"/>
+            <a:ext cx="1584176" cy="432048"/>
+          </a:xfrm>
+          <a:prstGeom prst="rect">
+            <a:avLst/>
+          </a:prstGeom>
+          <a:solidFill>
+            <a:srgbClr val="FFFF00"/>
+          </a:solidFill>
+          <a:ln w="9525"/>
+        </p:spPr>
+        <p:style>
+          <a:lnRef idx="2">
+            <a:schemeClr val="accent1">
+              <a:shade val="50000"/>
+            </a:schemeClr>
+          </a:lnRef>
+          <a:fillRef idx="1">
+            <a:schemeClr val="accent1"/>
+          </a:fillRef>
+          <a:effectRef idx="0">
+            <a:schemeClr val="accent1"/>
+          </a:effectRef>
+          <a:fontRef idx="minor">
+            <a:schemeClr val="lt1"/>
+          </a:fontRef>
+        </p:style>
+        <p:txBody>
+          <a:bodyPr rot="0" spcFirstLastPara="0" vertOverflow="overflow" horzOverflow="overflow" vert="horz" wrap="square" lIns="91440" tIns="45720" rIns="91440" bIns="45720" numCol="1" spcCol="0" rtlCol="0" fromWordArt="0" anchor="ctr" anchorCtr="0" forceAA="0" compatLnSpc="1">
+            <a:prstTxWarp prst="textNoShape">
+              <a:avLst/>
+            </a:prstTxWarp>
+            <a:noAutofit/>
+          </a:bodyPr>
+          <a:lstStyle/>
+          <a:p>
+            <a:pPr algn="ctr"/>
+            <a:r>
+              <a:rPr lang="en-US" altLang="ko-KR" sz="2000">
+                <a:solidFill>
+                  <a:schemeClr val="tx1"/>
+                </a:solidFill>
+                <a:latin typeface="Consolas" pitchFamily="49" charset="0"/>
+                <a:cs typeface="Consolas" pitchFamily="49" charset="0"/>
+              </a:rPr>
+              <a:t>0</a:t>
+            </a:r>
+            <a:endParaRPr lang="ko-KR" altLang="en-US" sz="2000">
+              <a:solidFill>
+                <a:schemeClr val="tx1"/>
+              </a:solidFill>
+              <a:latin typeface="Consolas" pitchFamily="49" charset="0"/>
+              <a:cs typeface="Consolas" pitchFamily="49" charset="0"/>
+            </a:endParaRPr>
+          </a:p>
+        </p:txBody>
+      </p:sp>
+      <p:sp>
+        <p:nvSpPr>
+          <p:cNvPr id="11" name="직사각형 10">
+            <a:extLst>
+              <a:ext uri="{FF2B5EF4-FFF2-40B4-BE49-F238E27FC236}">
+                <a16:creationId xmlns:a16="http://schemas.microsoft.com/office/drawing/2014/main" id="{08C83D0F-CDB1-4969-8304-407AAF986A0A}"/>
+              </a:ext>
+            </a:extLst>
+          </p:cNvPr>
+          <p:cNvSpPr/>
+          <p:nvPr/>
+        </p:nvSpPr>
+        <p:spPr>
+          <a:xfrm>
+            <a:off x="981131" y="3356992"/>
+            <a:ext cx="1584176" cy="432048"/>
+          </a:xfrm>
+          <a:prstGeom prst="rect">
+            <a:avLst/>
+          </a:prstGeom>
+          <a:solidFill>
+            <a:srgbClr val="FFFF00"/>
+          </a:solidFill>
+          <a:ln w="9525"/>
+        </p:spPr>
+        <p:style>
+          <a:lnRef idx="2">
+            <a:schemeClr val="accent1">
+              <a:shade val="50000"/>
+            </a:schemeClr>
+          </a:lnRef>
+          <a:fillRef idx="1">
+            <a:schemeClr val="accent1"/>
+          </a:fillRef>
+          <a:effectRef idx="0">
+            <a:schemeClr val="accent1"/>
+          </a:effectRef>
+          <a:fontRef idx="minor">
+            <a:schemeClr val="lt1"/>
+          </a:fontRef>
+        </p:style>
+        <p:txBody>
+          <a:bodyPr rot="0" spcFirstLastPara="0" vertOverflow="overflow" horzOverflow="overflow" vert="horz" wrap="square" lIns="91440" tIns="45720" rIns="91440" bIns="45720" numCol="1" spcCol="0" rtlCol="0" fromWordArt="0" anchor="ctr" anchorCtr="0" forceAA="0" compatLnSpc="1">
+            <a:prstTxWarp prst="textNoShape">
+              <a:avLst/>
+            </a:prstTxWarp>
+            <a:noAutofit/>
+          </a:bodyPr>
+          <a:lstStyle/>
+          <a:p>
+            <a:pPr algn="ctr"/>
+            <a:r>
+              <a:rPr lang="en-US" altLang="ko-KR" sz="2000">
+                <a:solidFill>
+                  <a:schemeClr val="tx1"/>
+                </a:solidFill>
+                <a:latin typeface="Consolas" pitchFamily="49" charset="0"/>
+                <a:cs typeface="Consolas" pitchFamily="49" charset="0"/>
+              </a:rPr>
+              <a:t>0</a:t>
+            </a:r>
+            <a:endParaRPr lang="ko-KR" altLang="en-US" sz="2000">
+              <a:solidFill>
+                <a:schemeClr val="tx1"/>
+              </a:solidFill>
+              <a:latin typeface="Consolas" pitchFamily="49" charset="0"/>
+              <a:cs typeface="Consolas" pitchFamily="49" charset="0"/>
+            </a:endParaRPr>
+          </a:p>
+        </p:txBody>
+      </p:sp>
+      <p:sp>
+        <p:nvSpPr>
+          <p:cNvPr id="12" name="직사각형 11">
+            <a:extLst>
+              <a:ext uri="{FF2B5EF4-FFF2-40B4-BE49-F238E27FC236}">
+                <a16:creationId xmlns:a16="http://schemas.microsoft.com/office/drawing/2014/main" id="{F2175D4E-BEB2-48AF-9C90-C2F846CC39C7}"/>
+              </a:ext>
+            </a:extLst>
+          </p:cNvPr>
+          <p:cNvSpPr/>
+          <p:nvPr/>
+        </p:nvSpPr>
+        <p:spPr>
+          <a:xfrm>
+            <a:off x="981131" y="3789040"/>
+            <a:ext cx="1584176" cy="432048"/>
+          </a:xfrm>
+          <a:prstGeom prst="rect">
+            <a:avLst/>
+          </a:prstGeom>
+          <a:solidFill>
+            <a:srgbClr val="FFFF00"/>
+          </a:solidFill>
+          <a:ln w="9525"/>
+        </p:spPr>
+        <p:style>
+          <a:lnRef idx="2">
+            <a:schemeClr val="accent1">
+              <a:shade val="50000"/>
+            </a:schemeClr>
+          </a:lnRef>
+          <a:fillRef idx="1">
+            <a:schemeClr val="accent1"/>
+          </a:fillRef>
+          <a:effectRef idx="0">
+            <a:schemeClr val="accent1"/>
+          </a:effectRef>
+          <a:fontRef idx="minor">
+            <a:schemeClr val="lt1"/>
+          </a:fontRef>
+        </p:style>
+        <p:txBody>
+          <a:bodyPr rot="0" spcFirstLastPara="0" vertOverflow="overflow" horzOverflow="overflow" vert="horz" wrap="square" lIns="91440" tIns="45720" rIns="91440" bIns="45720" numCol="1" spcCol="0" rtlCol="0" fromWordArt="0" anchor="ctr" anchorCtr="0" forceAA="0" compatLnSpc="1">
+            <a:prstTxWarp prst="textNoShape">
+              <a:avLst/>
+            </a:prstTxWarp>
+            <a:noAutofit/>
+          </a:bodyPr>
+          <a:lstStyle/>
+          <a:p>
+            <a:pPr algn="ctr"/>
+            <a:r>
+              <a:rPr lang="en-US" altLang="ko-KR" sz="2000">
+                <a:solidFill>
+                  <a:schemeClr val="tx1"/>
+                </a:solidFill>
+                <a:latin typeface="Consolas" pitchFamily="49" charset="0"/>
+                <a:cs typeface="Consolas" pitchFamily="49" charset="0"/>
+              </a:rPr>
+              <a:t>...</a:t>
+            </a:r>
+            <a:endParaRPr lang="ko-KR" altLang="en-US" sz="2000">
+              <a:solidFill>
+                <a:schemeClr val="tx1"/>
+              </a:solidFill>
+              <a:latin typeface="Consolas" pitchFamily="49" charset="0"/>
+              <a:cs typeface="Consolas" pitchFamily="49" charset="0"/>
+            </a:endParaRPr>
+          </a:p>
+        </p:txBody>
+      </p:sp>
+      <p:sp>
+        <p:nvSpPr>
+          <p:cNvPr id="13" name="직사각형 12">
+            <a:extLst>
+              <a:ext uri="{FF2B5EF4-FFF2-40B4-BE49-F238E27FC236}">
+                <a16:creationId xmlns:a16="http://schemas.microsoft.com/office/drawing/2014/main" id="{3BD3CB45-F080-4EDD-8D16-7CEB0FAB57F2}"/>
+              </a:ext>
+            </a:extLst>
+          </p:cNvPr>
+          <p:cNvSpPr/>
+          <p:nvPr/>
+        </p:nvSpPr>
+        <p:spPr>
+          <a:xfrm>
+            <a:off x="981131" y="4221088"/>
+            <a:ext cx="1584176" cy="432048"/>
+          </a:xfrm>
+          <a:prstGeom prst="rect">
+            <a:avLst/>
+          </a:prstGeom>
+          <a:solidFill>
+            <a:srgbClr val="FFFF00"/>
+          </a:solidFill>
+          <a:ln w="9525"/>
+        </p:spPr>
+        <p:style>
+          <a:lnRef idx="2">
+            <a:schemeClr val="accent1">
+              <a:shade val="50000"/>
+            </a:schemeClr>
+          </a:lnRef>
+          <a:fillRef idx="1">
+            <a:schemeClr val="accent1"/>
+          </a:fillRef>
+          <a:effectRef idx="0">
+            <a:schemeClr val="accent1"/>
+          </a:effectRef>
+          <a:fontRef idx="minor">
+            <a:schemeClr val="lt1"/>
+          </a:fontRef>
+        </p:style>
+        <p:txBody>
+          <a:bodyPr rot="0" spcFirstLastPara="0" vertOverflow="overflow" horzOverflow="overflow" vert="horz" wrap="square" lIns="91440" tIns="45720" rIns="91440" bIns="45720" numCol="1" spcCol="0" rtlCol="0" fromWordArt="0" anchor="ctr" anchorCtr="0" forceAA="0" compatLnSpc="1">
+            <a:prstTxWarp prst="textNoShape">
+              <a:avLst/>
+            </a:prstTxWarp>
+            <a:noAutofit/>
+          </a:bodyPr>
+          <a:lstStyle/>
+          <a:p>
+            <a:pPr algn="ctr"/>
+            <a:r>
+              <a:rPr lang="en-US" altLang="ko-KR" sz="2000">
+                <a:solidFill>
+                  <a:schemeClr val="tx1"/>
+                </a:solidFill>
+                <a:latin typeface="Consolas" pitchFamily="49" charset="0"/>
+                <a:cs typeface="Consolas" pitchFamily="49" charset="0"/>
+              </a:rPr>
+              <a:t>0</a:t>
+            </a:r>
+            <a:endParaRPr lang="ko-KR" altLang="en-US" sz="2000">
+              <a:solidFill>
+                <a:schemeClr val="tx1"/>
+              </a:solidFill>
+              <a:latin typeface="Consolas" pitchFamily="49" charset="0"/>
+              <a:cs typeface="Consolas" pitchFamily="49" charset="0"/>
+            </a:endParaRPr>
+          </a:p>
+        </p:txBody>
+      </p:sp>
+      <p:sp>
+        <p:nvSpPr>
+          <p:cNvPr id="14" name="직사각형 13">
+            <a:extLst>
+              <a:ext uri="{FF2B5EF4-FFF2-40B4-BE49-F238E27FC236}">
+                <a16:creationId xmlns:a16="http://schemas.microsoft.com/office/drawing/2014/main" id="{35E33ACF-A7EC-41EC-B834-8E247AA3DD35}"/>
+              </a:ext>
+            </a:extLst>
+          </p:cNvPr>
+          <p:cNvSpPr/>
+          <p:nvPr/>
+        </p:nvSpPr>
+        <p:spPr>
+          <a:xfrm>
+            <a:off x="981131" y="4653136"/>
+            <a:ext cx="1584176" cy="432048"/>
+          </a:xfrm>
+          <a:prstGeom prst="rect">
+            <a:avLst/>
+          </a:prstGeom>
+          <a:solidFill>
+            <a:schemeClr val="bg1">
+              <a:lumMod val="75000"/>
+            </a:schemeClr>
+          </a:solidFill>
+          <a:ln w="9525"/>
+        </p:spPr>
+        <p:style>
+          <a:lnRef idx="2">
+            <a:schemeClr val="accent1">
+              <a:shade val="50000"/>
+            </a:schemeClr>
+          </a:lnRef>
+          <a:fillRef idx="1">
+            <a:schemeClr val="accent1"/>
+          </a:fillRef>
+          <a:effectRef idx="0">
+            <a:schemeClr val="accent1"/>
+          </a:effectRef>
+          <a:fontRef idx="minor">
+            <a:schemeClr val="lt1"/>
+          </a:fontRef>
+        </p:style>
+        <p:txBody>
+          <a:bodyPr rot="0" spcFirstLastPara="0" vertOverflow="overflow" horzOverflow="overflow" vert="horz" wrap="square" lIns="91440" tIns="45720" rIns="91440" bIns="45720" numCol="1" spcCol="0" rtlCol="0" fromWordArt="0" anchor="ctr" anchorCtr="0" forceAA="0" compatLnSpc="1">
+            <a:prstTxWarp prst="textNoShape">
+              <a:avLst/>
+            </a:prstTxWarp>
+            <a:noAutofit/>
+          </a:bodyPr>
+          <a:lstStyle/>
+          <a:p>
+            <a:pPr algn="ctr"/>
+            <a:endParaRPr lang="ko-KR" altLang="en-US" sz="2000">
+              <a:solidFill>
+                <a:schemeClr val="tx1"/>
+              </a:solidFill>
+              <a:latin typeface="Consolas" pitchFamily="49" charset="0"/>
+              <a:cs typeface="Consolas" pitchFamily="49" charset="0"/>
+            </a:endParaRPr>
+          </a:p>
+        </p:txBody>
+      </p:sp>
+      <p:sp>
+        <p:nvSpPr>
+          <p:cNvPr id="15" name="직사각형 14">
+            <a:extLst>
+              <a:ext uri="{FF2B5EF4-FFF2-40B4-BE49-F238E27FC236}">
+                <a16:creationId xmlns:a16="http://schemas.microsoft.com/office/drawing/2014/main" id="{D313945D-5A98-4576-B4B6-AE785B2F27D0}"/>
+              </a:ext>
+            </a:extLst>
+          </p:cNvPr>
+          <p:cNvSpPr/>
+          <p:nvPr/>
+        </p:nvSpPr>
+        <p:spPr>
+          <a:xfrm>
+            <a:off x="981131" y="5085184"/>
+            <a:ext cx="1584176" cy="432048"/>
+          </a:xfrm>
+          <a:prstGeom prst="rect">
+            <a:avLst/>
+          </a:prstGeom>
+          <a:solidFill>
+            <a:schemeClr val="bg1">
+              <a:lumMod val="75000"/>
+            </a:schemeClr>
+          </a:solidFill>
+          <a:ln w="9525"/>
+        </p:spPr>
+        <p:style>
+          <a:lnRef idx="2">
+            <a:schemeClr val="accent1">
+              <a:shade val="50000"/>
+            </a:schemeClr>
+          </a:lnRef>
+          <a:fillRef idx="1">
+            <a:schemeClr val="accent1"/>
+          </a:fillRef>
+          <a:effectRef idx="0">
+            <a:schemeClr val="accent1"/>
+          </a:effectRef>
+          <a:fontRef idx="minor">
+            <a:schemeClr val="lt1"/>
+          </a:fontRef>
+        </p:style>
+        <p:txBody>
+          <a:bodyPr rot="0" spcFirstLastPara="0" vertOverflow="overflow" horzOverflow="overflow" vert="horz" wrap="square" lIns="91440" tIns="45720" rIns="91440" bIns="45720" numCol="1" spcCol="0" rtlCol="0" fromWordArt="0" anchor="ctr" anchorCtr="0" forceAA="0" compatLnSpc="1">
+            <a:prstTxWarp prst="textNoShape">
+              <a:avLst/>
+            </a:prstTxWarp>
+            <a:noAutofit/>
+          </a:bodyPr>
+          <a:lstStyle/>
+          <a:p>
+            <a:pPr algn="ctr"/>
+            <a:endParaRPr lang="ko-KR" altLang="en-US" sz="2000">
+              <a:solidFill>
+                <a:schemeClr val="tx1"/>
+              </a:solidFill>
+              <a:latin typeface="Consolas" pitchFamily="49" charset="0"/>
+              <a:cs typeface="Consolas" pitchFamily="49" charset="0"/>
+            </a:endParaRPr>
+          </a:p>
+        </p:txBody>
+      </p:sp>
+      <p:sp>
+        <p:nvSpPr>
+          <p:cNvPr id="16" name="TextBox 15">
+            <a:extLst>
+              <a:ext uri="{FF2B5EF4-FFF2-40B4-BE49-F238E27FC236}">
+                <a16:creationId xmlns:a16="http://schemas.microsoft.com/office/drawing/2014/main" id="{4092C110-1CE8-430C-BA36-CE1D78195788}"/>
+              </a:ext>
+            </a:extLst>
+          </p:cNvPr>
+          <p:cNvSpPr txBox="1"/>
+          <p:nvPr/>
+        </p:nvSpPr>
+        <p:spPr>
+          <a:xfrm>
+            <a:off x="2637315" y="332656"/>
+            <a:ext cx="1877437" cy="400110"/>
+          </a:xfrm>
+          <a:prstGeom prst="rect">
+            <a:avLst/>
+          </a:prstGeom>
+          <a:noFill/>
+        </p:spPr>
+        <p:txBody>
+          <a:bodyPr wrap="none" rtlCol="0">
+            <a:spAutoFit/>
+          </a:bodyPr>
+          <a:lstStyle/>
+          <a:p>
+            <a:r>
+              <a:rPr lang="en-US" altLang="ko-KR" sz="2000">
+                <a:latin typeface="Consolas" pitchFamily="49" charset="0"/>
+                <a:cs typeface="Consolas" pitchFamily="49" charset="0"/>
+              </a:rPr>
+              <a:t>element_size</a:t>
+            </a:r>
+            <a:endParaRPr lang="ko-KR" altLang="en-US" sz="2000">
+              <a:latin typeface="Consolas" pitchFamily="49" charset="0"/>
+              <a:cs typeface="Consolas" pitchFamily="49" charset="0"/>
+            </a:endParaRPr>
+          </a:p>
+        </p:txBody>
+      </p:sp>
+      <p:sp>
+        <p:nvSpPr>
+          <p:cNvPr id="18" name="TextBox 17">
+            <a:extLst>
+              <a:ext uri="{FF2B5EF4-FFF2-40B4-BE49-F238E27FC236}">
+                <a16:creationId xmlns:a16="http://schemas.microsoft.com/office/drawing/2014/main" id="{FEEB045B-FA8E-4F69-94DB-79F7A510CFB0}"/>
+              </a:ext>
+            </a:extLst>
+          </p:cNvPr>
+          <p:cNvSpPr txBox="1"/>
+          <p:nvPr/>
+        </p:nvSpPr>
+        <p:spPr>
+          <a:xfrm>
+            <a:off x="2637314" y="764704"/>
+            <a:ext cx="2582758" cy="400110"/>
+          </a:xfrm>
+          <a:prstGeom prst="rect">
+            <a:avLst/>
+          </a:prstGeom>
+          <a:noFill/>
+        </p:spPr>
+        <p:txBody>
+          <a:bodyPr wrap="none" rtlCol="0">
+            <a:spAutoFit/>
+          </a:bodyPr>
+          <a:lstStyle/>
+          <a:p>
+            <a:r>
+              <a:rPr lang="en-US" altLang="ko-KR" sz="2000">
+                <a:latin typeface="Consolas" pitchFamily="49" charset="0"/>
+                <a:cs typeface="Consolas" pitchFamily="49" charset="0"/>
+              </a:rPr>
+              <a:t>total_nr_elements</a:t>
+            </a:r>
+            <a:endParaRPr lang="ko-KR" altLang="en-US" sz="2000">
+              <a:latin typeface="Consolas" pitchFamily="49" charset="0"/>
+              <a:cs typeface="Consolas" pitchFamily="49" charset="0"/>
+            </a:endParaRPr>
+          </a:p>
+        </p:txBody>
+      </p:sp>
+      <p:sp>
+        <p:nvSpPr>
+          <p:cNvPr id="19" name="TextBox 18">
+            <a:extLst>
+              <a:ext uri="{FF2B5EF4-FFF2-40B4-BE49-F238E27FC236}">
+                <a16:creationId xmlns:a16="http://schemas.microsoft.com/office/drawing/2014/main" id="{46D261E9-E9CB-4708-9183-E767DBFCACE6}"/>
+              </a:ext>
+            </a:extLst>
+          </p:cNvPr>
+          <p:cNvSpPr txBox="1"/>
+          <p:nvPr/>
+        </p:nvSpPr>
+        <p:spPr>
+          <a:xfrm>
+            <a:off x="2637314" y="1196752"/>
+            <a:ext cx="2159566" cy="400110"/>
+          </a:xfrm>
+          <a:prstGeom prst="rect">
+            <a:avLst/>
+          </a:prstGeom>
+          <a:noFill/>
+        </p:spPr>
+        <p:txBody>
+          <a:bodyPr wrap="none" rtlCol="0">
+            <a:spAutoFit/>
+          </a:bodyPr>
+          <a:lstStyle/>
+          <a:p>
+            <a:r>
+              <a:rPr lang="en-US" altLang="ko-KR" sz="2000">
+                <a:latin typeface="Consolas" pitchFamily="49" charset="0"/>
+                <a:cs typeface="Consolas" pitchFamily="49" charset="0"/>
+              </a:rPr>
+              <a:t>elems_per_part</a:t>
+            </a:r>
+            <a:endParaRPr lang="ko-KR" altLang="en-US" sz="2000">
+              <a:latin typeface="Consolas" pitchFamily="49" charset="0"/>
+              <a:cs typeface="Consolas" pitchFamily="49" charset="0"/>
+            </a:endParaRPr>
+          </a:p>
+        </p:txBody>
+      </p:sp>
+      <p:sp>
+        <p:nvSpPr>
+          <p:cNvPr id="20" name="TextBox 19">
+            <a:extLst>
+              <a:ext uri="{FF2B5EF4-FFF2-40B4-BE49-F238E27FC236}">
+                <a16:creationId xmlns:a16="http://schemas.microsoft.com/office/drawing/2014/main" id="{002102A7-0B45-4469-AB1F-6052D4C2FBF5}"/>
+              </a:ext>
+            </a:extLst>
+          </p:cNvPr>
+          <p:cNvSpPr txBox="1"/>
+          <p:nvPr/>
+        </p:nvSpPr>
+        <p:spPr>
+          <a:xfrm>
+            <a:off x="2637315" y="1596862"/>
+            <a:ext cx="2441694" cy="400110"/>
+          </a:xfrm>
+          <a:prstGeom prst="rect">
+            <a:avLst/>
+          </a:prstGeom>
+          <a:noFill/>
+        </p:spPr>
+        <p:txBody>
+          <a:bodyPr wrap="none" rtlCol="0">
+            <a:spAutoFit/>
+          </a:bodyPr>
+          <a:lstStyle/>
+          <a:p>
+            <a:r>
+              <a:rPr lang="en-US" altLang="ko-KR" sz="2000">
+                <a:latin typeface="Consolas" pitchFamily="49" charset="0"/>
+                <a:cs typeface="Consolas" pitchFamily="49" charset="0"/>
+              </a:rPr>
+              <a:t>reciprocal_elems</a:t>
+            </a:r>
+            <a:endParaRPr lang="ko-KR" altLang="en-US" sz="2000">
+              <a:latin typeface="Consolas" pitchFamily="49" charset="0"/>
+              <a:cs typeface="Consolas" pitchFamily="49" charset="0"/>
+            </a:endParaRPr>
+          </a:p>
+        </p:txBody>
+      </p:sp>
+      <p:sp>
+        <p:nvSpPr>
+          <p:cNvPr id="26" name="TextBox 25">
+            <a:extLst>
+              <a:ext uri="{FF2B5EF4-FFF2-40B4-BE49-F238E27FC236}">
+                <a16:creationId xmlns:a16="http://schemas.microsoft.com/office/drawing/2014/main" id="{B2B9539B-1EE1-4F55-83C4-4E7ED92CC11C}"/>
+              </a:ext>
+            </a:extLst>
+          </p:cNvPr>
+          <p:cNvSpPr txBox="1"/>
+          <p:nvPr/>
+        </p:nvSpPr>
+        <p:spPr>
+          <a:xfrm>
+            <a:off x="2637315" y="2028910"/>
+            <a:ext cx="1454244" cy="400110"/>
+          </a:xfrm>
+          <a:prstGeom prst="rect">
+            <a:avLst/>
+          </a:prstGeom>
+          <a:noFill/>
+        </p:spPr>
+        <p:txBody>
+          <a:bodyPr wrap="none" rtlCol="0">
+            <a:spAutoFit/>
+          </a:bodyPr>
+          <a:lstStyle/>
+          <a:p>
+            <a:r>
+              <a:rPr lang="en-US" altLang="ko-KR" sz="2000">
+                <a:latin typeface="Consolas" pitchFamily="49" charset="0"/>
+                <a:cs typeface="Consolas" pitchFamily="49" charset="0"/>
+              </a:rPr>
+              <a:t>*parts[0]</a:t>
+            </a:r>
+            <a:endParaRPr lang="ko-KR" altLang="en-US" sz="2000">
+              <a:latin typeface="Consolas" pitchFamily="49" charset="0"/>
+              <a:cs typeface="Consolas" pitchFamily="49" charset="0"/>
+            </a:endParaRPr>
+          </a:p>
+        </p:txBody>
+      </p:sp>
+      <p:cxnSp>
+        <p:nvCxnSpPr>
+          <p:cNvPr id="28" name="직선 연결선 27">
+            <a:extLst>
+              <a:ext uri="{FF2B5EF4-FFF2-40B4-BE49-F238E27FC236}">
+                <a16:creationId xmlns:a16="http://schemas.microsoft.com/office/drawing/2014/main" id="{2597CF6E-7A23-45D1-9E61-26A456D6A749}"/>
+              </a:ext>
+            </a:extLst>
+          </p:cNvPr>
+          <p:cNvCxnSpPr/>
+          <p:nvPr/>
+        </p:nvCxnSpPr>
+        <p:spPr>
+          <a:xfrm>
+            <a:off x="405067" y="332656"/>
+            <a:ext cx="576064" cy="0"/>
+          </a:xfrm>
+          <a:prstGeom prst="line">
+            <a:avLst/>
+          </a:prstGeom>
+        </p:spPr>
+        <p:style>
+          <a:lnRef idx="1">
+            <a:schemeClr val="accent1"/>
+          </a:lnRef>
+          <a:fillRef idx="0">
+            <a:schemeClr val="accent1"/>
+          </a:fillRef>
+          <a:effectRef idx="0">
+            <a:schemeClr val="accent1"/>
+          </a:effectRef>
+          <a:fontRef idx="minor">
+            <a:schemeClr val="tx1"/>
+          </a:fontRef>
+        </p:style>
+      </p:cxnSp>
+      <p:cxnSp>
+        <p:nvCxnSpPr>
+          <p:cNvPr id="29" name="직선 연결선 28">
+            <a:extLst>
+              <a:ext uri="{FF2B5EF4-FFF2-40B4-BE49-F238E27FC236}">
+                <a16:creationId xmlns:a16="http://schemas.microsoft.com/office/drawing/2014/main" id="{8E37DD39-F2E2-4974-9483-11C78844C183}"/>
+              </a:ext>
+            </a:extLst>
+          </p:cNvPr>
+          <p:cNvCxnSpPr/>
+          <p:nvPr/>
+        </p:nvCxnSpPr>
+        <p:spPr>
+          <a:xfrm>
+            <a:off x="405067" y="2060848"/>
+            <a:ext cx="576064" cy="0"/>
+          </a:xfrm>
+          <a:prstGeom prst="line">
+            <a:avLst/>
+          </a:prstGeom>
+        </p:spPr>
+        <p:style>
+          <a:lnRef idx="1">
+            <a:schemeClr val="accent1"/>
+          </a:lnRef>
+          <a:fillRef idx="0">
+            <a:schemeClr val="accent1"/>
+          </a:fillRef>
+          <a:effectRef idx="0">
+            <a:schemeClr val="accent1"/>
+          </a:effectRef>
+          <a:fontRef idx="minor">
+            <a:schemeClr val="tx1"/>
+          </a:fontRef>
+        </p:style>
+      </p:cxnSp>
+      <p:cxnSp>
+        <p:nvCxnSpPr>
+          <p:cNvPr id="31" name="직선 화살표 연결선 30">
+            <a:extLst>
+              <a:ext uri="{FF2B5EF4-FFF2-40B4-BE49-F238E27FC236}">
+                <a16:creationId xmlns:a16="http://schemas.microsoft.com/office/drawing/2014/main" id="{8C60FBBB-005D-4CFD-9D3E-4D1F1A4E529C}"/>
+              </a:ext>
+            </a:extLst>
+          </p:cNvPr>
+          <p:cNvCxnSpPr/>
+          <p:nvPr/>
+        </p:nvCxnSpPr>
+        <p:spPr>
+          <a:xfrm flipV="1">
+            <a:off x="621091" y="332656"/>
+            <a:ext cx="0" cy="1728192"/>
+          </a:xfrm>
+          <a:prstGeom prst="straightConnector1">
+            <a:avLst/>
+          </a:prstGeom>
+          <a:ln>
+            <a:solidFill>
+              <a:srgbClr val="FF0000"/>
+            </a:solidFill>
+            <a:tailEnd type="triangle"/>
+          </a:ln>
+        </p:spPr>
+        <p:style>
+          <a:lnRef idx="1">
+            <a:schemeClr val="accent1"/>
+          </a:lnRef>
+          <a:fillRef idx="0">
+            <a:schemeClr val="accent1"/>
+          </a:fillRef>
+          <a:effectRef idx="0">
+            <a:schemeClr val="accent1"/>
+          </a:effectRef>
+          <a:fontRef idx="minor">
+            <a:schemeClr val="tx1"/>
+          </a:fontRef>
+        </p:style>
+      </p:cxnSp>
+      <p:sp>
+        <p:nvSpPr>
+          <p:cNvPr id="32" name="TextBox 31">
+            <a:extLst>
+              <a:ext uri="{FF2B5EF4-FFF2-40B4-BE49-F238E27FC236}">
+                <a16:creationId xmlns:a16="http://schemas.microsoft.com/office/drawing/2014/main" id="{6F62AC11-7C68-4E20-BFE0-5976D9C2DF04}"/>
+              </a:ext>
+            </a:extLst>
+          </p:cNvPr>
+          <p:cNvSpPr txBox="1"/>
+          <p:nvPr/>
+        </p:nvSpPr>
+        <p:spPr>
+          <a:xfrm>
+            <a:off x="-35736" y="915727"/>
+            <a:ext cx="466794" cy="400110"/>
+          </a:xfrm>
+          <a:prstGeom prst="rect">
+            <a:avLst/>
+          </a:prstGeom>
+          <a:noFill/>
+        </p:spPr>
+        <p:txBody>
+          <a:bodyPr wrap="none" rtlCol="0">
+            <a:spAutoFit/>
+          </a:bodyPr>
+          <a:lstStyle/>
+          <a:p>
+            <a:r>
+              <a:rPr lang="en-US" altLang="ko-KR" sz="2000">
+                <a:latin typeface="Consolas" pitchFamily="49" charset="0"/>
+                <a:cs typeface="Consolas" pitchFamily="49" charset="0"/>
+              </a:rPr>
+              <a:t>16</a:t>
+            </a:r>
+            <a:endParaRPr lang="ko-KR" altLang="en-US" sz="2000">
+              <a:latin typeface="Consolas" pitchFamily="49" charset="0"/>
+              <a:cs typeface="Consolas" pitchFamily="49" charset="0"/>
+            </a:endParaRPr>
+          </a:p>
+        </p:txBody>
+      </p:sp>
+      <p:sp>
+        <p:nvSpPr>
+          <p:cNvPr id="46" name="TextBox 45">
+            <a:extLst>
+              <a:ext uri="{FF2B5EF4-FFF2-40B4-BE49-F238E27FC236}">
+                <a16:creationId xmlns:a16="http://schemas.microsoft.com/office/drawing/2014/main" id="{73C2FBE2-D2D1-4CE3-9101-2B10D1CE4205}"/>
+              </a:ext>
+            </a:extLst>
+          </p:cNvPr>
+          <p:cNvSpPr txBox="1"/>
+          <p:nvPr/>
+        </p:nvSpPr>
+        <p:spPr>
+          <a:xfrm>
+            <a:off x="2637315" y="5072369"/>
+            <a:ext cx="1877437" cy="400110"/>
+          </a:xfrm>
+          <a:prstGeom prst="rect">
+            <a:avLst/>
+          </a:prstGeom>
+          <a:noFill/>
+        </p:spPr>
+        <p:txBody>
+          <a:bodyPr wrap="none" rtlCol="0">
+            <a:spAutoFit/>
+          </a:bodyPr>
+          <a:lstStyle/>
+          <a:p>
+            <a:r>
+              <a:rPr lang="en-US" altLang="ko-KR" sz="2000">
+                <a:latin typeface="Consolas" pitchFamily="49" charset="0"/>
+                <a:cs typeface="Consolas" pitchFamily="49" charset="0"/>
+              </a:rPr>
+              <a:t>*parts[1019]</a:t>
+            </a:r>
+            <a:endParaRPr lang="ko-KR" altLang="en-US" sz="2000">
+              <a:latin typeface="Consolas" pitchFamily="49" charset="0"/>
+              <a:cs typeface="Consolas" pitchFamily="49" charset="0"/>
+            </a:endParaRPr>
+          </a:p>
+        </p:txBody>
+      </p:sp>
+      <p:sp>
+        <p:nvSpPr>
+          <p:cNvPr id="47" name="TextBox 46">
+            <a:extLst>
+              <a:ext uri="{FF2B5EF4-FFF2-40B4-BE49-F238E27FC236}">
+                <a16:creationId xmlns:a16="http://schemas.microsoft.com/office/drawing/2014/main" id="{2DC3F705-FF26-4E7D-B56D-0B3591401A55}"/>
+              </a:ext>
+            </a:extLst>
+          </p:cNvPr>
+          <p:cNvSpPr txBox="1"/>
+          <p:nvPr/>
+        </p:nvSpPr>
+        <p:spPr>
+          <a:xfrm>
+            <a:off x="2607407" y="4221088"/>
+            <a:ext cx="1736373" cy="400110"/>
+          </a:xfrm>
+          <a:prstGeom prst="rect">
+            <a:avLst/>
+          </a:prstGeom>
+          <a:noFill/>
+        </p:spPr>
+        <p:txBody>
+          <a:bodyPr wrap="none" rtlCol="0">
+            <a:spAutoFit/>
+          </a:bodyPr>
+          <a:lstStyle/>
+          <a:p>
+            <a:r>
+              <a:rPr lang="en-US" altLang="ko-KR" sz="2000">
+                <a:latin typeface="Consolas" pitchFamily="49" charset="0"/>
+                <a:cs typeface="Consolas" pitchFamily="49" charset="0"/>
+              </a:rPr>
+              <a:t>*parts[999]</a:t>
+            </a:r>
+            <a:endParaRPr lang="ko-KR" altLang="en-US" sz="2000">
+              <a:latin typeface="Consolas" pitchFamily="49" charset="0"/>
+              <a:cs typeface="Consolas" pitchFamily="49" charset="0"/>
+            </a:endParaRPr>
+          </a:p>
+        </p:txBody>
+      </p:sp>
+      <p:sp>
+        <p:nvSpPr>
+          <p:cNvPr id="27" name="TextBox 26">
+            <a:extLst>
+              <a:ext uri="{FF2B5EF4-FFF2-40B4-BE49-F238E27FC236}">
+                <a16:creationId xmlns:a16="http://schemas.microsoft.com/office/drawing/2014/main" id="{C644F9FF-F69B-4842-81F1-3CB34A19718E}"/>
+              </a:ext>
+            </a:extLst>
+          </p:cNvPr>
+          <p:cNvSpPr txBox="1"/>
+          <p:nvPr/>
+        </p:nvSpPr>
+        <p:spPr>
+          <a:xfrm>
+            <a:off x="5580112" y="260648"/>
+            <a:ext cx="4980851" cy="400110"/>
+          </a:xfrm>
+          <a:prstGeom prst="rect">
+            <a:avLst/>
+          </a:prstGeom>
+          <a:noFill/>
+        </p:spPr>
+        <p:txBody>
+          <a:bodyPr wrap="none" rtlCol="0">
+            <a:spAutoFit/>
+          </a:bodyPr>
+          <a:lstStyle/>
+          <a:p>
+            <a:r>
+              <a:rPr lang="en-US" altLang="ko-KR" sz="2000">
+                <a:latin typeface="Consolas" pitchFamily="49" charset="0"/>
+                <a:cs typeface="Consolas" pitchFamily="49" charset="0"/>
+              </a:rPr>
+              <a:t>flex_array_put( fa, 1500, &amp;data );</a:t>
+            </a:r>
+            <a:endParaRPr lang="ko-KR" altLang="en-US" sz="2000">
+              <a:latin typeface="Consolas" pitchFamily="49" charset="0"/>
+              <a:cs typeface="Consolas" pitchFamily="49" charset="0"/>
+            </a:endParaRPr>
+          </a:p>
+        </p:txBody>
+      </p:sp>
+      <p:sp>
+        <p:nvSpPr>
+          <p:cNvPr id="30" name="직사각형 29">
+            <a:extLst>
+              <a:ext uri="{FF2B5EF4-FFF2-40B4-BE49-F238E27FC236}">
+                <a16:creationId xmlns:a16="http://schemas.microsoft.com/office/drawing/2014/main" id="{D2C456A0-A7CD-4D7A-A3F8-C65B372A7C7D}"/>
+              </a:ext>
+            </a:extLst>
+          </p:cNvPr>
+          <p:cNvSpPr/>
+          <p:nvPr/>
+        </p:nvSpPr>
+        <p:spPr>
+          <a:xfrm>
+            <a:off x="7740352" y="1077156"/>
+            <a:ext cx="936104" cy="365848"/>
+          </a:xfrm>
+          <a:prstGeom prst="rect">
+            <a:avLst/>
+          </a:prstGeom>
+          <a:solidFill>
+            <a:srgbClr val="FFFF00"/>
+          </a:solidFill>
+          <a:ln w="9525"/>
+        </p:spPr>
+        <p:style>
+          <a:lnRef idx="2">
+            <a:schemeClr val="accent1">
+              <a:shade val="50000"/>
+            </a:schemeClr>
+          </a:lnRef>
+          <a:fillRef idx="1">
+            <a:schemeClr val="accent1"/>
+          </a:fillRef>
+          <a:effectRef idx="0">
+            <a:schemeClr val="accent1"/>
+          </a:effectRef>
+          <a:fontRef idx="minor">
+            <a:schemeClr val="lt1"/>
+          </a:fontRef>
+        </p:style>
+        <p:txBody>
+          <a:bodyPr rot="0" spcFirstLastPara="0" vertOverflow="overflow" horzOverflow="overflow" vert="horz" wrap="square" lIns="91440" tIns="45720" rIns="91440" bIns="45720" numCol="1" spcCol="0" rtlCol="0" fromWordArt="0" anchor="ctr" anchorCtr="0" forceAA="0" compatLnSpc="1">
+            <a:prstTxWarp prst="textNoShape">
+              <a:avLst/>
+            </a:prstTxWarp>
+            <a:noAutofit/>
+          </a:bodyPr>
+          <a:lstStyle/>
+          <a:p>
+            <a:pPr algn="ctr"/>
+            <a:r>
+              <a:rPr lang="en-US" altLang="ko-KR" sz="2000">
+                <a:solidFill>
+                  <a:schemeClr val="tx1"/>
+                </a:solidFill>
+                <a:latin typeface="Consolas" pitchFamily="49" charset="0"/>
+                <a:cs typeface="Consolas" pitchFamily="49" charset="0"/>
+              </a:rPr>
+              <a:t>10</a:t>
+            </a:r>
+            <a:endParaRPr lang="ko-KR" altLang="en-US" sz="2000">
+              <a:solidFill>
+                <a:schemeClr val="tx1"/>
+              </a:solidFill>
+              <a:latin typeface="Consolas" pitchFamily="49" charset="0"/>
+              <a:cs typeface="Consolas" pitchFamily="49" charset="0"/>
+            </a:endParaRPr>
+          </a:p>
+        </p:txBody>
+      </p:sp>
+      <p:sp>
+        <p:nvSpPr>
+          <p:cNvPr id="33" name="TextBox 32">
+            <a:extLst>
+              <a:ext uri="{FF2B5EF4-FFF2-40B4-BE49-F238E27FC236}">
+                <a16:creationId xmlns:a16="http://schemas.microsoft.com/office/drawing/2014/main" id="{62E2E2B9-AB66-4E07-8943-56A20219E598}"/>
+              </a:ext>
+            </a:extLst>
+          </p:cNvPr>
+          <p:cNvSpPr txBox="1"/>
+          <p:nvPr/>
+        </p:nvSpPr>
+        <p:spPr>
+          <a:xfrm>
+            <a:off x="8649711" y="1029414"/>
+            <a:ext cx="748923" cy="400110"/>
+          </a:xfrm>
+          <a:prstGeom prst="rect">
+            <a:avLst/>
+          </a:prstGeom>
+          <a:noFill/>
+        </p:spPr>
+        <p:txBody>
+          <a:bodyPr wrap="none" rtlCol="0">
+            <a:spAutoFit/>
+          </a:bodyPr>
+          <a:lstStyle/>
+          <a:p>
+            <a:r>
+              <a:rPr lang="en-US" altLang="ko-KR" sz="2000">
+                <a:latin typeface="Consolas" pitchFamily="49" charset="0"/>
+                <a:cs typeface="Consolas" pitchFamily="49" charset="0"/>
+              </a:rPr>
+              <a:t>data</a:t>
+            </a:r>
+            <a:endParaRPr lang="ko-KR" altLang="en-US" sz="2000">
+              <a:latin typeface="Consolas" pitchFamily="49" charset="0"/>
+              <a:cs typeface="Consolas" pitchFamily="49" charset="0"/>
+            </a:endParaRPr>
+          </a:p>
+        </p:txBody>
+      </p:sp>
+      <p:sp>
+        <p:nvSpPr>
+          <p:cNvPr id="34" name="직사각형 33">
+            <a:extLst>
+              <a:ext uri="{FF2B5EF4-FFF2-40B4-BE49-F238E27FC236}">
+                <a16:creationId xmlns:a16="http://schemas.microsoft.com/office/drawing/2014/main" id="{1300BCA5-B5C5-4AB6-94B9-7B951114BE2D}"/>
+              </a:ext>
+            </a:extLst>
+          </p:cNvPr>
+          <p:cNvSpPr/>
+          <p:nvPr/>
+        </p:nvSpPr>
+        <p:spPr>
+          <a:xfrm>
+            <a:off x="7729745" y="1631124"/>
+            <a:ext cx="936104" cy="365848"/>
+          </a:xfrm>
+          <a:prstGeom prst="rect">
+            <a:avLst/>
+          </a:prstGeom>
+          <a:solidFill>
+            <a:srgbClr val="FFFF00"/>
+          </a:solidFill>
+          <a:ln w="9525"/>
+        </p:spPr>
+        <p:style>
+          <a:lnRef idx="2">
+            <a:schemeClr val="accent1">
+              <a:shade val="50000"/>
+            </a:schemeClr>
+          </a:lnRef>
+          <a:fillRef idx="1">
+            <a:schemeClr val="accent1"/>
+          </a:fillRef>
+          <a:effectRef idx="0">
+            <a:schemeClr val="accent1"/>
+          </a:effectRef>
+          <a:fontRef idx="minor">
+            <a:schemeClr val="lt1"/>
+          </a:fontRef>
+        </p:style>
+        <p:txBody>
+          <a:bodyPr rot="0" spcFirstLastPara="0" vertOverflow="overflow" horzOverflow="overflow" vert="horz" wrap="square" lIns="91440" tIns="45720" rIns="91440" bIns="45720" numCol="1" spcCol="0" rtlCol="0" fromWordArt="0" anchor="ctr" anchorCtr="0" forceAA="0" compatLnSpc="1">
+            <a:prstTxWarp prst="textNoShape">
+              <a:avLst/>
+            </a:prstTxWarp>
+            <a:noAutofit/>
+          </a:bodyPr>
+          <a:lstStyle/>
+          <a:p>
+            <a:pPr algn="ctr"/>
+            <a:r>
+              <a:rPr lang="en-US" altLang="ko-KR" sz="2000">
+                <a:solidFill>
+                  <a:schemeClr val="tx1"/>
+                </a:solidFill>
+                <a:latin typeface="Consolas" pitchFamily="49" charset="0"/>
+                <a:cs typeface="Consolas" pitchFamily="49" charset="0"/>
+              </a:rPr>
+              <a:t>1</a:t>
+            </a:r>
+            <a:endParaRPr lang="ko-KR" altLang="en-US" sz="2000">
+              <a:solidFill>
+                <a:schemeClr val="tx1"/>
+              </a:solidFill>
+              <a:latin typeface="Consolas" pitchFamily="49" charset="0"/>
+              <a:cs typeface="Consolas" pitchFamily="49" charset="0"/>
+            </a:endParaRPr>
+          </a:p>
+        </p:txBody>
+      </p:sp>
+      <p:sp>
+        <p:nvSpPr>
+          <p:cNvPr id="35" name="TextBox 34">
+            <a:extLst>
+              <a:ext uri="{FF2B5EF4-FFF2-40B4-BE49-F238E27FC236}">
+                <a16:creationId xmlns:a16="http://schemas.microsoft.com/office/drawing/2014/main" id="{ED1A0044-A07E-4D0A-9742-ADB2B2E642FB}"/>
+              </a:ext>
+            </a:extLst>
+          </p:cNvPr>
+          <p:cNvSpPr txBox="1"/>
+          <p:nvPr/>
+        </p:nvSpPr>
+        <p:spPr>
+          <a:xfrm>
+            <a:off x="8649711" y="1583382"/>
+            <a:ext cx="1172116" cy="400110"/>
+          </a:xfrm>
+          <a:prstGeom prst="rect">
+            <a:avLst/>
+          </a:prstGeom>
+          <a:noFill/>
+        </p:spPr>
+        <p:txBody>
+          <a:bodyPr wrap="none" rtlCol="0">
+            <a:spAutoFit/>
+          </a:bodyPr>
+          <a:lstStyle/>
+          <a:p>
+            <a:r>
+              <a:rPr lang="en-US" altLang="ko-KR" sz="2000">
+                <a:latin typeface="Consolas" pitchFamily="49" charset="0"/>
+                <a:cs typeface="Consolas" pitchFamily="49" charset="0"/>
+              </a:rPr>
+              <a:t>part_nr</a:t>
+            </a:r>
+            <a:endParaRPr lang="ko-KR" altLang="en-US" sz="2000">
+              <a:latin typeface="Consolas" pitchFamily="49" charset="0"/>
+              <a:cs typeface="Consolas" pitchFamily="49" charset="0"/>
+            </a:endParaRPr>
+          </a:p>
+        </p:txBody>
+      </p:sp>
+      <p:sp>
+        <p:nvSpPr>
+          <p:cNvPr id="36" name="직사각형 35">
+            <a:extLst>
+              <a:ext uri="{FF2B5EF4-FFF2-40B4-BE49-F238E27FC236}">
+                <a16:creationId xmlns:a16="http://schemas.microsoft.com/office/drawing/2014/main" id="{C175CA62-CEE6-499D-BD52-42E40F45B275}"/>
+              </a:ext>
+            </a:extLst>
+          </p:cNvPr>
+          <p:cNvSpPr/>
+          <p:nvPr/>
+        </p:nvSpPr>
+        <p:spPr>
+          <a:xfrm>
+            <a:off x="7756490" y="2139982"/>
+            <a:ext cx="936104" cy="365848"/>
+          </a:xfrm>
+          <a:prstGeom prst="rect">
+            <a:avLst/>
+          </a:prstGeom>
+          <a:solidFill>
+            <a:srgbClr val="FFFF00"/>
+          </a:solidFill>
+          <a:ln w="9525"/>
+        </p:spPr>
+        <p:style>
+          <a:lnRef idx="2">
+            <a:schemeClr val="accent1">
+              <a:shade val="50000"/>
+            </a:schemeClr>
+          </a:lnRef>
+          <a:fillRef idx="1">
+            <a:schemeClr val="accent1"/>
+          </a:fillRef>
+          <a:effectRef idx="0">
+            <a:schemeClr val="accent1"/>
+          </a:effectRef>
+          <a:fontRef idx="minor">
+            <a:schemeClr val="lt1"/>
+          </a:fontRef>
+        </p:style>
+        <p:txBody>
+          <a:bodyPr rot="0" spcFirstLastPara="0" vertOverflow="overflow" horzOverflow="overflow" vert="horz" wrap="square" lIns="91440" tIns="45720" rIns="91440" bIns="45720" numCol="1" spcCol="0" rtlCol="0" fromWordArt="0" anchor="ctr" anchorCtr="0" forceAA="0" compatLnSpc="1">
+            <a:prstTxWarp prst="textNoShape">
+              <a:avLst/>
+            </a:prstTxWarp>
+            <a:noAutofit/>
+          </a:bodyPr>
+          <a:lstStyle/>
+          <a:p>
+            <a:pPr algn="ctr"/>
+            <a:r>
+              <a:rPr lang="en-US" altLang="ko-KR" sz="2000">
+                <a:solidFill>
+                  <a:schemeClr val="tx1"/>
+                </a:solidFill>
+                <a:latin typeface="Consolas" pitchFamily="49" charset="0"/>
+                <a:cs typeface="Consolas" pitchFamily="49" charset="0"/>
+              </a:rPr>
+              <a:t>0</a:t>
+            </a:r>
+            <a:endParaRPr lang="ko-KR" altLang="en-US" sz="2000">
+              <a:solidFill>
+                <a:schemeClr val="tx1"/>
+              </a:solidFill>
+              <a:latin typeface="Consolas" pitchFamily="49" charset="0"/>
+              <a:cs typeface="Consolas" pitchFamily="49" charset="0"/>
+            </a:endParaRPr>
+          </a:p>
+        </p:txBody>
+      </p:sp>
+      <p:sp>
+        <p:nvSpPr>
+          <p:cNvPr id="37" name="TextBox 36">
+            <a:extLst>
+              <a:ext uri="{FF2B5EF4-FFF2-40B4-BE49-F238E27FC236}">
+                <a16:creationId xmlns:a16="http://schemas.microsoft.com/office/drawing/2014/main" id="{4B774A10-D084-4703-A707-75C481820E61}"/>
+              </a:ext>
+            </a:extLst>
+          </p:cNvPr>
+          <p:cNvSpPr txBox="1"/>
+          <p:nvPr/>
+        </p:nvSpPr>
+        <p:spPr>
+          <a:xfrm>
+            <a:off x="8665849" y="2092240"/>
+            <a:ext cx="748923" cy="400110"/>
+          </a:xfrm>
+          <a:prstGeom prst="rect">
+            <a:avLst/>
+          </a:prstGeom>
+          <a:noFill/>
+        </p:spPr>
+        <p:txBody>
+          <a:bodyPr wrap="none" rtlCol="0">
+            <a:spAutoFit/>
+          </a:bodyPr>
+          <a:lstStyle/>
+          <a:p>
+            <a:r>
+              <a:rPr lang="en-US" altLang="ko-KR" sz="2000">
+                <a:latin typeface="Consolas" pitchFamily="49" charset="0"/>
+                <a:cs typeface="Consolas" pitchFamily="49" charset="0"/>
+              </a:rPr>
+              <a:t>part</a:t>
+            </a:r>
+            <a:endParaRPr lang="ko-KR" altLang="en-US" sz="2000">
+              <a:latin typeface="Consolas" pitchFamily="49" charset="0"/>
+              <a:cs typeface="Consolas" pitchFamily="49" charset="0"/>
+            </a:endParaRPr>
+          </a:p>
+        </p:txBody>
+      </p:sp>
+      <p:sp>
+        <p:nvSpPr>
+          <p:cNvPr id="38" name="직사각형 37">
+            <a:extLst>
+              <a:ext uri="{FF2B5EF4-FFF2-40B4-BE49-F238E27FC236}">
+                <a16:creationId xmlns:a16="http://schemas.microsoft.com/office/drawing/2014/main" id="{F9579AE7-1166-466B-97C2-18FE10741510}"/>
+              </a:ext>
+            </a:extLst>
+          </p:cNvPr>
+          <p:cNvSpPr/>
+          <p:nvPr/>
+        </p:nvSpPr>
+        <p:spPr>
+          <a:xfrm>
+            <a:off x="7779247" y="2703357"/>
+            <a:ext cx="936104" cy="365848"/>
+          </a:xfrm>
+          <a:prstGeom prst="rect">
+            <a:avLst/>
+          </a:prstGeom>
+          <a:solidFill>
+            <a:srgbClr val="FFFF00"/>
+          </a:solidFill>
+          <a:ln w="9525"/>
+        </p:spPr>
+        <p:style>
+          <a:lnRef idx="2">
+            <a:schemeClr val="accent1">
+              <a:shade val="50000"/>
+            </a:schemeClr>
+          </a:lnRef>
+          <a:fillRef idx="1">
+            <a:schemeClr val="accent1"/>
+          </a:fillRef>
+          <a:effectRef idx="0">
+            <a:schemeClr val="accent1"/>
+          </a:effectRef>
+          <a:fontRef idx="minor">
+            <a:schemeClr val="lt1"/>
+          </a:fontRef>
+        </p:style>
+        <p:txBody>
+          <a:bodyPr rot="0" spcFirstLastPara="0" vertOverflow="overflow" horzOverflow="overflow" vert="horz" wrap="square" lIns="91440" tIns="45720" rIns="91440" bIns="45720" numCol="1" spcCol="0" rtlCol="0" fromWordArt="0" anchor="ctr" anchorCtr="0" forceAA="0" compatLnSpc="1">
+            <a:prstTxWarp prst="textNoShape">
+              <a:avLst/>
+            </a:prstTxWarp>
+            <a:noAutofit/>
+          </a:bodyPr>
+          <a:lstStyle/>
+          <a:p>
+            <a:pPr algn="ctr"/>
+            <a:endParaRPr lang="ko-KR" altLang="en-US" sz="2000">
+              <a:solidFill>
+                <a:schemeClr val="tx1"/>
+              </a:solidFill>
+              <a:latin typeface="Consolas" pitchFamily="49" charset="0"/>
+              <a:cs typeface="Consolas" pitchFamily="49" charset="0"/>
+            </a:endParaRPr>
+          </a:p>
+        </p:txBody>
+      </p:sp>
+      <p:sp>
+        <p:nvSpPr>
+          <p:cNvPr id="39" name="TextBox 38">
+            <a:extLst>
+              <a:ext uri="{FF2B5EF4-FFF2-40B4-BE49-F238E27FC236}">
+                <a16:creationId xmlns:a16="http://schemas.microsoft.com/office/drawing/2014/main" id="{A707971F-4C8E-420D-9830-C8CD5B55E4F4}"/>
+              </a:ext>
+            </a:extLst>
+          </p:cNvPr>
+          <p:cNvSpPr txBox="1"/>
+          <p:nvPr/>
+        </p:nvSpPr>
+        <p:spPr>
+          <a:xfrm>
+            <a:off x="8688606" y="2655615"/>
+            <a:ext cx="607859" cy="400110"/>
+          </a:xfrm>
+          <a:prstGeom prst="rect">
+            <a:avLst/>
+          </a:prstGeom>
+          <a:noFill/>
+        </p:spPr>
+        <p:txBody>
+          <a:bodyPr wrap="none" rtlCol="0">
+            <a:spAutoFit/>
+          </a:bodyPr>
+          <a:lstStyle/>
+          <a:p>
+            <a:r>
+              <a:rPr lang="en-US" altLang="ko-KR" sz="2000">
+                <a:latin typeface="Consolas" pitchFamily="49" charset="0"/>
+                <a:cs typeface="Consolas" pitchFamily="49" charset="0"/>
+              </a:rPr>
+              <a:t>dst</a:t>
+            </a:r>
+            <a:endParaRPr lang="ko-KR" altLang="en-US" sz="2000">
+              <a:latin typeface="Consolas" pitchFamily="49" charset="0"/>
+              <a:cs typeface="Consolas" pitchFamily="49" charset="0"/>
+            </a:endParaRPr>
+          </a:p>
+        </p:txBody>
+      </p:sp>
+      <p:sp>
+        <p:nvSpPr>
+          <p:cNvPr id="40" name="TextBox 39">
+            <a:extLst>
+              <a:ext uri="{FF2B5EF4-FFF2-40B4-BE49-F238E27FC236}">
+                <a16:creationId xmlns:a16="http://schemas.microsoft.com/office/drawing/2014/main" id="{D754BFE6-3C6A-47AD-8E5A-922A1D1E414F}"/>
+              </a:ext>
+            </a:extLst>
+          </p:cNvPr>
+          <p:cNvSpPr txBox="1"/>
+          <p:nvPr/>
+        </p:nvSpPr>
+        <p:spPr>
+          <a:xfrm>
+            <a:off x="2607407" y="2506280"/>
+            <a:ext cx="1454244" cy="400110"/>
+          </a:xfrm>
+          <a:prstGeom prst="rect">
+            <a:avLst/>
+          </a:prstGeom>
+          <a:noFill/>
+        </p:spPr>
+        <p:txBody>
+          <a:bodyPr wrap="none" rtlCol="0">
+            <a:spAutoFit/>
+          </a:bodyPr>
+          <a:lstStyle/>
+          <a:p>
+            <a:r>
+              <a:rPr lang="en-US" altLang="ko-KR" sz="2000">
+                <a:latin typeface="Consolas" pitchFamily="49" charset="0"/>
+                <a:cs typeface="Consolas" pitchFamily="49" charset="0"/>
+              </a:rPr>
+              <a:t>*parts[1]</a:t>
+            </a:r>
+            <a:endParaRPr lang="ko-KR" altLang="en-US" sz="2000">
+              <a:latin typeface="Consolas" pitchFamily="49" charset="0"/>
+              <a:cs typeface="Consolas" pitchFamily="49" charset="0"/>
+            </a:endParaRPr>
+          </a:p>
+        </p:txBody>
+      </p:sp>
+      <p:sp>
+        <p:nvSpPr>
+          <p:cNvPr id="41" name="직사각형 40">
+            <a:extLst>
+              <a:ext uri="{FF2B5EF4-FFF2-40B4-BE49-F238E27FC236}">
+                <a16:creationId xmlns:a16="http://schemas.microsoft.com/office/drawing/2014/main" id="{5E819638-7093-4EC4-923A-E62E3103C963}"/>
+              </a:ext>
+            </a:extLst>
+          </p:cNvPr>
+          <p:cNvSpPr/>
+          <p:nvPr/>
+        </p:nvSpPr>
+        <p:spPr>
+          <a:xfrm>
+            <a:off x="4860032" y="2139982"/>
+            <a:ext cx="1584176" cy="432048"/>
+          </a:xfrm>
+          <a:prstGeom prst="rect">
+            <a:avLst/>
+          </a:prstGeom>
+          <a:solidFill>
+            <a:srgbClr val="FFFF00"/>
+          </a:solidFill>
+          <a:ln w="9525"/>
+        </p:spPr>
+        <p:style>
+          <a:lnRef idx="2">
+            <a:schemeClr val="accent1">
+              <a:shade val="50000"/>
+            </a:schemeClr>
+          </a:lnRef>
+          <a:fillRef idx="1">
+            <a:schemeClr val="accent1"/>
+          </a:fillRef>
+          <a:effectRef idx="0">
+            <a:schemeClr val="accent1"/>
+          </a:effectRef>
+          <a:fontRef idx="minor">
+            <a:schemeClr val="lt1"/>
+          </a:fontRef>
+        </p:style>
+        <p:txBody>
+          <a:bodyPr rot="0" spcFirstLastPara="0" vertOverflow="overflow" horzOverflow="overflow" vert="horz" wrap="square" lIns="91440" tIns="45720" rIns="91440" bIns="45720" numCol="1" spcCol="0" rtlCol="0" fromWordArt="0" anchor="ctr" anchorCtr="0" forceAA="0" compatLnSpc="1">
+            <a:prstTxWarp prst="textNoShape">
+              <a:avLst/>
+            </a:prstTxWarp>
+            <a:noAutofit/>
+          </a:bodyPr>
+          <a:lstStyle/>
+          <a:p>
+            <a:pPr algn="ctr"/>
+            <a:r>
+              <a:rPr lang="en-US" altLang="ko-KR" sz="2000">
+                <a:solidFill>
+                  <a:schemeClr val="tx1"/>
+                </a:solidFill>
+                <a:latin typeface="Consolas" pitchFamily="49" charset="0"/>
+                <a:cs typeface="Consolas" pitchFamily="49" charset="0"/>
+              </a:rPr>
+              <a:t>0x6c6c6c6c</a:t>
+            </a:r>
+            <a:endParaRPr lang="ko-KR" altLang="en-US" sz="2000">
+              <a:solidFill>
+                <a:schemeClr val="tx1"/>
+              </a:solidFill>
+              <a:latin typeface="Consolas" pitchFamily="49" charset="0"/>
+              <a:cs typeface="Consolas" pitchFamily="49" charset="0"/>
+            </a:endParaRPr>
+          </a:p>
+        </p:txBody>
+      </p:sp>
+      <p:sp>
+        <p:nvSpPr>
+          <p:cNvPr id="42" name="직사각형 41">
+            <a:extLst>
+              <a:ext uri="{FF2B5EF4-FFF2-40B4-BE49-F238E27FC236}">
+                <a16:creationId xmlns:a16="http://schemas.microsoft.com/office/drawing/2014/main" id="{5595EF5F-BA5B-4BA1-B8EF-0966D16C4AA6}"/>
+              </a:ext>
+            </a:extLst>
+          </p:cNvPr>
+          <p:cNvSpPr/>
+          <p:nvPr/>
+        </p:nvSpPr>
+        <p:spPr>
+          <a:xfrm>
+            <a:off x="4860032" y="2572031"/>
+            <a:ext cx="1584176" cy="432048"/>
+          </a:xfrm>
+          <a:prstGeom prst="rect">
+            <a:avLst/>
+          </a:prstGeom>
+          <a:solidFill>
+            <a:srgbClr val="FFFF00"/>
+          </a:solidFill>
+          <a:ln w="9525"/>
+        </p:spPr>
+        <p:style>
+          <a:lnRef idx="2">
+            <a:schemeClr val="accent1">
+              <a:shade val="50000"/>
+            </a:schemeClr>
+          </a:lnRef>
+          <a:fillRef idx="1">
+            <a:schemeClr val="accent1"/>
+          </a:fillRef>
+          <a:effectRef idx="0">
+            <a:schemeClr val="accent1"/>
+          </a:effectRef>
+          <a:fontRef idx="minor">
+            <a:schemeClr val="lt1"/>
+          </a:fontRef>
+        </p:style>
+        <p:txBody>
+          <a:bodyPr rot="0" spcFirstLastPara="0" vertOverflow="overflow" horzOverflow="overflow" vert="horz" wrap="square" lIns="91440" tIns="45720" rIns="91440" bIns="45720" numCol="1" spcCol="0" rtlCol="0" fromWordArt="0" anchor="ctr" anchorCtr="0" forceAA="0" compatLnSpc="1">
+            <a:prstTxWarp prst="textNoShape">
+              <a:avLst/>
+            </a:prstTxWarp>
+            <a:noAutofit/>
+          </a:bodyPr>
+          <a:lstStyle/>
+          <a:p>
+            <a:pPr algn="ctr"/>
+            <a:r>
+              <a:rPr lang="en-US" altLang="ko-KR" sz="2000">
+                <a:solidFill>
+                  <a:schemeClr val="tx1"/>
+                </a:solidFill>
+                <a:latin typeface="Consolas" pitchFamily="49" charset="0"/>
+                <a:cs typeface="Consolas" pitchFamily="49" charset="0"/>
+              </a:rPr>
+              <a:t>0x6c6c6c6c</a:t>
+            </a:r>
+            <a:endParaRPr lang="ko-KR" altLang="en-US" sz="2000">
+              <a:solidFill>
+                <a:schemeClr val="tx1"/>
+              </a:solidFill>
+              <a:latin typeface="Consolas" pitchFamily="49" charset="0"/>
+              <a:cs typeface="Consolas" pitchFamily="49" charset="0"/>
+            </a:endParaRPr>
+          </a:p>
+        </p:txBody>
+      </p:sp>
+      <p:sp>
+        <p:nvSpPr>
+          <p:cNvPr id="43" name="직사각형 42">
+            <a:extLst>
+              <a:ext uri="{FF2B5EF4-FFF2-40B4-BE49-F238E27FC236}">
+                <a16:creationId xmlns:a16="http://schemas.microsoft.com/office/drawing/2014/main" id="{FD5C1007-1522-46F2-ADBF-FE240B461102}"/>
+              </a:ext>
+            </a:extLst>
+          </p:cNvPr>
+          <p:cNvSpPr/>
+          <p:nvPr/>
+        </p:nvSpPr>
+        <p:spPr>
+          <a:xfrm>
+            <a:off x="4860032" y="3011881"/>
+            <a:ext cx="1584176" cy="432048"/>
+          </a:xfrm>
+          <a:prstGeom prst="rect">
+            <a:avLst/>
+          </a:prstGeom>
+          <a:solidFill>
+            <a:srgbClr val="FFFF00"/>
+          </a:solidFill>
+          <a:ln w="9525"/>
+        </p:spPr>
+        <p:style>
+          <a:lnRef idx="2">
+            <a:schemeClr val="accent1">
+              <a:shade val="50000"/>
+            </a:schemeClr>
+          </a:lnRef>
+          <a:fillRef idx="1">
+            <a:schemeClr val="accent1"/>
+          </a:fillRef>
+          <a:effectRef idx="0">
+            <a:schemeClr val="accent1"/>
+          </a:effectRef>
+          <a:fontRef idx="minor">
+            <a:schemeClr val="lt1"/>
+          </a:fontRef>
+        </p:style>
+        <p:txBody>
+          <a:bodyPr rot="0" spcFirstLastPara="0" vertOverflow="overflow" horzOverflow="overflow" vert="horz" wrap="square" lIns="91440" tIns="45720" rIns="91440" bIns="45720" numCol="1" spcCol="0" rtlCol="0" fromWordArt="0" anchor="ctr" anchorCtr="0" forceAA="0" compatLnSpc="1">
+            <a:prstTxWarp prst="textNoShape">
+              <a:avLst/>
+            </a:prstTxWarp>
+            <a:noAutofit/>
+          </a:bodyPr>
+          <a:lstStyle/>
+          <a:p>
+            <a:pPr algn="ctr"/>
+            <a:r>
+              <a:rPr lang="en-US" altLang="ko-KR" sz="2000">
+                <a:solidFill>
+                  <a:schemeClr val="tx1"/>
+                </a:solidFill>
+                <a:latin typeface="Consolas" pitchFamily="49" charset="0"/>
+                <a:cs typeface="Consolas" pitchFamily="49" charset="0"/>
+              </a:rPr>
+              <a:t>0x6c6c6c6c</a:t>
+            </a:r>
+            <a:endParaRPr lang="ko-KR" altLang="en-US" sz="2000">
+              <a:solidFill>
+                <a:schemeClr val="tx1"/>
+              </a:solidFill>
+              <a:latin typeface="Consolas" pitchFamily="49" charset="0"/>
+              <a:cs typeface="Consolas" pitchFamily="49" charset="0"/>
+            </a:endParaRPr>
+          </a:p>
+        </p:txBody>
+      </p:sp>
+      <p:sp>
+        <p:nvSpPr>
+          <p:cNvPr id="44" name="직사각형 43">
+            <a:extLst>
+              <a:ext uri="{FF2B5EF4-FFF2-40B4-BE49-F238E27FC236}">
+                <a16:creationId xmlns:a16="http://schemas.microsoft.com/office/drawing/2014/main" id="{5D842DDD-C268-42AC-9C48-1F57602810C7}"/>
+              </a:ext>
+            </a:extLst>
+          </p:cNvPr>
+          <p:cNvSpPr/>
+          <p:nvPr/>
+        </p:nvSpPr>
+        <p:spPr>
+          <a:xfrm>
+            <a:off x="4860032" y="3436127"/>
+            <a:ext cx="1584176" cy="432048"/>
+          </a:xfrm>
+          <a:prstGeom prst="rect">
+            <a:avLst/>
+          </a:prstGeom>
+          <a:solidFill>
+            <a:srgbClr val="FFFF00"/>
+          </a:solidFill>
+          <a:ln w="9525"/>
+        </p:spPr>
+        <p:style>
+          <a:lnRef idx="2">
+            <a:schemeClr val="accent1">
+              <a:shade val="50000"/>
+            </a:schemeClr>
+          </a:lnRef>
+          <a:fillRef idx="1">
+            <a:schemeClr val="accent1"/>
+          </a:fillRef>
+          <a:effectRef idx="0">
+            <a:schemeClr val="accent1"/>
+          </a:effectRef>
+          <a:fontRef idx="minor">
+            <a:schemeClr val="lt1"/>
+          </a:fontRef>
+        </p:style>
+        <p:txBody>
+          <a:bodyPr rot="0" spcFirstLastPara="0" vertOverflow="overflow" horzOverflow="overflow" vert="horz" wrap="square" lIns="91440" tIns="45720" rIns="91440" bIns="45720" numCol="1" spcCol="0" rtlCol="0" fromWordArt="0" anchor="ctr" anchorCtr="0" forceAA="0" compatLnSpc="1">
+            <a:prstTxWarp prst="textNoShape">
+              <a:avLst/>
+            </a:prstTxWarp>
+            <a:noAutofit/>
+          </a:bodyPr>
+          <a:lstStyle/>
+          <a:p>
+            <a:pPr algn="ctr"/>
+            <a:r>
+              <a:rPr lang="en-US" altLang="ko-KR" sz="2000">
+                <a:solidFill>
+                  <a:schemeClr val="tx1"/>
+                </a:solidFill>
+                <a:latin typeface="Consolas" pitchFamily="49" charset="0"/>
+                <a:cs typeface="Consolas" pitchFamily="49" charset="0"/>
+              </a:rPr>
+              <a:t>0x6c6c6c6c</a:t>
+            </a:r>
+            <a:endParaRPr lang="ko-KR" altLang="en-US" sz="2000">
+              <a:solidFill>
+                <a:schemeClr val="tx1"/>
+              </a:solidFill>
+              <a:latin typeface="Consolas" pitchFamily="49" charset="0"/>
+              <a:cs typeface="Consolas" pitchFamily="49" charset="0"/>
+            </a:endParaRPr>
+          </a:p>
+        </p:txBody>
+      </p:sp>
+      <p:sp>
+        <p:nvSpPr>
+          <p:cNvPr id="48" name="직사각형 47">
+            <a:extLst>
+              <a:ext uri="{FF2B5EF4-FFF2-40B4-BE49-F238E27FC236}">
+                <a16:creationId xmlns:a16="http://schemas.microsoft.com/office/drawing/2014/main" id="{501B249A-DFE3-4A5B-AB1B-B33D6ADF4941}"/>
+              </a:ext>
+            </a:extLst>
+          </p:cNvPr>
+          <p:cNvSpPr/>
+          <p:nvPr/>
+        </p:nvSpPr>
+        <p:spPr>
+          <a:xfrm>
+            <a:off x="4860032" y="3868175"/>
+            <a:ext cx="1584176" cy="432048"/>
+          </a:xfrm>
+          <a:prstGeom prst="rect">
+            <a:avLst/>
+          </a:prstGeom>
+          <a:solidFill>
+            <a:srgbClr val="FFFF00"/>
+          </a:solidFill>
+          <a:ln w="9525"/>
+        </p:spPr>
+        <p:style>
+          <a:lnRef idx="2">
+            <a:schemeClr val="accent1">
+              <a:shade val="50000"/>
+            </a:schemeClr>
+          </a:lnRef>
+          <a:fillRef idx="1">
+            <a:schemeClr val="accent1"/>
+          </a:fillRef>
+          <a:effectRef idx="0">
+            <a:schemeClr val="accent1"/>
+          </a:effectRef>
+          <a:fontRef idx="minor">
+            <a:schemeClr val="lt1"/>
+          </a:fontRef>
+        </p:style>
+        <p:txBody>
+          <a:bodyPr rot="0" spcFirstLastPara="0" vertOverflow="overflow" horzOverflow="overflow" vert="horz" wrap="square" lIns="91440" tIns="45720" rIns="91440" bIns="45720" numCol="1" spcCol="0" rtlCol="0" fromWordArt="0" anchor="ctr" anchorCtr="0" forceAA="0" compatLnSpc="1">
+            <a:prstTxWarp prst="textNoShape">
+              <a:avLst/>
+            </a:prstTxWarp>
+            <a:noAutofit/>
+          </a:bodyPr>
+          <a:lstStyle/>
+          <a:p>
+            <a:pPr algn="ctr"/>
+            <a:r>
+              <a:rPr lang="en-US" altLang="ko-KR" sz="2000">
+                <a:solidFill>
+                  <a:schemeClr val="tx1"/>
+                </a:solidFill>
+                <a:latin typeface="Consolas" pitchFamily="49" charset="0"/>
+                <a:cs typeface="Consolas" pitchFamily="49" charset="0"/>
+              </a:rPr>
+              <a:t>...</a:t>
+            </a:r>
+            <a:endParaRPr lang="ko-KR" altLang="en-US" sz="2000">
+              <a:solidFill>
+                <a:schemeClr val="tx1"/>
+              </a:solidFill>
+              <a:latin typeface="Consolas" pitchFamily="49" charset="0"/>
+              <a:cs typeface="Consolas" pitchFamily="49" charset="0"/>
+            </a:endParaRPr>
+          </a:p>
+        </p:txBody>
+      </p:sp>
+      <p:sp>
+        <p:nvSpPr>
+          <p:cNvPr id="49" name="직사각형 48">
+            <a:extLst>
+              <a:ext uri="{FF2B5EF4-FFF2-40B4-BE49-F238E27FC236}">
+                <a16:creationId xmlns:a16="http://schemas.microsoft.com/office/drawing/2014/main" id="{D5FE79FF-25F6-41E7-BBBC-63C4903CE220}"/>
+              </a:ext>
+            </a:extLst>
+          </p:cNvPr>
+          <p:cNvSpPr/>
+          <p:nvPr/>
+        </p:nvSpPr>
+        <p:spPr>
+          <a:xfrm>
+            <a:off x="4860032" y="4300223"/>
+            <a:ext cx="1584176" cy="432048"/>
+          </a:xfrm>
+          <a:prstGeom prst="rect">
+            <a:avLst/>
+          </a:prstGeom>
+          <a:solidFill>
+            <a:srgbClr val="FFFF00"/>
+          </a:solidFill>
+          <a:ln w="9525"/>
+        </p:spPr>
+        <p:style>
+          <a:lnRef idx="2">
+            <a:schemeClr val="accent1">
+              <a:shade val="50000"/>
+            </a:schemeClr>
+          </a:lnRef>
+          <a:fillRef idx="1">
+            <a:schemeClr val="accent1"/>
+          </a:fillRef>
+          <a:effectRef idx="0">
+            <a:schemeClr val="accent1"/>
+          </a:effectRef>
+          <a:fontRef idx="minor">
+            <a:schemeClr val="lt1"/>
+          </a:fontRef>
+        </p:style>
+        <p:txBody>
+          <a:bodyPr rot="0" spcFirstLastPara="0" vertOverflow="overflow" horzOverflow="overflow" vert="horz" wrap="square" lIns="91440" tIns="45720" rIns="91440" bIns="45720" numCol="1" spcCol="0" rtlCol="0" fromWordArt="0" anchor="ctr" anchorCtr="0" forceAA="0" compatLnSpc="1">
+            <a:prstTxWarp prst="textNoShape">
+              <a:avLst/>
+            </a:prstTxWarp>
+            <a:noAutofit/>
+          </a:bodyPr>
+          <a:lstStyle/>
+          <a:p>
+            <a:pPr algn="ctr"/>
+            <a:r>
+              <a:rPr lang="en-US" altLang="ko-KR" sz="2000">
+                <a:solidFill>
+                  <a:schemeClr val="tx1"/>
+                </a:solidFill>
+                <a:latin typeface="Consolas" pitchFamily="49" charset="0"/>
+                <a:cs typeface="Consolas" pitchFamily="49" charset="0"/>
+              </a:rPr>
+              <a:t>0x6c6c6c6c</a:t>
+            </a:r>
+            <a:endParaRPr lang="ko-KR" altLang="en-US" sz="2000">
+              <a:solidFill>
+                <a:schemeClr val="tx1"/>
+              </a:solidFill>
+              <a:latin typeface="Consolas" pitchFamily="49" charset="0"/>
+              <a:cs typeface="Consolas" pitchFamily="49" charset="0"/>
+            </a:endParaRPr>
+          </a:p>
+        </p:txBody>
+      </p:sp>
+      <p:cxnSp>
+        <p:nvCxnSpPr>
+          <p:cNvPr id="50" name="직선 화살표 연결선 49">
+            <a:extLst>
+              <a:ext uri="{FF2B5EF4-FFF2-40B4-BE49-F238E27FC236}">
+                <a16:creationId xmlns:a16="http://schemas.microsoft.com/office/drawing/2014/main" id="{EE35AF27-2F98-40DF-BBF4-4E882FAF21BF}"/>
+              </a:ext>
+            </a:extLst>
+          </p:cNvPr>
+          <p:cNvCxnSpPr>
+            <a:cxnSpLocks/>
+            <a:stCxn id="36" idx="1"/>
+          </p:cNvCxnSpPr>
+          <p:nvPr/>
+        </p:nvCxnSpPr>
+        <p:spPr>
+          <a:xfrm flipH="1" flipV="1">
+            <a:off x="6444208" y="2139982"/>
+            <a:ext cx="1312282" cy="182924"/>
+          </a:xfrm>
+          <a:prstGeom prst="straightConnector1">
+            <a:avLst/>
+          </a:prstGeom>
+          <a:ln>
+            <a:solidFill>
+              <a:srgbClr val="FF0000"/>
+            </a:solidFill>
+            <a:tailEnd type="triangle"/>
+          </a:ln>
+        </p:spPr>
+        <p:style>
+          <a:lnRef idx="1">
+            <a:schemeClr val="accent1"/>
+          </a:lnRef>
+          <a:fillRef idx="0">
+            <a:schemeClr val="accent1"/>
+          </a:fillRef>
+          <a:effectRef idx="0">
+            <a:schemeClr val="accent1"/>
+          </a:effectRef>
+          <a:fontRef idx="minor">
+            <a:schemeClr val="tx1"/>
+          </a:fontRef>
+        </p:style>
+      </p:cxnSp>
+      <p:sp>
+        <p:nvSpPr>
+          <p:cNvPr id="51" name="TextBox 50">
+            <a:extLst>
+              <a:ext uri="{FF2B5EF4-FFF2-40B4-BE49-F238E27FC236}">
+                <a16:creationId xmlns:a16="http://schemas.microsoft.com/office/drawing/2014/main" id="{609F1B9F-DB35-44BB-86F0-005C9BDDDFAE}"/>
+              </a:ext>
+            </a:extLst>
+          </p:cNvPr>
+          <p:cNvSpPr txBox="1"/>
+          <p:nvPr/>
+        </p:nvSpPr>
+        <p:spPr>
+          <a:xfrm>
+            <a:off x="6462437" y="2139982"/>
+            <a:ext cx="607859" cy="400110"/>
+          </a:xfrm>
+          <a:prstGeom prst="rect">
+            <a:avLst/>
+          </a:prstGeom>
+          <a:noFill/>
+        </p:spPr>
+        <p:txBody>
+          <a:bodyPr wrap="none" rtlCol="0">
+            <a:spAutoFit/>
+          </a:bodyPr>
+          <a:lstStyle/>
+          <a:p>
+            <a:r>
+              <a:rPr lang="en-US" altLang="ko-KR" sz="2000">
+                <a:latin typeface="Consolas" pitchFamily="49" charset="0"/>
+                <a:cs typeface="Consolas" pitchFamily="49" charset="0"/>
+              </a:rPr>
+              <a:t>[0]</a:t>
+            </a:r>
+            <a:endParaRPr lang="ko-KR" altLang="en-US" sz="2000">
+              <a:latin typeface="Consolas" pitchFamily="49" charset="0"/>
+              <a:cs typeface="Consolas" pitchFamily="49" charset="0"/>
+            </a:endParaRPr>
+          </a:p>
+        </p:txBody>
+      </p:sp>
+      <p:sp>
+        <p:nvSpPr>
+          <p:cNvPr id="52" name="TextBox 51">
+            <a:extLst>
+              <a:ext uri="{FF2B5EF4-FFF2-40B4-BE49-F238E27FC236}">
+                <a16:creationId xmlns:a16="http://schemas.microsoft.com/office/drawing/2014/main" id="{419B02E6-DBEA-4E3B-9027-BD84F55DB722}"/>
+              </a:ext>
+            </a:extLst>
+          </p:cNvPr>
+          <p:cNvSpPr txBox="1"/>
+          <p:nvPr/>
+        </p:nvSpPr>
+        <p:spPr>
+          <a:xfrm>
+            <a:off x="6444208" y="4341541"/>
+            <a:ext cx="1031051" cy="400110"/>
+          </a:xfrm>
+          <a:prstGeom prst="rect">
+            <a:avLst/>
+          </a:prstGeom>
+          <a:noFill/>
+        </p:spPr>
+        <p:txBody>
+          <a:bodyPr wrap="none" rtlCol="0">
+            <a:spAutoFit/>
+          </a:bodyPr>
+          <a:lstStyle/>
+          <a:p>
+            <a:r>
+              <a:rPr lang="en-US" altLang="ko-KR" sz="2000">
+                <a:latin typeface="Consolas" pitchFamily="49" charset="0"/>
+                <a:cs typeface="Consolas" pitchFamily="49" charset="0"/>
+              </a:rPr>
+              <a:t>[1023]</a:t>
+            </a:r>
+            <a:endParaRPr lang="ko-KR" altLang="en-US" sz="2000">
+              <a:latin typeface="Consolas" pitchFamily="49" charset="0"/>
+              <a:cs typeface="Consolas" pitchFamily="49" charset="0"/>
+            </a:endParaRPr>
+          </a:p>
+        </p:txBody>
+      </p:sp>
+      <p:cxnSp>
+        <p:nvCxnSpPr>
+          <p:cNvPr id="53" name="직선 화살표 연결선 52">
+            <a:extLst>
+              <a:ext uri="{FF2B5EF4-FFF2-40B4-BE49-F238E27FC236}">
+                <a16:creationId xmlns:a16="http://schemas.microsoft.com/office/drawing/2014/main" id="{7151FC74-B871-4478-81E2-5EE52BD9BC7C}"/>
+              </a:ext>
+            </a:extLst>
+          </p:cNvPr>
+          <p:cNvCxnSpPr>
+            <a:cxnSpLocks/>
+            <a:stCxn id="9" idx="3"/>
+          </p:cNvCxnSpPr>
+          <p:nvPr/>
+        </p:nvCxnSpPr>
+        <p:spPr>
+          <a:xfrm flipV="1">
+            <a:off x="2565307" y="2149220"/>
+            <a:ext cx="2294725" cy="559700"/>
+          </a:xfrm>
+          <a:prstGeom prst="straightConnector1">
+            <a:avLst/>
+          </a:prstGeom>
+          <a:ln>
+            <a:solidFill>
+              <a:srgbClr val="FF0000"/>
+            </a:solidFill>
+            <a:tailEnd type="triangle"/>
+          </a:ln>
+        </p:spPr>
+        <p:style>
+          <a:lnRef idx="1">
+            <a:schemeClr val="accent1"/>
+          </a:lnRef>
+          <a:fillRef idx="0">
+            <a:schemeClr val="accent1"/>
+          </a:fillRef>
+          <a:effectRef idx="0">
+            <a:schemeClr val="accent1"/>
+          </a:effectRef>
+          <a:fontRef idx="minor">
+            <a:schemeClr val="tx1"/>
+          </a:fontRef>
+        </p:style>
+      </p:cxnSp>
+      <p:sp>
+        <p:nvSpPr>
+          <p:cNvPr id="54" name="TextBox 53">
+            <a:extLst>
+              <a:ext uri="{FF2B5EF4-FFF2-40B4-BE49-F238E27FC236}">
+                <a16:creationId xmlns:a16="http://schemas.microsoft.com/office/drawing/2014/main" id="{D07786C2-F1AA-4FF5-8C71-5F85E920BFD1}"/>
+              </a:ext>
+            </a:extLst>
+          </p:cNvPr>
+          <p:cNvSpPr txBox="1"/>
+          <p:nvPr/>
+        </p:nvSpPr>
+        <p:spPr>
+          <a:xfrm>
+            <a:off x="6444208" y="3422733"/>
+            <a:ext cx="889987" cy="400110"/>
+          </a:xfrm>
+          <a:prstGeom prst="rect">
+            <a:avLst/>
+          </a:prstGeom>
+          <a:noFill/>
+        </p:spPr>
+        <p:txBody>
+          <a:bodyPr wrap="none" rtlCol="0">
+            <a:spAutoFit/>
+          </a:bodyPr>
+          <a:lstStyle/>
+          <a:p>
+            <a:r>
+              <a:rPr lang="en-US" altLang="ko-KR" sz="2000">
+                <a:latin typeface="Consolas" pitchFamily="49" charset="0"/>
+                <a:cs typeface="Consolas" pitchFamily="49" charset="0"/>
+              </a:rPr>
+              <a:t>[476]</a:t>
+            </a:r>
+            <a:endParaRPr lang="ko-KR" altLang="en-US" sz="2000">
+              <a:latin typeface="Consolas" pitchFamily="49" charset="0"/>
+              <a:cs typeface="Consolas" pitchFamily="49" charset="0"/>
+            </a:endParaRPr>
+          </a:p>
+        </p:txBody>
+      </p:sp>
+      <p:cxnSp>
+        <p:nvCxnSpPr>
+          <p:cNvPr id="55" name="직선 화살표 연결선 54">
+            <a:extLst>
+              <a:ext uri="{FF2B5EF4-FFF2-40B4-BE49-F238E27FC236}">
+                <a16:creationId xmlns:a16="http://schemas.microsoft.com/office/drawing/2014/main" id="{7A1FDCA8-3186-41DA-B49B-73AE9D6DDD5E}"/>
+              </a:ext>
+            </a:extLst>
+          </p:cNvPr>
+          <p:cNvCxnSpPr>
+            <a:cxnSpLocks/>
+            <a:stCxn id="38" idx="1"/>
+          </p:cNvCxnSpPr>
+          <p:nvPr/>
+        </p:nvCxnSpPr>
+        <p:spPr>
+          <a:xfrm flipH="1">
+            <a:off x="6444209" y="2886281"/>
+            <a:ext cx="1335038" cy="557648"/>
+          </a:xfrm>
+          <a:prstGeom prst="straightConnector1">
+            <a:avLst/>
+          </a:prstGeom>
+          <a:ln>
+            <a:solidFill>
+              <a:srgbClr val="FF0000"/>
+            </a:solidFill>
+            <a:tailEnd type="triangle"/>
+          </a:ln>
+        </p:spPr>
+        <p:style>
+          <a:lnRef idx="1">
+            <a:schemeClr val="accent1"/>
+          </a:lnRef>
+          <a:fillRef idx="0">
+            <a:schemeClr val="accent1"/>
+          </a:fillRef>
+          <a:effectRef idx="0">
+            <a:schemeClr val="accent1"/>
+          </a:effectRef>
+          <a:fontRef idx="minor">
+            <a:schemeClr val="tx1"/>
+          </a:fontRef>
+        </p:style>
+      </p:cxnSp>
+    </p:spTree>
+    <p:extLst>
+      <p:ext uri="{BB962C8B-B14F-4D97-AF65-F5344CB8AC3E}">
+        <p14:creationId xmlns:p14="http://schemas.microsoft.com/office/powerpoint/2010/main" val="3931561955"/>
       </p:ext>
     </p:extLst>
   </p:cSld>

--- a/04_day.pptx
+++ b/04_day.pptx
@@ -12,6 +12,10 @@
     <p:sldId id="260" r:id="rId6"/>
     <p:sldId id="261" r:id="rId7"/>
     <p:sldId id="262" r:id="rId8"/>
+    <p:sldId id="263" r:id="rId9"/>
+    <p:sldId id="264" r:id="rId10"/>
+    <p:sldId id="265" r:id="rId11"/>
+    <p:sldId id="266" r:id="rId12"/>
   </p:sldIdLst>
   <p:sldSz cx="9144000" cy="6858000" type="screen4x3"/>
   <p:notesSz cx="6858000" cy="9144000"/>
@@ -3315,6 +3319,8323 @@
 </p:sld>
 </file>
 
+<file path=ppt/slides/slide10.xml><?xml version="1.0" encoding="utf-8"?>
+<p:sld xmlns:a="http://schemas.openxmlformats.org/drawingml/2006/main" xmlns:r="http://schemas.openxmlformats.org/officeDocument/2006/relationships" xmlns:p="http://schemas.openxmlformats.org/presentationml/2006/main">
+  <p:cSld>
+    <p:spTree>
+      <p:nvGrpSpPr>
+        <p:cNvPr id="1" name=""/>
+        <p:cNvGrpSpPr/>
+        <p:nvPr/>
+      </p:nvGrpSpPr>
+      <p:grpSpPr>
+        <a:xfrm>
+          <a:off x="0" y="0"/>
+          <a:ext cx="0" cy="0"/>
+          <a:chOff x="0" y="0"/>
+          <a:chExt cx="0" cy="0"/>
+        </a:xfrm>
+      </p:grpSpPr>
+      <p:sp>
+        <p:nvSpPr>
+          <p:cNvPr id="4" name="TextBox 3">
+            <a:extLst>
+              <a:ext uri="{FF2B5EF4-FFF2-40B4-BE49-F238E27FC236}">
+                <a16:creationId xmlns:a16="http://schemas.microsoft.com/office/drawing/2014/main" id="{69683411-C882-4D08-B069-592E2D1B26BF}"/>
+              </a:ext>
+            </a:extLst>
+          </p:cNvPr>
+          <p:cNvSpPr txBox="1"/>
+          <p:nvPr/>
+        </p:nvSpPr>
+        <p:spPr>
+          <a:xfrm>
+            <a:off x="-851766" y="260648"/>
+            <a:ext cx="7186583" cy="3693319"/>
+          </a:xfrm>
+          <a:prstGeom prst="rect">
+            <a:avLst/>
+          </a:prstGeom>
+          <a:noFill/>
+        </p:spPr>
+        <p:txBody>
+          <a:bodyPr wrap="none" rtlCol="0">
+            <a:spAutoFit/>
+          </a:bodyPr>
+          <a:lstStyle/>
+          <a:p>
+            <a:r>
+              <a:rPr lang="nn-NO" altLang="ko-KR">
+                <a:latin typeface="Consolas" pitchFamily="49" charset="0"/>
+                <a:cs typeface="Consolas" pitchFamily="49" charset="0"/>
+              </a:rPr>
+              <a:t>int preSo(char *x, int m, unsigned int S[]) { </a:t>
+            </a:r>
+          </a:p>
+          <a:p>
+            <a:r>
+              <a:rPr lang="nn-NO" altLang="ko-KR">
+                <a:latin typeface="Consolas" pitchFamily="49" charset="0"/>
+                <a:cs typeface="Consolas" pitchFamily="49" charset="0"/>
+              </a:rPr>
+              <a:t>	unsigned int j, lim; </a:t>
+            </a:r>
+          </a:p>
+          <a:p>
+            <a:r>
+              <a:rPr lang="nn-NO" altLang="ko-KR">
+                <a:latin typeface="Consolas" pitchFamily="49" charset="0"/>
+                <a:cs typeface="Consolas" pitchFamily="49" charset="0"/>
+              </a:rPr>
+              <a:t>	int i; </a:t>
+            </a:r>
+          </a:p>
+          <a:p>
+            <a:r>
+              <a:rPr lang="nn-NO" altLang="ko-KR">
+                <a:latin typeface="Consolas" pitchFamily="49" charset="0"/>
+                <a:cs typeface="Consolas" pitchFamily="49" charset="0"/>
+              </a:rPr>
+              <a:t>	for (i = 0; i &lt; ASIZE; ++i) </a:t>
+            </a:r>
+          </a:p>
+          <a:p>
+            <a:r>
+              <a:rPr lang="nn-NO" altLang="ko-KR">
+                <a:latin typeface="Consolas" pitchFamily="49" charset="0"/>
+                <a:cs typeface="Consolas" pitchFamily="49" charset="0"/>
+              </a:rPr>
+              <a:t>		S[i] = ~0; </a:t>
+            </a:r>
+          </a:p>
+          <a:p>
+            <a:r>
+              <a:rPr lang="nn-NO" altLang="ko-KR">
+                <a:latin typeface="Consolas" pitchFamily="49" charset="0"/>
+                <a:cs typeface="Consolas" pitchFamily="49" charset="0"/>
+              </a:rPr>
+              <a:t>	for (lim = i = 0, j = 1; i &lt; m; ++i, j &lt;&lt;= 1) { </a:t>
+            </a:r>
+          </a:p>
+          <a:p>
+            <a:r>
+              <a:rPr lang="nn-NO" altLang="ko-KR">
+                <a:latin typeface="Consolas" pitchFamily="49" charset="0"/>
+                <a:cs typeface="Consolas" pitchFamily="49" charset="0"/>
+              </a:rPr>
+              <a:t>		S[x[i]] &amp;= ~j; </a:t>
+            </a:r>
+          </a:p>
+          <a:p>
+            <a:r>
+              <a:rPr lang="nn-NO" altLang="ko-KR">
+                <a:latin typeface="Consolas" pitchFamily="49" charset="0"/>
+                <a:cs typeface="Consolas" pitchFamily="49" charset="0"/>
+              </a:rPr>
+              <a:t>		lim |= j; </a:t>
+            </a:r>
+          </a:p>
+          <a:p>
+            <a:r>
+              <a:rPr lang="nn-NO" altLang="ko-KR">
+                <a:latin typeface="Consolas" pitchFamily="49" charset="0"/>
+                <a:cs typeface="Consolas" pitchFamily="49" charset="0"/>
+              </a:rPr>
+              <a:t>	} </a:t>
+            </a:r>
+          </a:p>
+          <a:p>
+            <a:r>
+              <a:rPr lang="nn-NO" altLang="ko-KR">
+                <a:latin typeface="Consolas" pitchFamily="49" charset="0"/>
+                <a:cs typeface="Consolas" pitchFamily="49" charset="0"/>
+              </a:rPr>
+              <a:t>	lim = ~(lim&gt;&gt;1); </a:t>
+            </a:r>
+          </a:p>
+          <a:p>
+            <a:r>
+              <a:rPr lang="nn-NO" altLang="ko-KR">
+                <a:latin typeface="Consolas" pitchFamily="49" charset="0"/>
+                <a:cs typeface="Consolas" pitchFamily="49" charset="0"/>
+              </a:rPr>
+              <a:t>	return(lim); </a:t>
+            </a:r>
+          </a:p>
+          <a:p>
+            <a:r>
+              <a:rPr lang="nn-NO" altLang="ko-KR">
+                <a:latin typeface="Consolas" pitchFamily="49" charset="0"/>
+                <a:cs typeface="Consolas" pitchFamily="49" charset="0"/>
+              </a:rPr>
+              <a:t>}</a:t>
+            </a:r>
+            <a:endParaRPr lang="ko-KR" altLang="en-US">
+              <a:latin typeface="Consolas" pitchFamily="49" charset="0"/>
+              <a:cs typeface="Consolas" pitchFamily="49" charset="0"/>
+            </a:endParaRPr>
+          </a:p>
+          <a:p>
+            <a:endParaRPr lang="ko-KR" altLang="en-US">
+              <a:latin typeface="Consolas" pitchFamily="49" charset="0"/>
+              <a:cs typeface="Consolas" pitchFamily="49" charset="0"/>
+            </a:endParaRPr>
+          </a:p>
+        </p:txBody>
+      </p:sp>
+      <p:sp>
+        <p:nvSpPr>
+          <p:cNvPr id="2" name="직사각형 1">
+            <a:extLst>
+              <a:ext uri="{FF2B5EF4-FFF2-40B4-BE49-F238E27FC236}">
+                <a16:creationId xmlns:a16="http://schemas.microsoft.com/office/drawing/2014/main" id="{C2FF51E2-9503-44B4-9236-BC86C2F257CD}"/>
+              </a:ext>
+            </a:extLst>
+          </p:cNvPr>
+          <p:cNvSpPr/>
+          <p:nvPr/>
+        </p:nvSpPr>
+        <p:spPr>
+          <a:xfrm>
+            <a:off x="6511711" y="2132856"/>
+            <a:ext cx="288032" cy="432048"/>
+          </a:xfrm>
+          <a:prstGeom prst="rect">
+            <a:avLst/>
+          </a:prstGeom>
+          <a:solidFill>
+            <a:srgbClr val="FFFF00"/>
+          </a:solidFill>
+          <a:ln w="9525"/>
+        </p:spPr>
+        <p:style>
+          <a:lnRef idx="2">
+            <a:schemeClr val="accent1">
+              <a:shade val="50000"/>
+            </a:schemeClr>
+          </a:lnRef>
+          <a:fillRef idx="1">
+            <a:schemeClr val="accent1"/>
+          </a:fillRef>
+          <a:effectRef idx="0">
+            <a:schemeClr val="accent1"/>
+          </a:effectRef>
+          <a:fontRef idx="minor">
+            <a:schemeClr val="lt1"/>
+          </a:fontRef>
+        </p:style>
+        <p:txBody>
+          <a:bodyPr rot="0" spcFirstLastPara="0" vertOverflow="overflow" horzOverflow="overflow" vert="horz" wrap="square" lIns="91440" tIns="45720" rIns="91440" bIns="45720" numCol="1" spcCol="0" rtlCol="0" fromWordArt="0" anchor="ctr" anchorCtr="0" forceAA="0" compatLnSpc="1">
+            <a:prstTxWarp prst="textNoShape">
+              <a:avLst/>
+            </a:prstTxWarp>
+            <a:noAutofit/>
+          </a:bodyPr>
+          <a:lstStyle/>
+          <a:p>
+            <a:pPr algn="ctr"/>
+            <a:r>
+              <a:rPr lang="en-US" altLang="ko-KR" sz="2000">
+                <a:solidFill>
+                  <a:schemeClr val="tx1"/>
+                </a:solidFill>
+                <a:latin typeface="Consolas" pitchFamily="49" charset="0"/>
+                <a:cs typeface="Consolas" pitchFamily="49" charset="0"/>
+              </a:rPr>
+              <a:t>1</a:t>
+            </a:r>
+            <a:endParaRPr lang="ko-KR" altLang="en-US" sz="2000">
+              <a:solidFill>
+                <a:schemeClr val="tx1"/>
+              </a:solidFill>
+              <a:latin typeface="Consolas" pitchFamily="49" charset="0"/>
+              <a:cs typeface="Consolas" pitchFamily="49" charset="0"/>
+            </a:endParaRPr>
+          </a:p>
+        </p:txBody>
+      </p:sp>
+      <p:sp>
+        <p:nvSpPr>
+          <p:cNvPr id="6" name="직사각형 5">
+            <a:extLst>
+              <a:ext uri="{FF2B5EF4-FFF2-40B4-BE49-F238E27FC236}">
+                <a16:creationId xmlns:a16="http://schemas.microsoft.com/office/drawing/2014/main" id="{77B30B89-DDAF-4B53-B356-CFF428F83751}"/>
+              </a:ext>
+            </a:extLst>
+          </p:cNvPr>
+          <p:cNvSpPr/>
+          <p:nvPr/>
+        </p:nvSpPr>
+        <p:spPr>
+          <a:xfrm>
+            <a:off x="6799732" y="2132856"/>
+            <a:ext cx="288032" cy="432048"/>
+          </a:xfrm>
+          <a:prstGeom prst="rect">
+            <a:avLst/>
+          </a:prstGeom>
+          <a:solidFill>
+            <a:srgbClr val="FFFF00"/>
+          </a:solidFill>
+          <a:ln w="9525"/>
+        </p:spPr>
+        <p:style>
+          <a:lnRef idx="2">
+            <a:schemeClr val="accent1">
+              <a:shade val="50000"/>
+            </a:schemeClr>
+          </a:lnRef>
+          <a:fillRef idx="1">
+            <a:schemeClr val="accent1"/>
+          </a:fillRef>
+          <a:effectRef idx="0">
+            <a:schemeClr val="accent1"/>
+          </a:effectRef>
+          <a:fontRef idx="minor">
+            <a:schemeClr val="lt1"/>
+          </a:fontRef>
+        </p:style>
+        <p:txBody>
+          <a:bodyPr rot="0" spcFirstLastPara="0" vertOverflow="overflow" horzOverflow="overflow" vert="horz" wrap="square" lIns="91440" tIns="45720" rIns="91440" bIns="45720" numCol="1" spcCol="0" rtlCol="0" fromWordArt="0" anchor="ctr" anchorCtr="0" forceAA="0" compatLnSpc="1">
+            <a:prstTxWarp prst="textNoShape">
+              <a:avLst/>
+            </a:prstTxWarp>
+            <a:noAutofit/>
+          </a:bodyPr>
+          <a:lstStyle/>
+          <a:p>
+            <a:pPr algn="ctr"/>
+            <a:r>
+              <a:rPr lang="en-US" altLang="ko-KR" sz="2000">
+                <a:solidFill>
+                  <a:schemeClr val="tx1"/>
+                </a:solidFill>
+                <a:latin typeface="Consolas" pitchFamily="49" charset="0"/>
+                <a:cs typeface="Consolas" pitchFamily="49" charset="0"/>
+              </a:rPr>
+              <a:t>1</a:t>
+            </a:r>
+            <a:endParaRPr lang="ko-KR" altLang="en-US" sz="2000">
+              <a:solidFill>
+                <a:schemeClr val="tx1"/>
+              </a:solidFill>
+              <a:latin typeface="Consolas" pitchFamily="49" charset="0"/>
+              <a:cs typeface="Consolas" pitchFamily="49" charset="0"/>
+            </a:endParaRPr>
+          </a:p>
+        </p:txBody>
+      </p:sp>
+      <p:sp>
+        <p:nvSpPr>
+          <p:cNvPr id="7" name="직사각형 6">
+            <a:extLst>
+              <a:ext uri="{FF2B5EF4-FFF2-40B4-BE49-F238E27FC236}">
+                <a16:creationId xmlns:a16="http://schemas.microsoft.com/office/drawing/2014/main" id="{3F4BF627-0271-46C0-A83F-6C2781814D30}"/>
+              </a:ext>
+            </a:extLst>
+          </p:cNvPr>
+          <p:cNvSpPr/>
+          <p:nvPr/>
+        </p:nvSpPr>
+        <p:spPr>
+          <a:xfrm>
+            <a:off x="7087753" y="2132856"/>
+            <a:ext cx="288032" cy="432048"/>
+          </a:xfrm>
+          <a:prstGeom prst="rect">
+            <a:avLst/>
+          </a:prstGeom>
+          <a:solidFill>
+            <a:srgbClr val="FFFF00"/>
+          </a:solidFill>
+          <a:ln w="9525"/>
+        </p:spPr>
+        <p:style>
+          <a:lnRef idx="2">
+            <a:schemeClr val="accent1">
+              <a:shade val="50000"/>
+            </a:schemeClr>
+          </a:lnRef>
+          <a:fillRef idx="1">
+            <a:schemeClr val="accent1"/>
+          </a:fillRef>
+          <a:effectRef idx="0">
+            <a:schemeClr val="accent1"/>
+          </a:effectRef>
+          <a:fontRef idx="minor">
+            <a:schemeClr val="lt1"/>
+          </a:fontRef>
+        </p:style>
+        <p:txBody>
+          <a:bodyPr rot="0" spcFirstLastPara="0" vertOverflow="overflow" horzOverflow="overflow" vert="horz" wrap="square" lIns="91440" tIns="45720" rIns="91440" bIns="45720" numCol="1" spcCol="0" rtlCol="0" fromWordArt="0" anchor="ctr" anchorCtr="0" forceAA="0" compatLnSpc="1">
+            <a:prstTxWarp prst="textNoShape">
+              <a:avLst/>
+            </a:prstTxWarp>
+            <a:noAutofit/>
+          </a:bodyPr>
+          <a:lstStyle/>
+          <a:p>
+            <a:pPr algn="ctr"/>
+            <a:r>
+              <a:rPr lang="en-US" altLang="ko-KR" sz="2000">
+                <a:solidFill>
+                  <a:schemeClr val="tx1"/>
+                </a:solidFill>
+                <a:latin typeface="Consolas" pitchFamily="49" charset="0"/>
+                <a:cs typeface="Consolas" pitchFamily="49" charset="0"/>
+              </a:rPr>
+              <a:t>1</a:t>
+            </a:r>
+            <a:endParaRPr lang="ko-KR" altLang="en-US" sz="2000">
+              <a:solidFill>
+                <a:schemeClr val="tx1"/>
+              </a:solidFill>
+              <a:latin typeface="Consolas" pitchFamily="49" charset="0"/>
+              <a:cs typeface="Consolas" pitchFamily="49" charset="0"/>
+            </a:endParaRPr>
+          </a:p>
+        </p:txBody>
+      </p:sp>
+      <p:sp>
+        <p:nvSpPr>
+          <p:cNvPr id="8" name="직사각형 7">
+            <a:extLst>
+              <a:ext uri="{FF2B5EF4-FFF2-40B4-BE49-F238E27FC236}">
+                <a16:creationId xmlns:a16="http://schemas.microsoft.com/office/drawing/2014/main" id="{FBDDABF3-51D0-45A8-BCAE-BB37BFA7B567}"/>
+              </a:ext>
+            </a:extLst>
+          </p:cNvPr>
+          <p:cNvSpPr/>
+          <p:nvPr/>
+        </p:nvSpPr>
+        <p:spPr>
+          <a:xfrm>
+            <a:off x="7375774" y="2132856"/>
+            <a:ext cx="288032" cy="432048"/>
+          </a:xfrm>
+          <a:prstGeom prst="rect">
+            <a:avLst/>
+          </a:prstGeom>
+          <a:solidFill>
+            <a:srgbClr val="FFFF00"/>
+          </a:solidFill>
+          <a:ln w="9525"/>
+        </p:spPr>
+        <p:style>
+          <a:lnRef idx="2">
+            <a:schemeClr val="accent1">
+              <a:shade val="50000"/>
+            </a:schemeClr>
+          </a:lnRef>
+          <a:fillRef idx="1">
+            <a:schemeClr val="accent1"/>
+          </a:fillRef>
+          <a:effectRef idx="0">
+            <a:schemeClr val="accent1"/>
+          </a:effectRef>
+          <a:fontRef idx="minor">
+            <a:schemeClr val="lt1"/>
+          </a:fontRef>
+        </p:style>
+        <p:txBody>
+          <a:bodyPr rot="0" spcFirstLastPara="0" vertOverflow="overflow" horzOverflow="overflow" vert="horz" wrap="square" lIns="91440" tIns="45720" rIns="91440" bIns="45720" numCol="1" spcCol="0" rtlCol="0" fromWordArt="0" anchor="ctr" anchorCtr="0" forceAA="0" compatLnSpc="1">
+            <a:prstTxWarp prst="textNoShape">
+              <a:avLst/>
+            </a:prstTxWarp>
+            <a:noAutofit/>
+          </a:bodyPr>
+          <a:lstStyle/>
+          <a:p>
+            <a:pPr algn="ctr"/>
+            <a:r>
+              <a:rPr lang="en-US" altLang="ko-KR" sz="2000">
+                <a:solidFill>
+                  <a:schemeClr val="tx1"/>
+                </a:solidFill>
+                <a:latin typeface="Consolas" pitchFamily="49" charset="0"/>
+                <a:cs typeface="Consolas" pitchFamily="49" charset="0"/>
+              </a:rPr>
+              <a:t>1</a:t>
+            </a:r>
+            <a:endParaRPr lang="ko-KR" altLang="en-US" sz="2000">
+              <a:solidFill>
+                <a:schemeClr val="tx1"/>
+              </a:solidFill>
+              <a:latin typeface="Consolas" pitchFamily="49" charset="0"/>
+              <a:cs typeface="Consolas" pitchFamily="49" charset="0"/>
+            </a:endParaRPr>
+          </a:p>
+        </p:txBody>
+      </p:sp>
+      <p:sp>
+        <p:nvSpPr>
+          <p:cNvPr id="9" name="직사각형 8">
+            <a:extLst>
+              <a:ext uri="{FF2B5EF4-FFF2-40B4-BE49-F238E27FC236}">
+                <a16:creationId xmlns:a16="http://schemas.microsoft.com/office/drawing/2014/main" id="{B25205D7-3E5C-4C53-8513-392CA65B94C1}"/>
+              </a:ext>
+            </a:extLst>
+          </p:cNvPr>
+          <p:cNvSpPr/>
+          <p:nvPr/>
+        </p:nvSpPr>
+        <p:spPr>
+          <a:xfrm>
+            <a:off x="7663795" y="2132856"/>
+            <a:ext cx="288032" cy="432048"/>
+          </a:xfrm>
+          <a:prstGeom prst="rect">
+            <a:avLst/>
+          </a:prstGeom>
+          <a:solidFill>
+            <a:srgbClr val="FFFF00"/>
+          </a:solidFill>
+          <a:ln w="9525"/>
+        </p:spPr>
+        <p:style>
+          <a:lnRef idx="2">
+            <a:schemeClr val="accent1">
+              <a:shade val="50000"/>
+            </a:schemeClr>
+          </a:lnRef>
+          <a:fillRef idx="1">
+            <a:schemeClr val="accent1"/>
+          </a:fillRef>
+          <a:effectRef idx="0">
+            <a:schemeClr val="accent1"/>
+          </a:effectRef>
+          <a:fontRef idx="minor">
+            <a:schemeClr val="lt1"/>
+          </a:fontRef>
+        </p:style>
+        <p:txBody>
+          <a:bodyPr rot="0" spcFirstLastPara="0" vertOverflow="overflow" horzOverflow="overflow" vert="horz" wrap="square" lIns="91440" tIns="45720" rIns="91440" bIns="45720" numCol="1" spcCol="0" rtlCol="0" fromWordArt="0" anchor="ctr" anchorCtr="0" forceAA="0" compatLnSpc="1">
+            <a:prstTxWarp prst="textNoShape">
+              <a:avLst/>
+            </a:prstTxWarp>
+            <a:noAutofit/>
+          </a:bodyPr>
+          <a:lstStyle/>
+          <a:p>
+            <a:pPr algn="ctr"/>
+            <a:r>
+              <a:rPr lang="en-US" altLang="ko-KR" sz="2000">
+                <a:solidFill>
+                  <a:schemeClr val="tx1"/>
+                </a:solidFill>
+                <a:latin typeface="Consolas" pitchFamily="49" charset="0"/>
+                <a:cs typeface="Consolas" pitchFamily="49" charset="0"/>
+              </a:rPr>
+              <a:t>1</a:t>
+            </a:r>
+            <a:endParaRPr lang="ko-KR" altLang="en-US" sz="2000">
+              <a:solidFill>
+                <a:schemeClr val="tx1"/>
+              </a:solidFill>
+              <a:latin typeface="Consolas" pitchFamily="49" charset="0"/>
+              <a:cs typeface="Consolas" pitchFamily="49" charset="0"/>
+            </a:endParaRPr>
+          </a:p>
+        </p:txBody>
+      </p:sp>
+      <p:sp>
+        <p:nvSpPr>
+          <p:cNvPr id="10" name="직사각형 9">
+            <a:extLst>
+              <a:ext uri="{FF2B5EF4-FFF2-40B4-BE49-F238E27FC236}">
+                <a16:creationId xmlns:a16="http://schemas.microsoft.com/office/drawing/2014/main" id="{2C08EB8C-CF66-46B4-8A07-B4E2809EEBF5}"/>
+              </a:ext>
+            </a:extLst>
+          </p:cNvPr>
+          <p:cNvSpPr/>
+          <p:nvPr/>
+        </p:nvSpPr>
+        <p:spPr>
+          <a:xfrm>
+            <a:off x="7951816" y="2132856"/>
+            <a:ext cx="288032" cy="432048"/>
+          </a:xfrm>
+          <a:prstGeom prst="rect">
+            <a:avLst/>
+          </a:prstGeom>
+          <a:solidFill>
+            <a:srgbClr val="FFFF00"/>
+          </a:solidFill>
+          <a:ln w="9525"/>
+        </p:spPr>
+        <p:style>
+          <a:lnRef idx="2">
+            <a:schemeClr val="accent1">
+              <a:shade val="50000"/>
+            </a:schemeClr>
+          </a:lnRef>
+          <a:fillRef idx="1">
+            <a:schemeClr val="accent1"/>
+          </a:fillRef>
+          <a:effectRef idx="0">
+            <a:schemeClr val="accent1"/>
+          </a:effectRef>
+          <a:fontRef idx="minor">
+            <a:schemeClr val="lt1"/>
+          </a:fontRef>
+        </p:style>
+        <p:txBody>
+          <a:bodyPr rot="0" spcFirstLastPara="0" vertOverflow="overflow" horzOverflow="overflow" vert="horz" wrap="square" lIns="91440" tIns="45720" rIns="91440" bIns="45720" numCol="1" spcCol="0" rtlCol="0" fromWordArt="0" anchor="ctr" anchorCtr="0" forceAA="0" compatLnSpc="1">
+            <a:prstTxWarp prst="textNoShape">
+              <a:avLst/>
+            </a:prstTxWarp>
+            <a:noAutofit/>
+          </a:bodyPr>
+          <a:lstStyle/>
+          <a:p>
+            <a:pPr algn="ctr"/>
+            <a:r>
+              <a:rPr lang="en-US" altLang="ko-KR" sz="2000">
+                <a:solidFill>
+                  <a:schemeClr val="tx1"/>
+                </a:solidFill>
+                <a:latin typeface="Consolas" pitchFamily="49" charset="0"/>
+                <a:cs typeface="Consolas" pitchFamily="49" charset="0"/>
+              </a:rPr>
+              <a:t>1</a:t>
+            </a:r>
+            <a:endParaRPr lang="ko-KR" altLang="en-US" sz="2000">
+              <a:solidFill>
+                <a:schemeClr val="tx1"/>
+              </a:solidFill>
+              <a:latin typeface="Consolas" pitchFamily="49" charset="0"/>
+              <a:cs typeface="Consolas" pitchFamily="49" charset="0"/>
+            </a:endParaRPr>
+          </a:p>
+        </p:txBody>
+      </p:sp>
+      <p:sp>
+        <p:nvSpPr>
+          <p:cNvPr id="11" name="직사각형 10">
+            <a:extLst>
+              <a:ext uri="{FF2B5EF4-FFF2-40B4-BE49-F238E27FC236}">
+                <a16:creationId xmlns:a16="http://schemas.microsoft.com/office/drawing/2014/main" id="{023C231B-9321-4260-B80F-AECB77A6A1C5}"/>
+              </a:ext>
+            </a:extLst>
+          </p:cNvPr>
+          <p:cNvSpPr/>
+          <p:nvPr/>
+        </p:nvSpPr>
+        <p:spPr>
+          <a:xfrm>
+            <a:off x="8239837" y="2132856"/>
+            <a:ext cx="288032" cy="432048"/>
+          </a:xfrm>
+          <a:prstGeom prst="rect">
+            <a:avLst/>
+          </a:prstGeom>
+          <a:solidFill>
+            <a:srgbClr val="FFFF00"/>
+          </a:solidFill>
+          <a:ln w="9525"/>
+        </p:spPr>
+        <p:style>
+          <a:lnRef idx="2">
+            <a:schemeClr val="accent1">
+              <a:shade val="50000"/>
+            </a:schemeClr>
+          </a:lnRef>
+          <a:fillRef idx="1">
+            <a:schemeClr val="accent1"/>
+          </a:fillRef>
+          <a:effectRef idx="0">
+            <a:schemeClr val="accent1"/>
+          </a:effectRef>
+          <a:fontRef idx="minor">
+            <a:schemeClr val="lt1"/>
+          </a:fontRef>
+        </p:style>
+        <p:txBody>
+          <a:bodyPr rot="0" spcFirstLastPara="0" vertOverflow="overflow" horzOverflow="overflow" vert="horz" wrap="square" lIns="91440" tIns="45720" rIns="91440" bIns="45720" numCol="1" spcCol="0" rtlCol="0" fromWordArt="0" anchor="ctr" anchorCtr="0" forceAA="0" compatLnSpc="1">
+            <a:prstTxWarp prst="textNoShape">
+              <a:avLst/>
+            </a:prstTxWarp>
+            <a:noAutofit/>
+          </a:bodyPr>
+          <a:lstStyle/>
+          <a:p>
+            <a:pPr algn="ctr"/>
+            <a:r>
+              <a:rPr lang="en-US" altLang="ko-KR" sz="2000">
+                <a:solidFill>
+                  <a:schemeClr val="tx1"/>
+                </a:solidFill>
+                <a:latin typeface="Consolas" pitchFamily="49" charset="0"/>
+                <a:cs typeface="Consolas" pitchFamily="49" charset="0"/>
+              </a:rPr>
+              <a:t>1</a:t>
+            </a:r>
+            <a:endParaRPr lang="ko-KR" altLang="en-US" sz="2000">
+              <a:solidFill>
+                <a:schemeClr val="tx1"/>
+              </a:solidFill>
+              <a:latin typeface="Consolas" pitchFamily="49" charset="0"/>
+              <a:cs typeface="Consolas" pitchFamily="49" charset="0"/>
+            </a:endParaRPr>
+          </a:p>
+        </p:txBody>
+      </p:sp>
+      <p:sp>
+        <p:nvSpPr>
+          <p:cNvPr id="12" name="직사각형 11">
+            <a:extLst>
+              <a:ext uri="{FF2B5EF4-FFF2-40B4-BE49-F238E27FC236}">
+                <a16:creationId xmlns:a16="http://schemas.microsoft.com/office/drawing/2014/main" id="{A3B1DE0C-4332-41A5-B6F4-BF53A52E9E60}"/>
+              </a:ext>
+            </a:extLst>
+          </p:cNvPr>
+          <p:cNvSpPr/>
+          <p:nvPr/>
+        </p:nvSpPr>
+        <p:spPr>
+          <a:xfrm>
+            <a:off x="8527847" y="2132856"/>
+            <a:ext cx="288032" cy="432048"/>
+          </a:xfrm>
+          <a:prstGeom prst="rect">
+            <a:avLst/>
+          </a:prstGeom>
+          <a:solidFill>
+            <a:srgbClr val="FFFF00"/>
+          </a:solidFill>
+          <a:ln w="9525"/>
+        </p:spPr>
+        <p:style>
+          <a:lnRef idx="2">
+            <a:schemeClr val="accent1">
+              <a:shade val="50000"/>
+            </a:schemeClr>
+          </a:lnRef>
+          <a:fillRef idx="1">
+            <a:schemeClr val="accent1"/>
+          </a:fillRef>
+          <a:effectRef idx="0">
+            <a:schemeClr val="accent1"/>
+          </a:effectRef>
+          <a:fontRef idx="minor">
+            <a:schemeClr val="lt1"/>
+          </a:fontRef>
+        </p:style>
+        <p:txBody>
+          <a:bodyPr rot="0" spcFirstLastPara="0" vertOverflow="overflow" horzOverflow="overflow" vert="horz" wrap="square" lIns="91440" tIns="45720" rIns="91440" bIns="45720" numCol="1" spcCol="0" rtlCol="0" fromWordArt="0" anchor="ctr" anchorCtr="0" forceAA="0" compatLnSpc="1">
+            <a:prstTxWarp prst="textNoShape">
+              <a:avLst/>
+            </a:prstTxWarp>
+            <a:noAutofit/>
+          </a:bodyPr>
+          <a:lstStyle/>
+          <a:p>
+            <a:pPr algn="ctr"/>
+            <a:r>
+              <a:rPr lang="en-US" altLang="ko-KR" sz="2000">
+                <a:solidFill>
+                  <a:schemeClr val="tx1"/>
+                </a:solidFill>
+                <a:latin typeface="Consolas" pitchFamily="49" charset="0"/>
+                <a:cs typeface="Consolas" pitchFamily="49" charset="0"/>
+              </a:rPr>
+              <a:t>0</a:t>
+            </a:r>
+            <a:endParaRPr lang="ko-KR" altLang="en-US" sz="2000">
+              <a:solidFill>
+                <a:schemeClr val="tx1"/>
+              </a:solidFill>
+              <a:latin typeface="Consolas" pitchFamily="49" charset="0"/>
+              <a:cs typeface="Consolas" pitchFamily="49" charset="0"/>
+            </a:endParaRPr>
+          </a:p>
+        </p:txBody>
+      </p:sp>
+      <p:sp>
+        <p:nvSpPr>
+          <p:cNvPr id="3" name="TextBox 2">
+            <a:extLst>
+              <a:ext uri="{FF2B5EF4-FFF2-40B4-BE49-F238E27FC236}">
+                <a16:creationId xmlns:a16="http://schemas.microsoft.com/office/drawing/2014/main" id="{139E8F69-6B89-4163-A3FE-1B9B3703AD36}"/>
+              </a:ext>
+            </a:extLst>
+          </p:cNvPr>
+          <p:cNvSpPr txBox="1"/>
+          <p:nvPr/>
+        </p:nvSpPr>
+        <p:spPr>
+          <a:xfrm>
+            <a:off x="6800253" y="548680"/>
+            <a:ext cx="1172116" cy="400110"/>
+          </a:xfrm>
+          <a:prstGeom prst="rect">
+            <a:avLst/>
+          </a:prstGeom>
+          <a:noFill/>
+        </p:spPr>
+        <p:txBody>
+          <a:bodyPr wrap="none" rtlCol="0">
+            <a:spAutoFit/>
+          </a:bodyPr>
+          <a:lstStyle/>
+          <a:p>
+            <a:r>
+              <a:rPr lang="en-US" altLang="ko-KR" sz="2000">
+                <a:latin typeface="Consolas" pitchFamily="49" charset="0"/>
+                <a:cs typeface="Consolas" pitchFamily="49" charset="0"/>
+              </a:rPr>
+              <a:t>"hello"</a:t>
+            </a:r>
+            <a:endParaRPr lang="ko-KR" altLang="en-US" sz="2000">
+              <a:latin typeface="Consolas" pitchFamily="49" charset="0"/>
+              <a:cs typeface="Consolas" pitchFamily="49" charset="0"/>
+            </a:endParaRPr>
+          </a:p>
+        </p:txBody>
+      </p:sp>
+      <p:sp>
+        <p:nvSpPr>
+          <p:cNvPr id="13" name="TextBox 12">
+            <a:extLst>
+              <a:ext uri="{FF2B5EF4-FFF2-40B4-BE49-F238E27FC236}">
+                <a16:creationId xmlns:a16="http://schemas.microsoft.com/office/drawing/2014/main" id="{1BDD0BC9-21E1-4B35-93B9-86E606BB4700}"/>
+              </a:ext>
+            </a:extLst>
+          </p:cNvPr>
+          <p:cNvSpPr txBox="1"/>
+          <p:nvPr/>
+        </p:nvSpPr>
+        <p:spPr>
+          <a:xfrm>
+            <a:off x="5508104" y="2132856"/>
+            <a:ext cx="1031051" cy="400110"/>
+          </a:xfrm>
+          <a:prstGeom prst="rect">
+            <a:avLst/>
+          </a:prstGeom>
+          <a:noFill/>
+        </p:spPr>
+        <p:txBody>
+          <a:bodyPr wrap="none" rtlCol="0">
+            <a:spAutoFit/>
+          </a:bodyPr>
+          <a:lstStyle/>
+          <a:p>
+            <a:r>
+              <a:rPr lang="en-US" altLang="ko-KR" sz="2000">
+                <a:latin typeface="Consolas" pitchFamily="49" charset="0"/>
+                <a:cs typeface="Consolas" pitchFamily="49" charset="0"/>
+              </a:rPr>
+              <a:t>S['h']</a:t>
+            </a:r>
+            <a:endParaRPr lang="ko-KR" altLang="en-US" sz="2000">
+              <a:latin typeface="Consolas" pitchFamily="49" charset="0"/>
+              <a:cs typeface="Consolas" pitchFamily="49" charset="0"/>
+            </a:endParaRPr>
+          </a:p>
+        </p:txBody>
+      </p:sp>
+      <p:sp>
+        <p:nvSpPr>
+          <p:cNvPr id="14" name="직사각형 13">
+            <a:extLst>
+              <a:ext uri="{FF2B5EF4-FFF2-40B4-BE49-F238E27FC236}">
+                <a16:creationId xmlns:a16="http://schemas.microsoft.com/office/drawing/2014/main" id="{4F1EFF91-2BEA-4F72-9ABD-0ED429102F8E}"/>
+              </a:ext>
+            </a:extLst>
+          </p:cNvPr>
+          <p:cNvSpPr/>
+          <p:nvPr/>
+        </p:nvSpPr>
+        <p:spPr>
+          <a:xfrm>
+            <a:off x="6511711" y="2636912"/>
+            <a:ext cx="288032" cy="432048"/>
+          </a:xfrm>
+          <a:prstGeom prst="rect">
+            <a:avLst/>
+          </a:prstGeom>
+          <a:solidFill>
+            <a:srgbClr val="FFFF00"/>
+          </a:solidFill>
+          <a:ln w="9525"/>
+        </p:spPr>
+        <p:style>
+          <a:lnRef idx="2">
+            <a:schemeClr val="accent1">
+              <a:shade val="50000"/>
+            </a:schemeClr>
+          </a:lnRef>
+          <a:fillRef idx="1">
+            <a:schemeClr val="accent1"/>
+          </a:fillRef>
+          <a:effectRef idx="0">
+            <a:schemeClr val="accent1"/>
+          </a:effectRef>
+          <a:fontRef idx="minor">
+            <a:schemeClr val="lt1"/>
+          </a:fontRef>
+        </p:style>
+        <p:txBody>
+          <a:bodyPr rot="0" spcFirstLastPara="0" vertOverflow="overflow" horzOverflow="overflow" vert="horz" wrap="square" lIns="91440" tIns="45720" rIns="91440" bIns="45720" numCol="1" spcCol="0" rtlCol="0" fromWordArt="0" anchor="ctr" anchorCtr="0" forceAA="0" compatLnSpc="1">
+            <a:prstTxWarp prst="textNoShape">
+              <a:avLst/>
+            </a:prstTxWarp>
+            <a:noAutofit/>
+          </a:bodyPr>
+          <a:lstStyle/>
+          <a:p>
+            <a:pPr algn="ctr"/>
+            <a:r>
+              <a:rPr lang="en-US" altLang="ko-KR" sz="2000">
+                <a:solidFill>
+                  <a:schemeClr val="tx1"/>
+                </a:solidFill>
+                <a:latin typeface="Consolas" pitchFamily="49" charset="0"/>
+                <a:cs typeface="Consolas" pitchFamily="49" charset="0"/>
+              </a:rPr>
+              <a:t>1</a:t>
+            </a:r>
+            <a:endParaRPr lang="ko-KR" altLang="en-US" sz="2000">
+              <a:solidFill>
+                <a:schemeClr val="tx1"/>
+              </a:solidFill>
+              <a:latin typeface="Consolas" pitchFamily="49" charset="0"/>
+              <a:cs typeface="Consolas" pitchFamily="49" charset="0"/>
+            </a:endParaRPr>
+          </a:p>
+        </p:txBody>
+      </p:sp>
+      <p:sp>
+        <p:nvSpPr>
+          <p:cNvPr id="15" name="직사각형 14">
+            <a:extLst>
+              <a:ext uri="{FF2B5EF4-FFF2-40B4-BE49-F238E27FC236}">
+                <a16:creationId xmlns:a16="http://schemas.microsoft.com/office/drawing/2014/main" id="{48D04C7C-4A30-4932-B126-F107B5CB905A}"/>
+              </a:ext>
+            </a:extLst>
+          </p:cNvPr>
+          <p:cNvSpPr/>
+          <p:nvPr/>
+        </p:nvSpPr>
+        <p:spPr>
+          <a:xfrm>
+            <a:off x="6799732" y="2636912"/>
+            <a:ext cx="288032" cy="432048"/>
+          </a:xfrm>
+          <a:prstGeom prst="rect">
+            <a:avLst/>
+          </a:prstGeom>
+          <a:solidFill>
+            <a:srgbClr val="FFFF00"/>
+          </a:solidFill>
+          <a:ln w="9525"/>
+        </p:spPr>
+        <p:style>
+          <a:lnRef idx="2">
+            <a:schemeClr val="accent1">
+              <a:shade val="50000"/>
+            </a:schemeClr>
+          </a:lnRef>
+          <a:fillRef idx="1">
+            <a:schemeClr val="accent1"/>
+          </a:fillRef>
+          <a:effectRef idx="0">
+            <a:schemeClr val="accent1"/>
+          </a:effectRef>
+          <a:fontRef idx="minor">
+            <a:schemeClr val="lt1"/>
+          </a:fontRef>
+        </p:style>
+        <p:txBody>
+          <a:bodyPr rot="0" spcFirstLastPara="0" vertOverflow="overflow" horzOverflow="overflow" vert="horz" wrap="square" lIns="91440" tIns="45720" rIns="91440" bIns="45720" numCol="1" spcCol="0" rtlCol="0" fromWordArt="0" anchor="ctr" anchorCtr="0" forceAA="0" compatLnSpc="1">
+            <a:prstTxWarp prst="textNoShape">
+              <a:avLst/>
+            </a:prstTxWarp>
+            <a:noAutofit/>
+          </a:bodyPr>
+          <a:lstStyle/>
+          <a:p>
+            <a:pPr algn="ctr"/>
+            <a:r>
+              <a:rPr lang="en-US" altLang="ko-KR" sz="2000">
+                <a:solidFill>
+                  <a:schemeClr val="tx1"/>
+                </a:solidFill>
+                <a:latin typeface="Consolas" pitchFamily="49" charset="0"/>
+                <a:cs typeface="Consolas" pitchFamily="49" charset="0"/>
+              </a:rPr>
+              <a:t>1</a:t>
+            </a:r>
+            <a:endParaRPr lang="ko-KR" altLang="en-US" sz="2000">
+              <a:solidFill>
+                <a:schemeClr val="tx1"/>
+              </a:solidFill>
+              <a:latin typeface="Consolas" pitchFamily="49" charset="0"/>
+              <a:cs typeface="Consolas" pitchFamily="49" charset="0"/>
+            </a:endParaRPr>
+          </a:p>
+        </p:txBody>
+      </p:sp>
+      <p:sp>
+        <p:nvSpPr>
+          <p:cNvPr id="16" name="직사각형 15">
+            <a:extLst>
+              <a:ext uri="{FF2B5EF4-FFF2-40B4-BE49-F238E27FC236}">
+                <a16:creationId xmlns:a16="http://schemas.microsoft.com/office/drawing/2014/main" id="{80C4BFC3-EB40-4CF2-9DF1-474B25AACB5A}"/>
+              </a:ext>
+            </a:extLst>
+          </p:cNvPr>
+          <p:cNvSpPr/>
+          <p:nvPr/>
+        </p:nvSpPr>
+        <p:spPr>
+          <a:xfrm>
+            <a:off x="7087753" y="2636912"/>
+            <a:ext cx="288032" cy="432048"/>
+          </a:xfrm>
+          <a:prstGeom prst="rect">
+            <a:avLst/>
+          </a:prstGeom>
+          <a:solidFill>
+            <a:srgbClr val="FFFF00"/>
+          </a:solidFill>
+          <a:ln w="9525"/>
+        </p:spPr>
+        <p:style>
+          <a:lnRef idx="2">
+            <a:schemeClr val="accent1">
+              <a:shade val="50000"/>
+            </a:schemeClr>
+          </a:lnRef>
+          <a:fillRef idx="1">
+            <a:schemeClr val="accent1"/>
+          </a:fillRef>
+          <a:effectRef idx="0">
+            <a:schemeClr val="accent1"/>
+          </a:effectRef>
+          <a:fontRef idx="minor">
+            <a:schemeClr val="lt1"/>
+          </a:fontRef>
+        </p:style>
+        <p:txBody>
+          <a:bodyPr rot="0" spcFirstLastPara="0" vertOverflow="overflow" horzOverflow="overflow" vert="horz" wrap="square" lIns="91440" tIns="45720" rIns="91440" bIns="45720" numCol="1" spcCol="0" rtlCol="0" fromWordArt="0" anchor="ctr" anchorCtr="0" forceAA="0" compatLnSpc="1">
+            <a:prstTxWarp prst="textNoShape">
+              <a:avLst/>
+            </a:prstTxWarp>
+            <a:noAutofit/>
+          </a:bodyPr>
+          <a:lstStyle/>
+          <a:p>
+            <a:pPr algn="ctr"/>
+            <a:r>
+              <a:rPr lang="en-US" altLang="ko-KR" sz="2000">
+                <a:solidFill>
+                  <a:schemeClr val="tx1"/>
+                </a:solidFill>
+                <a:latin typeface="Consolas" pitchFamily="49" charset="0"/>
+                <a:cs typeface="Consolas" pitchFamily="49" charset="0"/>
+              </a:rPr>
+              <a:t>1</a:t>
+            </a:r>
+            <a:endParaRPr lang="ko-KR" altLang="en-US" sz="2000">
+              <a:solidFill>
+                <a:schemeClr val="tx1"/>
+              </a:solidFill>
+              <a:latin typeface="Consolas" pitchFamily="49" charset="0"/>
+              <a:cs typeface="Consolas" pitchFamily="49" charset="0"/>
+            </a:endParaRPr>
+          </a:p>
+        </p:txBody>
+      </p:sp>
+      <p:sp>
+        <p:nvSpPr>
+          <p:cNvPr id="17" name="직사각형 16">
+            <a:extLst>
+              <a:ext uri="{FF2B5EF4-FFF2-40B4-BE49-F238E27FC236}">
+                <a16:creationId xmlns:a16="http://schemas.microsoft.com/office/drawing/2014/main" id="{EE40FB13-0536-451E-9D26-BF33A6B8670E}"/>
+              </a:ext>
+            </a:extLst>
+          </p:cNvPr>
+          <p:cNvSpPr/>
+          <p:nvPr/>
+        </p:nvSpPr>
+        <p:spPr>
+          <a:xfrm>
+            <a:off x="7375774" y="2636912"/>
+            <a:ext cx="288032" cy="432048"/>
+          </a:xfrm>
+          <a:prstGeom prst="rect">
+            <a:avLst/>
+          </a:prstGeom>
+          <a:solidFill>
+            <a:srgbClr val="FFFF00"/>
+          </a:solidFill>
+          <a:ln w="9525"/>
+        </p:spPr>
+        <p:style>
+          <a:lnRef idx="2">
+            <a:schemeClr val="accent1">
+              <a:shade val="50000"/>
+            </a:schemeClr>
+          </a:lnRef>
+          <a:fillRef idx="1">
+            <a:schemeClr val="accent1"/>
+          </a:fillRef>
+          <a:effectRef idx="0">
+            <a:schemeClr val="accent1"/>
+          </a:effectRef>
+          <a:fontRef idx="minor">
+            <a:schemeClr val="lt1"/>
+          </a:fontRef>
+        </p:style>
+        <p:txBody>
+          <a:bodyPr rot="0" spcFirstLastPara="0" vertOverflow="overflow" horzOverflow="overflow" vert="horz" wrap="square" lIns="91440" tIns="45720" rIns="91440" bIns="45720" numCol="1" spcCol="0" rtlCol="0" fromWordArt="0" anchor="ctr" anchorCtr="0" forceAA="0" compatLnSpc="1">
+            <a:prstTxWarp prst="textNoShape">
+              <a:avLst/>
+            </a:prstTxWarp>
+            <a:noAutofit/>
+          </a:bodyPr>
+          <a:lstStyle/>
+          <a:p>
+            <a:pPr algn="ctr"/>
+            <a:r>
+              <a:rPr lang="en-US" altLang="ko-KR" sz="2000">
+                <a:solidFill>
+                  <a:schemeClr val="tx1"/>
+                </a:solidFill>
+                <a:latin typeface="Consolas" pitchFamily="49" charset="0"/>
+                <a:cs typeface="Consolas" pitchFamily="49" charset="0"/>
+              </a:rPr>
+              <a:t>1</a:t>
+            </a:r>
+            <a:endParaRPr lang="ko-KR" altLang="en-US" sz="2000">
+              <a:solidFill>
+                <a:schemeClr val="tx1"/>
+              </a:solidFill>
+              <a:latin typeface="Consolas" pitchFamily="49" charset="0"/>
+              <a:cs typeface="Consolas" pitchFamily="49" charset="0"/>
+            </a:endParaRPr>
+          </a:p>
+        </p:txBody>
+      </p:sp>
+      <p:sp>
+        <p:nvSpPr>
+          <p:cNvPr id="18" name="직사각형 17">
+            <a:extLst>
+              <a:ext uri="{FF2B5EF4-FFF2-40B4-BE49-F238E27FC236}">
+                <a16:creationId xmlns:a16="http://schemas.microsoft.com/office/drawing/2014/main" id="{D0394DF4-4580-48D1-98F5-4FAD4BDED64B}"/>
+              </a:ext>
+            </a:extLst>
+          </p:cNvPr>
+          <p:cNvSpPr/>
+          <p:nvPr/>
+        </p:nvSpPr>
+        <p:spPr>
+          <a:xfrm>
+            <a:off x="7663795" y="2636912"/>
+            <a:ext cx="288032" cy="432048"/>
+          </a:xfrm>
+          <a:prstGeom prst="rect">
+            <a:avLst/>
+          </a:prstGeom>
+          <a:solidFill>
+            <a:srgbClr val="FFFF00"/>
+          </a:solidFill>
+          <a:ln w="9525"/>
+        </p:spPr>
+        <p:style>
+          <a:lnRef idx="2">
+            <a:schemeClr val="accent1">
+              <a:shade val="50000"/>
+            </a:schemeClr>
+          </a:lnRef>
+          <a:fillRef idx="1">
+            <a:schemeClr val="accent1"/>
+          </a:fillRef>
+          <a:effectRef idx="0">
+            <a:schemeClr val="accent1"/>
+          </a:effectRef>
+          <a:fontRef idx="minor">
+            <a:schemeClr val="lt1"/>
+          </a:fontRef>
+        </p:style>
+        <p:txBody>
+          <a:bodyPr rot="0" spcFirstLastPara="0" vertOverflow="overflow" horzOverflow="overflow" vert="horz" wrap="square" lIns="91440" tIns="45720" rIns="91440" bIns="45720" numCol="1" spcCol="0" rtlCol="0" fromWordArt="0" anchor="ctr" anchorCtr="0" forceAA="0" compatLnSpc="1">
+            <a:prstTxWarp prst="textNoShape">
+              <a:avLst/>
+            </a:prstTxWarp>
+            <a:noAutofit/>
+          </a:bodyPr>
+          <a:lstStyle/>
+          <a:p>
+            <a:pPr algn="ctr"/>
+            <a:r>
+              <a:rPr lang="en-US" altLang="ko-KR" sz="2000">
+                <a:solidFill>
+                  <a:schemeClr val="tx1"/>
+                </a:solidFill>
+                <a:latin typeface="Consolas" pitchFamily="49" charset="0"/>
+                <a:cs typeface="Consolas" pitchFamily="49" charset="0"/>
+              </a:rPr>
+              <a:t>1</a:t>
+            </a:r>
+            <a:endParaRPr lang="ko-KR" altLang="en-US" sz="2000">
+              <a:solidFill>
+                <a:schemeClr val="tx1"/>
+              </a:solidFill>
+              <a:latin typeface="Consolas" pitchFamily="49" charset="0"/>
+              <a:cs typeface="Consolas" pitchFamily="49" charset="0"/>
+            </a:endParaRPr>
+          </a:p>
+        </p:txBody>
+      </p:sp>
+      <p:sp>
+        <p:nvSpPr>
+          <p:cNvPr id="19" name="직사각형 18">
+            <a:extLst>
+              <a:ext uri="{FF2B5EF4-FFF2-40B4-BE49-F238E27FC236}">
+                <a16:creationId xmlns:a16="http://schemas.microsoft.com/office/drawing/2014/main" id="{2093ED03-51ED-4F6B-ADA3-E0A6FE5033EA}"/>
+              </a:ext>
+            </a:extLst>
+          </p:cNvPr>
+          <p:cNvSpPr/>
+          <p:nvPr/>
+        </p:nvSpPr>
+        <p:spPr>
+          <a:xfrm>
+            <a:off x="7951816" y="2636912"/>
+            <a:ext cx="288032" cy="432048"/>
+          </a:xfrm>
+          <a:prstGeom prst="rect">
+            <a:avLst/>
+          </a:prstGeom>
+          <a:solidFill>
+            <a:srgbClr val="FFFF00"/>
+          </a:solidFill>
+          <a:ln w="9525"/>
+        </p:spPr>
+        <p:style>
+          <a:lnRef idx="2">
+            <a:schemeClr val="accent1">
+              <a:shade val="50000"/>
+            </a:schemeClr>
+          </a:lnRef>
+          <a:fillRef idx="1">
+            <a:schemeClr val="accent1"/>
+          </a:fillRef>
+          <a:effectRef idx="0">
+            <a:schemeClr val="accent1"/>
+          </a:effectRef>
+          <a:fontRef idx="minor">
+            <a:schemeClr val="lt1"/>
+          </a:fontRef>
+        </p:style>
+        <p:txBody>
+          <a:bodyPr rot="0" spcFirstLastPara="0" vertOverflow="overflow" horzOverflow="overflow" vert="horz" wrap="square" lIns="91440" tIns="45720" rIns="91440" bIns="45720" numCol="1" spcCol="0" rtlCol="0" fromWordArt="0" anchor="ctr" anchorCtr="0" forceAA="0" compatLnSpc="1">
+            <a:prstTxWarp prst="textNoShape">
+              <a:avLst/>
+            </a:prstTxWarp>
+            <a:noAutofit/>
+          </a:bodyPr>
+          <a:lstStyle/>
+          <a:p>
+            <a:pPr algn="ctr"/>
+            <a:r>
+              <a:rPr lang="en-US" altLang="ko-KR" sz="2000">
+                <a:solidFill>
+                  <a:schemeClr val="tx1"/>
+                </a:solidFill>
+                <a:latin typeface="Consolas" pitchFamily="49" charset="0"/>
+                <a:cs typeface="Consolas" pitchFamily="49" charset="0"/>
+              </a:rPr>
+              <a:t>1</a:t>
+            </a:r>
+            <a:endParaRPr lang="ko-KR" altLang="en-US" sz="2000">
+              <a:solidFill>
+                <a:schemeClr val="tx1"/>
+              </a:solidFill>
+              <a:latin typeface="Consolas" pitchFamily="49" charset="0"/>
+              <a:cs typeface="Consolas" pitchFamily="49" charset="0"/>
+            </a:endParaRPr>
+          </a:p>
+        </p:txBody>
+      </p:sp>
+      <p:sp>
+        <p:nvSpPr>
+          <p:cNvPr id="20" name="직사각형 19">
+            <a:extLst>
+              <a:ext uri="{FF2B5EF4-FFF2-40B4-BE49-F238E27FC236}">
+                <a16:creationId xmlns:a16="http://schemas.microsoft.com/office/drawing/2014/main" id="{98C67F41-A6C7-41D4-94F0-A93BCB634E0C}"/>
+              </a:ext>
+            </a:extLst>
+          </p:cNvPr>
+          <p:cNvSpPr/>
+          <p:nvPr/>
+        </p:nvSpPr>
+        <p:spPr>
+          <a:xfrm>
+            <a:off x="8239837" y="2636912"/>
+            <a:ext cx="288032" cy="432048"/>
+          </a:xfrm>
+          <a:prstGeom prst="rect">
+            <a:avLst/>
+          </a:prstGeom>
+          <a:solidFill>
+            <a:srgbClr val="FFFF00"/>
+          </a:solidFill>
+          <a:ln w="9525"/>
+        </p:spPr>
+        <p:style>
+          <a:lnRef idx="2">
+            <a:schemeClr val="accent1">
+              <a:shade val="50000"/>
+            </a:schemeClr>
+          </a:lnRef>
+          <a:fillRef idx="1">
+            <a:schemeClr val="accent1"/>
+          </a:fillRef>
+          <a:effectRef idx="0">
+            <a:schemeClr val="accent1"/>
+          </a:effectRef>
+          <a:fontRef idx="minor">
+            <a:schemeClr val="lt1"/>
+          </a:fontRef>
+        </p:style>
+        <p:txBody>
+          <a:bodyPr rot="0" spcFirstLastPara="0" vertOverflow="overflow" horzOverflow="overflow" vert="horz" wrap="square" lIns="91440" tIns="45720" rIns="91440" bIns="45720" numCol="1" spcCol="0" rtlCol="0" fromWordArt="0" anchor="ctr" anchorCtr="0" forceAA="0" compatLnSpc="1">
+            <a:prstTxWarp prst="textNoShape">
+              <a:avLst/>
+            </a:prstTxWarp>
+            <a:noAutofit/>
+          </a:bodyPr>
+          <a:lstStyle/>
+          <a:p>
+            <a:pPr algn="ctr"/>
+            <a:r>
+              <a:rPr lang="en-US" altLang="ko-KR" sz="2000">
+                <a:solidFill>
+                  <a:schemeClr val="tx1"/>
+                </a:solidFill>
+                <a:latin typeface="Consolas" pitchFamily="49" charset="0"/>
+                <a:cs typeface="Consolas" pitchFamily="49" charset="0"/>
+              </a:rPr>
+              <a:t>0</a:t>
+            </a:r>
+            <a:endParaRPr lang="ko-KR" altLang="en-US" sz="2000">
+              <a:solidFill>
+                <a:schemeClr val="tx1"/>
+              </a:solidFill>
+              <a:latin typeface="Consolas" pitchFamily="49" charset="0"/>
+              <a:cs typeface="Consolas" pitchFamily="49" charset="0"/>
+            </a:endParaRPr>
+          </a:p>
+        </p:txBody>
+      </p:sp>
+      <p:sp>
+        <p:nvSpPr>
+          <p:cNvPr id="21" name="직사각형 20">
+            <a:extLst>
+              <a:ext uri="{FF2B5EF4-FFF2-40B4-BE49-F238E27FC236}">
+                <a16:creationId xmlns:a16="http://schemas.microsoft.com/office/drawing/2014/main" id="{67BC74B8-4D66-4E0B-804C-334B4DEF2709}"/>
+              </a:ext>
+            </a:extLst>
+          </p:cNvPr>
+          <p:cNvSpPr/>
+          <p:nvPr/>
+        </p:nvSpPr>
+        <p:spPr>
+          <a:xfrm>
+            <a:off x="8527847" y="2636912"/>
+            <a:ext cx="288032" cy="432048"/>
+          </a:xfrm>
+          <a:prstGeom prst="rect">
+            <a:avLst/>
+          </a:prstGeom>
+          <a:solidFill>
+            <a:srgbClr val="FFFF00"/>
+          </a:solidFill>
+          <a:ln w="9525"/>
+        </p:spPr>
+        <p:style>
+          <a:lnRef idx="2">
+            <a:schemeClr val="accent1">
+              <a:shade val="50000"/>
+            </a:schemeClr>
+          </a:lnRef>
+          <a:fillRef idx="1">
+            <a:schemeClr val="accent1"/>
+          </a:fillRef>
+          <a:effectRef idx="0">
+            <a:schemeClr val="accent1"/>
+          </a:effectRef>
+          <a:fontRef idx="minor">
+            <a:schemeClr val="lt1"/>
+          </a:fontRef>
+        </p:style>
+        <p:txBody>
+          <a:bodyPr rot="0" spcFirstLastPara="0" vertOverflow="overflow" horzOverflow="overflow" vert="horz" wrap="square" lIns="91440" tIns="45720" rIns="91440" bIns="45720" numCol="1" spcCol="0" rtlCol="0" fromWordArt="0" anchor="ctr" anchorCtr="0" forceAA="0" compatLnSpc="1">
+            <a:prstTxWarp prst="textNoShape">
+              <a:avLst/>
+            </a:prstTxWarp>
+            <a:noAutofit/>
+          </a:bodyPr>
+          <a:lstStyle/>
+          <a:p>
+            <a:pPr algn="ctr"/>
+            <a:r>
+              <a:rPr lang="en-US" altLang="ko-KR" sz="2000">
+                <a:solidFill>
+                  <a:schemeClr val="tx1"/>
+                </a:solidFill>
+                <a:latin typeface="Consolas" pitchFamily="49" charset="0"/>
+                <a:cs typeface="Consolas" pitchFamily="49" charset="0"/>
+              </a:rPr>
+              <a:t>1</a:t>
+            </a:r>
+            <a:endParaRPr lang="ko-KR" altLang="en-US" sz="2000">
+              <a:solidFill>
+                <a:schemeClr val="tx1"/>
+              </a:solidFill>
+              <a:latin typeface="Consolas" pitchFamily="49" charset="0"/>
+              <a:cs typeface="Consolas" pitchFamily="49" charset="0"/>
+            </a:endParaRPr>
+          </a:p>
+        </p:txBody>
+      </p:sp>
+      <p:sp>
+        <p:nvSpPr>
+          <p:cNvPr id="22" name="TextBox 21">
+            <a:extLst>
+              <a:ext uri="{FF2B5EF4-FFF2-40B4-BE49-F238E27FC236}">
+                <a16:creationId xmlns:a16="http://schemas.microsoft.com/office/drawing/2014/main" id="{4986133C-50FE-4812-B356-B705B9DC13AC}"/>
+              </a:ext>
+            </a:extLst>
+          </p:cNvPr>
+          <p:cNvSpPr txBox="1"/>
+          <p:nvPr/>
+        </p:nvSpPr>
+        <p:spPr>
+          <a:xfrm>
+            <a:off x="5508104" y="2636912"/>
+            <a:ext cx="1031051" cy="400110"/>
+          </a:xfrm>
+          <a:prstGeom prst="rect">
+            <a:avLst/>
+          </a:prstGeom>
+          <a:noFill/>
+        </p:spPr>
+        <p:txBody>
+          <a:bodyPr wrap="none" rtlCol="0">
+            <a:spAutoFit/>
+          </a:bodyPr>
+          <a:lstStyle/>
+          <a:p>
+            <a:r>
+              <a:rPr lang="en-US" altLang="ko-KR" sz="2000">
+                <a:latin typeface="Consolas" pitchFamily="49" charset="0"/>
+                <a:cs typeface="Consolas" pitchFamily="49" charset="0"/>
+              </a:rPr>
+              <a:t>S['e']</a:t>
+            </a:r>
+            <a:endParaRPr lang="ko-KR" altLang="en-US" sz="2000">
+              <a:latin typeface="Consolas" pitchFamily="49" charset="0"/>
+              <a:cs typeface="Consolas" pitchFamily="49" charset="0"/>
+            </a:endParaRPr>
+          </a:p>
+        </p:txBody>
+      </p:sp>
+      <p:sp>
+        <p:nvSpPr>
+          <p:cNvPr id="23" name="직사각형 22">
+            <a:extLst>
+              <a:ext uri="{FF2B5EF4-FFF2-40B4-BE49-F238E27FC236}">
+                <a16:creationId xmlns:a16="http://schemas.microsoft.com/office/drawing/2014/main" id="{E9131A4A-B103-478D-9F24-764060310362}"/>
+              </a:ext>
+            </a:extLst>
+          </p:cNvPr>
+          <p:cNvSpPr/>
+          <p:nvPr/>
+        </p:nvSpPr>
+        <p:spPr>
+          <a:xfrm>
+            <a:off x="6511711" y="3140968"/>
+            <a:ext cx="288032" cy="432048"/>
+          </a:xfrm>
+          <a:prstGeom prst="rect">
+            <a:avLst/>
+          </a:prstGeom>
+          <a:solidFill>
+            <a:srgbClr val="FFFF00"/>
+          </a:solidFill>
+          <a:ln w="9525"/>
+        </p:spPr>
+        <p:style>
+          <a:lnRef idx="2">
+            <a:schemeClr val="accent1">
+              <a:shade val="50000"/>
+            </a:schemeClr>
+          </a:lnRef>
+          <a:fillRef idx="1">
+            <a:schemeClr val="accent1"/>
+          </a:fillRef>
+          <a:effectRef idx="0">
+            <a:schemeClr val="accent1"/>
+          </a:effectRef>
+          <a:fontRef idx="minor">
+            <a:schemeClr val="lt1"/>
+          </a:fontRef>
+        </p:style>
+        <p:txBody>
+          <a:bodyPr rot="0" spcFirstLastPara="0" vertOverflow="overflow" horzOverflow="overflow" vert="horz" wrap="square" lIns="91440" tIns="45720" rIns="91440" bIns="45720" numCol="1" spcCol="0" rtlCol="0" fromWordArt="0" anchor="ctr" anchorCtr="0" forceAA="0" compatLnSpc="1">
+            <a:prstTxWarp prst="textNoShape">
+              <a:avLst/>
+            </a:prstTxWarp>
+            <a:noAutofit/>
+          </a:bodyPr>
+          <a:lstStyle/>
+          <a:p>
+            <a:pPr algn="ctr"/>
+            <a:r>
+              <a:rPr lang="en-US" altLang="ko-KR" sz="2000">
+                <a:solidFill>
+                  <a:schemeClr val="tx1"/>
+                </a:solidFill>
+                <a:latin typeface="Consolas" pitchFamily="49" charset="0"/>
+                <a:cs typeface="Consolas" pitchFamily="49" charset="0"/>
+              </a:rPr>
+              <a:t>1</a:t>
+            </a:r>
+            <a:endParaRPr lang="ko-KR" altLang="en-US" sz="2000">
+              <a:solidFill>
+                <a:schemeClr val="tx1"/>
+              </a:solidFill>
+              <a:latin typeface="Consolas" pitchFamily="49" charset="0"/>
+              <a:cs typeface="Consolas" pitchFamily="49" charset="0"/>
+            </a:endParaRPr>
+          </a:p>
+        </p:txBody>
+      </p:sp>
+      <p:sp>
+        <p:nvSpPr>
+          <p:cNvPr id="24" name="직사각형 23">
+            <a:extLst>
+              <a:ext uri="{FF2B5EF4-FFF2-40B4-BE49-F238E27FC236}">
+                <a16:creationId xmlns:a16="http://schemas.microsoft.com/office/drawing/2014/main" id="{F0D55DCB-6649-4463-AF99-652984765A0E}"/>
+              </a:ext>
+            </a:extLst>
+          </p:cNvPr>
+          <p:cNvSpPr/>
+          <p:nvPr/>
+        </p:nvSpPr>
+        <p:spPr>
+          <a:xfrm>
+            <a:off x="6799732" y="3140968"/>
+            <a:ext cx="288032" cy="432048"/>
+          </a:xfrm>
+          <a:prstGeom prst="rect">
+            <a:avLst/>
+          </a:prstGeom>
+          <a:solidFill>
+            <a:srgbClr val="FFFF00"/>
+          </a:solidFill>
+          <a:ln w="9525"/>
+        </p:spPr>
+        <p:style>
+          <a:lnRef idx="2">
+            <a:schemeClr val="accent1">
+              <a:shade val="50000"/>
+            </a:schemeClr>
+          </a:lnRef>
+          <a:fillRef idx="1">
+            <a:schemeClr val="accent1"/>
+          </a:fillRef>
+          <a:effectRef idx="0">
+            <a:schemeClr val="accent1"/>
+          </a:effectRef>
+          <a:fontRef idx="minor">
+            <a:schemeClr val="lt1"/>
+          </a:fontRef>
+        </p:style>
+        <p:txBody>
+          <a:bodyPr rot="0" spcFirstLastPara="0" vertOverflow="overflow" horzOverflow="overflow" vert="horz" wrap="square" lIns="91440" tIns="45720" rIns="91440" bIns="45720" numCol="1" spcCol="0" rtlCol="0" fromWordArt="0" anchor="ctr" anchorCtr="0" forceAA="0" compatLnSpc="1">
+            <a:prstTxWarp prst="textNoShape">
+              <a:avLst/>
+            </a:prstTxWarp>
+            <a:noAutofit/>
+          </a:bodyPr>
+          <a:lstStyle/>
+          <a:p>
+            <a:pPr algn="ctr"/>
+            <a:r>
+              <a:rPr lang="en-US" altLang="ko-KR" sz="2000">
+                <a:solidFill>
+                  <a:schemeClr val="tx1"/>
+                </a:solidFill>
+                <a:latin typeface="Consolas" pitchFamily="49" charset="0"/>
+                <a:cs typeface="Consolas" pitchFamily="49" charset="0"/>
+              </a:rPr>
+              <a:t>1</a:t>
+            </a:r>
+            <a:endParaRPr lang="ko-KR" altLang="en-US" sz="2000">
+              <a:solidFill>
+                <a:schemeClr val="tx1"/>
+              </a:solidFill>
+              <a:latin typeface="Consolas" pitchFamily="49" charset="0"/>
+              <a:cs typeface="Consolas" pitchFamily="49" charset="0"/>
+            </a:endParaRPr>
+          </a:p>
+        </p:txBody>
+      </p:sp>
+      <p:sp>
+        <p:nvSpPr>
+          <p:cNvPr id="25" name="직사각형 24">
+            <a:extLst>
+              <a:ext uri="{FF2B5EF4-FFF2-40B4-BE49-F238E27FC236}">
+                <a16:creationId xmlns:a16="http://schemas.microsoft.com/office/drawing/2014/main" id="{BCF43834-BD15-48B5-97F7-387252AC5BF4}"/>
+              </a:ext>
+            </a:extLst>
+          </p:cNvPr>
+          <p:cNvSpPr/>
+          <p:nvPr/>
+        </p:nvSpPr>
+        <p:spPr>
+          <a:xfrm>
+            <a:off x="7087753" y="3140968"/>
+            <a:ext cx="288032" cy="432048"/>
+          </a:xfrm>
+          <a:prstGeom prst="rect">
+            <a:avLst/>
+          </a:prstGeom>
+          <a:solidFill>
+            <a:srgbClr val="FFFF00"/>
+          </a:solidFill>
+          <a:ln w="9525"/>
+        </p:spPr>
+        <p:style>
+          <a:lnRef idx="2">
+            <a:schemeClr val="accent1">
+              <a:shade val="50000"/>
+            </a:schemeClr>
+          </a:lnRef>
+          <a:fillRef idx="1">
+            <a:schemeClr val="accent1"/>
+          </a:fillRef>
+          <a:effectRef idx="0">
+            <a:schemeClr val="accent1"/>
+          </a:effectRef>
+          <a:fontRef idx="minor">
+            <a:schemeClr val="lt1"/>
+          </a:fontRef>
+        </p:style>
+        <p:txBody>
+          <a:bodyPr rot="0" spcFirstLastPara="0" vertOverflow="overflow" horzOverflow="overflow" vert="horz" wrap="square" lIns="91440" tIns="45720" rIns="91440" bIns="45720" numCol="1" spcCol="0" rtlCol="0" fromWordArt="0" anchor="ctr" anchorCtr="0" forceAA="0" compatLnSpc="1">
+            <a:prstTxWarp prst="textNoShape">
+              <a:avLst/>
+            </a:prstTxWarp>
+            <a:noAutofit/>
+          </a:bodyPr>
+          <a:lstStyle/>
+          <a:p>
+            <a:pPr algn="ctr"/>
+            <a:r>
+              <a:rPr lang="en-US" altLang="ko-KR" sz="2000">
+                <a:solidFill>
+                  <a:schemeClr val="tx1"/>
+                </a:solidFill>
+                <a:latin typeface="Consolas" pitchFamily="49" charset="0"/>
+                <a:cs typeface="Consolas" pitchFamily="49" charset="0"/>
+              </a:rPr>
+              <a:t>1</a:t>
+            </a:r>
+            <a:endParaRPr lang="ko-KR" altLang="en-US" sz="2000">
+              <a:solidFill>
+                <a:schemeClr val="tx1"/>
+              </a:solidFill>
+              <a:latin typeface="Consolas" pitchFamily="49" charset="0"/>
+              <a:cs typeface="Consolas" pitchFamily="49" charset="0"/>
+            </a:endParaRPr>
+          </a:p>
+        </p:txBody>
+      </p:sp>
+      <p:sp>
+        <p:nvSpPr>
+          <p:cNvPr id="26" name="직사각형 25">
+            <a:extLst>
+              <a:ext uri="{FF2B5EF4-FFF2-40B4-BE49-F238E27FC236}">
+                <a16:creationId xmlns:a16="http://schemas.microsoft.com/office/drawing/2014/main" id="{EF9C9C0B-D41B-44E4-996A-8A434CDAE09C}"/>
+              </a:ext>
+            </a:extLst>
+          </p:cNvPr>
+          <p:cNvSpPr/>
+          <p:nvPr/>
+        </p:nvSpPr>
+        <p:spPr>
+          <a:xfrm>
+            <a:off x="7375774" y="3140968"/>
+            <a:ext cx="288032" cy="432048"/>
+          </a:xfrm>
+          <a:prstGeom prst="rect">
+            <a:avLst/>
+          </a:prstGeom>
+          <a:solidFill>
+            <a:srgbClr val="FFFF00"/>
+          </a:solidFill>
+          <a:ln w="9525"/>
+        </p:spPr>
+        <p:style>
+          <a:lnRef idx="2">
+            <a:schemeClr val="accent1">
+              <a:shade val="50000"/>
+            </a:schemeClr>
+          </a:lnRef>
+          <a:fillRef idx="1">
+            <a:schemeClr val="accent1"/>
+          </a:fillRef>
+          <a:effectRef idx="0">
+            <a:schemeClr val="accent1"/>
+          </a:effectRef>
+          <a:fontRef idx="minor">
+            <a:schemeClr val="lt1"/>
+          </a:fontRef>
+        </p:style>
+        <p:txBody>
+          <a:bodyPr rot="0" spcFirstLastPara="0" vertOverflow="overflow" horzOverflow="overflow" vert="horz" wrap="square" lIns="91440" tIns="45720" rIns="91440" bIns="45720" numCol="1" spcCol="0" rtlCol="0" fromWordArt="0" anchor="ctr" anchorCtr="0" forceAA="0" compatLnSpc="1">
+            <a:prstTxWarp prst="textNoShape">
+              <a:avLst/>
+            </a:prstTxWarp>
+            <a:noAutofit/>
+          </a:bodyPr>
+          <a:lstStyle/>
+          <a:p>
+            <a:pPr algn="ctr"/>
+            <a:r>
+              <a:rPr lang="en-US" altLang="ko-KR" sz="2000">
+                <a:solidFill>
+                  <a:schemeClr val="tx1"/>
+                </a:solidFill>
+                <a:latin typeface="Consolas" pitchFamily="49" charset="0"/>
+                <a:cs typeface="Consolas" pitchFamily="49" charset="0"/>
+              </a:rPr>
+              <a:t>1</a:t>
+            </a:r>
+            <a:endParaRPr lang="ko-KR" altLang="en-US" sz="2000">
+              <a:solidFill>
+                <a:schemeClr val="tx1"/>
+              </a:solidFill>
+              <a:latin typeface="Consolas" pitchFamily="49" charset="0"/>
+              <a:cs typeface="Consolas" pitchFamily="49" charset="0"/>
+            </a:endParaRPr>
+          </a:p>
+        </p:txBody>
+      </p:sp>
+      <p:sp>
+        <p:nvSpPr>
+          <p:cNvPr id="27" name="직사각형 26">
+            <a:extLst>
+              <a:ext uri="{FF2B5EF4-FFF2-40B4-BE49-F238E27FC236}">
+                <a16:creationId xmlns:a16="http://schemas.microsoft.com/office/drawing/2014/main" id="{30F7618C-3389-490F-97E3-13D1FDA34595}"/>
+              </a:ext>
+            </a:extLst>
+          </p:cNvPr>
+          <p:cNvSpPr/>
+          <p:nvPr/>
+        </p:nvSpPr>
+        <p:spPr>
+          <a:xfrm>
+            <a:off x="7663795" y="3140968"/>
+            <a:ext cx="288032" cy="432048"/>
+          </a:xfrm>
+          <a:prstGeom prst="rect">
+            <a:avLst/>
+          </a:prstGeom>
+          <a:solidFill>
+            <a:srgbClr val="FFFF00"/>
+          </a:solidFill>
+          <a:ln w="9525"/>
+        </p:spPr>
+        <p:style>
+          <a:lnRef idx="2">
+            <a:schemeClr val="accent1">
+              <a:shade val="50000"/>
+            </a:schemeClr>
+          </a:lnRef>
+          <a:fillRef idx="1">
+            <a:schemeClr val="accent1"/>
+          </a:fillRef>
+          <a:effectRef idx="0">
+            <a:schemeClr val="accent1"/>
+          </a:effectRef>
+          <a:fontRef idx="minor">
+            <a:schemeClr val="lt1"/>
+          </a:fontRef>
+        </p:style>
+        <p:txBody>
+          <a:bodyPr rot="0" spcFirstLastPara="0" vertOverflow="overflow" horzOverflow="overflow" vert="horz" wrap="square" lIns="91440" tIns="45720" rIns="91440" bIns="45720" numCol="1" spcCol="0" rtlCol="0" fromWordArt="0" anchor="ctr" anchorCtr="0" forceAA="0" compatLnSpc="1">
+            <a:prstTxWarp prst="textNoShape">
+              <a:avLst/>
+            </a:prstTxWarp>
+            <a:noAutofit/>
+          </a:bodyPr>
+          <a:lstStyle/>
+          <a:p>
+            <a:pPr algn="ctr"/>
+            <a:r>
+              <a:rPr lang="en-US" altLang="ko-KR" sz="2000">
+                <a:solidFill>
+                  <a:schemeClr val="tx1"/>
+                </a:solidFill>
+                <a:latin typeface="Consolas" pitchFamily="49" charset="0"/>
+                <a:cs typeface="Consolas" pitchFamily="49" charset="0"/>
+              </a:rPr>
+              <a:t>0</a:t>
+            </a:r>
+            <a:endParaRPr lang="ko-KR" altLang="en-US" sz="2000">
+              <a:solidFill>
+                <a:schemeClr val="tx1"/>
+              </a:solidFill>
+              <a:latin typeface="Consolas" pitchFamily="49" charset="0"/>
+              <a:cs typeface="Consolas" pitchFamily="49" charset="0"/>
+            </a:endParaRPr>
+          </a:p>
+        </p:txBody>
+      </p:sp>
+      <p:sp>
+        <p:nvSpPr>
+          <p:cNvPr id="28" name="직사각형 27">
+            <a:extLst>
+              <a:ext uri="{FF2B5EF4-FFF2-40B4-BE49-F238E27FC236}">
+                <a16:creationId xmlns:a16="http://schemas.microsoft.com/office/drawing/2014/main" id="{056086F7-E440-431F-9B9F-631CBD833D51}"/>
+              </a:ext>
+            </a:extLst>
+          </p:cNvPr>
+          <p:cNvSpPr/>
+          <p:nvPr/>
+        </p:nvSpPr>
+        <p:spPr>
+          <a:xfrm>
+            <a:off x="7951816" y="3140968"/>
+            <a:ext cx="288032" cy="432048"/>
+          </a:xfrm>
+          <a:prstGeom prst="rect">
+            <a:avLst/>
+          </a:prstGeom>
+          <a:solidFill>
+            <a:srgbClr val="FFFF00"/>
+          </a:solidFill>
+          <a:ln w="9525"/>
+        </p:spPr>
+        <p:style>
+          <a:lnRef idx="2">
+            <a:schemeClr val="accent1">
+              <a:shade val="50000"/>
+            </a:schemeClr>
+          </a:lnRef>
+          <a:fillRef idx="1">
+            <a:schemeClr val="accent1"/>
+          </a:fillRef>
+          <a:effectRef idx="0">
+            <a:schemeClr val="accent1"/>
+          </a:effectRef>
+          <a:fontRef idx="minor">
+            <a:schemeClr val="lt1"/>
+          </a:fontRef>
+        </p:style>
+        <p:txBody>
+          <a:bodyPr rot="0" spcFirstLastPara="0" vertOverflow="overflow" horzOverflow="overflow" vert="horz" wrap="square" lIns="91440" tIns="45720" rIns="91440" bIns="45720" numCol="1" spcCol="0" rtlCol="0" fromWordArt="0" anchor="ctr" anchorCtr="0" forceAA="0" compatLnSpc="1">
+            <a:prstTxWarp prst="textNoShape">
+              <a:avLst/>
+            </a:prstTxWarp>
+            <a:noAutofit/>
+          </a:bodyPr>
+          <a:lstStyle/>
+          <a:p>
+            <a:pPr algn="ctr"/>
+            <a:r>
+              <a:rPr lang="en-US" altLang="ko-KR" sz="2000">
+                <a:solidFill>
+                  <a:schemeClr val="tx1"/>
+                </a:solidFill>
+                <a:latin typeface="Consolas" pitchFamily="49" charset="0"/>
+                <a:cs typeface="Consolas" pitchFamily="49" charset="0"/>
+              </a:rPr>
+              <a:t>0</a:t>
+            </a:r>
+            <a:endParaRPr lang="ko-KR" altLang="en-US" sz="2000">
+              <a:solidFill>
+                <a:schemeClr val="tx1"/>
+              </a:solidFill>
+              <a:latin typeface="Consolas" pitchFamily="49" charset="0"/>
+              <a:cs typeface="Consolas" pitchFamily="49" charset="0"/>
+            </a:endParaRPr>
+          </a:p>
+        </p:txBody>
+      </p:sp>
+      <p:sp>
+        <p:nvSpPr>
+          <p:cNvPr id="29" name="직사각형 28">
+            <a:extLst>
+              <a:ext uri="{FF2B5EF4-FFF2-40B4-BE49-F238E27FC236}">
+                <a16:creationId xmlns:a16="http://schemas.microsoft.com/office/drawing/2014/main" id="{3E9B5044-0B31-4B89-BB31-64D77406E382}"/>
+              </a:ext>
+            </a:extLst>
+          </p:cNvPr>
+          <p:cNvSpPr/>
+          <p:nvPr/>
+        </p:nvSpPr>
+        <p:spPr>
+          <a:xfrm>
+            <a:off x="8239837" y="3140968"/>
+            <a:ext cx="288032" cy="432048"/>
+          </a:xfrm>
+          <a:prstGeom prst="rect">
+            <a:avLst/>
+          </a:prstGeom>
+          <a:solidFill>
+            <a:srgbClr val="FFFF00"/>
+          </a:solidFill>
+          <a:ln w="9525"/>
+        </p:spPr>
+        <p:style>
+          <a:lnRef idx="2">
+            <a:schemeClr val="accent1">
+              <a:shade val="50000"/>
+            </a:schemeClr>
+          </a:lnRef>
+          <a:fillRef idx="1">
+            <a:schemeClr val="accent1"/>
+          </a:fillRef>
+          <a:effectRef idx="0">
+            <a:schemeClr val="accent1"/>
+          </a:effectRef>
+          <a:fontRef idx="minor">
+            <a:schemeClr val="lt1"/>
+          </a:fontRef>
+        </p:style>
+        <p:txBody>
+          <a:bodyPr rot="0" spcFirstLastPara="0" vertOverflow="overflow" horzOverflow="overflow" vert="horz" wrap="square" lIns="91440" tIns="45720" rIns="91440" bIns="45720" numCol="1" spcCol="0" rtlCol="0" fromWordArt="0" anchor="ctr" anchorCtr="0" forceAA="0" compatLnSpc="1">
+            <a:prstTxWarp prst="textNoShape">
+              <a:avLst/>
+            </a:prstTxWarp>
+            <a:noAutofit/>
+          </a:bodyPr>
+          <a:lstStyle/>
+          <a:p>
+            <a:pPr algn="ctr"/>
+            <a:r>
+              <a:rPr lang="en-US" altLang="ko-KR" sz="2000">
+                <a:solidFill>
+                  <a:schemeClr val="tx1"/>
+                </a:solidFill>
+                <a:latin typeface="Consolas" pitchFamily="49" charset="0"/>
+                <a:cs typeface="Consolas" pitchFamily="49" charset="0"/>
+              </a:rPr>
+              <a:t>1</a:t>
+            </a:r>
+            <a:endParaRPr lang="ko-KR" altLang="en-US" sz="2000">
+              <a:solidFill>
+                <a:schemeClr val="tx1"/>
+              </a:solidFill>
+              <a:latin typeface="Consolas" pitchFamily="49" charset="0"/>
+              <a:cs typeface="Consolas" pitchFamily="49" charset="0"/>
+            </a:endParaRPr>
+          </a:p>
+        </p:txBody>
+      </p:sp>
+      <p:sp>
+        <p:nvSpPr>
+          <p:cNvPr id="30" name="직사각형 29">
+            <a:extLst>
+              <a:ext uri="{FF2B5EF4-FFF2-40B4-BE49-F238E27FC236}">
+                <a16:creationId xmlns:a16="http://schemas.microsoft.com/office/drawing/2014/main" id="{57426EB6-C3F3-4FBA-9218-CE53E0AC2A08}"/>
+              </a:ext>
+            </a:extLst>
+          </p:cNvPr>
+          <p:cNvSpPr/>
+          <p:nvPr/>
+        </p:nvSpPr>
+        <p:spPr>
+          <a:xfrm>
+            <a:off x="8527847" y="3140968"/>
+            <a:ext cx="288032" cy="432048"/>
+          </a:xfrm>
+          <a:prstGeom prst="rect">
+            <a:avLst/>
+          </a:prstGeom>
+          <a:solidFill>
+            <a:srgbClr val="FFFF00"/>
+          </a:solidFill>
+          <a:ln w="9525"/>
+        </p:spPr>
+        <p:style>
+          <a:lnRef idx="2">
+            <a:schemeClr val="accent1">
+              <a:shade val="50000"/>
+            </a:schemeClr>
+          </a:lnRef>
+          <a:fillRef idx="1">
+            <a:schemeClr val="accent1"/>
+          </a:fillRef>
+          <a:effectRef idx="0">
+            <a:schemeClr val="accent1"/>
+          </a:effectRef>
+          <a:fontRef idx="minor">
+            <a:schemeClr val="lt1"/>
+          </a:fontRef>
+        </p:style>
+        <p:txBody>
+          <a:bodyPr rot="0" spcFirstLastPara="0" vertOverflow="overflow" horzOverflow="overflow" vert="horz" wrap="square" lIns="91440" tIns="45720" rIns="91440" bIns="45720" numCol="1" spcCol="0" rtlCol="0" fromWordArt="0" anchor="ctr" anchorCtr="0" forceAA="0" compatLnSpc="1">
+            <a:prstTxWarp prst="textNoShape">
+              <a:avLst/>
+            </a:prstTxWarp>
+            <a:noAutofit/>
+          </a:bodyPr>
+          <a:lstStyle/>
+          <a:p>
+            <a:pPr algn="ctr"/>
+            <a:r>
+              <a:rPr lang="en-US" altLang="ko-KR" sz="2000">
+                <a:solidFill>
+                  <a:schemeClr val="tx1"/>
+                </a:solidFill>
+                <a:latin typeface="Consolas" pitchFamily="49" charset="0"/>
+                <a:cs typeface="Consolas" pitchFamily="49" charset="0"/>
+              </a:rPr>
+              <a:t>1</a:t>
+            </a:r>
+            <a:endParaRPr lang="ko-KR" altLang="en-US" sz="2000">
+              <a:solidFill>
+                <a:schemeClr val="tx1"/>
+              </a:solidFill>
+              <a:latin typeface="Consolas" pitchFamily="49" charset="0"/>
+              <a:cs typeface="Consolas" pitchFamily="49" charset="0"/>
+            </a:endParaRPr>
+          </a:p>
+        </p:txBody>
+      </p:sp>
+      <p:sp>
+        <p:nvSpPr>
+          <p:cNvPr id="31" name="TextBox 30">
+            <a:extLst>
+              <a:ext uri="{FF2B5EF4-FFF2-40B4-BE49-F238E27FC236}">
+                <a16:creationId xmlns:a16="http://schemas.microsoft.com/office/drawing/2014/main" id="{D25EE9CC-1108-483F-ADC4-DFB92295AA8B}"/>
+              </a:ext>
+            </a:extLst>
+          </p:cNvPr>
+          <p:cNvSpPr txBox="1"/>
+          <p:nvPr/>
+        </p:nvSpPr>
+        <p:spPr>
+          <a:xfrm>
+            <a:off x="5508104" y="3140968"/>
+            <a:ext cx="1031051" cy="400110"/>
+          </a:xfrm>
+          <a:prstGeom prst="rect">
+            <a:avLst/>
+          </a:prstGeom>
+          <a:noFill/>
+        </p:spPr>
+        <p:txBody>
+          <a:bodyPr wrap="none" rtlCol="0">
+            <a:spAutoFit/>
+          </a:bodyPr>
+          <a:lstStyle/>
+          <a:p>
+            <a:r>
+              <a:rPr lang="en-US" altLang="ko-KR" sz="2000">
+                <a:latin typeface="Consolas" pitchFamily="49" charset="0"/>
+                <a:cs typeface="Consolas" pitchFamily="49" charset="0"/>
+              </a:rPr>
+              <a:t>S['l']</a:t>
+            </a:r>
+            <a:endParaRPr lang="ko-KR" altLang="en-US" sz="2000">
+              <a:latin typeface="Consolas" pitchFamily="49" charset="0"/>
+              <a:cs typeface="Consolas" pitchFamily="49" charset="0"/>
+            </a:endParaRPr>
+          </a:p>
+        </p:txBody>
+      </p:sp>
+      <p:sp>
+        <p:nvSpPr>
+          <p:cNvPr id="32" name="직사각형 31">
+            <a:extLst>
+              <a:ext uri="{FF2B5EF4-FFF2-40B4-BE49-F238E27FC236}">
+                <a16:creationId xmlns:a16="http://schemas.microsoft.com/office/drawing/2014/main" id="{146A2329-891E-4417-B6BB-5BFAFCCCE8A9}"/>
+              </a:ext>
+            </a:extLst>
+          </p:cNvPr>
+          <p:cNvSpPr/>
+          <p:nvPr/>
+        </p:nvSpPr>
+        <p:spPr>
+          <a:xfrm>
+            <a:off x="6511711" y="3645024"/>
+            <a:ext cx="288032" cy="432048"/>
+          </a:xfrm>
+          <a:prstGeom prst="rect">
+            <a:avLst/>
+          </a:prstGeom>
+          <a:solidFill>
+            <a:srgbClr val="FFFF00"/>
+          </a:solidFill>
+          <a:ln w="9525"/>
+        </p:spPr>
+        <p:style>
+          <a:lnRef idx="2">
+            <a:schemeClr val="accent1">
+              <a:shade val="50000"/>
+            </a:schemeClr>
+          </a:lnRef>
+          <a:fillRef idx="1">
+            <a:schemeClr val="accent1"/>
+          </a:fillRef>
+          <a:effectRef idx="0">
+            <a:schemeClr val="accent1"/>
+          </a:effectRef>
+          <a:fontRef idx="minor">
+            <a:schemeClr val="lt1"/>
+          </a:fontRef>
+        </p:style>
+        <p:txBody>
+          <a:bodyPr rot="0" spcFirstLastPara="0" vertOverflow="overflow" horzOverflow="overflow" vert="horz" wrap="square" lIns="91440" tIns="45720" rIns="91440" bIns="45720" numCol="1" spcCol="0" rtlCol="0" fromWordArt="0" anchor="ctr" anchorCtr="0" forceAA="0" compatLnSpc="1">
+            <a:prstTxWarp prst="textNoShape">
+              <a:avLst/>
+            </a:prstTxWarp>
+            <a:noAutofit/>
+          </a:bodyPr>
+          <a:lstStyle/>
+          <a:p>
+            <a:pPr algn="ctr"/>
+            <a:r>
+              <a:rPr lang="en-US" altLang="ko-KR" sz="2000">
+                <a:solidFill>
+                  <a:schemeClr val="tx1"/>
+                </a:solidFill>
+                <a:latin typeface="Consolas" pitchFamily="49" charset="0"/>
+                <a:cs typeface="Consolas" pitchFamily="49" charset="0"/>
+              </a:rPr>
+              <a:t>1</a:t>
+            </a:r>
+            <a:endParaRPr lang="ko-KR" altLang="en-US" sz="2000">
+              <a:solidFill>
+                <a:schemeClr val="tx1"/>
+              </a:solidFill>
+              <a:latin typeface="Consolas" pitchFamily="49" charset="0"/>
+              <a:cs typeface="Consolas" pitchFamily="49" charset="0"/>
+            </a:endParaRPr>
+          </a:p>
+        </p:txBody>
+      </p:sp>
+      <p:sp>
+        <p:nvSpPr>
+          <p:cNvPr id="33" name="직사각형 32">
+            <a:extLst>
+              <a:ext uri="{FF2B5EF4-FFF2-40B4-BE49-F238E27FC236}">
+                <a16:creationId xmlns:a16="http://schemas.microsoft.com/office/drawing/2014/main" id="{6369E257-EE80-4502-B2A3-E04A1E811E97}"/>
+              </a:ext>
+            </a:extLst>
+          </p:cNvPr>
+          <p:cNvSpPr/>
+          <p:nvPr/>
+        </p:nvSpPr>
+        <p:spPr>
+          <a:xfrm>
+            <a:off x="6799732" y="3645024"/>
+            <a:ext cx="288032" cy="432048"/>
+          </a:xfrm>
+          <a:prstGeom prst="rect">
+            <a:avLst/>
+          </a:prstGeom>
+          <a:solidFill>
+            <a:srgbClr val="FFFF00"/>
+          </a:solidFill>
+          <a:ln w="9525"/>
+        </p:spPr>
+        <p:style>
+          <a:lnRef idx="2">
+            <a:schemeClr val="accent1">
+              <a:shade val="50000"/>
+            </a:schemeClr>
+          </a:lnRef>
+          <a:fillRef idx="1">
+            <a:schemeClr val="accent1"/>
+          </a:fillRef>
+          <a:effectRef idx="0">
+            <a:schemeClr val="accent1"/>
+          </a:effectRef>
+          <a:fontRef idx="minor">
+            <a:schemeClr val="lt1"/>
+          </a:fontRef>
+        </p:style>
+        <p:txBody>
+          <a:bodyPr rot="0" spcFirstLastPara="0" vertOverflow="overflow" horzOverflow="overflow" vert="horz" wrap="square" lIns="91440" tIns="45720" rIns="91440" bIns="45720" numCol="1" spcCol="0" rtlCol="0" fromWordArt="0" anchor="ctr" anchorCtr="0" forceAA="0" compatLnSpc="1">
+            <a:prstTxWarp prst="textNoShape">
+              <a:avLst/>
+            </a:prstTxWarp>
+            <a:noAutofit/>
+          </a:bodyPr>
+          <a:lstStyle/>
+          <a:p>
+            <a:pPr algn="ctr"/>
+            <a:r>
+              <a:rPr lang="en-US" altLang="ko-KR" sz="2000">
+                <a:solidFill>
+                  <a:schemeClr val="tx1"/>
+                </a:solidFill>
+                <a:latin typeface="Consolas" pitchFamily="49" charset="0"/>
+                <a:cs typeface="Consolas" pitchFamily="49" charset="0"/>
+              </a:rPr>
+              <a:t>1</a:t>
+            </a:r>
+            <a:endParaRPr lang="ko-KR" altLang="en-US" sz="2000">
+              <a:solidFill>
+                <a:schemeClr val="tx1"/>
+              </a:solidFill>
+              <a:latin typeface="Consolas" pitchFamily="49" charset="0"/>
+              <a:cs typeface="Consolas" pitchFamily="49" charset="0"/>
+            </a:endParaRPr>
+          </a:p>
+        </p:txBody>
+      </p:sp>
+      <p:sp>
+        <p:nvSpPr>
+          <p:cNvPr id="34" name="직사각형 33">
+            <a:extLst>
+              <a:ext uri="{FF2B5EF4-FFF2-40B4-BE49-F238E27FC236}">
+                <a16:creationId xmlns:a16="http://schemas.microsoft.com/office/drawing/2014/main" id="{360E2C97-EFA9-4B4D-8F2A-0092ABA30BC8}"/>
+              </a:ext>
+            </a:extLst>
+          </p:cNvPr>
+          <p:cNvSpPr/>
+          <p:nvPr/>
+        </p:nvSpPr>
+        <p:spPr>
+          <a:xfrm>
+            <a:off x="7087753" y="3645024"/>
+            <a:ext cx="288032" cy="432048"/>
+          </a:xfrm>
+          <a:prstGeom prst="rect">
+            <a:avLst/>
+          </a:prstGeom>
+          <a:solidFill>
+            <a:srgbClr val="FFFF00"/>
+          </a:solidFill>
+          <a:ln w="9525"/>
+        </p:spPr>
+        <p:style>
+          <a:lnRef idx="2">
+            <a:schemeClr val="accent1">
+              <a:shade val="50000"/>
+            </a:schemeClr>
+          </a:lnRef>
+          <a:fillRef idx="1">
+            <a:schemeClr val="accent1"/>
+          </a:fillRef>
+          <a:effectRef idx="0">
+            <a:schemeClr val="accent1"/>
+          </a:effectRef>
+          <a:fontRef idx="minor">
+            <a:schemeClr val="lt1"/>
+          </a:fontRef>
+        </p:style>
+        <p:txBody>
+          <a:bodyPr rot="0" spcFirstLastPara="0" vertOverflow="overflow" horzOverflow="overflow" vert="horz" wrap="square" lIns="91440" tIns="45720" rIns="91440" bIns="45720" numCol="1" spcCol="0" rtlCol="0" fromWordArt="0" anchor="ctr" anchorCtr="0" forceAA="0" compatLnSpc="1">
+            <a:prstTxWarp prst="textNoShape">
+              <a:avLst/>
+            </a:prstTxWarp>
+            <a:noAutofit/>
+          </a:bodyPr>
+          <a:lstStyle/>
+          <a:p>
+            <a:pPr algn="ctr"/>
+            <a:r>
+              <a:rPr lang="en-US" altLang="ko-KR" sz="2000">
+                <a:solidFill>
+                  <a:schemeClr val="tx1"/>
+                </a:solidFill>
+                <a:latin typeface="Consolas" pitchFamily="49" charset="0"/>
+                <a:cs typeface="Consolas" pitchFamily="49" charset="0"/>
+              </a:rPr>
+              <a:t>1</a:t>
+            </a:r>
+            <a:endParaRPr lang="ko-KR" altLang="en-US" sz="2000">
+              <a:solidFill>
+                <a:schemeClr val="tx1"/>
+              </a:solidFill>
+              <a:latin typeface="Consolas" pitchFamily="49" charset="0"/>
+              <a:cs typeface="Consolas" pitchFamily="49" charset="0"/>
+            </a:endParaRPr>
+          </a:p>
+        </p:txBody>
+      </p:sp>
+      <p:sp>
+        <p:nvSpPr>
+          <p:cNvPr id="35" name="직사각형 34">
+            <a:extLst>
+              <a:ext uri="{FF2B5EF4-FFF2-40B4-BE49-F238E27FC236}">
+                <a16:creationId xmlns:a16="http://schemas.microsoft.com/office/drawing/2014/main" id="{888950FD-4D6F-4F1F-BA2C-222C3A0356F2}"/>
+              </a:ext>
+            </a:extLst>
+          </p:cNvPr>
+          <p:cNvSpPr/>
+          <p:nvPr/>
+        </p:nvSpPr>
+        <p:spPr>
+          <a:xfrm>
+            <a:off x="7375774" y="3645024"/>
+            <a:ext cx="288032" cy="432048"/>
+          </a:xfrm>
+          <a:prstGeom prst="rect">
+            <a:avLst/>
+          </a:prstGeom>
+          <a:solidFill>
+            <a:srgbClr val="FFFF00"/>
+          </a:solidFill>
+          <a:ln w="9525"/>
+        </p:spPr>
+        <p:style>
+          <a:lnRef idx="2">
+            <a:schemeClr val="accent1">
+              <a:shade val="50000"/>
+            </a:schemeClr>
+          </a:lnRef>
+          <a:fillRef idx="1">
+            <a:schemeClr val="accent1"/>
+          </a:fillRef>
+          <a:effectRef idx="0">
+            <a:schemeClr val="accent1"/>
+          </a:effectRef>
+          <a:fontRef idx="minor">
+            <a:schemeClr val="lt1"/>
+          </a:fontRef>
+        </p:style>
+        <p:txBody>
+          <a:bodyPr rot="0" spcFirstLastPara="0" vertOverflow="overflow" horzOverflow="overflow" vert="horz" wrap="square" lIns="91440" tIns="45720" rIns="91440" bIns="45720" numCol="1" spcCol="0" rtlCol="0" fromWordArt="0" anchor="ctr" anchorCtr="0" forceAA="0" compatLnSpc="1">
+            <a:prstTxWarp prst="textNoShape">
+              <a:avLst/>
+            </a:prstTxWarp>
+            <a:noAutofit/>
+          </a:bodyPr>
+          <a:lstStyle/>
+          <a:p>
+            <a:pPr algn="ctr"/>
+            <a:r>
+              <a:rPr lang="en-US" altLang="ko-KR" sz="2000">
+                <a:solidFill>
+                  <a:schemeClr val="tx1"/>
+                </a:solidFill>
+                <a:latin typeface="Consolas" pitchFamily="49" charset="0"/>
+                <a:cs typeface="Consolas" pitchFamily="49" charset="0"/>
+              </a:rPr>
+              <a:t>0</a:t>
+            </a:r>
+            <a:endParaRPr lang="ko-KR" altLang="en-US" sz="2000">
+              <a:solidFill>
+                <a:schemeClr val="tx1"/>
+              </a:solidFill>
+              <a:latin typeface="Consolas" pitchFamily="49" charset="0"/>
+              <a:cs typeface="Consolas" pitchFamily="49" charset="0"/>
+            </a:endParaRPr>
+          </a:p>
+        </p:txBody>
+      </p:sp>
+      <p:sp>
+        <p:nvSpPr>
+          <p:cNvPr id="36" name="직사각형 35">
+            <a:extLst>
+              <a:ext uri="{FF2B5EF4-FFF2-40B4-BE49-F238E27FC236}">
+                <a16:creationId xmlns:a16="http://schemas.microsoft.com/office/drawing/2014/main" id="{DC41BD71-5E51-461C-B70D-4CE5BBF74934}"/>
+              </a:ext>
+            </a:extLst>
+          </p:cNvPr>
+          <p:cNvSpPr/>
+          <p:nvPr/>
+        </p:nvSpPr>
+        <p:spPr>
+          <a:xfrm>
+            <a:off x="7663795" y="3645024"/>
+            <a:ext cx="288032" cy="432048"/>
+          </a:xfrm>
+          <a:prstGeom prst="rect">
+            <a:avLst/>
+          </a:prstGeom>
+          <a:solidFill>
+            <a:srgbClr val="FFFF00"/>
+          </a:solidFill>
+          <a:ln w="9525"/>
+        </p:spPr>
+        <p:style>
+          <a:lnRef idx="2">
+            <a:schemeClr val="accent1">
+              <a:shade val="50000"/>
+            </a:schemeClr>
+          </a:lnRef>
+          <a:fillRef idx="1">
+            <a:schemeClr val="accent1"/>
+          </a:fillRef>
+          <a:effectRef idx="0">
+            <a:schemeClr val="accent1"/>
+          </a:effectRef>
+          <a:fontRef idx="minor">
+            <a:schemeClr val="lt1"/>
+          </a:fontRef>
+        </p:style>
+        <p:txBody>
+          <a:bodyPr rot="0" spcFirstLastPara="0" vertOverflow="overflow" horzOverflow="overflow" vert="horz" wrap="square" lIns="91440" tIns="45720" rIns="91440" bIns="45720" numCol="1" spcCol="0" rtlCol="0" fromWordArt="0" anchor="ctr" anchorCtr="0" forceAA="0" compatLnSpc="1">
+            <a:prstTxWarp prst="textNoShape">
+              <a:avLst/>
+            </a:prstTxWarp>
+            <a:noAutofit/>
+          </a:bodyPr>
+          <a:lstStyle/>
+          <a:p>
+            <a:pPr algn="ctr"/>
+            <a:r>
+              <a:rPr lang="en-US" altLang="ko-KR" sz="2000">
+                <a:solidFill>
+                  <a:schemeClr val="tx1"/>
+                </a:solidFill>
+                <a:latin typeface="Consolas" pitchFamily="49" charset="0"/>
+                <a:cs typeface="Consolas" pitchFamily="49" charset="0"/>
+              </a:rPr>
+              <a:t>1</a:t>
+            </a:r>
+            <a:endParaRPr lang="ko-KR" altLang="en-US" sz="2000">
+              <a:solidFill>
+                <a:schemeClr val="tx1"/>
+              </a:solidFill>
+              <a:latin typeface="Consolas" pitchFamily="49" charset="0"/>
+              <a:cs typeface="Consolas" pitchFamily="49" charset="0"/>
+            </a:endParaRPr>
+          </a:p>
+        </p:txBody>
+      </p:sp>
+      <p:sp>
+        <p:nvSpPr>
+          <p:cNvPr id="37" name="직사각형 36">
+            <a:extLst>
+              <a:ext uri="{FF2B5EF4-FFF2-40B4-BE49-F238E27FC236}">
+                <a16:creationId xmlns:a16="http://schemas.microsoft.com/office/drawing/2014/main" id="{6049F5E3-5B59-4B72-8A57-DDA090A2B337}"/>
+              </a:ext>
+            </a:extLst>
+          </p:cNvPr>
+          <p:cNvSpPr/>
+          <p:nvPr/>
+        </p:nvSpPr>
+        <p:spPr>
+          <a:xfrm>
+            <a:off x="7951816" y="3645024"/>
+            <a:ext cx="288032" cy="432048"/>
+          </a:xfrm>
+          <a:prstGeom prst="rect">
+            <a:avLst/>
+          </a:prstGeom>
+          <a:solidFill>
+            <a:srgbClr val="FFFF00"/>
+          </a:solidFill>
+          <a:ln w="9525"/>
+        </p:spPr>
+        <p:style>
+          <a:lnRef idx="2">
+            <a:schemeClr val="accent1">
+              <a:shade val="50000"/>
+            </a:schemeClr>
+          </a:lnRef>
+          <a:fillRef idx="1">
+            <a:schemeClr val="accent1"/>
+          </a:fillRef>
+          <a:effectRef idx="0">
+            <a:schemeClr val="accent1"/>
+          </a:effectRef>
+          <a:fontRef idx="minor">
+            <a:schemeClr val="lt1"/>
+          </a:fontRef>
+        </p:style>
+        <p:txBody>
+          <a:bodyPr rot="0" spcFirstLastPara="0" vertOverflow="overflow" horzOverflow="overflow" vert="horz" wrap="square" lIns="91440" tIns="45720" rIns="91440" bIns="45720" numCol="1" spcCol="0" rtlCol="0" fromWordArt="0" anchor="ctr" anchorCtr="0" forceAA="0" compatLnSpc="1">
+            <a:prstTxWarp prst="textNoShape">
+              <a:avLst/>
+            </a:prstTxWarp>
+            <a:noAutofit/>
+          </a:bodyPr>
+          <a:lstStyle/>
+          <a:p>
+            <a:pPr algn="ctr"/>
+            <a:r>
+              <a:rPr lang="en-US" altLang="ko-KR" sz="2000">
+                <a:solidFill>
+                  <a:schemeClr val="tx1"/>
+                </a:solidFill>
+                <a:latin typeface="Consolas" pitchFamily="49" charset="0"/>
+                <a:cs typeface="Consolas" pitchFamily="49" charset="0"/>
+              </a:rPr>
+              <a:t>1</a:t>
+            </a:r>
+            <a:endParaRPr lang="ko-KR" altLang="en-US" sz="2000">
+              <a:solidFill>
+                <a:schemeClr val="tx1"/>
+              </a:solidFill>
+              <a:latin typeface="Consolas" pitchFamily="49" charset="0"/>
+              <a:cs typeface="Consolas" pitchFamily="49" charset="0"/>
+            </a:endParaRPr>
+          </a:p>
+        </p:txBody>
+      </p:sp>
+      <p:sp>
+        <p:nvSpPr>
+          <p:cNvPr id="38" name="직사각형 37">
+            <a:extLst>
+              <a:ext uri="{FF2B5EF4-FFF2-40B4-BE49-F238E27FC236}">
+                <a16:creationId xmlns:a16="http://schemas.microsoft.com/office/drawing/2014/main" id="{79529483-6896-4913-940C-1D1E57496A0F}"/>
+              </a:ext>
+            </a:extLst>
+          </p:cNvPr>
+          <p:cNvSpPr/>
+          <p:nvPr/>
+        </p:nvSpPr>
+        <p:spPr>
+          <a:xfrm>
+            <a:off x="8239837" y="3645024"/>
+            <a:ext cx="288032" cy="432048"/>
+          </a:xfrm>
+          <a:prstGeom prst="rect">
+            <a:avLst/>
+          </a:prstGeom>
+          <a:solidFill>
+            <a:srgbClr val="FFFF00"/>
+          </a:solidFill>
+          <a:ln w="9525"/>
+        </p:spPr>
+        <p:style>
+          <a:lnRef idx="2">
+            <a:schemeClr val="accent1">
+              <a:shade val="50000"/>
+            </a:schemeClr>
+          </a:lnRef>
+          <a:fillRef idx="1">
+            <a:schemeClr val="accent1"/>
+          </a:fillRef>
+          <a:effectRef idx="0">
+            <a:schemeClr val="accent1"/>
+          </a:effectRef>
+          <a:fontRef idx="minor">
+            <a:schemeClr val="lt1"/>
+          </a:fontRef>
+        </p:style>
+        <p:txBody>
+          <a:bodyPr rot="0" spcFirstLastPara="0" vertOverflow="overflow" horzOverflow="overflow" vert="horz" wrap="square" lIns="91440" tIns="45720" rIns="91440" bIns="45720" numCol="1" spcCol="0" rtlCol="0" fromWordArt="0" anchor="ctr" anchorCtr="0" forceAA="0" compatLnSpc="1">
+            <a:prstTxWarp prst="textNoShape">
+              <a:avLst/>
+            </a:prstTxWarp>
+            <a:noAutofit/>
+          </a:bodyPr>
+          <a:lstStyle/>
+          <a:p>
+            <a:pPr algn="ctr"/>
+            <a:r>
+              <a:rPr lang="en-US" altLang="ko-KR" sz="2000">
+                <a:solidFill>
+                  <a:schemeClr val="tx1"/>
+                </a:solidFill>
+                <a:latin typeface="Consolas" pitchFamily="49" charset="0"/>
+                <a:cs typeface="Consolas" pitchFamily="49" charset="0"/>
+              </a:rPr>
+              <a:t>1</a:t>
+            </a:r>
+            <a:endParaRPr lang="ko-KR" altLang="en-US" sz="2000">
+              <a:solidFill>
+                <a:schemeClr val="tx1"/>
+              </a:solidFill>
+              <a:latin typeface="Consolas" pitchFamily="49" charset="0"/>
+              <a:cs typeface="Consolas" pitchFamily="49" charset="0"/>
+            </a:endParaRPr>
+          </a:p>
+        </p:txBody>
+      </p:sp>
+      <p:sp>
+        <p:nvSpPr>
+          <p:cNvPr id="39" name="직사각형 38">
+            <a:extLst>
+              <a:ext uri="{FF2B5EF4-FFF2-40B4-BE49-F238E27FC236}">
+                <a16:creationId xmlns:a16="http://schemas.microsoft.com/office/drawing/2014/main" id="{044A49E9-18C1-4685-9B13-771B8644CB8A}"/>
+              </a:ext>
+            </a:extLst>
+          </p:cNvPr>
+          <p:cNvSpPr/>
+          <p:nvPr/>
+        </p:nvSpPr>
+        <p:spPr>
+          <a:xfrm>
+            <a:off x="8527847" y="3645024"/>
+            <a:ext cx="288032" cy="432048"/>
+          </a:xfrm>
+          <a:prstGeom prst="rect">
+            <a:avLst/>
+          </a:prstGeom>
+          <a:solidFill>
+            <a:srgbClr val="FFFF00"/>
+          </a:solidFill>
+          <a:ln w="9525"/>
+        </p:spPr>
+        <p:style>
+          <a:lnRef idx="2">
+            <a:schemeClr val="accent1">
+              <a:shade val="50000"/>
+            </a:schemeClr>
+          </a:lnRef>
+          <a:fillRef idx="1">
+            <a:schemeClr val="accent1"/>
+          </a:fillRef>
+          <a:effectRef idx="0">
+            <a:schemeClr val="accent1"/>
+          </a:effectRef>
+          <a:fontRef idx="minor">
+            <a:schemeClr val="lt1"/>
+          </a:fontRef>
+        </p:style>
+        <p:txBody>
+          <a:bodyPr rot="0" spcFirstLastPara="0" vertOverflow="overflow" horzOverflow="overflow" vert="horz" wrap="square" lIns="91440" tIns="45720" rIns="91440" bIns="45720" numCol="1" spcCol="0" rtlCol="0" fromWordArt="0" anchor="ctr" anchorCtr="0" forceAA="0" compatLnSpc="1">
+            <a:prstTxWarp prst="textNoShape">
+              <a:avLst/>
+            </a:prstTxWarp>
+            <a:noAutofit/>
+          </a:bodyPr>
+          <a:lstStyle/>
+          <a:p>
+            <a:pPr algn="ctr"/>
+            <a:r>
+              <a:rPr lang="en-US" altLang="ko-KR" sz="2000">
+                <a:solidFill>
+                  <a:schemeClr val="tx1"/>
+                </a:solidFill>
+                <a:latin typeface="Consolas" pitchFamily="49" charset="0"/>
+                <a:cs typeface="Consolas" pitchFamily="49" charset="0"/>
+              </a:rPr>
+              <a:t>1</a:t>
+            </a:r>
+            <a:endParaRPr lang="ko-KR" altLang="en-US" sz="2000">
+              <a:solidFill>
+                <a:schemeClr val="tx1"/>
+              </a:solidFill>
+              <a:latin typeface="Consolas" pitchFamily="49" charset="0"/>
+              <a:cs typeface="Consolas" pitchFamily="49" charset="0"/>
+            </a:endParaRPr>
+          </a:p>
+        </p:txBody>
+      </p:sp>
+      <p:sp>
+        <p:nvSpPr>
+          <p:cNvPr id="40" name="TextBox 39">
+            <a:extLst>
+              <a:ext uri="{FF2B5EF4-FFF2-40B4-BE49-F238E27FC236}">
+                <a16:creationId xmlns:a16="http://schemas.microsoft.com/office/drawing/2014/main" id="{1A52DC57-E4A7-4CE4-A288-5D01D3234246}"/>
+              </a:ext>
+            </a:extLst>
+          </p:cNvPr>
+          <p:cNvSpPr txBox="1"/>
+          <p:nvPr/>
+        </p:nvSpPr>
+        <p:spPr>
+          <a:xfrm>
+            <a:off x="5508104" y="3645024"/>
+            <a:ext cx="1031051" cy="400110"/>
+          </a:xfrm>
+          <a:prstGeom prst="rect">
+            <a:avLst/>
+          </a:prstGeom>
+          <a:noFill/>
+        </p:spPr>
+        <p:txBody>
+          <a:bodyPr wrap="none" rtlCol="0">
+            <a:spAutoFit/>
+          </a:bodyPr>
+          <a:lstStyle/>
+          <a:p>
+            <a:r>
+              <a:rPr lang="en-US" altLang="ko-KR" sz="2000">
+                <a:latin typeface="Consolas" pitchFamily="49" charset="0"/>
+                <a:cs typeface="Consolas" pitchFamily="49" charset="0"/>
+              </a:rPr>
+              <a:t>S['o']</a:t>
+            </a:r>
+            <a:endParaRPr lang="ko-KR" altLang="en-US" sz="2000">
+              <a:latin typeface="Consolas" pitchFamily="49" charset="0"/>
+              <a:cs typeface="Consolas" pitchFamily="49" charset="0"/>
+            </a:endParaRPr>
+          </a:p>
+        </p:txBody>
+      </p:sp>
+      <p:sp>
+        <p:nvSpPr>
+          <p:cNvPr id="41" name="직사각형 40">
+            <a:extLst>
+              <a:ext uri="{FF2B5EF4-FFF2-40B4-BE49-F238E27FC236}">
+                <a16:creationId xmlns:a16="http://schemas.microsoft.com/office/drawing/2014/main" id="{5890CC64-F9AE-44D0-935D-BF10F1616B37}"/>
+              </a:ext>
+            </a:extLst>
+          </p:cNvPr>
+          <p:cNvSpPr/>
+          <p:nvPr/>
+        </p:nvSpPr>
+        <p:spPr>
+          <a:xfrm>
+            <a:off x="6511711" y="4653136"/>
+            <a:ext cx="288032" cy="432048"/>
+          </a:xfrm>
+          <a:prstGeom prst="rect">
+            <a:avLst/>
+          </a:prstGeom>
+          <a:solidFill>
+            <a:srgbClr val="FFFF00"/>
+          </a:solidFill>
+          <a:ln w="9525"/>
+        </p:spPr>
+        <p:style>
+          <a:lnRef idx="2">
+            <a:schemeClr val="accent1">
+              <a:shade val="50000"/>
+            </a:schemeClr>
+          </a:lnRef>
+          <a:fillRef idx="1">
+            <a:schemeClr val="accent1"/>
+          </a:fillRef>
+          <a:effectRef idx="0">
+            <a:schemeClr val="accent1"/>
+          </a:effectRef>
+          <a:fontRef idx="minor">
+            <a:schemeClr val="lt1"/>
+          </a:fontRef>
+        </p:style>
+        <p:txBody>
+          <a:bodyPr rot="0" spcFirstLastPara="0" vertOverflow="overflow" horzOverflow="overflow" vert="horz" wrap="square" lIns="91440" tIns="45720" rIns="91440" bIns="45720" numCol="1" spcCol="0" rtlCol="0" fromWordArt="0" anchor="ctr" anchorCtr="0" forceAA="0" compatLnSpc="1">
+            <a:prstTxWarp prst="textNoShape">
+              <a:avLst/>
+            </a:prstTxWarp>
+            <a:noAutofit/>
+          </a:bodyPr>
+          <a:lstStyle/>
+          <a:p>
+            <a:pPr algn="ctr"/>
+            <a:r>
+              <a:rPr lang="en-US" altLang="ko-KR" sz="2000">
+                <a:solidFill>
+                  <a:schemeClr val="tx1"/>
+                </a:solidFill>
+                <a:latin typeface="Consolas" pitchFamily="49" charset="0"/>
+                <a:cs typeface="Consolas" pitchFamily="49" charset="0"/>
+              </a:rPr>
+              <a:t>1</a:t>
+            </a:r>
+            <a:endParaRPr lang="ko-KR" altLang="en-US" sz="2000">
+              <a:solidFill>
+                <a:schemeClr val="tx1"/>
+              </a:solidFill>
+              <a:latin typeface="Consolas" pitchFamily="49" charset="0"/>
+              <a:cs typeface="Consolas" pitchFamily="49" charset="0"/>
+            </a:endParaRPr>
+          </a:p>
+        </p:txBody>
+      </p:sp>
+      <p:sp>
+        <p:nvSpPr>
+          <p:cNvPr id="42" name="직사각형 41">
+            <a:extLst>
+              <a:ext uri="{FF2B5EF4-FFF2-40B4-BE49-F238E27FC236}">
+                <a16:creationId xmlns:a16="http://schemas.microsoft.com/office/drawing/2014/main" id="{1411E66B-CE39-46F1-948E-456F7490257E}"/>
+              </a:ext>
+            </a:extLst>
+          </p:cNvPr>
+          <p:cNvSpPr/>
+          <p:nvPr/>
+        </p:nvSpPr>
+        <p:spPr>
+          <a:xfrm>
+            <a:off x="6799732" y="4653136"/>
+            <a:ext cx="288032" cy="432048"/>
+          </a:xfrm>
+          <a:prstGeom prst="rect">
+            <a:avLst/>
+          </a:prstGeom>
+          <a:solidFill>
+            <a:srgbClr val="FFFF00"/>
+          </a:solidFill>
+          <a:ln w="9525"/>
+        </p:spPr>
+        <p:style>
+          <a:lnRef idx="2">
+            <a:schemeClr val="accent1">
+              <a:shade val="50000"/>
+            </a:schemeClr>
+          </a:lnRef>
+          <a:fillRef idx="1">
+            <a:schemeClr val="accent1"/>
+          </a:fillRef>
+          <a:effectRef idx="0">
+            <a:schemeClr val="accent1"/>
+          </a:effectRef>
+          <a:fontRef idx="minor">
+            <a:schemeClr val="lt1"/>
+          </a:fontRef>
+        </p:style>
+        <p:txBody>
+          <a:bodyPr rot="0" spcFirstLastPara="0" vertOverflow="overflow" horzOverflow="overflow" vert="horz" wrap="square" lIns="91440" tIns="45720" rIns="91440" bIns="45720" numCol="1" spcCol="0" rtlCol="0" fromWordArt="0" anchor="ctr" anchorCtr="0" forceAA="0" compatLnSpc="1">
+            <a:prstTxWarp prst="textNoShape">
+              <a:avLst/>
+            </a:prstTxWarp>
+            <a:noAutofit/>
+          </a:bodyPr>
+          <a:lstStyle/>
+          <a:p>
+            <a:pPr algn="ctr"/>
+            <a:r>
+              <a:rPr lang="en-US" altLang="ko-KR" sz="2000">
+                <a:solidFill>
+                  <a:schemeClr val="tx1"/>
+                </a:solidFill>
+                <a:latin typeface="Consolas" pitchFamily="49" charset="0"/>
+                <a:cs typeface="Consolas" pitchFamily="49" charset="0"/>
+              </a:rPr>
+              <a:t>1</a:t>
+            </a:r>
+            <a:endParaRPr lang="ko-KR" altLang="en-US" sz="2000">
+              <a:solidFill>
+                <a:schemeClr val="tx1"/>
+              </a:solidFill>
+              <a:latin typeface="Consolas" pitchFamily="49" charset="0"/>
+              <a:cs typeface="Consolas" pitchFamily="49" charset="0"/>
+            </a:endParaRPr>
+          </a:p>
+        </p:txBody>
+      </p:sp>
+      <p:sp>
+        <p:nvSpPr>
+          <p:cNvPr id="43" name="직사각형 42">
+            <a:extLst>
+              <a:ext uri="{FF2B5EF4-FFF2-40B4-BE49-F238E27FC236}">
+                <a16:creationId xmlns:a16="http://schemas.microsoft.com/office/drawing/2014/main" id="{6DBB01DB-CE5E-4B50-A61A-A646CCD061FB}"/>
+              </a:ext>
+            </a:extLst>
+          </p:cNvPr>
+          <p:cNvSpPr/>
+          <p:nvPr/>
+        </p:nvSpPr>
+        <p:spPr>
+          <a:xfrm>
+            <a:off x="7087753" y="4653136"/>
+            <a:ext cx="288032" cy="432048"/>
+          </a:xfrm>
+          <a:prstGeom prst="rect">
+            <a:avLst/>
+          </a:prstGeom>
+          <a:solidFill>
+            <a:srgbClr val="FFFF00"/>
+          </a:solidFill>
+          <a:ln w="9525"/>
+        </p:spPr>
+        <p:style>
+          <a:lnRef idx="2">
+            <a:schemeClr val="accent1">
+              <a:shade val="50000"/>
+            </a:schemeClr>
+          </a:lnRef>
+          <a:fillRef idx="1">
+            <a:schemeClr val="accent1"/>
+          </a:fillRef>
+          <a:effectRef idx="0">
+            <a:schemeClr val="accent1"/>
+          </a:effectRef>
+          <a:fontRef idx="minor">
+            <a:schemeClr val="lt1"/>
+          </a:fontRef>
+        </p:style>
+        <p:txBody>
+          <a:bodyPr rot="0" spcFirstLastPara="0" vertOverflow="overflow" horzOverflow="overflow" vert="horz" wrap="square" lIns="91440" tIns="45720" rIns="91440" bIns="45720" numCol="1" spcCol="0" rtlCol="0" fromWordArt="0" anchor="ctr" anchorCtr="0" forceAA="0" compatLnSpc="1">
+            <a:prstTxWarp prst="textNoShape">
+              <a:avLst/>
+            </a:prstTxWarp>
+            <a:noAutofit/>
+          </a:bodyPr>
+          <a:lstStyle/>
+          <a:p>
+            <a:pPr algn="ctr"/>
+            <a:r>
+              <a:rPr lang="en-US" altLang="ko-KR" sz="2000">
+                <a:solidFill>
+                  <a:schemeClr val="tx1"/>
+                </a:solidFill>
+                <a:latin typeface="Consolas" pitchFamily="49" charset="0"/>
+                <a:cs typeface="Consolas" pitchFamily="49" charset="0"/>
+              </a:rPr>
+              <a:t>1</a:t>
+            </a:r>
+            <a:endParaRPr lang="ko-KR" altLang="en-US" sz="2000">
+              <a:solidFill>
+                <a:schemeClr val="tx1"/>
+              </a:solidFill>
+              <a:latin typeface="Consolas" pitchFamily="49" charset="0"/>
+              <a:cs typeface="Consolas" pitchFamily="49" charset="0"/>
+            </a:endParaRPr>
+          </a:p>
+        </p:txBody>
+      </p:sp>
+      <p:sp>
+        <p:nvSpPr>
+          <p:cNvPr id="44" name="직사각형 43">
+            <a:extLst>
+              <a:ext uri="{FF2B5EF4-FFF2-40B4-BE49-F238E27FC236}">
+                <a16:creationId xmlns:a16="http://schemas.microsoft.com/office/drawing/2014/main" id="{B14AF951-2B79-470F-AA87-CF17681B7BFF}"/>
+              </a:ext>
+            </a:extLst>
+          </p:cNvPr>
+          <p:cNvSpPr/>
+          <p:nvPr/>
+        </p:nvSpPr>
+        <p:spPr>
+          <a:xfrm>
+            <a:off x="7375774" y="4653136"/>
+            <a:ext cx="288032" cy="432048"/>
+          </a:xfrm>
+          <a:prstGeom prst="rect">
+            <a:avLst/>
+          </a:prstGeom>
+          <a:solidFill>
+            <a:srgbClr val="FFFF00"/>
+          </a:solidFill>
+          <a:ln w="9525"/>
+        </p:spPr>
+        <p:style>
+          <a:lnRef idx="2">
+            <a:schemeClr val="accent1">
+              <a:shade val="50000"/>
+            </a:schemeClr>
+          </a:lnRef>
+          <a:fillRef idx="1">
+            <a:schemeClr val="accent1"/>
+          </a:fillRef>
+          <a:effectRef idx="0">
+            <a:schemeClr val="accent1"/>
+          </a:effectRef>
+          <a:fontRef idx="minor">
+            <a:schemeClr val="lt1"/>
+          </a:fontRef>
+        </p:style>
+        <p:txBody>
+          <a:bodyPr rot="0" spcFirstLastPara="0" vertOverflow="overflow" horzOverflow="overflow" vert="horz" wrap="square" lIns="91440" tIns="45720" rIns="91440" bIns="45720" numCol="1" spcCol="0" rtlCol="0" fromWordArt="0" anchor="ctr" anchorCtr="0" forceAA="0" compatLnSpc="1">
+            <a:prstTxWarp prst="textNoShape">
+              <a:avLst/>
+            </a:prstTxWarp>
+            <a:noAutofit/>
+          </a:bodyPr>
+          <a:lstStyle/>
+          <a:p>
+            <a:pPr algn="ctr"/>
+            <a:r>
+              <a:rPr lang="en-US" altLang="ko-KR" sz="2000">
+                <a:solidFill>
+                  <a:schemeClr val="tx1"/>
+                </a:solidFill>
+                <a:latin typeface="Consolas" pitchFamily="49" charset="0"/>
+                <a:cs typeface="Consolas" pitchFamily="49" charset="0"/>
+              </a:rPr>
+              <a:t>1</a:t>
+            </a:r>
+            <a:endParaRPr lang="ko-KR" altLang="en-US" sz="2000">
+              <a:solidFill>
+                <a:schemeClr val="tx1"/>
+              </a:solidFill>
+              <a:latin typeface="Consolas" pitchFamily="49" charset="0"/>
+              <a:cs typeface="Consolas" pitchFamily="49" charset="0"/>
+            </a:endParaRPr>
+          </a:p>
+        </p:txBody>
+      </p:sp>
+      <p:sp>
+        <p:nvSpPr>
+          <p:cNvPr id="45" name="직사각형 44">
+            <a:extLst>
+              <a:ext uri="{FF2B5EF4-FFF2-40B4-BE49-F238E27FC236}">
+                <a16:creationId xmlns:a16="http://schemas.microsoft.com/office/drawing/2014/main" id="{3718559E-52A8-44BB-931A-EF5956351312}"/>
+              </a:ext>
+            </a:extLst>
+          </p:cNvPr>
+          <p:cNvSpPr/>
+          <p:nvPr/>
+        </p:nvSpPr>
+        <p:spPr>
+          <a:xfrm>
+            <a:off x="7663795" y="4653136"/>
+            <a:ext cx="288032" cy="432048"/>
+          </a:xfrm>
+          <a:prstGeom prst="rect">
+            <a:avLst/>
+          </a:prstGeom>
+          <a:solidFill>
+            <a:srgbClr val="FFFF00"/>
+          </a:solidFill>
+          <a:ln w="9525"/>
+        </p:spPr>
+        <p:style>
+          <a:lnRef idx="2">
+            <a:schemeClr val="accent1">
+              <a:shade val="50000"/>
+            </a:schemeClr>
+          </a:lnRef>
+          <a:fillRef idx="1">
+            <a:schemeClr val="accent1"/>
+          </a:fillRef>
+          <a:effectRef idx="0">
+            <a:schemeClr val="accent1"/>
+          </a:effectRef>
+          <a:fontRef idx="minor">
+            <a:schemeClr val="lt1"/>
+          </a:fontRef>
+        </p:style>
+        <p:txBody>
+          <a:bodyPr rot="0" spcFirstLastPara="0" vertOverflow="overflow" horzOverflow="overflow" vert="horz" wrap="square" lIns="91440" tIns="45720" rIns="91440" bIns="45720" numCol="1" spcCol="0" rtlCol="0" fromWordArt="0" anchor="ctr" anchorCtr="0" forceAA="0" compatLnSpc="1">
+            <a:prstTxWarp prst="textNoShape">
+              <a:avLst/>
+            </a:prstTxWarp>
+            <a:noAutofit/>
+          </a:bodyPr>
+          <a:lstStyle/>
+          <a:p>
+            <a:pPr algn="ctr"/>
+            <a:r>
+              <a:rPr lang="en-US" altLang="ko-KR" sz="2000">
+                <a:solidFill>
+                  <a:schemeClr val="tx1"/>
+                </a:solidFill>
+                <a:latin typeface="Consolas" pitchFamily="49" charset="0"/>
+                <a:cs typeface="Consolas" pitchFamily="49" charset="0"/>
+              </a:rPr>
+              <a:t>0</a:t>
+            </a:r>
+            <a:endParaRPr lang="ko-KR" altLang="en-US" sz="2000">
+              <a:solidFill>
+                <a:schemeClr val="tx1"/>
+              </a:solidFill>
+              <a:latin typeface="Consolas" pitchFamily="49" charset="0"/>
+              <a:cs typeface="Consolas" pitchFamily="49" charset="0"/>
+            </a:endParaRPr>
+          </a:p>
+        </p:txBody>
+      </p:sp>
+      <p:sp>
+        <p:nvSpPr>
+          <p:cNvPr id="46" name="직사각형 45">
+            <a:extLst>
+              <a:ext uri="{FF2B5EF4-FFF2-40B4-BE49-F238E27FC236}">
+                <a16:creationId xmlns:a16="http://schemas.microsoft.com/office/drawing/2014/main" id="{685B493B-23E4-44E6-8D91-17B88B3E9286}"/>
+              </a:ext>
+            </a:extLst>
+          </p:cNvPr>
+          <p:cNvSpPr/>
+          <p:nvPr/>
+        </p:nvSpPr>
+        <p:spPr>
+          <a:xfrm>
+            <a:off x="7951816" y="4653136"/>
+            <a:ext cx="288032" cy="432048"/>
+          </a:xfrm>
+          <a:prstGeom prst="rect">
+            <a:avLst/>
+          </a:prstGeom>
+          <a:solidFill>
+            <a:srgbClr val="FFFF00"/>
+          </a:solidFill>
+          <a:ln w="9525"/>
+        </p:spPr>
+        <p:style>
+          <a:lnRef idx="2">
+            <a:schemeClr val="accent1">
+              <a:shade val="50000"/>
+            </a:schemeClr>
+          </a:lnRef>
+          <a:fillRef idx="1">
+            <a:schemeClr val="accent1"/>
+          </a:fillRef>
+          <a:effectRef idx="0">
+            <a:schemeClr val="accent1"/>
+          </a:effectRef>
+          <a:fontRef idx="minor">
+            <a:schemeClr val="lt1"/>
+          </a:fontRef>
+        </p:style>
+        <p:txBody>
+          <a:bodyPr rot="0" spcFirstLastPara="0" vertOverflow="overflow" horzOverflow="overflow" vert="horz" wrap="square" lIns="91440" tIns="45720" rIns="91440" bIns="45720" numCol="1" spcCol="0" rtlCol="0" fromWordArt="0" anchor="ctr" anchorCtr="0" forceAA="0" compatLnSpc="1">
+            <a:prstTxWarp prst="textNoShape">
+              <a:avLst/>
+            </a:prstTxWarp>
+            <a:noAutofit/>
+          </a:bodyPr>
+          <a:lstStyle/>
+          <a:p>
+            <a:pPr algn="ctr"/>
+            <a:r>
+              <a:rPr lang="en-US" altLang="ko-KR" sz="2000">
+                <a:solidFill>
+                  <a:schemeClr val="tx1"/>
+                </a:solidFill>
+                <a:latin typeface="Consolas" pitchFamily="49" charset="0"/>
+                <a:cs typeface="Consolas" pitchFamily="49" charset="0"/>
+              </a:rPr>
+              <a:t>0</a:t>
+            </a:r>
+            <a:endParaRPr lang="ko-KR" altLang="en-US" sz="2000">
+              <a:solidFill>
+                <a:schemeClr val="tx1"/>
+              </a:solidFill>
+              <a:latin typeface="Consolas" pitchFamily="49" charset="0"/>
+              <a:cs typeface="Consolas" pitchFamily="49" charset="0"/>
+            </a:endParaRPr>
+          </a:p>
+        </p:txBody>
+      </p:sp>
+      <p:sp>
+        <p:nvSpPr>
+          <p:cNvPr id="47" name="직사각형 46">
+            <a:extLst>
+              <a:ext uri="{FF2B5EF4-FFF2-40B4-BE49-F238E27FC236}">
+                <a16:creationId xmlns:a16="http://schemas.microsoft.com/office/drawing/2014/main" id="{CEB58EA8-1902-4E6F-9289-7872492116D6}"/>
+              </a:ext>
+            </a:extLst>
+          </p:cNvPr>
+          <p:cNvSpPr/>
+          <p:nvPr/>
+        </p:nvSpPr>
+        <p:spPr>
+          <a:xfrm>
+            <a:off x="8239837" y="4653136"/>
+            <a:ext cx="288032" cy="432048"/>
+          </a:xfrm>
+          <a:prstGeom prst="rect">
+            <a:avLst/>
+          </a:prstGeom>
+          <a:solidFill>
+            <a:srgbClr val="FFFF00"/>
+          </a:solidFill>
+          <a:ln w="9525"/>
+        </p:spPr>
+        <p:style>
+          <a:lnRef idx="2">
+            <a:schemeClr val="accent1">
+              <a:shade val="50000"/>
+            </a:schemeClr>
+          </a:lnRef>
+          <a:fillRef idx="1">
+            <a:schemeClr val="accent1"/>
+          </a:fillRef>
+          <a:effectRef idx="0">
+            <a:schemeClr val="accent1"/>
+          </a:effectRef>
+          <a:fontRef idx="minor">
+            <a:schemeClr val="lt1"/>
+          </a:fontRef>
+        </p:style>
+        <p:txBody>
+          <a:bodyPr rot="0" spcFirstLastPara="0" vertOverflow="overflow" horzOverflow="overflow" vert="horz" wrap="square" lIns="91440" tIns="45720" rIns="91440" bIns="45720" numCol="1" spcCol="0" rtlCol="0" fromWordArt="0" anchor="ctr" anchorCtr="0" forceAA="0" compatLnSpc="1">
+            <a:prstTxWarp prst="textNoShape">
+              <a:avLst/>
+            </a:prstTxWarp>
+            <a:noAutofit/>
+          </a:bodyPr>
+          <a:lstStyle/>
+          <a:p>
+            <a:pPr algn="ctr"/>
+            <a:r>
+              <a:rPr lang="en-US" altLang="ko-KR" sz="2000">
+                <a:solidFill>
+                  <a:schemeClr val="tx1"/>
+                </a:solidFill>
+                <a:latin typeface="Consolas" pitchFamily="49" charset="0"/>
+                <a:cs typeface="Consolas" pitchFamily="49" charset="0"/>
+              </a:rPr>
+              <a:t>0</a:t>
+            </a:r>
+            <a:endParaRPr lang="ko-KR" altLang="en-US" sz="2000">
+              <a:solidFill>
+                <a:schemeClr val="tx1"/>
+              </a:solidFill>
+              <a:latin typeface="Consolas" pitchFamily="49" charset="0"/>
+              <a:cs typeface="Consolas" pitchFamily="49" charset="0"/>
+            </a:endParaRPr>
+          </a:p>
+        </p:txBody>
+      </p:sp>
+      <p:sp>
+        <p:nvSpPr>
+          <p:cNvPr id="48" name="직사각형 47">
+            <a:extLst>
+              <a:ext uri="{FF2B5EF4-FFF2-40B4-BE49-F238E27FC236}">
+                <a16:creationId xmlns:a16="http://schemas.microsoft.com/office/drawing/2014/main" id="{5C7CA1F4-E181-496B-812E-82FA9ABFE8D0}"/>
+              </a:ext>
+            </a:extLst>
+          </p:cNvPr>
+          <p:cNvSpPr/>
+          <p:nvPr/>
+        </p:nvSpPr>
+        <p:spPr>
+          <a:xfrm>
+            <a:off x="8527847" y="4653136"/>
+            <a:ext cx="288032" cy="432048"/>
+          </a:xfrm>
+          <a:prstGeom prst="rect">
+            <a:avLst/>
+          </a:prstGeom>
+          <a:solidFill>
+            <a:srgbClr val="FFFF00"/>
+          </a:solidFill>
+          <a:ln w="9525"/>
+        </p:spPr>
+        <p:style>
+          <a:lnRef idx="2">
+            <a:schemeClr val="accent1">
+              <a:shade val="50000"/>
+            </a:schemeClr>
+          </a:lnRef>
+          <a:fillRef idx="1">
+            <a:schemeClr val="accent1"/>
+          </a:fillRef>
+          <a:effectRef idx="0">
+            <a:schemeClr val="accent1"/>
+          </a:effectRef>
+          <a:fontRef idx="minor">
+            <a:schemeClr val="lt1"/>
+          </a:fontRef>
+        </p:style>
+        <p:txBody>
+          <a:bodyPr rot="0" spcFirstLastPara="0" vertOverflow="overflow" horzOverflow="overflow" vert="horz" wrap="square" lIns="91440" tIns="45720" rIns="91440" bIns="45720" numCol="1" spcCol="0" rtlCol="0" fromWordArt="0" anchor="ctr" anchorCtr="0" forceAA="0" compatLnSpc="1">
+            <a:prstTxWarp prst="textNoShape">
+              <a:avLst/>
+            </a:prstTxWarp>
+            <a:noAutofit/>
+          </a:bodyPr>
+          <a:lstStyle/>
+          <a:p>
+            <a:pPr algn="ctr"/>
+            <a:r>
+              <a:rPr lang="en-US" altLang="ko-KR" sz="2000">
+                <a:solidFill>
+                  <a:schemeClr val="tx1"/>
+                </a:solidFill>
+                <a:latin typeface="Consolas" pitchFamily="49" charset="0"/>
+                <a:cs typeface="Consolas" pitchFamily="49" charset="0"/>
+              </a:rPr>
+              <a:t>0</a:t>
+            </a:r>
+            <a:endParaRPr lang="ko-KR" altLang="en-US" sz="2000">
+              <a:solidFill>
+                <a:schemeClr val="tx1"/>
+              </a:solidFill>
+              <a:latin typeface="Consolas" pitchFamily="49" charset="0"/>
+              <a:cs typeface="Consolas" pitchFamily="49" charset="0"/>
+            </a:endParaRPr>
+          </a:p>
+        </p:txBody>
+      </p:sp>
+      <p:sp>
+        <p:nvSpPr>
+          <p:cNvPr id="49" name="TextBox 48">
+            <a:extLst>
+              <a:ext uri="{FF2B5EF4-FFF2-40B4-BE49-F238E27FC236}">
+                <a16:creationId xmlns:a16="http://schemas.microsoft.com/office/drawing/2014/main" id="{E3659097-82A1-4643-A254-7CC0C6EA7F5D}"/>
+              </a:ext>
+            </a:extLst>
+          </p:cNvPr>
+          <p:cNvSpPr txBox="1"/>
+          <p:nvPr/>
+        </p:nvSpPr>
+        <p:spPr>
+          <a:xfrm>
+            <a:off x="5908357" y="4653136"/>
+            <a:ext cx="607859" cy="400110"/>
+          </a:xfrm>
+          <a:prstGeom prst="rect">
+            <a:avLst/>
+          </a:prstGeom>
+          <a:noFill/>
+        </p:spPr>
+        <p:txBody>
+          <a:bodyPr wrap="none" rtlCol="0">
+            <a:spAutoFit/>
+          </a:bodyPr>
+          <a:lstStyle/>
+          <a:p>
+            <a:r>
+              <a:rPr lang="en-US" altLang="ko-KR" sz="2000">
+                <a:latin typeface="Consolas" pitchFamily="49" charset="0"/>
+                <a:cs typeface="Consolas" pitchFamily="49" charset="0"/>
+              </a:rPr>
+              <a:t>lim</a:t>
+            </a:r>
+            <a:endParaRPr lang="ko-KR" altLang="en-US" sz="2000">
+              <a:latin typeface="Consolas" pitchFamily="49" charset="0"/>
+              <a:cs typeface="Consolas" pitchFamily="49" charset="0"/>
+            </a:endParaRPr>
+          </a:p>
+        </p:txBody>
+      </p:sp>
+    </p:spTree>
+    <p:extLst>
+      <p:ext uri="{BB962C8B-B14F-4D97-AF65-F5344CB8AC3E}">
+        <p14:creationId xmlns:p14="http://schemas.microsoft.com/office/powerpoint/2010/main" val="3090053437"/>
+      </p:ext>
+    </p:extLst>
+  </p:cSld>
+  <p:clrMapOvr>
+    <a:masterClrMapping/>
+  </p:clrMapOvr>
+</p:sld>
+</file>
+
+<file path=ppt/slides/slide11.xml><?xml version="1.0" encoding="utf-8"?>
+<p:sld xmlns:a="http://schemas.openxmlformats.org/drawingml/2006/main" xmlns:r="http://schemas.openxmlformats.org/officeDocument/2006/relationships" xmlns:p="http://schemas.openxmlformats.org/presentationml/2006/main">
+  <p:cSld>
+    <p:spTree>
+      <p:nvGrpSpPr>
+        <p:cNvPr id="1" name=""/>
+        <p:cNvGrpSpPr/>
+        <p:nvPr/>
+      </p:nvGrpSpPr>
+      <p:grpSpPr>
+        <a:xfrm>
+          <a:off x="0" y="0"/>
+          <a:ext cx="0" cy="0"/>
+          <a:chOff x="0" y="0"/>
+          <a:chExt cx="0" cy="0"/>
+        </a:xfrm>
+      </p:grpSpPr>
+      <p:sp>
+        <p:nvSpPr>
+          <p:cNvPr id="4" name="TextBox 3">
+            <a:extLst>
+              <a:ext uri="{FF2B5EF4-FFF2-40B4-BE49-F238E27FC236}">
+                <a16:creationId xmlns:a16="http://schemas.microsoft.com/office/drawing/2014/main" id="{69683411-C882-4D08-B069-592E2D1B26BF}"/>
+              </a:ext>
+            </a:extLst>
+          </p:cNvPr>
+          <p:cNvSpPr txBox="1"/>
+          <p:nvPr/>
+        </p:nvSpPr>
+        <p:spPr>
+          <a:xfrm>
+            <a:off x="-412106" y="326557"/>
+            <a:ext cx="5920210" cy="1754326"/>
+          </a:xfrm>
+          <a:prstGeom prst="rect">
+            <a:avLst/>
+          </a:prstGeom>
+          <a:noFill/>
+        </p:spPr>
+        <p:txBody>
+          <a:bodyPr wrap="none" rtlCol="0">
+            <a:spAutoFit/>
+          </a:bodyPr>
+          <a:lstStyle/>
+          <a:p>
+            <a:r>
+              <a:rPr lang="en-US" altLang="ko-KR">
+                <a:latin typeface="Consolas" pitchFamily="49" charset="0"/>
+                <a:cs typeface="Consolas" pitchFamily="49" charset="0"/>
+              </a:rPr>
+              <a:t>	/* Searching */ </a:t>
+            </a:r>
+          </a:p>
+          <a:p>
+            <a:r>
+              <a:rPr lang="en-US" altLang="ko-KR">
+                <a:latin typeface="Consolas" pitchFamily="49" charset="0"/>
+                <a:cs typeface="Consolas" pitchFamily="49" charset="0"/>
+              </a:rPr>
+              <a:t>	for (state = ~0, j = 0; j &lt; n; ++j) { </a:t>
+            </a:r>
+          </a:p>
+          <a:p>
+            <a:r>
+              <a:rPr lang="en-US" altLang="ko-KR">
+                <a:latin typeface="Consolas" pitchFamily="49" charset="0"/>
+                <a:cs typeface="Consolas" pitchFamily="49" charset="0"/>
+              </a:rPr>
+              <a:t>		state = (state&lt;&lt;1) | S[y[j]]; </a:t>
+            </a:r>
+          </a:p>
+          <a:p>
+            <a:r>
+              <a:rPr lang="en-US" altLang="ko-KR">
+                <a:latin typeface="Consolas" pitchFamily="49" charset="0"/>
+                <a:cs typeface="Consolas" pitchFamily="49" charset="0"/>
+              </a:rPr>
+              <a:t>		if (state &lt; lim) </a:t>
+            </a:r>
+          </a:p>
+          <a:p>
+            <a:r>
+              <a:rPr lang="en-US" altLang="ko-KR">
+                <a:latin typeface="Consolas" pitchFamily="49" charset="0"/>
+                <a:cs typeface="Consolas" pitchFamily="49" charset="0"/>
+              </a:rPr>
+              <a:t>			OUTPUT(j - m + 1); </a:t>
+            </a:r>
+          </a:p>
+          <a:p>
+            <a:r>
+              <a:rPr lang="en-US" altLang="ko-KR">
+                <a:latin typeface="Consolas" pitchFamily="49" charset="0"/>
+                <a:cs typeface="Consolas" pitchFamily="49" charset="0"/>
+              </a:rPr>
+              <a:t>	}</a:t>
+            </a:r>
+            <a:endParaRPr lang="ko-KR" altLang="en-US">
+              <a:latin typeface="Consolas" pitchFamily="49" charset="0"/>
+              <a:cs typeface="Consolas" pitchFamily="49" charset="0"/>
+            </a:endParaRPr>
+          </a:p>
+        </p:txBody>
+      </p:sp>
+      <p:sp>
+        <p:nvSpPr>
+          <p:cNvPr id="2" name="직사각형 1">
+            <a:extLst>
+              <a:ext uri="{FF2B5EF4-FFF2-40B4-BE49-F238E27FC236}">
+                <a16:creationId xmlns:a16="http://schemas.microsoft.com/office/drawing/2014/main" id="{C2FF51E2-9503-44B4-9236-BC86C2F257CD}"/>
+              </a:ext>
+            </a:extLst>
+          </p:cNvPr>
+          <p:cNvSpPr/>
+          <p:nvPr/>
+        </p:nvSpPr>
+        <p:spPr>
+          <a:xfrm>
+            <a:off x="6511711" y="2132856"/>
+            <a:ext cx="288032" cy="432048"/>
+          </a:xfrm>
+          <a:prstGeom prst="rect">
+            <a:avLst/>
+          </a:prstGeom>
+          <a:solidFill>
+            <a:srgbClr val="FFFF00"/>
+          </a:solidFill>
+          <a:ln w="9525"/>
+        </p:spPr>
+        <p:style>
+          <a:lnRef idx="2">
+            <a:schemeClr val="accent1">
+              <a:shade val="50000"/>
+            </a:schemeClr>
+          </a:lnRef>
+          <a:fillRef idx="1">
+            <a:schemeClr val="accent1"/>
+          </a:fillRef>
+          <a:effectRef idx="0">
+            <a:schemeClr val="accent1"/>
+          </a:effectRef>
+          <a:fontRef idx="minor">
+            <a:schemeClr val="lt1"/>
+          </a:fontRef>
+        </p:style>
+        <p:txBody>
+          <a:bodyPr rot="0" spcFirstLastPara="0" vertOverflow="overflow" horzOverflow="overflow" vert="horz" wrap="square" lIns="91440" tIns="45720" rIns="91440" bIns="45720" numCol="1" spcCol="0" rtlCol="0" fromWordArt="0" anchor="ctr" anchorCtr="0" forceAA="0" compatLnSpc="1">
+            <a:prstTxWarp prst="textNoShape">
+              <a:avLst/>
+            </a:prstTxWarp>
+            <a:noAutofit/>
+          </a:bodyPr>
+          <a:lstStyle/>
+          <a:p>
+            <a:pPr algn="ctr"/>
+            <a:r>
+              <a:rPr lang="en-US" altLang="ko-KR" sz="2000">
+                <a:solidFill>
+                  <a:schemeClr val="tx1"/>
+                </a:solidFill>
+                <a:latin typeface="Consolas" pitchFamily="49" charset="0"/>
+                <a:cs typeface="Consolas" pitchFamily="49" charset="0"/>
+              </a:rPr>
+              <a:t>1</a:t>
+            </a:r>
+            <a:endParaRPr lang="ko-KR" altLang="en-US" sz="2000">
+              <a:solidFill>
+                <a:schemeClr val="tx1"/>
+              </a:solidFill>
+              <a:latin typeface="Consolas" pitchFamily="49" charset="0"/>
+              <a:cs typeface="Consolas" pitchFamily="49" charset="0"/>
+            </a:endParaRPr>
+          </a:p>
+        </p:txBody>
+      </p:sp>
+      <p:sp>
+        <p:nvSpPr>
+          <p:cNvPr id="6" name="직사각형 5">
+            <a:extLst>
+              <a:ext uri="{FF2B5EF4-FFF2-40B4-BE49-F238E27FC236}">
+                <a16:creationId xmlns:a16="http://schemas.microsoft.com/office/drawing/2014/main" id="{77B30B89-DDAF-4B53-B356-CFF428F83751}"/>
+              </a:ext>
+            </a:extLst>
+          </p:cNvPr>
+          <p:cNvSpPr/>
+          <p:nvPr/>
+        </p:nvSpPr>
+        <p:spPr>
+          <a:xfrm>
+            <a:off x="6799732" y="2132856"/>
+            <a:ext cx="288032" cy="432048"/>
+          </a:xfrm>
+          <a:prstGeom prst="rect">
+            <a:avLst/>
+          </a:prstGeom>
+          <a:solidFill>
+            <a:srgbClr val="FFFF00"/>
+          </a:solidFill>
+          <a:ln w="9525"/>
+        </p:spPr>
+        <p:style>
+          <a:lnRef idx="2">
+            <a:schemeClr val="accent1">
+              <a:shade val="50000"/>
+            </a:schemeClr>
+          </a:lnRef>
+          <a:fillRef idx="1">
+            <a:schemeClr val="accent1"/>
+          </a:fillRef>
+          <a:effectRef idx="0">
+            <a:schemeClr val="accent1"/>
+          </a:effectRef>
+          <a:fontRef idx="minor">
+            <a:schemeClr val="lt1"/>
+          </a:fontRef>
+        </p:style>
+        <p:txBody>
+          <a:bodyPr rot="0" spcFirstLastPara="0" vertOverflow="overflow" horzOverflow="overflow" vert="horz" wrap="square" lIns="91440" tIns="45720" rIns="91440" bIns="45720" numCol="1" spcCol="0" rtlCol="0" fromWordArt="0" anchor="ctr" anchorCtr="0" forceAA="0" compatLnSpc="1">
+            <a:prstTxWarp prst="textNoShape">
+              <a:avLst/>
+            </a:prstTxWarp>
+            <a:noAutofit/>
+          </a:bodyPr>
+          <a:lstStyle/>
+          <a:p>
+            <a:pPr algn="ctr"/>
+            <a:r>
+              <a:rPr lang="en-US" altLang="ko-KR" sz="2000">
+                <a:solidFill>
+                  <a:schemeClr val="tx1"/>
+                </a:solidFill>
+                <a:latin typeface="Consolas" pitchFamily="49" charset="0"/>
+                <a:cs typeface="Consolas" pitchFamily="49" charset="0"/>
+              </a:rPr>
+              <a:t>1</a:t>
+            </a:r>
+            <a:endParaRPr lang="ko-KR" altLang="en-US" sz="2000">
+              <a:solidFill>
+                <a:schemeClr val="tx1"/>
+              </a:solidFill>
+              <a:latin typeface="Consolas" pitchFamily="49" charset="0"/>
+              <a:cs typeface="Consolas" pitchFamily="49" charset="0"/>
+            </a:endParaRPr>
+          </a:p>
+        </p:txBody>
+      </p:sp>
+      <p:sp>
+        <p:nvSpPr>
+          <p:cNvPr id="7" name="직사각형 6">
+            <a:extLst>
+              <a:ext uri="{FF2B5EF4-FFF2-40B4-BE49-F238E27FC236}">
+                <a16:creationId xmlns:a16="http://schemas.microsoft.com/office/drawing/2014/main" id="{3F4BF627-0271-46C0-A83F-6C2781814D30}"/>
+              </a:ext>
+            </a:extLst>
+          </p:cNvPr>
+          <p:cNvSpPr/>
+          <p:nvPr/>
+        </p:nvSpPr>
+        <p:spPr>
+          <a:xfrm>
+            <a:off x="7087753" y="2132856"/>
+            <a:ext cx="288032" cy="432048"/>
+          </a:xfrm>
+          <a:prstGeom prst="rect">
+            <a:avLst/>
+          </a:prstGeom>
+          <a:solidFill>
+            <a:srgbClr val="FFFF00"/>
+          </a:solidFill>
+          <a:ln w="9525"/>
+        </p:spPr>
+        <p:style>
+          <a:lnRef idx="2">
+            <a:schemeClr val="accent1">
+              <a:shade val="50000"/>
+            </a:schemeClr>
+          </a:lnRef>
+          <a:fillRef idx="1">
+            <a:schemeClr val="accent1"/>
+          </a:fillRef>
+          <a:effectRef idx="0">
+            <a:schemeClr val="accent1"/>
+          </a:effectRef>
+          <a:fontRef idx="minor">
+            <a:schemeClr val="lt1"/>
+          </a:fontRef>
+        </p:style>
+        <p:txBody>
+          <a:bodyPr rot="0" spcFirstLastPara="0" vertOverflow="overflow" horzOverflow="overflow" vert="horz" wrap="square" lIns="91440" tIns="45720" rIns="91440" bIns="45720" numCol="1" spcCol="0" rtlCol="0" fromWordArt="0" anchor="ctr" anchorCtr="0" forceAA="0" compatLnSpc="1">
+            <a:prstTxWarp prst="textNoShape">
+              <a:avLst/>
+            </a:prstTxWarp>
+            <a:noAutofit/>
+          </a:bodyPr>
+          <a:lstStyle/>
+          <a:p>
+            <a:pPr algn="ctr"/>
+            <a:r>
+              <a:rPr lang="en-US" altLang="ko-KR" sz="2000">
+                <a:solidFill>
+                  <a:schemeClr val="tx1"/>
+                </a:solidFill>
+                <a:latin typeface="Consolas" pitchFamily="49" charset="0"/>
+                <a:cs typeface="Consolas" pitchFamily="49" charset="0"/>
+              </a:rPr>
+              <a:t>1</a:t>
+            </a:r>
+            <a:endParaRPr lang="ko-KR" altLang="en-US" sz="2000">
+              <a:solidFill>
+                <a:schemeClr val="tx1"/>
+              </a:solidFill>
+              <a:latin typeface="Consolas" pitchFamily="49" charset="0"/>
+              <a:cs typeface="Consolas" pitchFamily="49" charset="0"/>
+            </a:endParaRPr>
+          </a:p>
+        </p:txBody>
+      </p:sp>
+      <p:sp>
+        <p:nvSpPr>
+          <p:cNvPr id="8" name="직사각형 7">
+            <a:extLst>
+              <a:ext uri="{FF2B5EF4-FFF2-40B4-BE49-F238E27FC236}">
+                <a16:creationId xmlns:a16="http://schemas.microsoft.com/office/drawing/2014/main" id="{FBDDABF3-51D0-45A8-BCAE-BB37BFA7B567}"/>
+              </a:ext>
+            </a:extLst>
+          </p:cNvPr>
+          <p:cNvSpPr/>
+          <p:nvPr/>
+        </p:nvSpPr>
+        <p:spPr>
+          <a:xfrm>
+            <a:off x="7375774" y="2132856"/>
+            <a:ext cx="288032" cy="432048"/>
+          </a:xfrm>
+          <a:prstGeom prst="rect">
+            <a:avLst/>
+          </a:prstGeom>
+          <a:solidFill>
+            <a:srgbClr val="FFFF00"/>
+          </a:solidFill>
+          <a:ln w="9525"/>
+        </p:spPr>
+        <p:style>
+          <a:lnRef idx="2">
+            <a:schemeClr val="accent1">
+              <a:shade val="50000"/>
+            </a:schemeClr>
+          </a:lnRef>
+          <a:fillRef idx="1">
+            <a:schemeClr val="accent1"/>
+          </a:fillRef>
+          <a:effectRef idx="0">
+            <a:schemeClr val="accent1"/>
+          </a:effectRef>
+          <a:fontRef idx="minor">
+            <a:schemeClr val="lt1"/>
+          </a:fontRef>
+        </p:style>
+        <p:txBody>
+          <a:bodyPr rot="0" spcFirstLastPara="0" vertOverflow="overflow" horzOverflow="overflow" vert="horz" wrap="square" lIns="91440" tIns="45720" rIns="91440" bIns="45720" numCol="1" spcCol="0" rtlCol="0" fromWordArt="0" anchor="ctr" anchorCtr="0" forceAA="0" compatLnSpc="1">
+            <a:prstTxWarp prst="textNoShape">
+              <a:avLst/>
+            </a:prstTxWarp>
+            <a:noAutofit/>
+          </a:bodyPr>
+          <a:lstStyle/>
+          <a:p>
+            <a:pPr algn="ctr"/>
+            <a:r>
+              <a:rPr lang="en-US" altLang="ko-KR" sz="2000">
+                <a:solidFill>
+                  <a:schemeClr val="tx1"/>
+                </a:solidFill>
+                <a:latin typeface="Consolas" pitchFamily="49" charset="0"/>
+                <a:cs typeface="Consolas" pitchFamily="49" charset="0"/>
+              </a:rPr>
+              <a:t>1</a:t>
+            </a:r>
+            <a:endParaRPr lang="ko-KR" altLang="en-US" sz="2000">
+              <a:solidFill>
+                <a:schemeClr val="tx1"/>
+              </a:solidFill>
+              <a:latin typeface="Consolas" pitchFamily="49" charset="0"/>
+              <a:cs typeface="Consolas" pitchFamily="49" charset="0"/>
+            </a:endParaRPr>
+          </a:p>
+        </p:txBody>
+      </p:sp>
+      <p:sp>
+        <p:nvSpPr>
+          <p:cNvPr id="9" name="직사각형 8">
+            <a:extLst>
+              <a:ext uri="{FF2B5EF4-FFF2-40B4-BE49-F238E27FC236}">
+                <a16:creationId xmlns:a16="http://schemas.microsoft.com/office/drawing/2014/main" id="{B25205D7-3E5C-4C53-8513-392CA65B94C1}"/>
+              </a:ext>
+            </a:extLst>
+          </p:cNvPr>
+          <p:cNvSpPr/>
+          <p:nvPr/>
+        </p:nvSpPr>
+        <p:spPr>
+          <a:xfrm>
+            <a:off x="7663795" y="2132856"/>
+            <a:ext cx="288032" cy="432048"/>
+          </a:xfrm>
+          <a:prstGeom prst="rect">
+            <a:avLst/>
+          </a:prstGeom>
+          <a:solidFill>
+            <a:srgbClr val="FFFF00"/>
+          </a:solidFill>
+          <a:ln w="9525"/>
+        </p:spPr>
+        <p:style>
+          <a:lnRef idx="2">
+            <a:schemeClr val="accent1">
+              <a:shade val="50000"/>
+            </a:schemeClr>
+          </a:lnRef>
+          <a:fillRef idx="1">
+            <a:schemeClr val="accent1"/>
+          </a:fillRef>
+          <a:effectRef idx="0">
+            <a:schemeClr val="accent1"/>
+          </a:effectRef>
+          <a:fontRef idx="minor">
+            <a:schemeClr val="lt1"/>
+          </a:fontRef>
+        </p:style>
+        <p:txBody>
+          <a:bodyPr rot="0" spcFirstLastPara="0" vertOverflow="overflow" horzOverflow="overflow" vert="horz" wrap="square" lIns="91440" tIns="45720" rIns="91440" bIns="45720" numCol="1" spcCol="0" rtlCol="0" fromWordArt="0" anchor="ctr" anchorCtr="0" forceAA="0" compatLnSpc="1">
+            <a:prstTxWarp prst="textNoShape">
+              <a:avLst/>
+            </a:prstTxWarp>
+            <a:noAutofit/>
+          </a:bodyPr>
+          <a:lstStyle/>
+          <a:p>
+            <a:pPr algn="ctr"/>
+            <a:r>
+              <a:rPr lang="en-US" altLang="ko-KR" sz="2000">
+                <a:solidFill>
+                  <a:schemeClr val="tx1"/>
+                </a:solidFill>
+                <a:latin typeface="Consolas" pitchFamily="49" charset="0"/>
+                <a:cs typeface="Consolas" pitchFamily="49" charset="0"/>
+              </a:rPr>
+              <a:t>1</a:t>
+            </a:r>
+            <a:endParaRPr lang="ko-KR" altLang="en-US" sz="2000">
+              <a:solidFill>
+                <a:schemeClr val="tx1"/>
+              </a:solidFill>
+              <a:latin typeface="Consolas" pitchFamily="49" charset="0"/>
+              <a:cs typeface="Consolas" pitchFamily="49" charset="0"/>
+            </a:endParaRPr>
+          </a:p>
+        </p:txBody>
+      </p:sp>
+      <p:sp>
+        <p:nvSpPr>
+          <p:cNvPr id="10" name="직사각형 9">
+            <a:extLst>
+              <a:ext uri="{FF2B5EF4-FFF2-40B4-BE49-F238E27FC236}">
+                <a16:creationId xmlns:a16="http://schemas.microsoft.com/office/drawing/2014/main" id="{2C08EB8C-CF66-46B4-8A07-B4E2809EEBF5}"/>
+              </a:ext>
+            </a:extLst>
+          </p:cNvPr>
+          <p:cNvSpPr/>
+          <p:nvPr/>
+        </p:nvSpPr>
+        <p:spPr>
+          <a:xfrm>
+            <a:off x="7951816" y="2132856"/>
+            <a:ext cx="288032" cy="432048"/>
+          </a:xfrm>
+          <a:prstGeom prst="rect">
+            <a:avLst/>
+          </a:prstGeom>
+          <a:solidFill>
+            <a:srgbClr val="FFFF00"/>
+          </a:solidFill>
+          <a:ln w="9525"/>
+        </p:spPr>
+        <p:style>
+          <a:lnRef idx="2">
+            <a:schemeClr val="accent1">
+              <a:shade val="50000"/>
+            </a:schemeClr>
+          </a:lnRef>
+          <a:fillRef idx="1">
+            <a:schemeClr val="accent1"/>
+          </a:fillRef>
+          <a:effectRef idx="0">
+            <a:schemeClr val="accent1"/>
+          </a:effectRef>
+          <a:fontRef idx="minor">
+            <a:schemeClr val="lt1"/>
+          </a:fontRef>
+        </p:style>
+        <p:txBody>
+          <a:bodyPr rot="0" spcFirstLastPara="0" vertOverflow="overflow" horzOverflow="overflow" vert="horz" wrap="square" lIns="91440" tIns="45720" rIns="91440" bIns="45720" numCol="1" spcCol="0" rtlCol="0" fromWordArt="0" anchor="ctr" anchorCtr="0" forceAA="0" compatLnSpc="1">
+            <a:prstTxWarp prst="textNoShape">
+              <a:avLst/>
+            </a:prstTxWarp>
+            <a:noAutofit/>
+          </a:bodyPr>
+          <a:lstStyle/>
+          <a:p>
+            <a:pPr algn="ctr"/>
+            <a:r>
+              <a:rPr lang="en-US" altLang="ko-KR" sz="2000">
+                <a:solidFill>
+                  <a:schemeClr val="tx1"/>
+                </a:solidFill>
+                <a:latin typeface="Consolas" pitchFamily="49" charset="0"/>
+                <a:cs typeface="Consolas" pitchFamily="49" charset="0"/>
+              </a:rPr>
+              <a:t>1</a:t>
+            </a:r>
+            <a:endParaRPr lang="ko-KR" altLang="en-US" sz="2000">
+              <a:solidFill>
+                <a:schemeClr val="tx1"/>
+              </a:solidFill>
+              <a:latin typeface="Consolas" pitchFamily="49" charset="0"/>
+              <a:cs typeface="Consolas" pitchFamily="49" charset="0"/>
+            </a:endParaRPr>
+          </a:p>
+        </p:txBody>
+      </p:sp>
+      <p:sp>
+        <p:nvSpPr>
+          <p:cNvPr id="11" name="직사각형 10">
+            <a:extLst>
+              <a:ext uri="{FF2B5EF4-FFF2-40B4-BE49-F238E27FC236}">
+                <a16:creationId xmlns:a16="http://schemas.microsoft.com/office/drawing/2014/main" id="{023C231B-9321-4260-B80F-AECB77A6A1C5}"/>
+              </a:ext>
+            </a:extLst>
+          </p:cNvPr>
+          <p:cNvSpPr/>
+          <p:nvPr/>
+        </p:nvSpPr>
+        <p:spPr>
+          <a:xfrm>
+            <a:off x="8239837" y="2132856"/>
+            <a:ext cx="288032" cy="432048"/>
+          </a:xfrm>
+          <a:prstGeom prst="rect">
+            <a:avLst/>
+          </a:prstGeom>
+          <a:solidFill>
+            <a:srgbClr val="FFFF00"/>
+          </a:solidFill>
+          <a:ln w="9525"/>
+        </p:spPr>
+        <p:style>
+          <a:lnRef idx="2">
+            <a:schemeClr val="accent1">
+              <a:shade val="50000"/>
+            </a:schemeClr>
+          </a:lnRef>
+          <a:fillRef idx="1">
+            <a:schemeClr val="accent1"/>
+          </a:fillRef>
+          <a:effectRef idx="0">
+            <a:schemeClr val="accent1"/>
+          </a:effectRef>
+          <a:fontRef idx="minor">
+            <a:schemeClr val="lt1"/>
+          </a:fontRef>
+        </p:style>
+        <p:txBody>
+          <a:bodyPr rot="0" spcFirstLastPara="0" vertOverflow="overflow" horzOverflow="overflow" vert="horz" wrap="square" lIns="91440" tIns="45720" rIns="91440" bIns="45720" numCol="1" spcCol="0" rtlCol="0" fromWordArt="0" anchor="ctr" anchorCtr="0" forceAA="0" compatLnSpc="1">
+            <a:prstTxWarp prst="textNoShape">
+              <a:avLst/>
+            </a:prstTxWarp>
+            <a:noAutofit/>
+          </a:bodyPr>
+          <a:lstStyle/>
+          <a:p>
+            <a:pPr algn="ctr"/>
+            <a:r>
+              <a:rPr lang="en-US" altLang="ko-KR" sz="2000">
+                <a:solidFill>
+                  <a:schemeClr val="tx1"/>
+                </a:solidFill>
+                <a:latin typeface="Consolas" pitchFamily="49" charset="0"/>
+                <a:cs typeface="Consolas" pitchFamily="49" charset="0"/>
+              </a:rPr>
+              <a:t>1</a:t>
+            </a:r>
+            <a:endParaRPr lang="ko-KR" altLang="en-US" sz="2000">
+              <a:solidFill>
+                <a:schemeClr val="tx1"/>
+              </a:solidFill>
+              <a:latin typeface="Consolas" pitchFamily="49" charset="0"/>
+              <a:cs typeface="Consolas" pitchFamily="49" charset="0"/>
+            </a:endParaRPr>
+          </a:p>
+        </p:txBody>
+      </p:sp>
+      <p:sp>
+        <p:nvSpPr>
+          <p:cNvPr id="12" name="직사각형 11">
+            <a:extLst>
+              <a:ext uri="{FF2B5EF4-FFF2-40B4-BE49-F238E27FC236}">
+                <a16:creationId xmlns:a16="http://schemas.microsoft.com/office/drawing/2014/main" id="{A3B1DE0C-4332-41A5-B6F4-BF53A52E9E60}"/>
+              </a:ext>
+            </a:extLst>
+          </p:cNvPr>
+          <p:cNvSpPr/>
+          <p:nvPr/>
+        </p:nvSpPr>
+        <p:spPr>
+          <a:xfrm>
+            <a:off x="8527847" y="2132856"/>
+            <a:ext cx="288032" cy="432048"/>
+          </a:xfrm>
+          <a:prstGeom prst="rect">
+            <a:avLst/>
+          </a:prstGeom>
+          <a:solidFill>
+            <a:srgbClr val="FFFF00"/>
+          </a:solidFill>
+          <a:ln w="9525"/>
+        </p:spPr>
+        <p:style>
+          <a:lnRef idx="2">
+            <a:schemeClr val="accent1">
+              <a:shade val="50000"/>
+            </a:schemeClr>
+          </a:lnRef>
+          <a:fillRef idx="1">
+            <a:schemeClr val="accent1"/>
+          </a:fillRef>
+          <a:effectRef idx="0">
+            <a:schemeClr val="accent1"/>
+          </a:effectRef>
+          <a:fontRef idx="minor">
+            <a:schemeClr val="lt1"/>
+          </a:fontRef>
+        </p:style>
+        <p:txBody>
+          <a:bodyPr rot="0" spcFirstLastPara="0" vertOverflow="overflow" horzOverflow="overflow" vert="horz" wrap="square" lIns="91440" tIns="45720" rIns="91440" bIns="45720" numCol="1" spcCol="0" rtlCol="0" fromWordArt="0" anchor="ctr" anchorCtr="0" forceAA="0" compatLnSpc="1">
+            <a:prstTxWarp prst="textNoShape">
+              <a:avLst/>
+            </a:prstTxWarp>
+            <a:noAutofit/>
+          </a:bodyPr>
+          <a:lstStyle/>
+          <a:p>
+            <a:pPr algn="ctr"/>
+            <a:r>
+              <a:rPr lang="en-US" altLang="ko-KR" sz="2000">
+                <a:solidFill>
+                  <a:schemeClr val="tx1"/>
+                </a:solidFill>
+                <a:latin typeface="Consolas" pitchFamily="49" charset="0"/>
+                <a:cs typeface="Consolas" pitchFamily="49" charset="0"/>
+              </a:rPr>
+              <a:t>0</a:t>
+            </a:r>
+            <a:endParaRPr lang="ko-KR" altLang="en-US" sz="2000">
+              <a:solidFill>
+                <a:schemeClr val="tx1"/>
+              </a:solidFill>
+              <a:latin typeface="Consolas" pitchFamily="49" charset="0"/>
+              <a:cs typeface="Consolas" pitchFamily="49" charset="0"/>
+            </a:endParaRPr>
+          </a:p>
+        </p:txBody>
+      </p:sp>
+      <p:sp>
+        <p:nvSpPr>
+          <p:cNvPr id="3" name="TextBox 2">
+            <a:extLst>
+              <a:ext uri="{FF2B5EF4-FFF2-40B4-BE49-F238E27FC236}">
+                <a16:creationId xmlns:a16="http://schemas.microsoft.com/office/drawing/2014/main" id="{139E8F69-6B89-4163-A3FE-1B9B3703AD36}"/>
+              </a:ext>
+            </a:extLst>
+          </p:cNvPr>
+          <p:cNvSpPr txBox="1"/>
+          <p:nvPr/>
+        </p:nvSpPr>
+        <p:spPr>
+          <a:xfrm>
+            <a:off x="6800253" y="548680"/>
+            <a:ext cx="2582758" cy="707886"/>
+          </a:xfrm>
+          <a:prstGeom prst="rect">
+            <a:avLst/>
+          </a:prstGeom>
+          <a:noFill/>
+        </p:spPr>
+        <p:txBody>
+          <a:bodyPr wrap="none" rtlCol="0">
+            <a:spAutoFit/>
+          </a:bodyPr>
+          <a:lstStyle/>
+          <a:p>
+            <a:r>
+              <a:rPr lang="en-US" altLang="ko-KR" sz="2000">
+                <a:latin typeface="Consolas" pitchFamily="49" charset="0"/>
+                <a:cs typeface="Consolas" pitchFamily="49" charset="0"/>
+              </a:rPr>
+              <a:t>"How hello world"</a:t>
+            </a:r>
+          </a:p>
+          <a:p>
+            <a:r>
+              <a:rPr lang="en-US" altLang="ko-KR" sz="2000">
+                <a:latin typeface="Consolas" pitchFamily="49" charset="0"/>
+                <a:cs typeface="Consolas" pitchFamily="49" charset="0"/>
+              </a:rPr>
+              <a:t>"hello"</a:t>
+            </a:r>
+            <a:endParaRPr lang="ko-KR" altLang="en-US" sz="2000">
+              <a:latin typeface="Consolas" pitchFamily="49" charset="0"/>
+              <a:cs typeface="Consolas" pitchFamily="49" charset="0"/>
+            </a:endParaRPr>
+          </a:p>
+        </p:txBody>
+      </p:sp>
+      <p:sp>
+        <p:nvSpPr>
+          <p:cNvPr id="13" name="TextBox 12">
+            <a:extLst>
+              <a:ext uri="{FF2B5EF4-FFF2-40B4-BE49-F238E27FC236}">
+                <a16:creationId xmlns:a16="http://schemas.microsoft.com/office/drawing/2014/main" id="{1BDD0BC9-21E1-4B35-93B9-86E606BB4700}"/>
+              </a:ext>
+            </a:extLst>
+          </p:cNvPr>
+          <p:cNvSpPr txBox="1"/>
+          <p:nvPr/>
+        </p:nvSpPr>
+        <p:spPr>
+          <a:xfrm>
+            <a:off x="5508104" y="2132856"/>
+            <a:ext cx="1031051" cy="400110"/>
+          </a:xfrm>
+          <a:prstGeom prst="rect">
+            <a:avLst/>
+          </a:prstGeom>
+          <a:noFill/>
+        </p:spPr>
+        <p:txBody>
+          <a:bodyPr wrap="none" rtlCol="0">
+            <a:spAutoFit/>
+          </a:bodyPr>
+          <a:lstStyle/>
+          <a:p>
+            <a:r>
+              <a:rPr lang="en-US" altLang="ko-KR" sz="2000">
+                <a:latin typeface="Consolas" pitchFamily="49" charset="0"/>
+                <a:cs typeface="Consolas" pitchFamily="49" charset="0"/>
+              </a:rPr>
+              <a:t>S['h']</a:t>
+            </a:r>
+            <a:endParaRPr lang="ko-KR" altLang="en-US" sz="2000">
+              <a:latin typeface="Consolas" pitchFamily="49" charset="0"/>
+              <a:cs typeface="Consolas" pitchFamily="49" charset="0"/>
+            </a:endParaRPr>
+          </a:p>
+        </p:txBody>
+      </p:sp>
+      <p:sp>
+        <p:nvSpPr>
+          <p:cNvPr id="14" name="직사각형 13">
+            <a:extLst>
+              <a:ext uri="{FF2B5EF4-FFF2-40B4-BE49-F238E27FC236}">
+                <a16:creationId xmlns:a16="http://schemas.microsoft.com/office/drawing/2014/main" id="{4F1EFF91-2BEA-4F72-9ABD-0ED429102F8E}"/>
+              </a:ext>
+            </a:extLst>
+          </p:cNvPr>
+          <p:cNvSpPr/>
+          <p:nvPr/>
+        </p:nvSpPr>
+        <p:spPr>
+          <a:xfrm>
+            <a:off x="6511711" y="2636912"/>
+            <a:ext cx="288032" cy="432048"/>
+          </a:xfrm>
+          <a:prstGeom prst="rect">
+            <a:avLst/>
+          </a:prstGeom>
+          <a:solidFill>
+            <a:srgbClr val="FFFF00"/>
+          </a:solidFill>
+          <a:ln w="9525"/>
+        </p:spPr>
+        <p:style>
+          <a:lnRef idx="2">
+            <a:schemeClr val="accent1">
+              <a:shade val="50000"/>
+            </a:schemeClr>
+          </a:lnRef>
+          <a:fillRef idx="1">
+            <a:schemeClr val="accent1"/>
+          </a:fillRef>
+          <a:effectRef idx="0">
+            <a:schemeClr val="accent1"/>
+          </a:effectRef>
+          <a:fontRef idx="minor">
+            <a:schemeClr val="lt1"/>
+          </a:fontRef>
+        </p:style>
+        <p:txBody>
+          <a:bodyPr rot="0" spcFirstLastPara="0" vertOverflow="overflow" horzOverflow="overflow" vert="horz" wrap="square" lIns="91440" tIns="45720" rIns="91440" bIns="45720" numCol="1" spcCol="0" rtlCol="0" fromWordArt="0" anchor="ctr" anchorCtr="0" forceAA="0" compatLnSpc="1">
+            <a:prstTxWarp prst="textNoShape">
+              <a:avLst/>
+            </a:prstTxWarp>
+            <a:noAutofit/>
+          </a:bodyPr>
+          <a:lstStyle/>
+          <a:p>
+            <a:pPr algn="ctr"/>
+            <a:r>
+              <a:rPr lang="en-US" altLang="ko-KR" sz="2000">
+                <a:solidFill>
+                  <a:schemeClr val="tx1"/>
+                </a:solidFill>
+                <a:latin typeface="Consolas" pitchFamily="49" charset="0"/>
+                <a:cs typeface="Consolas" pitchFamily="49" charset="0"/>
+              </a:rPr>
+              <a:t>1</a:t>
+            </a:r>
+            <a:endParaRPr lang="ko-KR" altLang="en-US" sz="2000">
+              <a:solidFill>
+                <a:schemeClr val="tx1"/>
+              </a:solidFill>
+              <a:latin typeface="Consolas" pitchFamily="49" charset="0"/>
+              <a:cs typeface="Consolas" pitchFamily="49" charset="0"/>
+            </a:endParaRPr>
+          </a:p>
+        </p:txBody>
+      </p:sp>
+      <p:sp>
+        <p:nvSpPr>
+          <p:cNvPr id="15" name="직사각형 14">
+            <a:extLst>
+              <a:ext uri="{FF2B5EF4-FFF2-40B4-BE49-F238E27FC236}">
+                <a16:creationId xmlns:a16="http://schemas.microsoft.com/office/drawing/2014/main" id="{48D04C7C-4A30-4932-B126-F107B5CB905A}"/>
+              </a:ext>
+            </a:extLst>
+          </p:cNvPr>
+          <p:cNvSpPr/>
+          <p:nvPr/>
+        </p:nvSpPr>
+        <p:spPr>
+          <a:xfrm>
+            <a:off x="6799732" y="2636912"/>
+            <a:ext cx="288032" cy="432048"/>
+          </a:xfrm>
+          <a:prstGeom prst="rect">
+            <a:avLst/>
+          </a:prstGeom>
+          <a:solidFill>
+            <a:srgbClr val="FFFF00"/>
+          </a:solidFill>
+          <a:ln w="9525"/>
+        </p:spPr>
+        <p:style>
+          <a:lnRef idx="2">
+            <a:schemeClr val="accent1">
+              <a:shade val="50000"/>
+            </a:schemeClr>
+          </a:lnRef>
+          <a:fillRef idx="1">
+            <a:schemeClr val="accent1"/>
+          </a:fillRef>
+          <a:effectRef idx="0">
+            <a:schemeClr val="accent1"/>
+          </a:effectRef>
+          <a:fontRef idx="minor">
+            <a:schemeClr val="lt1"/>
+          </a:fontRef>
+        </p:style>
+        <p:txBody>
+          <a:bodyPr rot="0" spcFirstLastPara="0" vertOverflow="overflow" horzOverflow="overflow" vert="horz" wrap="square" lIns="91440" tIns="45720" rIns="91440" bIns="45720" numCol="1" spcCol="0" rtlCol="0" fromWordArt="0" anchor="ctr" anchorCtr="0" forceAA="0" compatLnSpc="1">
+            <a:prstTxWarp prst="textNoShape">
+              <a:avLst/>
+            </a:prstTxWarp>
+            <a:noAutofit/>
+          </a:bodyPr>
+          <a:lstStyle/>
+          <a:p>
+            <a:pPr algn="ctr"/>
+            <a:r>
+              <a:rPr lang="en-US" altLang="ko-KR" sz="2000">
+                <a:solidFill>
+                  <a:schemeClr val="tx1"/>
+                </a:solidFill>
+                <a:latin typeface="Consolas" pitchFamily="49" charset="0"/>
+                <a:cs typeface="Consolas" pitchFamily="49" charset="0"/>
+              </a:rPr>
+              <a:t>1</a:t>
+            </a:r>
+            <a:endParaRPr lang="ko-KR" altLang="en-US" sz="2000">
+              <a:solidFill>
+                <a:schemeClr val="tx1"/>
+              </a:solidFill>
+              <a:latin typeface="Consolas" pitchFamily="49" charset="0"/>
+              <a:cs typeface="Consolas" pitchFamily="49" charset="0"/>
+            </a:endParaRPr>
+          </a:p>
+        </p:txBody>
+      </p:sp>
+      <p:sp>
+        <p:nvSpPr>
+          <p:cNvPr id="16" name="직사각형 15">
+            <a:extLst>
+              <a:ext uri="{FF2B5EF4-FFF2-40B4-BE49-F238E27FC236}">
+                <a16:creationId xmlns:a16="http://schemas.microsoft.com/office/drawing/2014/main" id="{80C4BFC3-EB40-4CF2-9DF1-474B25AACB5A}"/>
+              </a:ext>
+            </a:extLst>
+          </p:cNvPr>
+          <p:cNvSpPr/>
+          <p:nvPr/>
+        </p:nvSpPr>
+        <p:spPr>
+          <a:xfrm>
+            <a:off x="7087753" y="2636912"/>
+            <a:ext cx="288032" cy="432048"/>
+          </a:xfrm>
+          <a:prstGeom prst="rect">
+            <a:avLst/>
+          </a:prstGeom>
+          <a:solidFill>
+            <a:srgbClr val="FFFF00"/>
+          </a:solidFill>
+          <a:ln w="9525"/>
+        </p:spPr>
+        <p:style>
+          <a:lnRef idx="2">
+            <a:schemeClr val="accent1">
+              <a:shade val="50000"/>
+            </a:schemeClr>
+          </a:lnRef>
+          <a:fillRef idx="1">
+            <a:schemeClr val="accent1"/>
+          </a:fillRef>
+          <a:effectRef idx="0">
+            <a:schemeClr val="accent1"/>
+          </a:effectRef>
+          <a:fontRef idx="minor">
+            <a:schemeClr val="lt1"/>
+          </a:fontRef>
+        </p:style>
+        <p:txBody>
+          <a:bodyPr rot="0" spcFirstLastPara="0" vertOverflow="overflow" horzOverflow="overflow" vert="horz" wrap="square" lIns="91440" tIns="45720" rIns="91440" bIns="45720" numCol="1" spcCol="0" rtlCol="0" fromWordArt="0" anchor="ctr" anchorCtr="0" forceAA="0" compatLnSpc="1">
+            <a:prstTxWarp prst="textNoShape">
+              <a:avLst/>
+            </a:prstTxWarp>
+            <a:noAutofit/>
+          </a:bodyPr>
+          <a:lstStyle/>
+          <a:p>
+            <a:pPr algn="ctr"/>
+            <a:r>
+              <a:rPr lang="en-US" altLang="ko-KR" sz="2000">
+                <a:solidFill>
+                  <a:schemeClr val="tx1"/>
+                </a:solidFill>
+                <a:latin typeface="Consolas" pitchFamily="49" charset="0"/>
+                <a:cs typeface="Consolas" pitchFamily="49" charset="0"/>
+              </a:rPr>
+              <a:t>1</a:t>
+            </a:r>
+            <a:endParaRPr lang="ko-KR" altLang="en-US" sz="2000">
+              <a:solidFill>
+                <a:schemeClr val="tx1"/>
+              </a:solidFill>
+              <a:latin typeface="Consolas" pitchFamily="49" charset="0"/>
+              <a:cs typeface="Consolas" pitchFamily="49" charset="0"/>
+            </a:endParaRPr>
+          </a:p>
+        </p:txBody>
+      </p:sp>
+      <p:sp>
+        <p:nvSpPr>
+          <p:cNvPr id="17" name="직사각형 16">
+            <a:extLst>
+              <a:ext uri="{FF2B5EF4-FFF2-40B4-BE49-F238E27FC236}">
+                <a16:creationId xmlns:a16="http://schemas.microsoft.com/office/drawing/2014/main" id="{EE40FB13-0536-451E-9D26-BF33A6B8670E}"/>
+              </a:ext>
+            </a:extLst>
+          </p:cNvPr>
+          <p:cNvSpPr/>
+          <p:nvPr/>
+        </p:nvSpPr>
+        <p:spPr>
+          <a:xfrm>
+            <a:off x="7375774" y="2636912"/>
+            <a:ext cx="288032" cy="432048"/>
+          </a:xfrm>
+          <a:prstGeom prst="rect">
+            <a:avLst/>
+          </a:prstGeom>
+          <a:solidFill>
+            <a:srgbClr val="FFFF00"/>
+          </a:solidFill>
+          <a:ln w="9525"/>
+        </p:spPr>
+        <p:style>
+          <a:lnRef idx="2">
+            <a:schemeClr val="accent1">
+              <a:shade val="50000"/>
+            </a:schemeClr>
+          </a:lnRef>
+          <a:fillRef idx="1">
+            <a:schemeClr val="accent1"/>
+          </a:fillRef>
+          <a:effectRef idx="0">
+            <a:schemeClr val="accent1"/>
+          </a:effectRef>
+          <a:fontRef idx="minor">
+            <a:schemeClr val="lt1"/>
+          </a:fontRef>
+        </p:style>
+        <p:txBody>
+          <a:bodyPr rot="0" spcFirstLastPara="0" vertOverflow="overflow" horzOverflow="overflow" vert="horz" wrap="square" lIns="91440" tIns="45720" rIns="91440" bIns="45720" numCol="1" spcCol="0" rtlCol="0" fromWordArt="0" anchor="ctr" anchorCtr="0" forceAA="0" compatLnSpc="1">
+            <a:prstTxWarp prst="textNoShape">
+              <a:avLst/>
+            </a:prstTxWarp>
+            <a:noAutofit/>
+          </a:bodyPr>
+          <a:lstStyle/>
+          <a:p>
+            <a:pPr algn="ctr"/>
+            <a:r>
+              <a:rPr lang="en-US" altLang="ko-KR" sz="2000">
+                <a:solidFill>
+                  <a:schemeClr val="tx1"/>
+                </a:solidFill>
+                <a:latin typeface="Consolas" pitchFamily="49" charset="0"/>
+                <a:cs typeface="Consolas" pitchFamily="49" charset="0"/>
+              </a:rPr>
+              <a:t>1</a:t>
+            </a:r>
+            <a:endParaRPr lang="ko-KR" altLang="en-US" sz="2000">
+              <a:solidFill>
+                <a:schemeClr val="tx1"/>
+              </a:solidFill>
+              <a:latin typeface="Consolas" pitchFamily="49" charset="0"/>
+              <a:cs typeface="Consolas" pitchFamily="49" charset="0"/>
+            </a:endParaRPr>
+          </a:p>
+        </p:txBody>
+      </p:sp>
+      <p:sp>
+        <p:nvSpPr>
+          <p:cNvPr id="18" name="직사각형 17">
+            <a:extLst>
+              <a:ext uri="{FF2B5EF4-FFF2-40B4-BE49-F238E27FC236}">
+                <a16:creationId xmlns:a16="http://schemas.microsoft.com/office/drawing/2014/main" id="{D0394DF4-4580-48D1-98F5-4FAD4BDED64B}"/>
+              </a:ext>
+            </a:extLst>
+          </p:cNvPr>
+          <p:cNvSpPr/>
+          <p:nvPr/>
+        </p:nvSpPr>
+        <p:spPr>
+          <a:xfrm>
+            <a:off x="7663795" y="2636912"/>
+            <a:ext cx="288032" cy="432048"/>
+          </a:xfrm>
+          <a:prstGeom prst="rect">
+            <a:avLst/>
+          </a:prstGeom>
+          <a:solidFill>
+            <a:srgbClr val="FFFF00"/>
+          </a:solidFill>
+          <a:ln w="9525"/>
+        </p:spPr>
+        <p:style>
+          <a:lnRef idx="2">
+            <a:schemeClr val="accent1">
+              <a:shade val="50000"/>
+            </a:schemeClr>
+          </a:lnRef>
+          <a:fillRef idx="1">
+            <a:schemeClr val="accent1"/>
+          </a:fillRef>
+          <a:effectRef idx="0">
+            <a:schemeClr val="accent1"/>
+          </a:effectRef>
+          <a:fontRef idx="minor">
+            <a:schemeClr val="lt1"/>
+          </a:fontRef>
+        </p:style>
+        <p:txBody>
+          <a:bodyPr rot="0" spcFirstLastPara="0" vertOverflow="overflow" horzOverflow="overflow" vert="horz" wrap="square" lIns="91440" tIns="45720" rIns="91440" bIns="45720" numCol="1" spcCol="0" rtlCol="0" fromWordArt="0" anchor="ctr" anchorCtr="0" forceAA="0" compatLnSpc="1">
+            <a:prstTxWarp prst="textNoShape">
+              <a:avLst/>
+            </a:prstTxWarp>
+            <a:noAutofit/>
+          </a:bodyPr>
+          <a:lstStyle/>
+          <a:p>
+            <a:pPr algn="ctr"/>
+            <a:r>
+              <a:rPr lang="en-US" altLang="ko-KR" sz="2000">
+                <a:solidFill>
+                  <a:schemeClr val="tx1"/>
+                </a:solidFill>
+                <a:latin typeface="Consolas" pitchFamily="49" charset="0"/>
+                <a:cs typeface="Consolas" pitchFamily="49" charset="0"/>
+              </a:rPr>
+              <a:t>1</a:t>
+            </a:r>
+            <a:endParaRPr lang="ko-KR" altLang="en-US" sz="2000">
+              <a:solidFill>
+                <a:schemeClr val="tx1"/>
+              </a:solidFill>
+              <a:latin typeface="Consolas" pitchFamily="49" charset="0"/>
+              <a:cs typeface="Consolas" pitchFamily="49" charset="0"/>
+            </a:endParaRPr>
+          </a:p>
+        </p:txBody>
+      </p:sp>
+      <p:sp>
+        <p:nvSpPr>
+          <p:cNvPr id="19" name="직사각형 18">
+            <a:extLst>
+              <a:ext uri="{FF2B5EF4-FFF2-40B4-BE49-F238E27FC236}">
+                <a16:creationId xmlns:a16="http://schemas.microsoft.com/office/drawing/2014/main" id="{2093ED03-51ED-4F6B-ADA3-E0A6FE5033EA}"/>
+              </a:ext>
+            </a:extLst>
+          </p:cNvPr>
+          <p:cNvSpPr/>
+          <p:nvPr/>
+        </p:nvSpPr>
+        <p:spPr>
+          <a:xfrm>
+            <a:off x="7951816" y="2636912"/>
+            <a:ext cx="288032" cy="432048"/>
+          </a:xfrm>
+          <a:prstGeom prst="rect">
+            <a:avLst/>
+          </a:prstGeom>
+          <a:solidFill>
+            <a:srgbClr val="FFFF00"/>
+          </a:solidFill>
+          <a:ln w="9525"/>
+        </p:spPr>
+        <p:style>
+          <a:lnRef idx="2">
+            <a:schemeClr val="accent1">
+              <a:shade val="50000"/>
+            </a:schemeClr>
+          </a:lnRef>
+          <a:fillRef idx="1">
+            <a:schemeClr val="accent1"/>
+          </a:fillRef>
+          <a:effectRef idx="0">
+            <a:schemeClr val="accent1"/>
+          </a:effectRef>
+          <a:fontRef idx="minor">
+            <a:schemeClr val="lt1"/>
+          </a:fontRef>
+        </p:style>
+        <p:txBody>
+          <a:bodyPr rot="0" spcFirstLastPara="0" vertOverflow="overflow" horzOverflow="overflow" vert="horz" wrap="square" lIns="91440" tIns="45720" rIns="91440" bIns="45720" numCol="1" spcCol="0" rtlCol="0" fromWordArt="0" anchor="ctr" anchorCtr="0" forceAA="0" compatLnSpc="1">
+            <a:prstTxWarp prst="textNoShape">
+              <a:avLst/>
+            </a:prstTxWarp>
+            <a:noAutofit/>
+          </a:bodyPr>
+          <a:lstStyle/>
+          <a:p>
+            <a:pPr algn="ctr"/>
+            <a:r>
+              <a:rPr lang="en-US" altLang="ko-KR" sz="2000">
+                <a:solidFill>
+                  <a:schemeClr val="tx1"/>
+                </a:solidFill>
+                <a:latin typeface="Consolas" pitchFamily="49" charset="0"/>
+                <a:cs typeface="Consolas" pitchFamily="49" charset="0"/>
+              </a:rPr>
+              <a:t>1</a:t>
+            </a:r>
+            <a:endParaRPr lang="ko-KR" altLang="en-US" sz="2000">
+              <a:solidFill>
+                <a:schemeClr val="tx1"/>
+              </a:solidFill>
+              <a:latin typeface="Consolas" pitchFamily="49" charset="0"/>
+              <a:cs typeface="Consolas" pitchFamily="49" charset="0"/>
+            </a:endParaRPr>
+          </a:p>
+        </p:txBody>
+      </p:sp>
+      <p:sp>
+        <p:nvSpPr>
+          <p:cNvPr id="20" name="직사각형 19">
+            <a:extLst>
+              <a:ext uri="{FF2B5EF4-FFF2-40B4-BE49-F238E27FC236}">
+                <a16:creationId xmlns:a16="http://schemas.microsoft.com/office/drawing/2014/main" id="{98C67F41-A6C7-41D4-94F0-A93BCB634E0C}"/>
+              </a:ext>
+            </a:extLst>
+          </p:cNvPr>
+          <p:cNvSpPr/>
+          <p:nvPr/>
+        </p:nvSpPr>
+        <p:spPr>
+          <a:xfrm>
+            <a:off x="8239837" y="2636912"/>
+            <a:ext cx="288032" cy="432048"/>
+          </a:xfrm>
+          <a:prstGeom prst="rect">
+            <a:avLst/>
+          </a:prstGeom>
+          <a:solidFill>
+            <a:srgbClr val="FFFF00"/>
+          </a:solidFill>
+          <a:ln w="9525"/>
+        </p:spPr>
+        <p:style>
+          <a:lnRef idx="2">
+            <a:schemeClr val="accent1">
+              <a:shade val="50000"/>
+            </a:schemeClr>
+          </a:lnRef>
+          <a:fillRef idx="1">
+            <a:schemeClr val="accent1"/>
+          </a:fillRef>
+          <a:effectRef idx="0">
+            <a:schemeClr val="accent1"/>
+          </a:effectRef>
+          <a:fontRef idx="minor">
+            <a:schemeClr val="lt1"/>
+          </a:fontRef>
+        </p:style>
+        <p:txBody>
+          <a:bodyPr rot="0" spcFirstLastPara="0" vertOverflow="overflow" horzOverflow="overflow" vert="horz" wrap="square" lIns="91440" tIns="45720" rIns="91440" bIns="45720" numCol="1" spcCol="0" rtlCol="0" fromWordArt="0" anchor="ctr" anchorCtr="0" forceAA="0" compatLnSpc="1">
+            <a:prstTxWarp prst="textNoShape">
+              <a:avLst/>
+            </a:prstTxWarp>
+            <a:noAutofit/>
+          </a:bodyPr>
+          <a:lstStyle/>
+          <a:p>
+            <a:pPr algn="ctr"/>
+            <a:r>
+              <a:rPr lang="en-US" altLang="ko-KR" sz="2000">
+                <a:solidFill>
+                  <a:schemeClr val="tx1"/>
+                </a:solidFill>
+                <a:latin typeface="Consolas" pitchFamily="49" charset="0"/>
+                <a:cs typeface="Consolas" pitchFamily="49" charset="0"/>
+              </a:rPr>
+              <a:t>0</a:t>
+            </a:r>
+            <a:endParaRPr lang="ko-KR" altLang="en-US" sz="2000">
+              <a:solidFill>
+                <a:schemeClr val="tx1"/>
+              </a:solidFill>
+              <a:latin typeface="Consolas" pitchFamily="49" charset="0"/>
+              <a:cs typeface="Consolas" pitchFamily="49" charset="0"/>
+            </a:endParaRPr>
+          </a:p>
+        </p:txBody>
+      </p:sp>
+      <p:sp>
+        <p:nvSpPr>
+          <p:cNvPr id="21" name="직사각형 20">
+            <a:extLst>
+              <a:ext uri="{FF2B5EF4-FFF2-40B4-BE49-F238E27FC236}">
+                <a16:creationId xmlns:a16="http://schemas.microsoft.com/office/drawing/2014/main" id="{67BC74B8-4D66-4E0B-804C-334B4DEF2709}"/>
+              </a:ext>
+            </a:extLst>
+          </p:cNvPr>
+          <p:cNvSpPr/>
+          <p:nvPr/>
+        </p:nvSpPr>
+        <p:spPr>
+          <a:xfrm>
+            <a:off x="8527847" y="2636912"/>
+            <a:ext cx="288032" cy="432048"/>
+          </a:xfrm>
+          <a:prstGeom prst="rect">
+            <a:avLst/>
+          </a:prstGeom>
+          <a:solidFill>
+            <a:srgbClr val="FFFF00"/>
+          </a:solidFill>
+          <a:ln w="9525"/>
+        </p:spPr>
+        <p:style>
+          <a:lnRef idx="2">
+            <a:schemeClr val="accent1">
+              <a:shade val="50000"/>
+            </a:schemeClr>
+          </a:lnRef>
+          <a:fillRef idx="1">
+            <a:schemeClr val="accent1"/>
+          </a:fillRef>
+          <a:effectRef idx="0">
+            <a:schemeClr val="accent1"/>
+          </a:effectRef>
+          <a:fontRef idx="minor">
+            <a:schemeClr val="lt1"/>
+          </a:fontRef>
+        </p:style>
+        <p:txBody>
+          <a:bodyPr rot="0" spcFirstLastPara="0" vertOverflow="overflow" horzOverflow="overflow" vert="horz" wrap="square" lIns="91440" tIns="45720" rIns="91440" bIns="45720" numCol="1" spcCol="0" rtlCol="0" fromWordArt="0" anchor="ctr" anchorCtr="0" forceAA="0" compatLnSpc="1">
+            <a:prstTxWarp prst="textNoShape">
+              <a:avLst/>
+            </a:prstTxWarp>
+            <a:noAutofit/>
+          </a:bodyPr>
+          <a:lstStyle/>
+          <a:p>
+            <a:pPr algn="ctr"/>
+            <a:r>
+              <a:rPr lang="en-US" altLang="ko-KR" sz="2000">
+                <a:solidFill>
+                  <a:schemeClr val="tx1"/>
+                </a:solidFill>
+                <a:latin typeface="Consolas" pitchFamily="49" charset="0"/>
+                <a:cs typeface="Consolas" pitchFamily="49" charset="0"/>
+              </a:rPr>
+              <a:t>1</a:t>
+            </a:r>
+            <a:endParaRPr lang="ko-KR" altLang="en-US" sz="2000">
+              <a:solidFill>
+                <a:schemeClr val="tx1"/>
+              </a:solidFill>
+              <a:latin typeface="Consolas" pitchFamily="49" charset="0"/>
+              <a:cs typeface="Consolas" pitchFamily="49" charset="0"/>
+            </a:endParaRPr>
+          </a:p>
+        </p:txBody>
+      </p:sp>
+      <p:sp>
+        <p:nvSpPr>
+          <p:cNvPr id="22" name="TextBox 21">
+            <a:extLst>
+              <a:ext uri="{FF2B5EF4-FFF2-40B4-BE49-F238E27FC236}">
+                <a16:creationId xmlns:a16="http://schemas.microsoft.com/office/drawing/2014/main" id="{4986133C-50FE-4812-B356-B705B9DC13AC}"/>
+              </a:ext>
+            </a:extLst>
+          </p:cNvPr>
+          <p:cNvSpPr txBox="1"/>
+          <p:nvPr/>
+        </p:nvSpPr>
+        <p:spPr>
+          <a:xfrm>
+            <a:off x="5508104" y="2636912"/>
+            <a:ext cx="1031051" cy="400110"/>
+          </a:xfrm>
+          <a:prstGeom prst="rect">
+            <a:avLst/>
+          </a:prstGeom>
+          <a:noFill/>
+        </p:spPr>
+        <p:txBody>
+          <a:bodyPr wrap="none" rtlCol="0">
+            <a:spAutoFit/>
+          </a:bodyPr>
+          <a:lstStyle/>
+          <a:p>
+            <a:r>
+              <a:rPr lang="en-US" altLang="ko-KR" sz="2000">
+                <a:latin typeface="Consolas" pitchFamily="49" charset="0"/>
+                <a:cs typeface="Consolas" pitchFamily="49" charset="0"/>
+              </a:rPr>
+              <a:t>S['e']</a:t>
+            </a:r>
+            <a:endParaRPr lang="ko-KR" altLang="en-US" sz="2000">
+              <a:latin typeface="Consolas" pitchFamily="49" charset="0"/>
+              <a:cs typeface="Consolas" pitchFamily="49" charset="0"/>
+            </a:endParaRPr>
+          </a:p>
+        </p:txBody>
+      </p:sp>
+      <p:sp>
+        <p:nvSpPr>
+          <p:cNvPr id="23" name="직사각형 22">
+            <a:extLst>
+              <a:ext uri="{FF2B5EF4-FFF2-40B4-BE49-F238E27FC236}">
+                <a16:creationId xmlns:a16="http://schemas.microsoft.com/office/drawing/2014/main" id="{E9131A4A-B103-478D-9F24-764060310362}"/>
+              </a:ext>
+            </a:extLst>
+          </p:cNvPr>
+          <p:cNvSpPr/>
+          <p:nvPr/>
+        </p:nvSpPr>
+        <p:spPr>
+          <a:xfrm>
+            <a:off x="6511711" y="3140968"/>
+            <a:ext cx="288032" cy="432048"/>
+          </a:xfrm>
+          <a:prstGeom prst="rect">
+            <a:avLst/>
+          </a:prstGeom>
+          <a:solidFill>
+            <a:srgbClr val="FFFF00"/>
+          </a:solidFill>
+          <a:ln w="9525"/>
+        </p:spPr>
+        <p:style>
+          <a:lnRef idx="2">
+            <a:schemeClr val="accent1">
+              <a:shade val="50000"/>
+            </a:schemeClr>
+          </a:lnRef>
+          <a:fillRef idx="1">
+            <a:schemeClr val="accent1"/>
+          </a:fillRef>
+          <a:effectRef idx="0">
+            <a:schemeClr val="accent1"/>
+          </a:effectRef>
+          <a:fontRef idx="minor">
+            <a:schemeClr val="lt1"/>
+          </a:fontRef>
+        </p:style>
+        <p:txBody>
+          <a:bodyPr rot="0" spcFirstLastPara="0" vertOverflow="overflow" horzOverflow="overflow" vert="horz" wrap="square" lIns="91440" tIns="45720" rIns="91440" bIns="45720" numCol="1" spcCol="0" rtlCol="0" fromWordArt="0" anchor="ctr" anchorCtr="0" forceAA="0" compatLnSpc="1">
+            <a:prstTxWarp prst="textNoShape">
+              <a:avLst/>
+            </a:prstTxWarp>
+            <a:noAutofit/>
+          </a:bodyPr>
+          <a:lstStyle/>
+          <a:p>
+            <a:pPr algn="ctr"/>
+            <a:r>
+              <a:rPr lang="en-US" altLang="ko-KR" sz="2000">
+                <a:solidFill>
+                  <a:schemeClr val="tx1"/>
+                </a:solidFill>
+                <a:latin typeface="Consolas" pitchFamily="49" charset="0"/>
+                <a:cs typeface="Consolas" pitchFamily="49" charset="0"/>
+              </a:rPr>
+              <a:t>1</a:t>
+            </a:r>
+            <a:endParaRPr lang="ko-KR" altLang="en-US" sz="2000">
+              <a:solidFill>
+                <a:schemeClr val="tx1"/>
+              </a:solidFill>
+              <a:latin typeface="Consolas" pitchFamily="49" charset="0"/>
+              <a:cs typeface="Consolas" pitchFamily="49" charset="0"/>
+            </a:endParaRPr>
+          </a:p>
+        </p:txBody>
+      </p:sp>
+      <p:sp>
+        <p:nvSpPr>
+          <p:cNvPr id="24" name="직사각형 23">
+            <a:extLst>
+              <a:ext uri="{FF2B5EF4-FFF2-40B4-BE49-F238E27FC236}">
+                <a16:creationId xmlns:a16="http://schemas.microsoft.com/office/drawing/2014/main" id="{F0D55DCB-6649-4463-AF99-652984765A0E}"/>
+              </a:ext>
+            </a:extLst>
+          </p:cNvPr>
+          <p:cNvSpPr/>
+          <p:nvPr/>
+        </p:nvSpPr>
+        <p:spPr>
+          <a:xfrm>
+            <a:off x="6799732" y="3140968"/>
+            <a:ext cx="288032" cy="432048"/>
+          </a:xfrm>
+          <a:prstGeom prst="rect">
+            <a:avLst/>
+          </a:prstGeom>
+          <a:solidFill>
+            <a:srgbClr val="FFFF00"/>
+          </a:solidFill>
+          <a:ln w="9525"/>
+        </p:spPr>
+        <p:style>
+          <a:lnRef idx="2">
+            <a:schemeClr val="accent1">
+              <a:shade val="50000"/>
+            </a:schemeClr>
+          </a:lnRef>
+          <a:fillRef idx="1">
+            <a:schemeClr val="accent1"/>
+          </a:fillRef>
+          <a:effectRef idx="0">
+            <a:schemeClr val="accent1"/>
+          </a:effectRef>
+          <a:fontRef idx="minor">
+            <a:schemeClr val="lt1"/>
+          </a:fontRef>
+        </p:style>
+        <p:txBody>
+          <a:bodyPr rot="0" spcFirstLastPara="0" vertOverflow="overflow" horzOverflow="overflow" vert="horz" wrap="square" lIns="91440" tIns="45720" rIns="91440" bIns="45720" numCol="1" spcCol="0" rtlCol="0" fromWordArt="0" anchor="ctr" anchorCtr="0" forceAA="0" compatLnSpc="1">
+            <a:prstTxWarp prst="textNoShape">
+              <a:avLst/>
+            </a:prstTxWarp>
+            <a:noAutofit/>
+          </a:bodyPr>
+          <a:lstStyle/>
+          <a:p>
+            <a:pPr algn="ctr"/>
+            <a:r>
+              <a:rPr lang="en-US" altLang="ko-KR" sz="2000">
+                <a:solidFill>
+                  <a:schemeClr val="tx1"/>
+                </a:solidFill>
+                <a:latin typeface="Consolas" pitchFamily="49" charset="0"/>
+                <a:cs typeface="Consolas" pitchFamily="49" charset="0"/>
+              </a:rPr>
+              <a:t>1</a:t>
+            </a:r>
+            <a:endParaRPr lang="ko-KR" altLang="en-US" sz="2000">
+              <a:solidFill>
+                <a:schemeClr val="tx1"/>
+              </a:solidFill>
+              <a:latin typeface="Consolas" pitchFamily="49" charset="0"/>
+              <a:cs typeface="Consolas" pitchFamily="49" charset="0"/>
+            </a:endParaRPr>
+          </a:p>
+        </p:txBody>
+      </p:sp>
+      <p:sp>
+        <p:nvSpPr>
+          <p:cNvPr id="25" name="직사각형 24">
+            <a:extLst>
+              <a:ext uri="{FF2B5EF4-FFF2-40B4-BE49-F238E27FC236}">
+                <a16:creationId xmlns:a16="http://schemas.microsoft.com/office/drawing/2014/main" id="{BCF43834-BD15-48B5-97F7-387252AC5BF4}"/>
+              </a:ext>
+            </a:extLst>
+          </p:cNvPr>
+          <p:cNvSpPr/>
+          <p:nvPr/>
+        </p:nvSpPr>
+        <p:spPr>
+          <a:xfrm>
+            <a:off x="7087753" y="3140968"/>
+            <a:ext cx="288032" cy="432048"/>
+          </a:xfrm>
+          <a:prstGeom prst="rect">
+            <a:avLst/>
+          </a:prstGeom>
+          <a:solidFill>
+            <a:srgbClr val="FFFF00"/>
+          </a:solidFill>
+          <a:ln w="9525"/>
+        </p:spPr>
+        <p:style>
+          <a:lnRef idx="2">
+            <a:schemeClr val="accent1">
+              <a:shade val="50000"/>
+            </a:schemeClr>
+          </a:lnRef>
+          <a:fillRef idx="1">
+            <a:schemeClr val="accent1"/>
+          </a:fillRef>
+          <a:effectRef idx="0">
+            <a:schemeClr val="accent1"/>
+          </a:effectRef>
+          <a:fontRef idx="minor">
+            <a:schemeClr val="lt1"/>
+          </a:fontRef>
+        </p:style>
+        <p:txBody>
+          <a:bodyPr rot="0" spcFirstLastPara="0" vertOverflow="overflow" horzOverflow="overflow" vert="horz" wrap="square" lIns="91440" tIns="45720" rIns="91440" bIns="45720" numCol="1" spcCol="0" rtlCol="0" fromWordArt="0" anchor="ctr" anchorCtr="0" forceAA="0" compatLnSpc="1">
+            <a:prstTxWarp prst="textNoShape">
+              <a:avLst/>
+            </a:prstTxWarp>
+            <a:noAutofit/>
+          </a:bodyPr>
+          <a:lstStyle/>
+          <a:p>
+            <a:pPr algn="ctr"/>
+            <a:r>
+              <a:rPr lang="en-US" altLang="ko-KR" sz="2000">
+                <a:solidFill>
+                  <a:schemeClr val="tx1"/>
+                </a:solidFill>
+                <a:latin typeface="Consolas" pitchFamily="49" charset="0"/>
+                <a:cs typeface="Consolas" pitchFamily="49" charset="0"/>
+              </a:rPr>
+              <a:t>1</a:t>
+            </a:r>
+            <a:endParaRPr lang="ko-KR" altLang="en-US" sz="2000">
+              <a:solidFill>
+                <a:schemeClr val="tx1"/>
+              </a:solidFill>
+              <a:latin typeface="Consolas" pitchFamily="49" charset="0"/>
+              <a:cs typeface="Consolas" pitchFamily="49" charset="0"/>
+            </a:endParaRPr>
+          </a:p>
+        </p:txBody>
+      </p:sp>
+      <p:sp>
+        <p:nvSpPr>
+          <p:cNvPr id="26" name="직사각형 25">
+            <a:extLst>
+              <a:ext uri="{FF2B5EF4-FFF2-40B4-BE49-F238E27FC236}">
+                <a16:creationId xmlns:a16="http://schemas.microsoft.com/office/drawing/2014/main" id="{EF9C9C0B-D41B-44E4-996A-8A434CDAE09C}"/>
+              </a:ext>
+            </a:extLst>
+          </p:cNvPr>
+          <p:cNvSpPr/>
+          <p:nvPr/>
+        </p:nvSpPr>
+        <p:spPr>
+          <a:xfrm>
+            <a:off x="7375774" y="3140968"/>
+            <a:ext cx="288032" cy="432048"/>
+          </a:xfrm>
+          <a:prstGeom prst="rect">
+            <a:avLst/>
+          </a:prstGeom>
+          <a:solidFill>
+            <a:srgbClr val="FFFF00"/>
+          </a:solidFill>
+          <a:ln w="9525"/>
+        </p:spPr>
+        <p:style>
+          <a:lnRef idx="2">
+            <a:schemeClr val="accent1">
+              <a:shade val="50000"/>
+            </a:schemeClr>
+          </a:lnRef>
+          <a:fillRef idx="1">
+            <a:schemeClr val="accent1"/>
+          </a:fillRef>
+          <a:effectRef idx="0">
+            <a:schemeClr val="accent1"/>
+          </a:effectRef>
+          <a:fontRef idx="minor">
+            <a:schemeClr val="lt1"/>
+          </a:fontRef>
+        </p:style>
+        <p:txBody>
+          <a:bodyPr rot="0" spcFirstLastPara="0" vertOverflow="overflow" horzOverflow="overflow" vert="horz" wrap="square" lIns="91440" tIns="45720" rIns="91440" bIns="45720" numCol="1" spcCol="0" rtlCol="0" fromWordArt="0" anchor="ctr" anchorCtr="0" forceAA="0" compatLnSpc="1">
+            <a:prstTxWarp prst="textNoShape">
+              <a:avLst/>
+            </a:prstTxWarp>
+            <a:noAutofit/>
+          </a:bodyPr>
+          <a:lstStyle/>
+          <a:p>
+            <a:pPr algn="ctr"/>
+            <a:r>
+              <a:rPr lang="en-US" altLang="ko-KR" sz="2000">
+                <a:solidFill>
+                  <a:schemeClr val="tx1"/>
+                </a:solidFill>
+                <a:latin typeface="Consolas" pitchFamily="49" charset="0"/>
+                <a:cs typeface="Consolas" pitchFamily="49" charset="0"/>
+              </a:rPr>
+              <a:t>1</a:t>
+            </a:r>
+            <a:endParaRPr lang="ko-KR" altLang="en-US" sz="2000">
+              <a:solidFill>
+                <a:schemeClr val="tx1"/>
+              </a:solidFill>
+              <a:latin typeface="Consolas" pitchFamily="49" charset="0"/>
+              <a:cs typeface="Consolas" pitchFamily="49" charset="0"/>
+            </a:endParaRPr>
+          </a:p>
+        </p:txBody>
+      </p:sp>
+      <p:sp>
+        <p:nvSpPr>
+          <p:cNvPr id="27" name="직사각형 26">
+            <a:extLst>
+              <a:ext uri="{FF2B5EF4-FFF2-40B4-BE49-F238E27FC236}">
+                <a16:creationId xmlns:a16="http://schemas.microsoft.com/office/drawing/2014/main" id="{30F7618C-3389-490F-97E3-13D1FDA34595}"/>
+              </a:ext>
+            </a:extLst>
+          </p:cNvPr>
+          <p:cNvSpPr/>
+          <p:nvPr/>
+        </p:nvSpPr>
+        <p:spPr>
+          <a:xfrm>
+            <a:off x="7663795" y="3140968"/>
+            <a:ext cx="288032" cy="432048"/>
+          </a:xfrm>
+          <a:prstGeom prst="rect">
+            <a:avLst/>
+          </a:prstGeom>
+          <a:solidFill>
+            <a:srgbClr val="FFFF00"/>
+          </a:solidFill>
+          <a:ln w="9525"/>
+        </p:spPr>
+        <p:style>
+          <a:lnRef idx="2">
+            <a:schemeClr val="accent1">
+              <a:shade val="50000"/>
+            </a:schemeClr>
+          </a:lnRef>
+          <a:fillRef idx="1">
+            <a:schemeClr val="accent1"/>
+          </a:fillRef>
+          <a:effectRef idx="0">
+            <a:schemeClr val="accent1"/>
+          </a:effectRef>
+          <a:fontRef idx="minor">
+            <a:schemeClr val="lt1"/>
+          </a:fontRef>
+        </p:style>
+        <p:txBody>
+          <a:bodyPr rot="0" spcFirstLastPara="0" vertOverflow="overflow" horzOverflow="overflow" vert="horz" wrap="square" lIns="91440" tIns="45720" rIns="91440" bIns="45720" numCol="1" spcCol="0" rtlCol="0" fromWordArt="0" anchor="ctr" anchorCtr="0" forceAA="0" compatLnSpc="1">
+            <a:prstTxWarp prst="textNoShape">
+              <a:avLst/>
+            </a:prstTxWarp>
+            <a:noAutofit/>
+          </a:bodyPr>
+          <a:lstStyle/>
+          <a:p>
+            <a:pPr algn="ctr"/>
+            <a:r>
+              <a:rPr lang="en-US" altLang="ko-KR" sz="2000">
+                <a:solidFill>
+                  <a:schemeClr val="tx1"/>
+                </a:solidFill>
+                <a:latin typeface="Consolas" pitchFamily="49" charset="0"/>
+                <a:cs typeface="Consolas" pitchFamily="49" charset="0"/>
+              </a:rPr>
+              <a:t>0</a:t>
+            </a:r>
+            <a:endParaRPr lang="ko-KR" altLang="en-US" sz="2000">
+              <a:solidFill>
+                <a:schemeClr val="tx1"/>
+              </a:solidFill>
+              <a:latin typeface="Consolas" pitchFamily="49" charset="0"/>
+              <a:cs typeface="Consolas" pitchFamily="49" charset="0"/>
+            </a:endParaRPr>
+          </a:p>
+        </p:txBody>
+      </p:sp>
+      <p:sp>
+        <p:nvSpPr>
+          <p:cNvPr id="28" name="직사각형 27">
+            <a:extLst>
+              <a:ext uri="{FF2B5EF4-FFF2-40B4-BE49-F238E27FC236}">
+                <a16:creationId xmlns:a16="http://schemas.microsoft.com/office/drawing/2014/main" id="{056086F7-E440-431F-9B9F-631CBD833D51}"/>
+              </a:ext>
+            </a:extLst>
+          </p:cNvPr>
+          <p:cNvSpPr/>
+          <p:nvPr/>
+        </p:nvSpPr>
+        <p:spPr>
+          <a:xfrm>
+            <a:off x="7951816" y="3140968"/>
+            <a:ext cx="288032" cy="432048"/>
+          </a:xfrm>
+          <a:prstGeom prst="rect">
+            <a:avLst/>
+          </a:prstGeom>
+          <a:solidFill>
+            <a:srgbClr val="FFFF00"/>
+          </a:solidFill>
+          <a:ln w="9525"/>
+        </p:spPr>
+        <p:style>
+          <a:lnRef idx="2">
+            <a:schemeClr val="accent1">
+              <a:shade val="50000"/>
+            </a:schemeClr>
+          </a:lnRef>
+          <a:fillRef idx="1">
+            <a:schemeClr val="accent1"/>
+          </a:fillRef>
+          <a:effectRef idx="0">
+            <a:schemeClr val="accent1"/>
+          </a:effectRef>
+          <a:fontRef idx="minor">
+            <a:schemeClr val="lt1"/>
+          </a:fontRef>
+        </p:style>
+        <p:txBody>
+          <a:bodyPr rot="0" spcFirstLastPara="0" vertOverflow="overflow" horzOverflow="overflow" vert="horz" wrap="square" lIns="91440" tIns="45720" rIns="91440" bIns="45720" numCol="1" spcCol="0" rtlCol="0" fromWordArt="0" anchor="ctr" anchorCtr="0" forceAA="0" compatLnSpc="1">
+            <a:prstTxWarp prst="textNoShape">
+              <a:avLst/>
+            </a:prstTxWarp>
+            <a:noAutofit/>
+          </a:bodyPr>
+          <a:lstStyle/>
+          <a:p>
+            <a:pPr algn="ctr"/>
+            <a:r>
+              <a:rPr lang="en-US" altLang="ko-KR" sz="2000">
+                <a:solidFill>
+                  <a:schemeClr val="tx1"/>
+                </a:solidFill>
+                <a:latin typeface="Consolas" pitchFamily="49" charset="0"/>
+                <a:cs typeface="Consolas" pitchFamily="49" charset="0"/>
+              </a:rPr>
+              <a:t>0</a:t>
+            </a:r>
+            <a:endParaRPr lang="ko-KR" altLang="en-US" sz="2000">
+              <a:solidFill>
+                <a:schemeClr val="tx1"/>
+              </a:solidFill>
+              <a:latin typeface="Consolas" pitchFamily="49" charset="0"/>
+              <a:cs typeface="Consolas" pitchFamily="49" charset="0"/>
+            </a:endParaRPr>
+          </a:p>
+        </p:txBody>
+      </p:sp>
+      <p:sp>
+        <p:nvSpPr>
+          <p:cNvPr id="29" name="직사각형 28">
+            <a:extLst>
+              <a:ext uri="{FF2B5EF4-FFF2-40B4-BE49-F238E27FC236}">
+                <a16:creationId xmlns:a16="http://schemas.microsoft.com/office/drawing/2014/main" id="{3E9B5044-0B31-4B89-BB31-64D77406E382}"/>
+              </a:ext>
+            </a:extLst>
+          </p:cNvPr>
+          <p:cNvSpPr/>
+          <p:nvPr/>
+        </p:nvSpPr>
+        <p:spPr>
+          <a:xfrm>
+            <a:off x="8239837" y="3140968"/>
+            <a:ext cx="288032" cy="432048"/>
+          </a:xfrm>
+          <a:prstGeom prst="rect">
+            <a:avLst/>
+          </a:prstGeom>
+          <a:solidFill>
+            <a:srgbClr val="FFFF00"/>
+          </a:solidFill>
+          <a:ln w="9525"/>
+        </p:spPr>
+        <p:style>
+          <a:lnRef idx="2">
+            <a:schemeClr val="accent1">
+              <a:shade val="50000"/>
+            </a:schemeClr>
+          </a:lnRef>
+          <a:fillRef idx="1">
+            <a:schemeClr val="accent1"/>
+          </a:fillRef>
+          <a:effectRef idx="0">
+            <a:schemeClr val="accent1"/>
+          </a:effectRef>
+          <a:fontRef idx="minor">
+            <a:schemeClr val="lt1"/>
+          </a:fontRef>
+        </p:style>
+        <p:txBody>
+          <a:bodyPr rot="0" spcFirstLastPara="0" vertOverflow="overflow" horzOverflow="overflow" vert="horz" wrap="square" lIns="91440" tIns="45720" rIns="91440" bIns="45720" numCol="1" spcCol="0" rtlCol="0" fromWordArt="0" anchor="ctr" anchorCtr="0" forceAA="0" compatLnSpc="1">
+            <a:prstTxWarp prst="textNoShape">
+              <a:avLst/>
+            </a:prstTxWarp>
+            <a:noAutofit/>
+          </a:bodyPr>
+          <a:lstStyle/>
+          <a:p>
+            <a:pPr algn="ctr"/>
+            <a:r>
+              <a:rPr lang="en-US" altLang="ko-KR" sz="2000">
+                <a:solidFill>
+                  <a:schemeClr val="tx1"/>
+                </a:solidFill>
+                <a:latin typeface="Consolas" pitchFamily="49" charset="0"/>
+                <a:cs typeface="Consolas" pitchFamily="49" charset="0"/>
+              </a:rPr>
+              <a:t>1</a:t>
+            </a:r>
+            <a:endParaRPr lang="ko-KR" altLang="en-US" sz="2000">
+              <a:solidFill>
+                <a:schemeClr val="tx1"/>
+              </a:solidFill>
+              <a:latin typeface="Consolas" pitchFamily="49" charset="0"/>
+              <a:cs typeface="Consolas" pitchFamily="49" charset="0"/>
+            </a:endParaRPr>
+          </a:p>
+        </p:txBody>
+      </p:sp>
+      <p:sp>
+        <p:nvSpPr>
+          <p:cNvPr id="30" name="직사각형 29">
+            <a:extLst>
+              <a:ext uri="{FF2B5EF4-FFF2-40B4-BE49-F238E27FC236}">
+                <a16:creationId xmlns:a16="http://schemas.microsoft.com/office/drawing/2014/main" id="{57426EB6-C3F3-4FBA-9218-CE53E0AC2A08}"/>
+              </a:ext>
+            </a:extLst>
+          </p:cNvPr>
+          <p:cNvSpPr/>
+          <p:nvPr/>
+        </p:nvSpPr>
+        <p:spPr>
+          <a:xfrm>
+            <a:off x="8527847" y="3140968"/>
+            <a:ext cx="288032" cy="432048"/>
+          </a:xfrm>
+          <a:prstGeom prst="rect">
+            <a:avLst/>
+          </a:prstGeom>
+          <a:solidFill>
+            <a:srgbClr val="FFFF00"/>
+          </a:solidFill>
+          <a:ln w="9525"/>
+        </p:spPr>
+        <p:style>
+          <a:lnRef idx="2">
+            <a:schemeClr val="accent1">
+              <a:shade val="50000"/>
+            </a:schemeClr>
+          </a:lnRef>
+          <a:fillRef idx="1">
+            <a:schemeClr val="accent1"/>
+          </a:fillRef>
+          <a:effectRef idx="0">
+            <a:schemeClr val="accent1"/>
+          </a:effectRef>
+          <a:fontRef idx="minor">
+            <a:schemeClr val="lt1"/>
+          </a:fontRef>
+        </p:style>
+        <p:txBody>
+          <a:bodyPr rot="0" spcFirstLastPara="0" vertOverflow="overflow" horzOverflow="overflow" vert="horz" wrap="square" lIns="91440" tIns="45720" rIns="91440" bIns="45720" numCol="1" spcCol="0" rtlCol="0" fromWordArt="0" anchor="ctr" anchorCtr="0" forceAA="0" compatLnSpc="1">
+            <a:prstTxWarp prst="textNoShape">
+              <a:avLst/>
+            </a:prstTxWarp>
+            <a:noAutofit/>
+          </a:bodyPr>
+          <a:lstStyle/>
+          <a:p>
+            <a:pPr algn="ctr"/>
+            <a:r>
+              <a:rPr lang="en-US" altLang="ko-KR" sz="2000">
+                <a:solidFill>
+                  <a:schemeClr val="tx1"/>
+                </a:solidFill>
+                <a:latin typeface="Consolas" pitchFamily="49" charset="0"/>
+                <a:cs typeface="Consolas" pitchFamily="49" charset="0"/>
+              </a:rPr>
+              <a:t>1</a:t>
+            </a:r>
+            <a:endParaRPr lang="ko-KR" altLang="en-US" sz="2000">
+              <a:solidFill>
+                <a:schemeClr val="tx1"/>
+              </a:solidFill>
+              <a:latin typeface="Consolas" pitchFamily="49" charset="0"/>
+              <a:cs typeface="Consolas" pitchFamily="49" charset="0"/>
+            </a:endParaRPr>
+          </a:p>
+        </p:txBody>
+      </p:sp>
+      <p:sp>
+        <p:nvSpPr>
+          <p:cNvPr id="31" name="TextBox 30">
+            <a:extLst>
+              <a:ext uri="{FF2B5EF4-FFF2-40B4-BE49-F238E27FC236}">
+                <a16:creationId xmlns:a16="http://schemas.microsoft.com/office/drawing/2014/main" id="{D25EE9CC-1108-483F-ADC4-DFB92295AA8B}"/>
+              </a:ext>
+            </a:extLst>
+          </p:cNvPr>
+          <p:cNvSpPr txBox="1"/>
+          <p:nvPr/>
+        </p:nvSpPr>
+        <p:spPr>
+          <a:xfrm>
+            <a:off x="5508104" y="3140968"/>
+            <a:ext cx="1031051" cy="400110"/>
+          </a:xfrm>
+          <a:prstGeom prst="rect">
+            <a:avLst/>
+          </a:prstGeom>
+          <a:noFill/>
+        </p:spPr>
+        <p:txBody>
+          <a:bodyPr wrap="none" rtlCol="0">
+            <a:spAutoFit/>
+          </a:bodyPr>
+          <a:lstStyle/>
+          <a:p>
+            <a:r>
+              <a:rPr lang="en-US" altLang="ko-KR" sz="2000">
+                <a:latin typeface="Consolas" pitchFamily="49" charset="0"/>
+                <a:cs typeface="Consolas" pitchFamily="49" charset="0"/>
+              </a:rPr>
+              <a:t>S['l']</a:t>
+            </a:r>
+            <a:endParaRPr lang="ko-KR" altLang="en-US" sz="2000">
+              <a:latin typeface="Consolas" pitchFamily="49" charset="0"/>
+              <a:cs typeface="Consolas" pitchFamily="49" charset="0"/>
+            </a:endParaRPr>
+          </a:p>
+        </p:txBody>
+      </p:sp>
+      <p:sp>
+        <p:nvSpPr>
+          <p:cNvPr id="32" name="직사각형 31">
+            <a:extLst>
+              <a:ext uri="{FF2B5EF4-FFF2-40B4-BE49-F238E27FC236}">
+                <a16:creationId xmlns:a16="http://schemas.microsoft.com/office/drawing/2014/main" id="{146A2329-891E-4417-B6BB-5BFAFCCCE8A9}"/>
+              </a:ext>
+            </a:extLst>
+          </p:cNvPr>
+          <p:cNvSpPr/>
+          <p:nvPr/>
+        </p:nvSpPr>
+        <p:spPr>
+          <a:xfrm>
+            <a:off x="6511711" y="3645024"/>
+            <a:ext cx="288032" cy="432048"/>
+          </a:xfrm>
+          <a:prstGeom prst="rect">
+            <a:avLst/>
+          </a:prstGeom>
+          <a:solidFill>
+            <a:srgbClr val="FFFF00"/>
+          </a:solidFill>
+          <a:ln w="9525"/>
+        </p:spPr>
+        <p:style>
+          <a:lnRef idx="2">
+            <a:schemeClr val="accent1">
+              <a:shade val="50000"/>
+            </a:schemeClr>
+          </a:lnRef>
+          <a:fillRef idx="1">
+            <a:schemeClr val="accent1"/>
+          </a:fillRef>
+          <a:effectRef idx="0">
+            <a:schemeClr val="accent1"/>
+          </a:effectRef>
+          <a:fontRef idx="minor">
+            <a:schemeClr val="lt1"/>
+          </a:fontRef>
+        </p:style>
+        <p:txBody>
+          <a:bodyPr rot="0" spcFirstLastPara="0" vertOverflow="overflow" horzOverflow="overflow" vert="horz" wrap="square" lIns="91440" tIns="45720" rIns="91440" bIns="45720" numCol="1" spcCol="0" rtlCol="0" fromWordArt="0" anchor="ctr" anchorCtr="0" forceAA="0" compatLnSpc="1">
+            <a:prstTxWarp prst="textNoShape">
+              <a:avLst/>
+            </a:prstTxWarp>
+            <a:noAutofit/>
+          </a:bodyPr>
+          <a:lstStyle/>
+          <a:p>
+            <a:pPr algn="ctr"/>
+            <a:r>
+              <a:rPr lang="en-US" altLang="ko-KR" sz="2000">
+                <a:solidFill>
+                  <a:schemeClr val="tx1"/>
+                </a:solidFill>
+                <a:latin typeface="Consolas" pitchFamily="49" charset="0"/>
+                <a:cs typeface="Consolas" pitchFamily="49" charset="0"/>
+              </a:rPr>
+              <a:t>1</a:t>
+            </a:r>
+            <a:endParaRPr lang="ko-KR" altLang="en-US" sz="2000">
+              <a:solidFill>
+                <a:schemeClr val="tx1"/>
+              </a:solidFill>
+              <a:latin typeface="Consolas" pitchFamily="49" charset="0"/>
+              <a:cs typeface="Consolas" pitchFamily="49" charset="0"/>
+            </a:endParaRPr>
+          </a:p>
+        </p:txBody>
+      </p:sp>
+      <p:sp>
+        <p:nvSpPr>
+          <p:cNvPr id="33" name="직사각형 32">
+            <a:extLst>
+              <a:ext uri="{FF2B5EF4-FFF2-40B4-BE49-F238E27FC236}">
+                <a16:creationId xmlns:a16="http://schemas.microsoft.com/office/drawing/2014/main" id="{6369E257-EE80-4502-B2A3-E04A1E811E97}"/>
+              </a:ext>
+            </a:extLst>
+          </p:cNvPr>
+          <p:cNvSpPr/>
+          <p:nvPr/>
+        </p:nvSpPr>
+        <p:spPr>
+          <a:xfrm>
+            <a:off x="6799732" y="3645024"/>
+            <a:ext cx="288032" cy="432048"/>
+          </a:xfrm>
+          <a:prstGeom prst="rect">
+            <a:avLst/>
+          </a:prstGeom>
+          <a:solidFill>
+            <a:srgbClr val="FFFF00"/>
+          </a:solidFill>
+          <a:ln w="9525"/>
+        </p:spPr>
+        <p:style>
+          <a:lnRef idx="2">
+            <a:schemeClr val="accent1">
+              <a:shade val="50000"/>
+            </a:schemeClr>
+          </a:lnRef>
+          <a:fillRef idx="1">
+            <a:schemeClr val="accent1"/>
+          </a:fillRef>
+          <a:effectRef idx="0">
+            <a:schemeClr val="accent1"/>
+          </a:effectRef>
+          <a:fontRef idx="minor">
+            <a:schemeClr val="lt1"/>
+          </a:fontRef>
+        </p:style>
+        <p:txBody>
+          <a:bodyPr rot="0" spcFirstLastPara="0" vertOverflow="overflow" horzOverflow="overflow" vert="horz" wrap="square" lIns="91440" tIns="45720" rIns="91440" bIns="45720" numCol="1" spcCol="0" rtlCol="0" fromWordArt="0" anchor="ctr" anchorCtr="0" forceAA="0" compatLnSpc="1">
+            <a:prstTxWarp prst="textNoShape">
+              <a:avLst/>
+            </a:prstTxWarp>
+            <a:noAutofit/>
+          </a:bodyPr>
+          <a:lstStyle/>
+          <a:p>
+            <a:pPr algn="ctr"/>
+            <a:r>
+              <a:rPr lang="en-US" altLang="ko-KR" sz="2000">
+                <a:solidFill>
+                  <a:schemeClr val="tx1"/>
+                </a:solidFill>
+                <a:latin typeface="Consolas" pitchFamily="49" charset="0"/>
+                <a:cs typeface="Consolas" pitchFamily="49" charset="0"/>
+              </a:rPr>
+              <a:t>1</a:t>
+            </a:r>
+            <a:endParaRPr lang="ko-KR" altLang="en-US" sz="2000">
+              <a:solidFill>
+                <a:schemeClr val="tx1"/>
+              </a:solidFill>
+              <a:latin typeface="Consolas" pitchFamily="49" charset="0"/>
+              <a:cs typeface="Consolas" pitchFamily="49" charset="0"/>
+            </a:endParaRPr>
+          </a:p>
+        </p:txBody>
+      </p:sp>
+      <p:sp>
+        <p:nvSpPr>
+          <p:cNvPr id="34" name="직사각형 33">
+            <a:extLst>
+              <a:ext uri="{FF2B5EF4-FFF2-40B4-BE49-F238E27FC236}">
+                <a16:creationId xmlns:a16="http://schemas.microsoft.com/office/drawing/2014/main" id="{360E2C97-EFA9-4B4D-8F2A-0092ABA30BC8}"/>
+              </a:ext>
+            </a:extLst>
+          </p:cNvPr>
+          <p:cNvSpPr/>
+          <p:nvPr/>
+        </p:nvSpPr>
+        <p:spPr>
+          <a:xfrm>
+            <a:off x="7087753" y="3645024"/>
+            <a:ext cx="288032" cy="432048"/>
+          </a:xfrm>
+          <a:prstGeom prst="rect">
+            <a:avLst/>
+          </a:prstGeom>
+          <a:solidFill>
+            <a:srgbClr val="FFFF00"/>
+          </a:solidFill>
+          <a:ln w="9525"/>
+        </p:spPr>
+        <p:style>
+          <a:lnRef idx="2">
+            <a:schemeClr val="accent1">
+              <a:shade val="50000"/>
+            </a:schemeClr>
+          </a:lnRef>
+          <a:fillRef idx="1">
+            <a:schemeClr val="accent1"/>
+          </a:fillRef>
+          <a:effectRef idx="0">
+            <a:schemeClr val="accent1"/>
+          </a:effectRef>
+          <a:fontRef idx="minor">
+            <a:schemeClr val="lt1"/>
+          </a:fontRef>
+        </p:style>
+        <p:txBody>
+          <a:bodyPr rot="0" spcFirstLastPara="0" vertOverflow="overflow" horzOverflow="overflow" vert="horz" wrap="square" lIns="91440" tIns="45720" rIns="91440" bIns="45720" numCol="1" spcCol="0" rtlCol="0" fromWordArt="0" anchor="ctr" anchorCtr="0" forceAA="0" compatLnSpc="1">
+            <a:prstTxWarp prst="textNoShape">
+              <a:avLst/>
+            </a:prstTxWarp>
+            <a:noAutofit/>
+          </a:bodyPr>
+          <a:lstStyle/>
+          <a:p>
+            <a:pPr algn="ctr"/>
+            <a:r>
+              <a:rPr lang="en-US" altLang="ko-KR" sz="2000">
+                <a:solidFill>
+                  <a:schemeClr val="tx1"/>
+                </a:solidFill>
+                <a:latin typeface="Consolas" pitchFamily="49" charset="0"/>
+                <a:cs typeface="Consolas" pitchFamily="49" charset="0"/>
+              </a:rPr>
+              <a:t>1</a:t>
+            </a:r>
+            <a:endParaRPr lang="ko-KR" altLang="en-US" sz="2000">
+              <a:solidFill>
+                <a:schemeClr val="tx1"/>
+              </a:solidFill>
+              <a:latin typeface="Consolas" pitchFamily="49" charset="0"/>
+              <a:cs typeface="Consolas" pitchFamily="49" charset="0"/>
+            </a:endParaRPr>
+          </a:p>
+        </p:txBody>
+      </p:sp>
+      <p:sp>
+        <p:nvSpPr>
+          <p:cNvPr id="35" name="직사각형 34">
+            <a:extLst>
+              <a:ext uri="{FF2B5EF4-FFF2-40B4-BE49-F238E27FC236}">
+                <a16:creationId xmlns:a16="http://schemas.microsoft.com/office/drawing/2014/main" id="{888950FD-4D6F-4F1F-BA2C-222C3A0356F2}"/>
+              </a:ext>
+            </a:extLst>
+          </p:cNvPr>
+          <p:cNvSpPr/>
+          <p:nvPr/>
+        </p:nvSpPr>
+        <p:spPr>
+          <a:xfrm>
+            <a:off x="7375774" y="3645024"/>
+            <a:ext cx="288032" cy="432048"/>
+          </a:xfrm>
+          <a:prstGeom prst="rect">
+            <a:avLst/>
+          </a:prstGeom>
+          <a:solidFill>
+            <a:srgbClr val="FFFF00"/>
+          </a:solidFill>
+          <a:ln w="9525"/>
+        </p:spPr>
+        <p:style>
+          <a:lnRef idx="2">
+            <a:schemeClr val="accent1">
+              <a:shade val="50000"/>
+            </a:schemeClr>
+          </a:lnRef>
+          <a:fillRef idx="1">
+            <a:schemeClr val="accent1"/>
+          </a:fillRef>
+          <a:effectRef idx="0">
+            <a:schemeClr val="accent1"/>
+          </a:effectRef>
+          <a:fontRef idx="minor">
+            <a:schemeClr val="lt1"/>
+          </a:fontRef>
+        </p:style>
+        <p:txBody>
+          <a:bodyPr rot="0" spcFirstLastPara="0" vertOverflow="overflow" horzOverflow="overflow" vert="horz" wrap="square" lIns="91440" tIns="45720" rIns="91440" bIns="45720" numCol="1" spcCol="0" rtlCol="0" fromWordArt="0" anchor="ctr" anchorCtr="0" forceAA="0" compatLnSpc="1">
+            <a:prstTxWarp prst="textNoShape">
+              <a:avLst/>
+            </a:prstTxWarp>
+            <a:noAutofit/>
+          </a:bodyPr>
+          <a:lstStyle/>
+          <a:p>
+            <a:pPr algn="ctr"/>
+            <a:r>
+              <a:rPr lang="en-US" altLang="ko-KR" sz="2000">
+                <a:solidFill>
+                  <a:schemeClr val="tx1"/>
+                </a:solidFill>
+                <a:latin typeface="Consolas" pitchFamily="49" charset="0"/>
+                <a:cs typeface="Consolas" pitchFamily="49" charset="0"/>
+              </a:rPr>
+              <a:t>0</a:t>
+            </a:r>
+            <a:endParaRPr lang="ko-KR" altLang="en-US" sz="2000">
+              <a:solidFill>
+                <a:schemeClr val="tx1"/>
+              </a:solidFill>
+              <a:latin typeface="Consolas" pitchFamily="49" charset="0"/>
+              <a:cs typeface="Consolas" pitchFamily="49" charset="0"/>
+            </a:endParaRPr>
+          </a:p>
+        </p:txBody>
+      </p:sp>
+      <p:sp>
+        <p:nvSpPr>
+          <p:cNvPr id="36" name="직사각형 35">
+            <a:extLst>
+              <a:ext uri="{FF2B5EF4-FFF2-40B4-BE49-F238E27FC236}">
+                <a16:creationId xmlns:a16="http://schemas.microsoft.com/office/drawing/2014/main" id="{DC41BD71-5E51-461C-B70D-4CE5BBF74934}"/>
+              </a:ext>
+            </a:extLst>
+          </p:cNvPr>
+          <p:cNvSpPr/>
+          <p:nvPr/>
+        </p:nvSpPr>
+        <p:spPr>
+          <a:xfrm>
+            <a:off x="7663795" y="3645024"/>
+            <a:ext cx="288032" cy="432048"/>
+          </a:xfrm>
+          <a:prstGeom prst="rect">
+            <a:avLst/>
+          </a:prstGeom>
+          <a:solidFill>
+            <a:srgbClr val="FFFF00"/>
+          </a:solidFill>
+          <a:ln w="9525"/>
+        </p:spPr>
+        <p:style>
+          <a:lnRef idx="2">
+            <a:schemeClr val="accent1">
+              <a:shade val="50000"/>
+            </a:schemeClr>
+          </a:lnRef>
+          <a:fillRef idx="1">
+            <a:schemeClr val="accent1"/>
+          </a:fillRef>
+          <a:effectRef idx="0">
+            <a:schemeClr val="accent1"/>
+          </a:effectRef>
+          <a:fontRef idx="minor">
+            <a:schemeClr val="lt1"/>
+          </a:fontRef>
+        </p:style>
+        <p:txBody>
+          <a:bodyPr rot="0" spcFirstLastPara="0" vertOverflow="overflow" horzOverflow="overflow" vert="horz" wrap="square" lIns="91440" tIns="45720" rIns="91440" bIns="45720" numCol="1" spcCol="0" rtlCol="0" fromWordArt="0" anchor="ctr" anchorCtr="0" forceAA="0" compatLnSpc="1">
+            <a:prstTxWarp prst="textNoShape">
+              <a:avLst/>
+            </a:prstTxWarp>
+            <a:noAutofit/>
+          </a:bodyPr>
+          <a:lstStyle/>
+          <a:p>
+            <a:pPr algn="ctr"/>
+            <a:r>
+              <a:rPr lang="en-US" altLang="ko-KR" sz="2000">
+                <a:solidFill>
+                  <a:schemeClr val="tx1"/>
+                </a:solidFill>
+                <a:latin typeface="Consolas" pitchFamily="49" charset="0"/>
+                <a:cs typeface="Consolas" pitchFamily="49" charset="0"/>
+              </a:rPr>
+              <a:t>1</a:t>
+            </a:r>
+            <a:endParaRPr lang="ko-KR" altLang="en-US" sz="2000">
+              <a:solidFill>
+                <a:schemeClr val="tx1"/>
+              </a:solidFill>
+              <a:latin typeface="Consolas" pitchFamily="49" charset="0"/>
+              <a:cs typeface="Consolas" pitchFamily="49" charset="0"/>
+            </a:endParaRPr>
+          </a:p>
+        </p:txBody>
+      </p:sp>
+      <p:sp>
+        <p:nvSpPr>
+          <p:cNvPr id="37" name="직사각형 36">
+            <a:extLst>
+              <a:ext uri="{FF2B5EF4-FFF2-40B4-BE49-F238E27FC236}">
+                <a16:creationId xmlns:a16="http://schemas.microsoft.com/office/drawing/2014/main" id="{6049F5E3-5B59-4B72-8A57-DDA090A2B337}"/>
+              </a:ext>
+            </a:extLst>
+          </p:cNvPr>
+          <p:cNvSpPr/>
+          <p:nvPr/>
+        </p:nvSpPr>
+        <p:spPr>
+          <a:xfrm>
+            <a:off x="7951816" y="3645024"/>
+            <a:ext cx="288032" cy="432048"/>
+          </a:xfrm>
+          <a:prstGeom prst="rect">
+            <a:avLst/>
+          </a:prstGeom>
+          <a:solidFill>
+            <a:srgbClr val="FFFF00"/>
+          </a:solidFill>
+          <a:ln w="9525"/>
+        </p:spPr>
+        <p:style>
+          <a:lnRef idx="2">
+            <a:schemeClr val="accent1">
+              <a:shade val="50000"/>
+            </a:schemeClr>
+          </a:lnRef>
+          <a:fillRef idx="1">
+            <a:schemeClr val="accent1"/>
+          </a:fillRef>
+          <a:effectRef idx="0">
+            <a:schemeClr val="accent1"/>
+          </a:effectRef>
+          <a:fontRef idx="minor">
+            <a:schemeClr val="lt1"/>
+          </a:fontRef>
+        </p:style>
+        <p:txBody>
+          <a:bodyPr rot="0" spcFirstLastPara="0" vertOverflow="overflow" horzOverflow="overflow" vert="horz" wrap="square" lIns="91440" tIns="45720" rIns="91440" bIns="45720" numCol="1" spcCol="0" rtlCol="0" fromWordArt="0" anchor="ctr" anchorCtr="0" forceAA="0" compatLnSpc="1">
+            <a:prstTxWarp prst="textNoShape">
+              <a:avLst/>
+            </a:prstTxWarp>
+            <a:noAutofit/>
+          </a:bodyPr>
+          <a:lstStyle/>
+          <a:p>
+            <a:pPr algn="ctr"/>
+            <a:r>
+              <a:rPr lang="en-US" altLang="ko-KR" sz="2000">
+                <a:solidFill>
+                  <a:schemeClr val="tx1"/>
+                </a:solidFill>
+                <a:latin typeface="Consolas" pitchFamily="49" charset="0"/>
+                <a:cs typeface="Consolas" pitchFamily="49" charset="0"/>
+              </a:rPr>
+              <a:t>1</a:t>
+            </a:r>
+            <a:endParaRPr lang="ko-KR" altLang="en-US" sz="2000">
+              <a:solidFill>
+                <a:schemeClr val="tx1"/>
+              </a:solidFill>
+              <a:latin typeface="Consolas" pitchFamily="49" charset="0"/>
+              <a:cs typeface="Consolas" pitchFamily="49" charset="0"/>
+            </a:endParaRPr>
+          </a:p>
+        </p:txBody>
+      </p:sp>
+      <p:sp>
+        <p:nvSpPr>
+          <p:cNvPr id="38" name="직사각형 37">
+            <a:extLst>
+              <a:ext uri="{FF2B5EF4-FFF2-40B4-BE49-F238E27FC236}">
+                <a16:creationId xmlns:a16="http://schemas.microsoft.com/office/drawing/2014/main" id="{79529483-6896-4913-940C-1D1E57496A0F}"/>
+              </a:ext>
+            </a:extLst>
+          </p:cNvPr>
+          <p:cNvSpPr/>
+          <p:nvPr/>
+        </p:nvSpPr>
+        <p:spPr>
+          <a:xfrm>
+            <a:off x="8239837" y="3645024"/>
+            <a:ext cx="288032" cy="432048"/>
+          </a:xfrm>
+          <a:prstGeom prst="rect">
+            <a:avLst/>
+          </a:prstGeom>
+          <a:solidFill>
+            <a:srgbClr val="FFFF00"/>
+          </a:solidFill>
+          <a:ln w="9525"/>
+        </p:spPr>
+        <p:style>
+          <a:lnRef idx="2">
+            <a:schemeClr val="accent1">
+              <a:shade val="50000"/>
+            </a:schemeClr>
+          </a:lnRef>
+          <a:fillRef idx="1">
+            <a:schemeClr val="accent1"/>
+          </a:fillRef>
+          <a:effectRef idx="0">
+            <a:schemeClr val="accent1"/>
+          </a:effectRef>
+          <a:fontRef idx="minor">
+            <a:schemeClr val="lt1"/>
+          </a:fontRef>
+        </p:style>
+        <p:txBody>
+          <a:bodyPr rot="0" spcFirstLastPara="0" vertOverflow="overflow" horzOverflow="overflow" vert="horz" wrap="square" lIns="91440" tIns="45720" rIns="91440" bIns="45720" numCol="1" spcCol="0" rtlCol="0" fromWordArt="0" anchor="ctr" anchorCtr="0" forceAA="0" compatLnSpc="1">
+            <a:prstTxWarp prst="textNoShape">
+              <a:avLst/>
+            </a:prstTxWarp>
+            <a:noAutofit/>
+          </a:bodyPr>
+          <a:lstStyle/>
+          <a:p>
+            <a:pPr algn="ctr"/>
+            <a:r>
+              <a:rPr lang="en-US" altLang="ko-KR" sz="2000">
+                <a:solidFill>
+                  <a:schemeClr val="tx1"/>
+                </a:solidFill>
+                <a:latin typeface="Consolas" pitchFamily="49" charset="0"/>
+                <a:cs typeface="Consolas" pitchFamily="49" charset="0"/>
+              </a:rPr>
+              <a:t>1</a:t>
+            </a:r>
+            <a:endParaRPr lang="ko-KR" altLang="en-US" sz="2000">
+              <a:solidFill>
+                <a:schemeClr val="tx1"/>
+              </a:solidFill>
+              <a:latin typeface="Consolas" pitchFamily="49" charset="0"/>
+              <a:cs typeface="Consolas" pitchFamily="49" charset="0"/>
+            </a:endParaRPr>
+          </a:p>
+        </p:txBody>
+      </p:sp>
+      <p:sp>
+        <p:nvSpPr>
+          <p:cNvPr id="39" name="직사각형 38">
+            <a:extLst>
+              <a:ext uri="{FF2B5EF4-FFF2-40B4-BE49-F238E27FC236}">
+                <a16:creationId xmlns:a16="http://schemas.microsoft.com/office/drawing/2014/main" id="{044A49E9-18C1-4685-9B13-771B8644CB8A}"/>
+              </a:ext>
+            </a:extLst>
+          </p:cNvPr>
+          <p:cNvSpPr/>
+          <p:nvPr/>
+        </p:nvSpPr>
+        <p:spPr>
+          <a:xfrm>
+            <a:off x="8527847" y="3645024"/>
+            <a:ext cx="288032" cy="432048"/>
+          </a:xfrm>
+          <a:prstGeom prst="rect">
+            <a:avLst/>
+          </a:prstGeom>
+          <a:solidFill>
+            <a:srgbClr val="FFFF00"/>
+          </a:solidFill>
+          <a:ln w="9525"/>
+        </p:spPr>
+        <p:style>
+          <a:lnRef idx="2">
+            <a:schemeClr val="accent1">
+              <a:shade val="50000"/>
+            </a:schemeClr>
+          </a:lnRef>
+          <a:fillRef idx="1">
+            <a:schemeClr val="accent1"/>
+          </a:fillRef>
+          <a:effectRef idx="0">
+            <a:schemeClr val="accent1"/>
+          </a:effectRef>
+          <a:fontRef idx="minor">
+            <a:schemeClr val="lt1"/>
+          </a:fontRef>
+        </p:style>
+        <p:txBody>
+          <a:bodyPr rot="0" spcFirstLastPara="0" vertOverflow="overflow" horzOverflow="overflow" vert="horz" wrap="square" lIns="91440" tIns="45720" rIns="91440" bIns="45720" numCol="1" spcCol="0" rtlCol="0" fromWordArt="0" anchor="ctr" anchorCtr="0" forceAA="0" compatLnSpc="1">
+            <a:prstTxWarp prst="textNoShape">
+              <a:avLst/>
+            </a:prstTxWarp>
+            <a:noAutofit/>
+          </a:bodyPr>
+          <a:lstStyle/>
+          <a:p>
+            <a:pPr algn="ctr"/>
+            <a:r>
+              <a:rPr lang="en-US" altLang="ko-KR" sz="2000">
+                <a:solidFill>
+                  <a:schemeClr val="tx1"/>
+                </a:solidFill>
+                <a:latin typeface="Consolas" pitchFamily="49" charset="0"/>
+                <a:cs typeface="Consolas" pitchFamily="49" charset="0"/>
+              </a:rPr>
+              <a:t>1</a:t>
+            </a:r>
+            <a:endParaRPr lang="ko-KR" altLang="en-US" sz="2000">
+              <a:solidFill>
+                <a:schemeClr val="tx1"/>
+              </a:solidFill>
+              <a:latin typeface="Consolas" pitchFamily="49" charset="0"/>
+              <a:cs typeface="Consolas" pitchFamily="49" charset="0"/>
+            </a:endParaRPr>
+          </a:p>
+        </p:txBody>
+      </p:sp>
+      <p:sp>
+        <p:nvSpPr>
+          <p:cNvPr id="40" name="TextBox 39">
+            <a:extLst>
+              <a:ext uri="{FF2B5EF4-FFF2-40B4-BE49-F238E27FC236}">
+                <a16:creationId xmlns:a16="http://schemas.microsoft.com/office/drawing/2014/main" id="{1A52DC57-E4A7-4CE4-A288-5D01D3234246}"/>
+              </a:ext>
+            </a:extLst>
+          </p:cNvPr>
+          <p:cNvSpPr txBox="1"/>
+          <p:nvPr/>
+        </p:nvSpPr>
+        <p:spPr>
+          <a:xfrm>
+            <a:off x="5508104" y="3645024"/>
+            <a:ext cx="1031051" cy="400110"/>
+          </a:xfrm>
+          <a:prstGeom prst="rect">
+            <a:avLst/>
+          </a:prstGeom>
+          <a:noFill/>
+        </p:spPr>
+        <p:txBody>
+          <a:bodyPr wrap="none" rtlCol="0">
+            <a:spAutoFit/>
+          </a:bodyPr>
+          <a:lstStyle/>
+          <a:p>
+            <a:r>
+              <a:rPr lang="en-US" altLang="ko-KR" sz="2000">
+                <a:latin typeface="Consolas" pitchFamily="49" charset="0"/>
+                <a:cs typeface="Consolas" pitchFamily="49" charset="0"/>
+              </a:rPr>
+              <a:t>S['o']</a:t>
+            </a:r>
+            <a:endParaRPr lang="ko-KR" altLang="en-US" sz="2000">
+              <a:latin typeface="Consolas" pitchFamily="49" charset="0"/>
+              <a:cs typeface="Consolas" pitchFamily="49" charset="0"/>
+            </a:endParaRPr>
+          </a:p>
+        </p:txBody>
+      </p:sp>
+      <p:sp>
+        <p:nvSpPr>
+          <p:cNvPr id="41" name="직사각형 40">
+            <a:extLst>
+              <a:ext uri="{FF2B5EF4-FFF2-40B4-BE49-F238E27FC236}">
+                <a16:creationId xmlns:a16="http://schemas.microsoft.com/office/drawing/2014/main" id="{5890CC64-F9AE-44D0-935D-BF10F1616B37}"/>
+              </a:ext>
+            </a:extLst>
+          </p:cNvPr>
+          <p:cNvSpPr/>
+          <p:nvPr/>
+        </p:nvSpPr>
+        <p:spPr>
+          <a:xfrm>
+            <a:off x="6511711" y="6021288"/>
+            <a:ext cx="288032" cy="432048"/>
+          </a:xfrm>
+          <a:prstGeom prst="rect">
+            <a:avLst/>
+          </a:prstGeom>
+          <a:solidFill>
+            <a:srgbClr val="FFFF00"/>
+          </a:solidFill>
+          <a:ln w="9525"/>
+        </p:spPr>
+        <p:style>
+          <a:lnRef idx="2">
+            <a:schemeClr val="accent1">
+              <a:shade val="50000"/>
+            </a:schemeClr>
+          </a:lnRef>
+          <a:fillRef idx="1">
+            <a:schemeClr val="accent1"/>
+          </a:fillRef>
+          <a:effectRef idx="0">
+            <a:schemeClr val="accent1"/>
+          </a:effectRef>
+          <a:fontRef idx="minor">
+            <a:schemeClr val="lt1"/>
+          </a:fontRef>
+        </p:style>
+        <p:txBody>
+          <a:bodyPr rot="0" spcFirstLastPara="0" vertOverflow="overflow" horzOverflow="overflow" vert="horz" wrap="square" lIns="91440" tIns="45720" rIns="91440" bIns="45720" numCol="1" spcCol="0" rtlCol="0" fromWordArt="0" anchor="ctr" anchorCtr="0" forceAA="0" compatLnSpc="1">
+            <a:prstTxWarp prst="textNoShape">
+              <a:avLst/>
+            </a:prstTxWarp>
+            <a:noAutofit/>
+          </a:bodyPr>
+          <a:lstStyle/>
+          <a:p>
+            <a:pPr algn="ctr"/>
+            <a:r>
+              <a:rPr lang="en-US" altLang="ko-KR" sz="2000">
+                <a:solidFill>
+                  <a:schemeClr val="tx1"/>
+                </a:solidFill>
+                <a:latin typeface="Consolas" pitchFamily="49" charset="0"/>
+                <a:cs typeface="Consolas" pitchFamily="49" charset="0"/>
+              </a:rPr>
+              <a:t>1</a:t>
+            </a:r>
+            <a:endParaRPr lang="ko-KR" altLang="en-US" sz="2000">
+              <a:solidFill>
+                <a:schemeClr val="tx1"/>
+              </a:solidFill>
+              <a:latin typeface="Consolas" pitchFamily="49" charset="0"/>
+              <a:cs typeface="Consolas" pitchFamily="49" charset="0"/>
+            </a:endParaRPr>
+          </a:p>
+        </p:txBody>
+      </p:sp>
+      <p:sp>
+        <p:nvSpPr>
+          <p:cNvPr id="42" name="직사각형 41">
+            <a:extLst>
+              <a:ext uri="{FF2B5EF4-FFF2-40B4-BE49-F238E27FC236}">
+                <a16:creationId xmlns:a16="http://schemas.microsoft.com/office/drawing/2014/main" id="{1411E66B-CE39-46F1-948E-456F7490257E}"/>
+              </a:ext>
+            </a:extLst>
+          </p:cNvPr>
+          <p:cNvSpPr/>
+          <p:nvPr/>
+        </p:nvSpPr>
+        <p:spPr>
+          <a:xfrm>
+            <a:off x="6799732" y="6021288"/>
+            <a:ext cx="288032" cy="432048"/>
+          </a:xfrm>
+          <a:prstGeom prst="rect">
+            <a:avLst/>
+          </a:prstGeom>
+          <a:solidFill>
+            <a:srgbClr val="FFFF00"/>
+          </a:solidFill>
+          <a:ln w="9525"/>
+        </p:spPr>
+        <p:style>
+          <a:lnRef idx="2">
+            <a:schemeClr val="accent1">
+              <a:shade val="50000"/>
+            </a:schemeClr>
+          </a:lnRef>
+          <a:fillRef idx="1">
+            <a:schemeClr val="accent1"/>
+          </a:fillRef>
+          <a:effectRef idx="0">
+            <a:schemeClr val="accent1"/>
+          </a:effectRef>
+          <a:fontRef idx="minor">
+            <a:schemeClr val="lt1"/>
+          </a:fontRef>
+        </p:style>
+        <p:txBody>
+          <a:bodyPr rot="0" spcFirstLastPara="0" vertOverflow="overflow" horzOverflow="overflow" vert="horz" wrap="square" lIns="91440" tIns="45720" rIns="91440" bIns="45720" numCol="1" spcCol="0" rtlCol="0" fromWordArt="0" anchor="ctr" anchorCtr="0" forceAA="0" compatLnSpc="1">
+            <a:prstTxWarp prst="textNoShape">
+              <a:avLst/>
+            </a:prstTxWarp>
+            <a:noAutofit/>
+          </a:bodyPr>
+          <a:lstStyle/>
+          <a:p>
+            <a:pPr algn="ctr"/>
+            <a:r>
+              <a:rPr lang="en-US" altLang="ko-KR" sz="2000">
+                <a:solidFill>
+                  <a:schemeClr val="tx1"/>
+                </a:solidFill>
+                <a:latin typeface="Consolas" pitchFamily="49" charset="0"/>
+                <a:cs typeface="Consolas" pitchFamily="49" charset="0"/>
+              </a:rPr>
+              <a:t>1</a:t>
+            </a:r>
+            <a:endParaRPr lang="ko-KR" altLang="en-US" sz="2000">
+              <a:solidFill>
+                <a:schemeClr val="tx1"/>
+              </a:solidFill>
+              <a:latin typeface="Consolas" pitchFamily="49" charset="0"/>
+              <a:cs typeface="Consolas" pitchFamily="49" charset="0"/>
+            </a:endParaRPr>
+          </a:p>
+        </p:txBody>
+      </p:sp>
+      <p:sp>
+        <p:nvSpPr>
+          <p:cNvPr id="43" name="직사각형 42">
+            <a:extLst>
+              <a:ext uri="{FF2B5EF4-FFF2-40B4-BE49-F238E27FC236}">
+                <a16:creationId xmlns:a16="http://schemas.microsoft.com/office/drawing/2014/main" id="{6DBB01DB-CE5E-4B50-A61A-A646CCD061FB}"/>
+              </a:ext>
+            </a:extLst>
+          </p:cNvPr>
+          <p:cNvSpPr/>
+          <p:nvPr/>
+        </p:nvSpPr>
+        <p:spPr>
+          <a:xfrm>
+            <a:off x="7087753" y="6021288"/>
+            <a:ext cx="288032" cy="432048"/>
+          </a:xfrm>
+          <a:prstGeom prst="rect">
+            <a:avLst/>
+          </a:prstGeom>
+          <a:solidFill>
+            <a:srgbClr val="FFFF00"/>
+          </a:solidFill>
+          <a:ln w="9525"/>
+        </p:spPr>
+        <p:style>
+          <a:lnRef idx="2">
+            <a:schemeClr val="accent1">
+              <a:shade val="50000"/>
+            </a:schemeClr>
+          </a:lnRef>
+          <a:fillRef idx="1">
+            <a:schemeClr val="accent1"/>
+          </a:fillRef>
+          <a:effectRef idx="0">
+            <a:schemeClr val="accent1"/>
+          </a:effectRef>
+          <a:fontRef idx="minor">
+            <a:schemeClr val="lt1"/>
+          </a:fontRef>
+        </p:style>
+        <p:txBody>
+          <a:bodyPr rot="0" spcFirstLastPara="0" vertOverflow="overflow" horzOverflow="overflow" vert="horz" wrap="square" lIns="91440" tIns="45720" rIns="91440" bIns="45720" numCol="1" spcCol="0" rtlCol="0" fromWordArt="0" anchor="ctr" anchorCtr="0" forceAA="0" compatLnSpc="1">
+            <a:prstTxWarp prst="textNoShape">
+              <a:avLst/>
+            </a:prstTxWarp>
+            <a:noAutofit/>
+          </a:bodyPr>
+          <a:lstStyle/>
+          <a:p>
+            <a:pPr algn="ctr"/>
+            <a:r>
+              <a:rPr lang="en-US" altLang="ko-KR" sz="2000">
+                <a:solidFill>
+                  <a:schemeClr val="tx1"/>
+                </a:solidFill>
+                <a:latin typeface="Consolas" pitchFamily="49" charset="0"/>
+                <a:cs typeface="Consolas" pitchFamily="49" charset="0"/>
+              </a:rPr>
+              <a:t>1</a:t>
+            </a:r>
+            <a:endParaRPr lang="ko-KR" altLang="en-US" sz="2000">
+              <a:solidFill>
+                <a:schemeClr val="tx1"/>
+              </a:solidFill>
+              <a:latin typeface="Consolas" pitchFamily="49" charset="0"/>
+              <a:cs typeface="Consolas" pitchFamily="49" charset="0"/>
+            </a:endParaRPr>
+          </a:p>
+        </p:txBody>
+      </p:sp>
+      <p:sp>
+        <p:nvSpPr>
+          <p:cNvPr id="44" name="직사각형 43">
+            <a:extLst>
+              <a:ext uri="{FF2B5EF4-FFF2-40B4-BE49-F238E27FC236}">
+                <a16:creationId xmlns:a16="http://schemas.microsoft.com/office/drawing/2014/main" id="{B14AF951-2B79-470F-AA87-CF17681B7BFF}"/>
+              </a:ext>
+            </a:extLst>
+          </p:cNvPr>
+          <p:cNvSpPr/>
+          <p:nvPr/>
+        </p:nvSpPr>
+        <p:spPr>
+          <a:xfrm>
+            <a:off x="7375774" y="6021288"/>
+            <a:ext cx="288032" cy="432048"/>
+          </a:xfrm>
+          <a:prstGeom prst="rect">
+            <a:avLst/>
+          </a:prstGeom>
+          <a:solidFill>
+            <a:srgbClr val="FFFF00"/>
+          </a:solidFill>
+          <a:ln w="9525"/>
+        </p:spPr>
+        <p:style>
+          <a:lnRef idx="2">
+            <a:schemeClr val="accent1">
+              <a:shade val="50000"/>
+            </a:schemeClr>
+          </a:lnRef>
+          <a:fillRef idx="1">
+            <a:schemeClr val="accent1"/>
+          </a:fillRef>
+          <a:effectRef idx="0">
+            <a:schemeClr val="accent1"/>
+          </a:effectRef>
+          <a:fontRef idx="minor">
+            <a:schemeClr val="lt1"/>
+          </a:fontRef>
+        </p:style>
+        <p:txBody>
+          <a:bodyPr rot="0" spcFirstLastPara="0" vertOverflow="overflow" horzOverflow="overflow" vert="horz" wrap="square" lIns="91440" tIns="45720" rIns="91440" bIns="45720" numCol="1" spcCol="0" rtlCol="0" fromWordArt="0" anchor="ctr" anchorCtr="0" forceAA="0" compatLnSpc="1">
+            <a:prstTxWarp prst="textNoShape">
+              <a:avLst/>
+            </a:prstTxWarp>
+            <a:noAutofit/>
+          </a:bodyPr>
+          <a:lstStyle/>
+          <a:p>
+            <a:pPr algn="ctr"/>
+            <a:r>
+              <a:rPr lang="en-US" altLang="ko-KR" sz="2000">
+                <a:solidFill>
+                  <a:schemeClr val="tx1"/>
+                </a:solidFill>
+                <a:latin typeface="Consolas" pitchFamily="49" charset="0"/>
+                <a:cs typeface="Consolas" pitchFamily="49" charset="0"/>
+              </a:rPr>
+              <a:t>1</a:t>
+            </a:r>
+            <a:endParaRPr lang="ko-KR" altLang="en-US" sz="2000">
+              <a:solidFill>
+                <a:schemeClr val="tx1"/>
+              </a:solidFill>
+              <a:latin typeface="Consolas" pitchFamily="49" charset="0"/>
+              <a:cs typeface="Consolas" pitchFamily="49" charset="0"/>
+            </a:endParaRPr>
+          </a:p>
+        </p:txBody>
+      </p:sp>
+      <p:sp>
+        <p:nvSpPr>
+          <p:cNvPr id="45" name="직사각형 44">
+            <a:extLst>
+              <a:ext uri="{FF2B5EF4-FFF2-40B4-BE49-F238E27FC236}">
+                <a16:creationId xmlns:a16="http://schemas.microsoft.com/office/drawing/2014/main" id="{3718559E-52A8-44BB-931A-EF5956351312}"/>
+              </a:ext>
+            </a:extLst>
+          </p:cNvPr>
+          <p:cNvSpPr/>
+          <p:nvPr/>
+        </p:nvSpPr>
+        <p:spPr>
+          <a:xfrm>
+            <a:off x="7663795" y="6021288"/>
+            <a:ext cx="288032" cy="432048"/>
+          </a:xfrm>
+          <a:prstGeom prst="rect">
+            <a:avLst/>
+          </a:prstGeom>
+          <a:solidFill>
+            <a:srgbClr val="FFFF00"/>
+          </a:solidFill>
+          <a:ln w="9525"/>
+        </p:spPr>
+        <p:style>
+          <a:lnRef idx="2">
+            <a:schemeClr val="accent1">
+              <a:shade val="50000"/>
+            </a:schemeClr>
+          </a:lnRef>
+          <a:fillRef idx="1">
+            <a:schemeClr val="accent1"/>
+          </a:fillRef>
+          <a:effectRef idx="0">
+            <a:schemeClr val="accent1"/>
+          </a:effectRef>
+          <a:fontRef idx="minor">
+            <a:schemeClr val="lt1"/>
+          </a:fontRef>
+        </p:style>
+        <p:txBody>
+          <a:bodyPr rot="0" spcFirstLastPara="0" vertOverflow="overflow" horzOverflow="overflow" vert="horz" wrap="square" lIns="91440" tIns="45720" rIns="91440" bIns="45720" numCol="1" spcCol="0" rtlCol="0" fromWordArt="0" anchor="ctr" anchorCtr="0" forceAA="0" compatLnSpc="1">
+            <a:prstTxWarp prst="textNoShape">
+              <a:avLst/>
+            </a:prstTxWarp>
+            <a:noAutofit/>
+          </a:bodyPr>
+          <a:lstStyle/>
+          <a:p>
+            <a:pPr algn="ctr"/>
+            <a:r>
+              <a:rPr lang="en-US" altLang="ko-KR" sz="2000">
+                <a:solidFill>
+                  <a:schemeClr val="tx1"/>
+                </a:solidFill>
+                <a:latin typeface="Consolas" pitchFamily="49" charset="0"/>
+                <a:cs typeface="Consolas" pitchFamily="49" charset="0"/>
+              </a:rPr>
+              <a:t>0</a:t>
+            </a:r>
+            <a:endParaRPr lang="ko-KR" altLang="en-US" sz="2000">
+              <a:solidFill>
+                <a:schemeClr val="tx1"/>
+              </a:solidFill>
+              <a:latin typeface="Consolas" pitchFamily="49" charset="0"/>
+              <a:cs typeface="Consolas" pitchFamily="49" charset="0"/>
+            </a:endParaRPr>
+          </a:p>
+        </p:txBody>
+      </p:sp>
+      <p:sp>
+        <p:nvSpPr>
+          <p:cNvPr id="46" name="직사각형 45">
+            <a:extLst>
+              <a:ext uri="{FF2B5EF4-FFF2-40B4-BE49-F238E27FC236}">
+                <a16:creationId xmlns:a16="http://schemas.microsoft.com/office/drawing/2014/main" id="{685B493B-23E4-44E6-8D91-17B88B3E9286}"/>
+              </a:ext>
+            </a:extLst>
+          </p:cNvPr>
+          <p:cNvSpPr/>
+          <p:nvPr/>
+        </p:nvSpPr>
+        <p:spPr>
+          <a:xfrm>
+            <a:off x="7951816" y="6021288"/>
+            <a:ext cx="288032" cy="432048"/>
+          </a:xfrm>
+          <a:prstGeom prst="rect">
+            <a:avLst/>
+          </a:prstGeom>
+          <a:solidFill>
+            <a:srgbClr val="FFFF00"/>
+          </a:solidFill>
+          <a:ln w="9525"/>
+        </p:spPr>
+        <p:style>
+          <a:lnRef idx="2">
+            <a:schemeClr val="accent1">
+              <a:shade val="50000"/>
+            </a:schemeClr>
+          </a:lnRef>
+          <a:fillRef idx="1">
+            <a:schemeClr val="accent1"/>
+          </a:fillRef>
+          <a:effectRef idx="0">
+            <a:schemeClr val="accent1"/>
+          </a:effectRef>
+          <a:fontRef idx="minor">
+            <a:schemeClr val="lt1"/>
+          </a:fontRef>
+        </p:style>
+        <p:txBody>
+          <a:bodyPr rot="0" spcFirstLastPara="0" vertOverflow="overflow" horzOverflow="overflow" vert="horz" wrap="square" lIns="91440" tIns="45720" rIns="91440" bIns="45720" numCol="1" spcCol="0" rtlCol="0" fromWordArt="0" anchor="ctr" anchorCtr="0" forceAA="0" compatLnSpc="1">
+            <a:prstTxWarp prst="textNoShape">
+              <a:avLst/>
+            </a:prstTxWarp>
+            <a:noAutofit/>
+          </a:bodyPr>
+          <a:lstStyle/>
+          <a:p>
+            <a:pPr algn="ctr"/>
+            <a:r>
+              <a:rPr lang="en-US" altLang="ko-KR" sz="2000">
+                <a:solidFill>
+                  <a:schemeClr val="tx1"/>
+                </a:solidFill>
+                <a:latin typeface="Consolas" pitchFamily="49" charset="0"/>
+                <a:cs typeface="Consolas" pitchFamily="49" charset="0"/>
+              </a:rPr>
+              <a:t>0</a:t>
+            </a:r>
+            <a:endParaRPr lang="ko-KR" altLang="en-US" sz="2000">
+              <a:solidFill>
+                <a:schemeClr val="tx1"/>
+              </a:solidFill>
+              <a:latin typeface="Consolas" pitchFamily="49" charset="0"/>
+              <a:cs typeface="Consolas" pitchFamily="49" charset="0"/>
+            </a:endParaRPr>
+          </a:p>
+        </p:txBody>
+      </p:sp>
+      <p:sp>
+        <p:nvSpPr>
+          <p:cNvPr id="47" name="직사각형 46">
+            <a:extLst>
+              <a:ext uri="{FF2B5EF4-FFF2-40B4-BE49-F238E27FC236}">
+                <a16:creationId xmlns:a16="http://schemas.microsoft.com/office/drawing/2014/main" id="{CEB58EA8-1902-4E6F-9289-7872492116D6}"/>
+              </a:ext>
+            </a:extLst>
+          </p:cNvPr>
+          <p:cNvSpPr/>
+          <p:nvPr/>
+        </p:nvSpPr>
+        <p:spPr>
+          <a:xfrm>
+            <a:off x="8239837" y="6021288"/>
+            <a:ext cx="288032" cy="432048"/>
+          </a:xfrm>
+          <a:prstGeom prst="rect">
+            <a:avLst/>
+          </a:prstGeom>
+          <a:solidFill>
+            <a:srgbClr val="FFFF00"/>
+          </a:solidFill>
+          <a:ln w="9525"/>
+        </p:spPr>
+        <p:style>
+          <a:lnRef idx="2">
+            <a:schemeClr val="accent1">
+              <a:shade val="50000"/>
+            </a:schemeClr>
+          </a:lnRef>
+          <a:fillRef idx="1">
+            <a:schemeClr val="accent1"/>
+          </a:fillRef>
+          <a:effectRef idx="0">
+            <a:schemeClr val="accent1"/>
+          </a:effectRef>
+          <a:fontRef idx="minor">
+            <a:schemeClr val="lt1"/>
+          </a:fontRef>
+        </p:style>
+        <p:txBody>
+          <a:bodyPr rot="0" spcFirstLastPara="0" vertOverflow="overflow" horzOverflow="overflow" vert="horz" wrap="square" lIns="91440" tIns="45720" rIns="91440" bIns="45720" numCol="1" spcCol="0" rtlCol="0" fromWordArt="0" anchor="ctr" anchorCtr="0" forceAA="0" compatLnSpc="1">
+            <a:prstTxWarp prst="textNoShape">
+              <a:avLst/>
+            </a:prstTxWarp>
+            <a:noAutofit/>
+          </a:bodyPr>
+          <a:lstStyle/>
+          <a:p>
+            <a:pPr algn="ctr"/>
+            <a:r>
+              <a:rPr lang="en-US" altLang="ko-KR" sz="2000">
+                <a:solidFill>
+                  <a:schemeClr val="tx1"/>
+                </a:solidFill>
+                <a:latin typeface="Consolas" pitchFamily="49" charset="0"/>
+                <a:cs typeface="Consolas" pitchFamily="49" charset="0"/>
+              </a:rPr>
+              <a:t>0</a:t>
+            </a:r>
+            <a:endParaRPr lang="ko-KR" altLang="en-US" sz="2000">
+              <a:solidFill>
+                <a:schemeClr val="tx1"/>
+              </a:solidFill>
+              <a:latin typeface="Consolas" pitchFamily="49" charset="0"/>
+              <a:cs typeface="Consolas" pitchFamily="49" charset="0"/>
+            </a:endParaRPr>
+          </a:p>
+        </p:txBody>
+      </p:sp>
+      <p:sp>
+        <p:nvSpPr>
+          <p:cNvPr id="48" name="직사각형 47">
+            <a:extLst>
+              <a:ext uri="{FF2B5EF4-FFF2-40B4-BE49-F238E27FC236}">
+                <a16:creationId xmlns:a16="http://schemas.microsoft.com/office/drawing/2014/main" id="{5C7CA1F4-E181-496B-812E-82FA9ABFE8D0}"/>
+              </a:ext>
+            </a:extLst>
+          </p:cNvPr>
+          <p:cNvSpPr/>
+          <p:nvPr/>
+        </p:nvSpPr>
+        <p:spPr>
+          <a:xfrm>
+            <a:off x="8527847" y="6021288"/>
+            <a:ext cx="288032" cy="432048"/>
+          </a:xfrm>
+          <a:prstGeom prst="rect">
+            <a:avLst/>
+          </a:prstGeom>
+          <a:solidFill>
+            <a:srgbClr val="FFFF00"/>
+          </a:solidFill>
+          <a:ln w="9525"/>
+        </p:spPr>
+        <p:style>
+          <a:lnRef idx="2">
+            <a:schemeClr val="accent1">
+              <a:shade val="50000"/>
+            </a:schemeClr>
+          </a:lnRef>
+          <a:fillRef idx="1">
+            <a:schemeClr val="accent1"/>
+          </a:fillRef>
+          <a:effectRef idx="0">
+            <a:schemeClr val="accent1"/>
+          </a:effectRef>
+          <a:fontRef idx="minor">
+            <a:schemeClr val="lt1"/>
+          </a:fontRef>
+        </p:style>
+        <p:txBody>
+          <a:bodyPr rot="0" spcFirstLastPara="0" vertOverflow="overflow" horzOverflow="overflow" vert="horz" wrap="square" lIns="91440" tIns="45720" rIns="91440" bIns="45720" numCol="1" spcCol="0" rtlCol="0" fromWordArt="0" anchor="ctr" anchorCtr="0" forceAA="0" compatLnSpc="1">
+            <a:prstTxWarp prst="textNoShape">
+              <a:avLst/>
+            </a:prstTxWarp>
+            <a:noAutofit/>
+          </a:bodyPr>
+          <a:lstStyle/>
+          <a:p>
+            <a:pPr algn="ctr"/>
+            <a:r>
+              <a:rPr lang="en-US" altLang="ko-KR" sz="2000">
+                <a:solidFill>
+                  <a:schemeClr val="tx1"/>
+                </a:solidFill>
+                <a:latin typeface="Consolas" pitchFamily="49" charset="0"/>
+                <a:cs typeface="Consolas" pitchFamily="49" charset="0"/>
+              </a:rPr>
+              <a:t>0</a:t>
+            </a:r>
+            <a:endParaRPr lang="ko-KR" altLang="en-US" sz="2000">
+              <a:solidFill>
+                <a:schemeClr val="tx1"/>
+              </a:solidFill>
+              <a:latin typeface="Consolas" pitchFamily="49" charset="0"/>
+              <a:cs typeface="Consolas" pitchFamily="49" charset="0"/>
+            </a:endParaRPr>
+          </a:p>
+        </p:txBody>
+      </p:sp>
+      <p:sp>
+        <p:nvSpPr>
+          <p:cNvPr id="49" name="TextBox 48">
+            <a:extLst>
+              <a:ext uri="{FF2B5EF4-FFF2-40B4-BE49-F238E27FC236}">
+                <a16:creationId xmlns:a16="http://schemas.microsoft.com/office/drawing/2014/main" id="{E3659097-82A1-4643-A254-7CC0C6EA7F5D}"/>
+              </a:ext>
+            </a:extLst>
+          </p:cNvPr>
+          <p:cNvSpPr txBox="1"/>
+          <p:nvPr/>
+        </p:nvSpPr>
+        <p:spPr>
+          <a:xfrm>
+            <a:off x="5908357" y="6021288"/>
+            <a:ext cx="607859" cy="400110"/>
+          </a:xfrm>
+          <a:prstGeom prst="rect">
+            <a:avLst/>
+          </a:prstGeom>
+          <a:noFill/>
+        </p:spPr>
+        <p:txBody>
+          <a:bodyPr wrap="none" rtlCol="0">
+            <a:spAutoFit/>
+          </a:bodyPr>
+          <a:lstStyle/>
+          <a:p>
+            <a:r>
+              <a:rPr lang="en-US" altLang="ko-KR" sz="2000">
+                <a:latin typeface="Consolas" pitchFamily="49" charset="0"/>
+                <a:cs typeface="Consolas" pitchFamily="49" charset="0"/>
+              </a:rPr>
+              <a:t>lim</a:t>
+            </a:r>
+            <a:endParaRPr lang="ko-KR" altLang="en-US" sz="2000">
+              <a:latin typeface="Consolas" pitchFamily="49" charset="0"/>
+              <a:cs typeface="Consolas" pitchFamily="49" charset="0"/>
+            </a:endParaRPr>
+          </a:p>
+        </p:txBody>
+      </p:sp>
+      <p:sp>
+        <p:nvSpPr>
+          <p:cNvPr id="50" name="직사각형 49">
+            <a:extLst>
+              <a:ext uri="{FF2B5EF4-FFF2-40B4-BE49-F238E27FC236}">
+                <a16:creationId xmlns:a16="http://schemas.microsoft.com/office/drawing/2014/main" id="{66FD6161-C491-4C22-BF35-7D58CA00E96E}"/>
+              </a:ext>
+            </a:extLst>
+          </p:cNvPr>
+          <p:cNvSpPr/>
+          <p:nvPr/>
+        </p:nvSpPr>
+        <p:spPr>
+          <a:xfrm>
+            <a:off x="6516304" y="5517232"/>
+            <a:ext cx="288032" cy="432048"/>
+          </a:xfrm>
+          <a:prstGeom prst="rect">
+            <a:avLst/>
+          </a:prstGeom>
+          <a:solidFill>
+            <a:srgbClr val="FFFF00"/>
+          </a:solidFill>
+          <a:ln w="9525"/>
+        </p:spPr>
+        <p:style>
+          <a:lnRef idx="2">
+            <a:schemeClr val="accent1">
+              <a:shade val="50000"/>
+            </a:schemeClr>
+          </a:lnRef>
+          <a:fillRef idx="1">
+            <a:schemeClr val="accent1"/>
+          </a:fillRef>
+          <a:effectRef idx="0">
+            <a:schemeClr val="accent1"/>
+          </a:effectRef>
+          <a:fontRef idx="minor">
+            <a:schemeClr val="lt1"/>
+          </a:fontRef>
+        </p:style>
+        <p:txBody>
+          <a:bodyPr rot="0" spcFirstLastPara="0" vertOverflow="overflow" horzOverflow="overflow" vert="horz" wrap="square" lIns="91440" tIns="45720" rIns="91440" bIns="45720" numCol="1" spcCol="0" rtlCol="0" fromWordArt="0" anchor="ctr" anchorCtr="0" forceAA="0" compatLnSpc="1">
+            <a:prstTxWarp prst="textNoShape">
+              <a:avLst/>
+            </a:prstTxWarp>
+            <a:noAutofit/>
+          </a:bodyPr>
+          <a:lstStyle/>
+          <a:p>
+            <a:pPr algn="ctr"/>
+            <a:r>
+              <a:rPr lang="en-US" altLang="ko-KR" sz="2000">
+                <a:solidFill>
+                  <a:schemeClr val="tx1"/>
+                </a:solidFill>
+                <a:latin typeface="Consolas" pitchFamily="49" charset="0"/>
+                <a:cs typeface="Consolas" pitchFamily="49" charset="0"/>
+              </a:rPr>
+              <a:t>1</a:t>
+            </a:r>
+            <a:endParaRPr lang="ko-KR" altLang="en-US" sz="2000">
+              <a:solidFill>
+                <a:schemeClr val="tx1"/>
+              </a:solidFill>
+              <a:latin typeface="Consolas" pitchFamily="49" charset="0"/>
+              <a:cs typeface="Consolas" pitchFamily="49" charset="0"/>
+            </a:endParaRPr>
+          </a:p>
+        </p:txBody>
+      </p:sp>
+      <p:sp>
+        <p:nvSpPr>
+          <p:cNvPr id="51" name="직사각형 50">
+            <a:extLst>
+              <a:ext uri="{FF2B5EF4-FFF2-40B4-BE49-F238E27FC236}">
+                <a16:creationId xmlns:a16="http://schemas.microsoft.com/office/drawing/2014/main" id="{F78237A4-B637-42B2-A6F7-69EA26417568}"/>
+              </a:ext>
+            </a:extLst>
+          </p:cNvPr>
+          <p:cNvSpPr/>
+          <p:nvPr/>
+        </p:nvSpPr>
+        <p:spPr>
+          <a:xfrm>
+            <a:off x="6804325" y="5517232"/>
+            <a:ext cx="288032" cy="432048"/>
+          </a:xfrm>
+          <a:prstGeom prst="rect">
+            <a:avLst/>
+          </a:prstGeom>
+          <a:solidFill>
+            <a:srgbClr val="FFFF00"/>
+          </a:solidFill>
+          <a:ln w="9525"/>
+        </p:spPr>
+        <p:style>
+          <a:lnRef idx="2">
+            <a:schemeClr val="accent1">
+              <a:shade val="50000"/>
+            </a:schemeClr>
+          </a:lnRef>
+          <a:fillRef idx="1">
+            <a:schemeClr val="accent1"/>
+          </a:fillRef>
+          <a:effectRef idx="0">
+            <a:schemeClr val="accent1"/>
+          </a:effectRef>
+          <a:fontRef idx="minor">
+            <a:schemeClr val="lt1"/>
+          </a:fontRef>
+        </p:style>
+        <p:txBody>
+          <a:bodyPr rot="0" spcFirstLastPara="0" vertOverflow="overflow" horzOverflow="overflow" vert="horz" wrap="square" lIns="91440" tIns="45720" rIns="91440" bIns="45720" numCol="1" spcCol="0" rtlCol="0" fromWordArt="0" anchor="ctr" anchorCtr="0" forceAA="0" compatLnSpc="1">
+            <a:prstTxWarp prst="textNoShape">
+              <a:avLst/>
+            </a:prstTxWarp>
+            <a:noAutofit/>
+          </a:bodyPr>
+          <a:lstStyle/>
+          <a:p>
+            <a:pPr algn="ctr"/>
+            <a:r>
+              <a:rPr lang="en-US" altLang="ko-KR" sz="2000">
+                <a:solidFill>
+                  <a:schemeClr val="tx1"/>
+                </a:solidFill>
+                <a:latin typeface="Consolas" pitchFamily="49" charset="0"/>
+                <a:cs typeface="Consolas" pitchFamily="49" charset="0"/>
+              </a:rPr>
+              <a:t>1</a:t>
+            </a:r>
+            <a:endParaRPr lang="ko-KR" altLang="en-US" sz="2000">
+              <a:solidFill>
+                <a:schemeClr val="tx1"/>
+              </a:solidFill>
+              <a:latin typeface="Consolas" pitchFamily="49" charset="0"/>
+              <a:cs typeface="Consolas" pitchFamily="49" charset="0"/>
+            </a:endParaRPr>
+          </a:p>
+        </p:txBody>
+      </p:sp>
+      <p:sp>
+        <p:nvSpPr>
+          <p:cNvPr id="52" name="직사각형 51">
+            <a:extLst>
+              <a:ext uri="{FF2B5EF4-FFF2-40B4-BE49-F238E27FC236}">
+                <a16:creationId xmlns:a16="http://schemas.microsoft.com/office/drawing/2014/main" id="{42EE571A-D490-484B-AD2A-64AB5F13D3D0}"/>
+              </a:ext>
+            </a:extLst>
+          </p:cNvPr>
+          <p:cNvSpPr/>
+          <p:nvPr/>
+        </p:nvSpPr>
+        <p:spPr>
+          <a:xfrm>
+            <a:off x="7092346" y="5517232"/>
+            <a:ext cx="288032" cy="432048"/>
+          </a:xfrm>
+          <a:prstGeom prst="rect">
+            <a:avLst/>
+          </a:prstGeom>
+          <a:solidFill>
+            <a:srgbClr val="FFFF00"/>
+          </a:solidFill>
+          <a:ln w="9525"/>
+        </p:spPr>
+        <p:style>
+          <a:lnRef idx="2">
+            <a:schemeClr val="accent1">
+              <a:shade val="50000"/>
+            </a:schemeClr>
+          </a:lnRef>
+          <a:fillRef idx="1">
+            <a:schemeClr val="accent1"/>
+          </a:fillRef>
+          <a:effectRef idx="0">
+            <a:schemeClr val="accent1"/>
+          </a:effectRef>
+          <a:fontRef idx="minor">
+            <a:schemeClr val="lt1"/>
+          </a:fontRef>
+        </p:style>
+        <p:txBody>
+          <a:bodyPr rot="0" spcFirstLastPara="0" vertOverflow="overflow" horzOverflow="overflow" vert="horz" wrap="square" lIns="91440" tIns="45720" rIns="91440" bIns="45720" numCol="1" spcCol="0" rtlCol="0" fromWordArt="0" anchor="ctr" anchorCtr="0" forceAA="0" compatLnSpc="1">
+            <a:prstTxWarp prst="textNoShape">
+              <a:avLst/>
+            </a:prstTxWarp>
+            <a:noAutofit/>
+          </a:bodyPr>
+          <a:lstStyle/>
+          <a:p>
+            <a:pPr algn="ctr"/>
+            <a:r>
+              <a:rPr lang="en-US" altLang="ko-KR" sz="2000">
+                <a:solidFill>
+                  <a:schemeClr val="tx1"/>
+                </a:solidFill>
+                <a:latin typeface="Consolas" pitchFamily="49" charset="0"/>
+                <a:cs typeface="Consolas" pitchFamily="49" charset="0"/>
+              </a:rPr>
+              <a:t>1</a:t>
+            </a:r>
+            <a:endParaRPr lang="ko-KR" altLang="en-US" sz="2000">
+              <a:solidFill>
+                <a:schemeClr val="tx1"/>
+              </a:solidFill>
+              <a:latin typeface="Consolas" pitchFamily="49" charset="0"/>
+              <a:cs typeface="Consolas" pitchFamily="49" charset="0"/>
+            </a:endParaRPr>
+          </a:p>
+        </p:txBody>
+      </p:sp>
+      <p:sp>
+        <p:nvSpPr>
+          <p:cNvPr id="53" name="직사각형 52">
+            <a:extLst>
+              <a:ext uri="{FF2B5EF4-FFF2-40B4-BE49-F238E27FC236}">
+                <a16:creationId xmlns:a16="http://schemas.microsoft.com/office/drawing/2014/main" id="{172BD1E0-D7EE-4E31-836F-C66BA1875DE7}"/>
+              </a:ext>
+            </a:extLst>
+          </p:cNvPr>
+          <p:cNvSpPr/>
+          <p:nvPr/>
+        </p:nvSpPr>
+        <p:spPr>
+          <a:xfrm>
+            <a:off x="7380367" y="5517232"/>
+            <a:ext cx="288032" cy="432048"/>
+          </a:xfrm>
+          <a:prstGeom prst="rect">
+            <a:avLst/>
+          </a:prstGeom>
+          <a:solidFill>
+            <a:srgbClr val="FFFF00"/>
+          </a:solidFill>
+          <a:ln w="9525"/>
+        </p:spPr>
+        <p:style>
+          <a:lnRef idx="2">
+            <a:schemeClr val="accent1">
+              <a:shade val="50000"/>
+            </a:schemeClr>
+          </a:lnRef>
+          <a:fillRef idx="1">
+            <a:schemeClr val="accent1"/>
+          </a:fillRef>
+          <a:effectRef idx="0">
+            <a:schemeClr val="accent1"/>
+          </a:effectRef>
+          <a:fontRef idx="minor">
+            <a:schemeClr val="lt1"/>
+          </a:fontRef>
+        </p:style>
+        <p:txBody>
+          <a:bodyPr rot="0" spcFirstLastPara="0" vertOverflow="overflow" horzOverflow="overflow" vert="horz" wrap="square" lIns="91440" tIns="45720" rIns="91440" bIns="45720" numCol="1" spcCol="0" rtlCol="0" fromWordArt="0" anchor="ctr" anchorCtr="0" forceAA="0" compatLnSpc="1">
+            <a:prstTxWarp prst="textNoShape">
+              <a:avLst/>
+            </a:prstTxWarp>
+            <a:noAutofit/>
+          </a:bodyPr>
+          <a:lstStyle/>
+          <a:p>
+            <a:pPr algn="ctr"/>
+            <a:r>
+              <a:rPr lang="en-US" altLang="ko-KR" sz="2000">
+                <a:solidFill>
+                  <a:schemeClr val="tx1"/>
+                </a:solidFill>
+                <a:latin typeface="Consolas" pitchFamily="49" charset="0"/>
+                <a:cs typeface="Consolas" pitchFamily="49" charset="0"/>
+              </a:rPr>
+              <a:t>0</a:t>
+            </a:r>
+            <a:endParaRPr lang="ko-KR" altLang="en-US" sz="2000">
+              <a:solidFill>
+                <a:schemeClr val="tx1"/>
+              </a:solidFill>
+              <a:latin typeface="Consolas" pitchFamily="49" charset="0"/>
+              <a:cs typeface="Consolas" pitchFamily="49" charset="0"/>
+            </a:endParaRPr>
+          </a:p>
+        </p:txBody>
+      </p:sp>
+      <p:sp>
+        <p:nvSpPr>
+          <p:cNvPr id="54" name="직사각형 53">
+            <a:extLst>
+              <a:ext uri="{FF2B5EF4-FFF2-40B4-BE49-F238E27FC236}">
+                <a16:creationId xmlns:a16="http://schemas.microsoft.com/office/drawing/2014/main" id="{DB8EE769-BA00-4582-B3E9-A0C557B0C796}"/>
+              </a:ext>
+            </a:extLst>
+          </p:cNvPr>
+          <p:cNvSpPr/>
+          <p:nvPr/>
+        </p:nvSpPr>
+        <p:spPr>
+          <a:xfrm>
+            <a:off x="7668388" y="5517232"/>
+            <a:ext cx="288032" cy="432048"/>
+          </a:xfrm>
+          <a:prstGeom prst="rect">
+            <a:avLst/>
+          </a:prstGeom>
+          <a:solidFill>
+            <a:srgbClr val="FFFF00"/>
+          </a:solidFill>
+          <a:ln w="9525"/>
+        </p:spPr>
+        <p:style>
+          <a:lnRef idx="2">
+            <a:schemeClr val="accent1">
+              <a:shade val="50000"/>
+            </a:schemeClr>
+          </a:lnRef>
+          <a:fillRef idx="1">
+            <a:schemeClr val="accent1"/>
+          </a:fillRef>
+          <a:effectRef idx="0">
+            <a:schemeClr val="accent1"/>
+          </a:effectRef>
+          <a:fontRef idx="minor">
+            <a:schemeClr val="lt1"/>
+          </a:fontRef>
+        </p:style>
+        <p:txBody>
+          <a:bodyPr rot="0" spcFirstLastPara="0" vertOverflow="overflow" horzOverflow="overflow" vert="horz" wrap="square" lIns="91440" tIns="45720" rIns="91440" bIns="45720" numCol="1" spcCol="0" rtlCol="0" fromWordArt="0" anchor="ctr" anchorCtr="0" forceAA="0" compatLnSpc="1">
+            <a:prstTxWarp prst="textNoShape">
+              <a:avLst/>
+            </a:prstTxWarp>
+            <a:noAutofit/>
+          </a:bodyPr>
+          <a:lstStyle/>
+          <a:p>
+            <a:pPr algn="ctr"/>
+            <a:r>
+              <a:rPr lang="en-US" altLang="ko-KR" sz="2000">
+                <a:solidFill>
+                  <a:schemeClr val="tx1"/>
+                </a:solidFill>
+                <a:latin typeface="Consolas" pitchFamily="49" charset="0"/>
+                <a:cs typeface="Consolas" pitchFamily="49" charset="0"/>
+              </a:rPr>
+              <a:t>1</a:t>
+            </a:r>
+            <a:endParaRPr lang="ko-KR" altLang="en-US" sz="2000">
+              <a:solidFill>
+                <a:schemeClr val="tx1"/>
+              </a:solidFill>
+              <a:latin typeface="Consolas" pitchFamily="49" charset="0"/>
+              <a:cs typeface="Consolas" pitchFamily="49" charset="0"/>
+            </a:endParaRPr>
+          </a:p>
+        </p:txBody>
+      </p:sp>
+      <p:sp>
+        <p:nvSpPr>
+          <p:cNvPr id="55" name="직사각형 54">
+            <a:extLst>
+              <a:ext uri="{FF2B5EF4-FFF2-40B4-BE49-F238E27FC236}">
+                <a16:creationId xmlns:a16="http://schemas.microsoft.com/office/drawing/2014/main" id="{E983F869-DAF1-4668-B3D7-EE5BDA261768}"/>
+              </a:ext>
+            </a:extLst>
+          </p:cNvPr>
+          <p:cNvSpPr/>
+          <p:nvPr/>
+        </p:nvSpPr>
+        <p:spPr>
+          <a:xfrm>
+            <a:off x="7956409" y="5517232"/>
+            <a:ext cx="288032" cy="432048"/>
+          </a:xfrm>
+          <a:prstGeom prst="rect">
+            <a:avLst/>
+          </a:prstGeom>
+          <a:solidFill>
+            <a:srgbClr val="FFFF00"/>
+          </a:solidFill>
+          <a:ln w="9525"/>
+        </p:spPr>
+        <p:style>
+          <a:lnRef idx="2">
+            <a:schemeClr val="accent1">
+              <a:shade val="50000"/>
+            </a:schemeClr>
+          </a:lnRef>
+          <a:fillRef idx="1">
+            <a:schemeClr val="accent1"/>
+          </a:fillRef>
+          <a:effectRef idx="0">
+            <a:schemeClr val="accent1"/>
+          </a:effectRef>
+          <a:fontRef idx="minor">
+            <a:schemeClr val="lt1"/>
+          </a:fontRef>
+        </p:style>
+        <p:txBody>
+          <a:bodyPr rot="0" spcFirstLastPara="0" vertOverflow="overflow" horzOverflow="overflow" vert="horz" wrap="square" lIns="91440" tIns="45720" rIns="91440" bIns="45720" numCol="1" spcCol="0" rtlCol="0" fromWordArt="0" anchor="ctr" anchorCtr="0" forceAA="0" compatLnSpc="1">
+            <a:prstTxWarp prst="textNoShape">
+              <a:avLst/>
+            </a:prstTxWarp>
+            <a:noAutofit/>
+          </a:bodyPr>
+          <a:lstStyle/>
+          <a:p>
+            <a:pPr algn="ctr"/>
+            <a:r>
+              <a:rPr lang="en-US" altLang="ko-KR" sz="2000">
+                <a:solidFill>
+                  <a:schemeClr val="tx1"/>
+                </a:solidFill>
+                <a:latin typeface="Consolas" pitchFamily="49" charset="0"/>
+                <a:cs typeface="Consolas" pitchFamily="49" charset="0"/>
+              </a:rPr>
+              <a:t>1</a:t>
+            </a:r>
+            <a:endParaRPr lang="ko-KR" altLang="en-US" sz="2000">
+              <a:solidFill>
+                <a:schemeClr val="tx1"/>
+              </a:solidFill>
+              <a:latin typeface="Consolas" pitchFamily="49" charset="0"/>
+              <a:cs typeface="Consolas" pitchFamily="49" charset="0"/>
+            </a:endParaRPr>
+          </a:p>
+        </p:txBody>
+      </p:sp>
+      <p:sp>
+        <p:nvSpPr>
+          <p:cNvPr id="56" name="직사각형 55">
+            <a:extLst>
+              <a:ext uri="{FF2B5EF4-FFF2-40B4-BE49-F238E27FC236}">
+                <a16:creationId xmlns:a16="http://schemas.microsoft.com/office/drawing/2014/main" id="{87DAEF08-8EF4-4EDA-B63F-214737161E8B}"/>
+              </a:ext>
+            </a:extLst>
+          </p:cNvPr>
+          <p:cNvSpPr/>
+          <p:nvPr/>
+        </p:nvSpPr>
+        <p:spPr>
+          <a:xfrm>
+            <a:off x="8244430" y="5517232"/>
+            <a:ext cx="288032" cy="432048"/>
+          </a:xfrm>
+          <a:prstGeom prst="rect">
+            <a:avLst/>
+          </a:prstGeom>
+          <a:solidFill>
+            <a:srgbClr val="FFFF00"/>
+          </a:solidFill>
+          <a:ln w="9525"/>
+        </p:spPr>
+        <p:style>
+          <a:lnRef idx="2">
+            <a:schemeClr val="accent1">
+              <a:shade val="50000"/>
+            </a:schemeClr>
+          </a:lnRef>
+          <a:fillRef idx="1">
+            <a:schemeClr val="accent1"/>
+          </a:fillRef>
+          <a:effectRef idx="0">
+            <a:schemeClr val="accent1"/>
+          </a:effectRef>
+          <a:fontRef idx="minor">
+            <a:schemeClr val="lt1"/>
+          </a:fontRef>
+        </p:style>
+        <p:txBody>
+          <a:bodyPr rot="0" spcFirstLastPara="0" vertOverflow="overflow" horzOverflow="overflow" vert="horz" wrap="square" lIns="91440" tIns="45720" rIns="91440" bIns="45720" numCol="1" spcCol="0" rtlCol="0" fromWordArt="0" anchor="ctr" anchorCtr="0" forceAA="0" compatLnSpc="1">
+            <a:prstTxWarp prst="textNoShape">
+              <a:avLst/>
+            </a:prstTxWarp>
+            <a:noAutofit/>
+          </a:bodyPr>
+          <a:lstStyle/>
+          <a:p>
+            <a:pPr algn="ctr"/>
+            <a:r>
+              <a:rPr lang="en-US" altLang="ko-KR" sz="2000">
+                <a:solidFill>
+                  <a:schemeClr val="tx1"/>
+                </a:solidFill>
+                <a:latin typeface="Consolas" pitchFamily="49" charset="0"/>
+                <a:cs typeface="Consolas" pitchFamily="49" charset="0"/>
+              </a:rPr>
+              <a:t>1</a:t>
+            </a:r>
+            <a:endParaRPr lang="ko-KR" altLang="en-US" sz="2000">
+              <a:solidFill>
+                <a:schemeClr val="tx1"/>
+              </a:solidFill>
+              <a:latin typeface="Consolas" pitchFamily="49" charset="0"/>
+              <a:cs typeface="Consolas" pitchFamily="49" charset="0"/>
+            </a:endParaRPr>
+          </a:p>
+        </p:txBody>
+      </p:sp>
+      <p:sp>
+        <p:nvSpPr>
+          <p:cNvPr id="57" name="직사각형 56">
+            <a:extLst>
+              <a:ext uri="{FF2B5EF4-FFF2-40B4-BE49-F238E27FC236}">
+                <a16:creationId xmlns:a16="http://schemas.microsoft.com/office/drawing/2014/main" id="{C5485274-A425-4754-B97A-2BBF1A355B55}"/>
+              </a:ext>
+            </a:extLst>
+          </p:cNvPr>
+          <p:cNvSpPr/>
+          <p:nvPr/>
+        </p:nvSpPr>
+        <p:spPr>
+          <a:xfrm>
+            <a:off x="8532440" y="5517232"/>
+            <a:ext cx="288032" cy="432048"/>
+          </a:xfrm>
+          <a:prstGeom prst="rect">
+            <a:avLst/>
+          </a:prstGeom>
+          <a:solidFill>
+            <a:srgbClr val="FFFF00"/>
+          </a:solidFill>
+          <a:ln w="9525"/>
+        </p:spPr>
+        <p:style>
+          <a:lnRef idx="2">
+            <a:schemeClr val="accent1">
+              <a:shade val="50000"/>
+            </a:schemeClr>
+          </a:lnRef>
+          <a:fillRef idx="1">
+            <a:schemeClr val="accent1"/>
+          </a:fillRef>
+          <a:effectRef idx="0">
+            <a:schemeClr val="accent1"/>
+          </a:effectRef>
+          <a:fontRef idx="minor">
+            <a:schemeClr val="lt1"/>
+          </a:fontRef>
+        </p:style>
+        <p:txBody>
+          <a:bodyPr rot="0" spcFirstLastPara="0" vertOverflow="overflow" horzOverflow="overflow" vert="horz" wrap="square" lIns="91440" tIns="45720" rIns="91440" bIns="45720" numCol="1" spcCol="0" rtlCol="0" fromWordArt="0" anchor="ctr" anchorCtr="0" forceAA="0" compatLnSpc="1">
+            <a:prstTxWarp prst="textNoShape">
+              <a:avLst/>
+            </a:prstTxWarp>
+            <a:noAutofit/>
+          </a:bodyPr>
+          <a:lstStyle/>
+          <a:p>
+            <a:pPr algn="ctr"/>
+            <a:r>
+              <a:rPr lang="en-US" altLang="ko-KR" sz="2000">
+                <a:solidFill>
+                  <a:schemeClr val="tx1"/>
+                </a:solidFill>
+                <a:latin typeface="Consolas" pitchFamily="49" charset="0"/>
+                <a:cs typeface="Consolas" pitchFamily="49" charset="0"/>
+              </a:rPr>
+              <a:t>1</a:t>
+            </a:r>
+            <a:endParaRPr lang="ko-KR" altLang="en-US" sz="2000">
+              <a:solidFill>
+                <a:schemeClr val="tx1"/>
+              </a:solidFill>
+              <a:latin typeface="Consolas" pitchFamily="49" charset="0"/>
+              <a:cs typeface="Consolas" pitchFamily="49" charset="0"/>
+            </a:endParaRPr>
+          </a:p>
+        </p:txBody>
+      </p:sp>
+      <p:sp>
+        <p:nvSpPr>
+          <p:cNvPr id="58" name="TextBox 57">
+            <a:extLst>
+              <a:ext uri="{FF2B5EF4-FFF2-40B4-BE49-F238E27FC236}">
+                <a16:creationId xmlns:a16="http://schemas.microsoft.com/office/drawing/2014/main" id="{33C624E0-C69B-4189-A363-61AB80A06C05}"/>
+              </a:ext>
+            </a:extLst>
+          </p:cNvPr>
+          <p:cNvSpPr txBox="1"/>
+          <p:nvPr/>
+        </p:nvSpPr>
+        <p:spPr>
+          <a:xfrm>
+            <a:off x="5649168" y="5517232"/>
+            <a:ext cx="889987" cy="400110"/>
+          </a:xfrm>
+          <a:prstGeom prst="rect">
+            <a:avLst/>
+          </a:prstGeom>
+          <a:noFill/>
+        </p:spPr>
+        <p:txBody>
+          <a:bodyPr wrap="none" rtlCol="0">
+            <a:spAutoFit/>
+          </a:bodyPr>
+          <a:lstStyle/>
+          <a:p>
+            <a:r>
+              <a:rPr lang="en-US" altLang="ko-KR" sz="2000">
+                <a:latin typeface="Consolas" pitchFamily="49" charset="0"/>
+                <a:cs typeface="Consolas" pitchFamily="49" charset="0"/>
+              </a:rPr>
+              <a:t>state</a:t>
+            </a:r>
+            <a:endParaRPr lang="ko-KR" altLang="en-US" sz="2000">
+              <a:latin typeface="Consolas" pitchFamily="49" charset="0"/>
+              <a:cs typeface="Consolas" pitchFamily="49" charset="0"/>
+            </a:endParaRPr>
+          </a:p>
+        </p:txBody>
+      </p:sp>
+      <p:sp>
+        <p:nvSpPr>
+          <p:cNvPr id="59" name="직사각형 58">
+            <a:extLst>
+              <a:ext uri="{FF2B5EF4-FFF2-40B4-BE49-F238E27FC236}">
+                <a16:creationId xmlns:a16="http://schemas.microsoft.com/office/drawing/2014/main" id="{867E3B4D-A434-4F00-8079-0FD753DD01F6}"/>
+              </a:ext>
+            </a:extLst>
+          </p:cNvPr>
+          <p:cNvSpPr/>
+          <p:nvPr/>
+        </p:nvSpPr>
+        <p:spPr>
+          <a:xfrm>
+            <a:off x="6516304" y="4293096"/>
+            <a:ext cx="288032" cy="432048"/>
+          </a:xfrm>
+          <a:prstGeom prst="rect">
+            <a:avLst/>
+          </a:prstGeom>
+          <a:solidFill>
+            <a:srgbClr val="FFFF00"/>
+          </a:solidFill>
+          <a:ln w="9525"/>
+        </p:spPr>
+        <p:style>
+          <a:lnRef idx="2">
+            <a:schemeClr val="accent1">
+              <a:shade val="50000"/>
+            </a:schemeClr>
+          </a:lnRef>
+          <a:fillRef idx="1">
+            <a:schemeClr val="accent1"/>
+          </a:fillRef>
+          <a:effectRef idx="0">
+            <a:schemeClr val="accent1"/>
+          </a:effectRef>
+          <a:fontRef idx="minor">
+            <a:schemeClr val="lt1"/>
+          </a:fontRef>
+        </p:style>
+        <p:txBody>
+          <a:bodyPr rot="0" spcFirstLastPara="0" vertOverflow="overflow" horzOverflow="overflow" vert="horz" wrap="square" lIns="91440" tIns="45720" rIns="91440" bIns="45720" numCol="1" spcCol="0" rtlCol="0" fromWordArt="0" anchor="ctr" anchorCtr="0" forceAA="0" compatLnSpc="1">
+            <a:prstTxWarp prst="textNoShape">
+              <a:avLst/>
+            </a:prstTxWarp>
+            <a:noAutofit/>
+          </a:bodyPr>
+          <a:lstStyle/>
+          <a:p>
+            <a:pPr algn="ctr"/>
+            <a:r>
+              <a:rPr lang="en-US" altLang="ko-KR" sz="2000">
+                <a:solidFill>
+                  <a:schemeClr val="tx1"/>
+                </a:solidFill>
+                <a:latin typeface="Consolas" pitchFamily="49" charset="0"/>
+                <a:cs typeface="Consolas" pitchFamily="49" charset="0"/>
+              </a:rPr>
+              <a:t>1</a:t>
+            </a:r>
+            <a:endParaRPr lang="ko-KR" altLang="en-US" sz="2000">
+              <a:solidFill>
+                <a:schemeClr val="tx1"/>
+              </a:solidFill>
+              <a:latin typeface="Consolas" pitchFamily="49" charset="0"/>
+              <a:cs typeface="Consolas" pitchFamily="49" charset="0"/>
+            </a:endParaRPr>
+          </a:p>
+        </p:txBody>
+      </p:sp>
+      <p:sp>
+        <p:nvSpPr>
+          <p:cNvPr id="60" name="직사각형 59">
+            <a:extLst>
+              <a:ext uri="{FF2B5EF4-FFF2-40B4-BE49-F238E27FC236}">
+                <a16:creationId xmlns:a16="http://schemas.microsoft.com/office/drawing/2014/main" id="{165C6ED6-25DB-4B99-BFDB-24C14172886E}"/>
+              </a:ext>
+            </a:extLst>
+          </p:cNvPr>
+          <p:cNvSpPr/>
+          <p:nvPr/>
+        </p:nvSpPr>
+        <p:spPr>
+          <a:xfrm>
+            <a:off x="6804325" y="4293096"/>
+            <a:ext cx="288032" cy="432048"/>
+          </a:xfrm>
+          <a:prstGeom prst="rect">
+            <a:avLst/>
+          </a:prstGeom>
+          <a:solidFill>
+            <a:srgbClr val="FFFF00"/>
+          </a:solidFill>
+          <a:ln w="9525"/>
+        </p:spPr>
+        <p:style>
+          <a:lnRef idx="2">
+            <a:schemeClr val="accent1">
+              <a:shade val="50000"/>
+            </a:schemeClr>
+          </a:lnRef>
+          <a:fillRef idx="1">
+            <a:schemeClr val="accent1"/>
+          </a:fillRef>
+          <a:effectRef idx="0">
+            <a:schemeClr val="accent1"/>
+          </a:effectRef>
+          <a:fontRef idx="minor">
+            <a:schemeClr val="lt1"/>
+          </a:fontRef>
+        </p:style>
+        <p:txBody>
+          <a:bodyPr rot="0" spcFirstLastPara="0" vertOverflow="overflow" horzOverflow="overflow" vert="horz" wrap="square" lIns="91440" tIns="45720" rIns="91440" bIns="45720" numCol="1" spcCol="0" rtlCol="0" fromWordArt="0" anchor="ctr" anchorCtr="0" forceAA="0" compatLnSpc="1">
+            <a:prstTxWarp prst="textNoShape">
+              <a:avLst/>
+            </a:prstTxWarp>
+            <a:noAutofit/>
+          </a:bodyPr>
+          <a:lstStyle/>
+          <a:p>
+            <a:pPr algn="ctr"/>
+            <a:r>
+              <a:rPr lang="en-US" altLang="ko-KR" sz="2000">
+                <a:solidFill>
+                  <a:schemeClr val="tx1"/>
+                </a:solidFill>
+                <a:latin typeface="Consolas" pitchFamily="49" charset="0"/>
+                <a:cs typeface="Consolas" pitchFamily="49" charset="0"/>
+              </a:rPr>
+              <a:t>1</a:t>
+            </a:r>
+            <a:endParaRPr lang="ko-KR" altLang="en-US" sz="2000">
+              <a:solidFill>
+                <a:schemeClr val="tx1"/>
+              </a:solidFill>
+              <a:latin typeface="Consolas" pitchFamily="49" charset="0"/>
+              <a:cs typeface="Consolas" pitchFamily="49" charset="0"/>
+            </a:endParaRPr>
+          </a:p>
+        </p:txBody>
+      </p:sp>
+      <p:sp>
+        <p:nvSpPr>
+          <p:cNvPr id="61" name="직사각형 60">
+            <a:extLst>
+              <a:ext uri="{FF2B5EF4-FFF2-40B4-BE49-F238E27FC236}">
+                <a16:creationId xmlns:a16="http://schemas.microsoft.com/office/drawing/2014/main" id="{222D3F01-76F7-4A02-862A-6705D3806CFC}"/>
+              </a:ext>
+            </a:extLst>
+          </p:cNvPr>
+          <p:cNvSpPr/>
+          <p:nvPr/>
+        </p:nvSpPr>
+        <p:spPr>
+          <a:xfrm>
+            <a:off x="7092346" y="4293096"/>
+            <a:ext cx="288032" cy="432048"/>
+          </a:xfrm>
+          <a:prstGeom prst="rect">
+            <a:avLst/>
+          </a:prstGeom>
+          <a:solidFill>
+            <a:srgbClr val="FFFF00"/>
+          </a:solidFill>
+          <a:ln w="9525"/>
+        </p:spPr>
+        <p:style>
+          <a:lnRef idx="2">
+            <a:schemeClr val="accent1">
+              <a:shade val="50000"/>
+            </a:schemeClr>
+          </a:lnRef>
+          <a:fillRef idx="1">
+            <a:schemeClr val="accent1"/>
+          </a:fillRef>
+          <a:effectRef idx="0">
+            <a:schemeClr val="accent1"/>
+          </a:effectRef>
+          <a:fontRef idx="minor">
+            <a:schemeClr val="lt1"/>
+          </a:fontRef>
+        </p:style>
+        <p:txBody>
+          <a:bodyPr rot="0" spcFirstLastPara="0" vertOverflow="overflow" horzOverflow="overflow" vert="horz" wrap="square" lIns="91440" tIns="45720" rIns="91440" bIns="45720" numCol="1" spcCol="0" rtlCol="0" fromWordArt="0" anchor="ctr" anchorCtr="0" forceAA="0" compatLnSpc="1">
+            <a:prstTxWarp prst="textNoShape">
+              <a:avLst/>
+            </a:prstTxWarp>
+            <a:noAutofit/>
+          </a:bodyPr>
+          <a:lstStyle/>
+          <a:p>
+            <a:pPr algn="ctr"/>
+            <a:r>
+              <a:rPr lang="en-US" altLang="ko-KR" sz="2000">
+                <a:solidFill>
+                  <a:schemeClr val="tx1"/>
+                </a:solidFill>
+                <a:latin typeface="Consolas" pitchFamily="49" charset="0"/>
+                <a:cs typeface="Consolas" pitchFamily="49" charset="0"/>
+              </a:rPr>
+              <a:t>1</a:t>
+            </a:r>
+            <a:endParaRPr lang="ko-KR" altLang="en-US" sz="2000">
+              <a:solidFill>
+                <a:schemeClr val="tx1"/>
+              </a:solidFill>
+              <a:latin typeface="Consolas" pitchFamily="49" charset="0"/>
+              <a:cs typeface="Consolas" pitchFamily="49" charset="0"/>
+            </a:endParaRPr>
+          </a:p>
+        </p:txBody>
+      </p:sp>
+      <p:sp>
+        <p:nvSpPr>
+          <p:cNvPr id="62" name="직사각형 61">
+            <a:extLst>
+              <a:ext uri="{FF2B5EF4-FFF2-40B4-BE49-F238E27FC236}">
+                <a16:creationId xmlns:a16="http://schemas.microsoft.com/office/drawing/2014/main" id="{B128F5BB-E2CA-4839-9DE9-6346600818DC}"/>
+              </a:ext>
+            </a:extLst>
+          </p:cNvPr>
+          <p:cNvSpPr/>
+          <p:nvPr/>
+        </p:nvSpPr>
+        <p:spPr>
+          <a:xfrm>
+            <a:off x="7380367" y="4293096"/>
+            <a:ext cx="288032" cy="432048"/>
+          </a:xfrm>
+          <a:prstGeom prst="rect">
+            <a:avLst/>
+          </a:prstGeom>
+          <a:solidFill>
+            <a:srgbClr val="FFFF00"/>
+          </a:solidFill>
+          <a:ln w="9525"/>
+        </p:spPr>
+        <p:style>
+          <a:lnRef idx="2">
+            <a:schemeClr val="accent1">
+              <a:shade val="50000"/>
+            </a:schemeClr>
+          </a:lnRef>
+          <a:fillRef idx="1">
+            <a:schemeClr val="accent1"/>
+          </a:fillRef>
+          <a:effectRef idx="0">
+            <a:schemeClr val="accent1"/>
+          </a:effectRef>
+          <a:fontRef idx="minor">
+            <a:schemeClr val="lt1"/>
+          </a:fontRef>
+        </p:style>
+        <p:txBody>
+          <a:bodyPr rot="0" spcFirstLastPara="0" vertOverflow="overflow" horzOverflow="overflow" vert="horz" wrap="square" lIns="91440" tIns="45720" rIns="91440" bIns="45720" numCol="1" spcCol="0" rtlCol="0" fromWordArt="0" anchor="ctr" anchorCtr="0" forceAA="0" compatLnSpc="1">
+            <a:prstTxWarp prst="textNoShape">
+              <a:avLst/>
+            </a:prstTxWarp>
+            <a:noAutofit/>
+          </a:bodyPr>
+          <a:lstStyle/>
+          <a:p>
+            <a:pPr algn="ctr"/>
+            <a:r>
+              <a:rPr lang="en-US" altLang="ko-KR" sz="2000">
+                <a:solidFill>
+                  <a:schemeClr val="tx1"/>
+                </a:solidFill>
+                <a:latin typeface="Consolas" pitchFamily="49" charset="0"/>
+                <a:cs typeface="Consolas" pitchFamily="49" charset="0"/>
+              </a:rPr>
+              <a:t>0</a:t>
+            </a:r>
+            <a:endParaRPr lang="ko-KR" altLang="en-US" sz="2000">
+              <a:solidFill>
+                <a:schemeClr val="tx1"/>
+              </a:solidFill>
+              <a:latin typeface="Consolas" pitchFamily="49" charset="0"/>
+              <a:cs typeface="Consolas" pitchFamily="49" charset="0"/>
+            </a:endParaRPr>
+          </a:p>
+        </p:txBody>
+      </p:sp>
+      <p:sp>
+        <p:nvSpPr>
+          <p:cNvPr id="63" name="직사각형 62">
+            <a:extLst>
+              <a:ext uri="{FF2B5EF4-FFF2-40B4-BE49-F238E27FC236}">
+                <a16:creationId xmlns:a16="http://schemas.microsoft.com/office/drawing/2014/main" id="{3C226FE5-09DA-4843-A417-E5B1B6A80E27}"/>
+              </a:ext>
+            </a:extLst>
+          </p:cNvPr>
+          <p:cNvSpPr/>
+          <p:nvPr/>
+        </p:nvSpPr>
+        <p:spPr>
+          <a:xfrm>
+            <a:off x="7668388" y="4293096"/>
+            <a:ext cx="288032" cy="432048"/>
+          </a:xfrm>
+          <a:prstGeom prst="rect">
+            <a:avLst/>
+          </a:prstGeom>
+          <a:solidFill>
+            <a:srgbClr val="FFFF00"/>
+          </a:solidFill>
+          <a:ln w="9525"/>
+        </p:spPr>
+        <p:style>
+          <a:lnRef idx="2">
+            <a:schemeClr val="accent1">
+              <a:shade val="50000"/>
+            </a:schemeClr>
+          </a:lnRef>
+          <a:fillRef idx="1">
+            <a:schemeClr val="accent1"/>
+          </a:fillRef>
+          <a:effectRef idx="0">
+            <a:schemeClr val="accent1"/>
+          </a:effectRef>
+          <a:fontRef idx="minor">
+            <a:schemeClr val="lt1"/>
+          </a:fontRef>
+        </p:style>
+        <p:txBody>
+          <a:bodyPr rot="0" spcFirstLastPara="0" vertOverflow="overflow" horzOverflow="overflow" vert="horz" wrap="square" lIns="91440" tIns="45720" rIns="91440" bIns="45720" numCol="1" spcCol="0" rtlCol="0" fromWordArt="0" anchor="ctr" anchorCtr="0" forceAA="0" compatLnSpc="1">
+            <a:prstTxWarp prst="textNoShape">
+              <a:avLst/>
+            </a:prstTxWarp>
+            <a:noAutofit/>
+          </a:bodyPr>
+          <a:lstStyle/>
+          <a:p>
+            <a:pPr algn="ctr"/>
+            <a:r>
+              <a:rPr lang="en-US" altLang="ko-KR" sz="2000">
+                <a:solidFill>
+                  <a:schemeClr val="tx1"/>
+                </a:solidFill>
+                <a:latin typeface="Consolas" pitchFamily="49" charset="0"/>
+                <a:cs typeface="Consolas" pitchFamily="49" charset="0"/>
+              </a:rPr>
+              <a:t>1</a:t>
+            </a:r>
+            <a:endParaRPr lang="ko-KR" altLang="en-US" sz="2000">
+              <a:solidFill>
+                <a:schemeClr val="tx1"/>
+              </a:solidFill>
+              <a:latin typeface="Consolas" pitchFamily="49" charset="0"/>
+              <a:cs typeface="Consolas" pitchFamily="49" charset="0"/>
+            </a:endParaRPr>
+          </a:p>
+        </p:txBody>
+      </p:sp>
+      <p:sp>
+        <p:nvSpPr>
+          <p:cNvPr id="64" name="직사각형 63">
+            <a:extLst>
+              <a:ext uri="{FF2B5EF4-FFF2-40B4-BE49-F238E27FC236}">
+                <a16:creationId xmlns:a16="http://schemas.microsoft.com/office/drawing/2014/main" id="{C5A39266-9DD9-498D-8076-4A231A65E0CA}"/>
+              </a:ext>
+            </a:extLst>
+          </p:cNvPr>
+          <p:cNvSpPr/>
+          <p:nvPr/>
+        </p:nvSpPr>
+        <p:spPr>
+          <a:xfrm>
+            <a:off x="7956409" y="4293096"/>
+            <a:ext cx="288032" cy="432048"/>
+          </a:xfrm>
+          <a:prstGeom prst="rect">
+            <a:avLst/>
+          </a:prstGeom>
+          <a:solidFill>
+            <a:srgbClr val="FFFF00"/>
+          </a:solidFill>
+          <a:ln w="9525"/>
+        </p:spPr>
+        <p:style>
+          <a:lnRef idx="2">
+            <a:schemeClr val="accent1">
+              <a:shade val="50000"/>
+            </a:schemeClr>
+          </a:lnRef>
+          <a:fillRef idx="1">
+            <a:schemeClr val="accent1"/>
+          </a:fillRef>
+          <a:effectRef idx="0">
+            <a:schemeClr val="accent1"/>
+          </a:effectRef>
+          <a:fontRef idx="minor">
+            <a:schemeClr val="lt1"/>
+          </a:fontRef>
+        </p:style>
+        <p:txBody>
+          <a:bodyPr rot="0" spcFirstLastPara="0" vertOverflow="overflow" horzOverflow="overflow" vert="horz" wrap="square" lIns="91440" tIns="45720" rIns="91440" bIns="45720" numCol="1" spcCol="0" rtlCol="0" fromWordArt="0" anchor="ctr" anchorCtr="0" forceAA="0" compatLnSpc="1">
+            <a:prstTxWarp prst="textNoShape">
+              <a:avLst/>
+            </a:prstTxWarp>
+            <a:noAutofit/>
+          </a:bodyPr>
+          <a:lstStyle/>
+          <a:p>
+            <a:pPr algn="ctr"/>
+            <a:r>
+              <a:rPr lang="en-US" altLang="ko-KR" sz="2000">
+                <a:solidFill>
+                  <a:schemeClr val="tx1"/>
+                </a:solidFill>
+                <a:latin typeface="Consolas" pitchFamily="49" charset="0"/>
+                <a:cs typeface="Consolas" pitchFamily="49" charset="0"/>
+              </a:rPr>
+              <a:t>1</a:t>
+            </a:r>
+            <a:endParaRPr lang="ko-KR" altLang="en-US" sz="2000">
+              <a:solidFill>
+                <a:schemeClr val="tx1"/>
+              </a:solidFill>
+              <a:latin typeface="Consolas" pitchFamily="49" charset="0"/>
+              <a:cs typeface="Consolas" pitchFamily="49" charset="0"/>
+            </a:endParaRPr>
+          </a:p>
+        </p:txBody>
+      </p:sp>
+      <p:sp>
+        <p:nvSpPr>
+          <p:cNvPr id="65" name="직사각형 64">
+            <a:extLst>
+              <a:ext uri="{FF2B5EF4-FFF2-40B4-BE49-F238E27FC236}">
+                <a16:creationId xmlns:a16="http://schemas.microsoft.com/office/drawing/2014/main" id="{AE6191BC-58B9-4F3C-A826-B200AD7ACB30}"/>
+              </a:ext>
+            </a:extLst>
+          </p:cNvPr>
+          <p:cNvSpPr/>
+          <p:nvPr/>
+        </p:nvSpPr>
+        <p:spPr>
+          <a:xfrm>
+            <a:off x="8244430" y="4293096"/>
+            <a:ext cx="288032" cy="432048"/>
+          </a:xfrm>
+          <a:prstGeom prst="rect">
+            <a:avLst/>
+          </a:prstGeom>
+          <a:solidFill>
+            <a:srgbClr val="FFFF00"/>
+          </a:solidFill>
+          <a:ln w="9525"/>
+        </p:spPr>
+        <p:style>
+          <a:lnRef idx="2">
+            <a:schemeClr val="accent1">
+              <a:shade val="50000"/>
+            </a:schemeClr>
+          </a:lnRef>
+          <a:fillRef idx="1">
+            <a:schemeClr val="accent1"/>
+          </a:fillRef>
+          <a:effectRef idx="0">
+            <a:schemeClr val="accent1"/>
+          </a:effectRef>
+          <a:fontRef idx="minor">
+            <a:schemeClr val="lt1"/>
+          </a:fontRef>
+        </p:style>
+        <p:txBody>
+          <a:bodyPr rot="0" spcFirstLastPara="0" vertOverflow="overflow" horzOverflow="overflow" vert="horz" wrap="square" lIns="91440" tIns="45720" rIns="91440" bIns="45720" numCol="1" spcCol="0" rtlCol="0" fromWordArt="0" anchor="ctr" anchorCtr="0" forceAA="0" compatLnSpc="1">
+            <a:prstTxWarp prst="textNoShape">
+              <a:avLst/>
+            </a:prstTxWarp>
+            <a:noAutofit/>
+          </a:bodyPr>
+          <a:lstStyle/>
+          <a:p>
+            <a:pPr algn="ctr"/>
+            <a:r>
+              <a:rPr lang="en-US" altLang="ko-KR" sz="2000">
+                <a:solidFill>
+                  <a:schemeClr val="tx1"/>
+                </a:solidFill>
+                <a:latin typeface="Consolas" pitchFamily="49" charset="0"/>
+                <a:cs typeface="Consolas" pitchFamily="49" charset="0"/>
+              </a:rPr>
+              <a:t>1</a:t>
+            </a:r>
+            <a:endParaRPr lang="ko-KR" altLang="en-US" sz="2000">
+              <a:solidFill>
+                <a:schemeClr val="tx1"/>
+              </a:solidFill>
+              <a:latin typeface="Consolas" pitchFamily="49" charset="0"/>
+              <a:cs typeface="Consolas" pitchFamily="49" charset="0"/>
+            </a:endParaRPr>
+          </a:p>
+        </p:txBody>
+      </p:sp>
+      <p:sp>
+        <p:nvSpPr>
+          <p:cNvPr id="66" name="직사각형 65">
+            <a:extLst>
+              <a:ext uri="{FF2B5EF4-FFF2-40B4-BE49-F238E27FC236}">
+                <a16:creationId xmlns:a16="http://schemas.microsoft.com/office/drawing/2014/main" id="{F2C83B18-4E9E-41A6-897A-52C6AFFDF432}"/>
+              </a:ext>
+            </a:extLst>
+          </p:cNvPr>
+          <p:cNvSpPr/>
+          <p:nvPr/>
+        </p:nvSpPr>
+        <p:spPr>
+          <a:xfrm>
+            <a:off x="8532440" y="4293096"/>
+            <a:ext cx="288032" cy="432048"/>
+          </a:xfrm>
+          <a:prstGeom prst="rect">
+            <a:avLst/>
+          </a:prstGeom>
+          <a:solidFill>
+            <a:srgbClr val="FFFF00"/>
+          </a:solidFill>
+          <a:ln w="9525"/>
+        </p:spPr>
+        <p:style>
+          <a:lnRef idx="2">
+            <a:schemeClr val="accent1">
+              <a:shade val="50000"/>
+            </a:schemeClr>
+          </a:lnRef>
+          <a:fillRef idx="1">
+            <a:schemeClr val="accent1"/>
+          </a:fillRef>
+          <a:effectRef idx="0">
+            <a:schemeClr val="accent1"/>
+          </a:effectRef>
+          <a:fontRef idx="minor">
+            <a:schemeClr val="lt1"/>
+          </a:fontRef>
+        </p:style>
+        <p:txBody>
+          <a:bodyPr rot="0" spcFirstLastPara="0" vertOverflow="overflow" horzOverflow="overflow" vert="horz" wrap="square" lIns="91440" tIns="45720" rIns="91440" bIns="45720" numCol="1" spcCol="0" rtlCol="0" fromWordArt="0" anchor="ctr" anchorCtr="0" forceAA="0" compatLnSpc="1">
+            <a:prstTxWarp prst="textNoShape">
+              <a:avLst/>
+            </a:prstTxWarp>
+            <a:noAutofit/>
+          </a:bodyPr>
+          <a:lstStyle/>
+          <a:p>
+            <a:pPr algn="ctr"/>
+            <a:r>
+              <a:rPr lang="en-US" altLang="ko-KR" sz="2000">
+                <a:solidFill>
+                  <a:schemeClr val="tx1"/>
+                </a:solidFill>
+                <a:latin typeface="Consolas" pitchFamily="49" charset="0"/>
+                <a:cs typeface="Consolas" pitchFamily="49" charset="0"/>
+              </a:rPr>
+              <a:t>0</a:t>
+            </a:r>
+            <a:endParaRPr lang="ko-KR" altLang="en-US" sz="2000">
+              <a:solidFill>
+                <a:schemeClr val="tx1"/>
+              </a:solidFill>
+              <a:latin typeface="Consolas" pitchFamily="49" charset="0"/>
+              <a:cs typeface="Consolas" pitchFamily="49" charset="0"/>
+            </a:endParaRPr>
+          </a:p>
+        </p:txBody>
+      </p:sp>
+      <p:sp>
+        <p:nvSpPr>
+          <p:cNvPr id="67" name="TextBox 66">
+            <a:extLst>
+              <a:ext uri="{FF2B5EF4-FFF2-40B4-BE49-F238E27FC236}">
+                <a16:creationId xmlns:a16="http://schemas.microsoft.com/office/drawing/2014/main" id="{EDD4DB5B-C3C4-4226-AC4F-F8D7225C61E6}"/>
+              </a:ext>
+            </a:extLst>
+          </p:cNvPr>
+          <p:cNvSpPr txBox="1"/>
+          <p:nvPr/>
+        </p:nvSpPr>
+        <p:spPr>
+          <a:xfrm>
+            <a:off x="5266587" y="4293096"/>
+            <a:ext cx="1313180" cy="400110"/>
+          </a:xfrm>
+          <a:prstGeom prst="rect">
+            <a:avLst/>
+          </a:prstGeom>
+          <a:noFill/>
+        </p:spPr>
+        <p:txBody>
+          <a:bodyPr wrap="none" rtlCol="0">
+            <a:spAutoFit/>
+          </a:bodyPr>
+          <a:lstStyle/>
+          <a:p>
+            <a:r>
+              <a:rPr lang="en-US" altLang="ko-KR" sz="2000">
+                <a:latin typeface="Consolas" pitchFamily="49" charset="0"/>
+                <a:cs typeface="Consolas" pitchFamily="49" charset="0"/>
+              </a:rPr>
+              <a:t>state&lt;&lt;1</a:t>
+            </a:r>
+            <a:endParaRPr lang="ko-KR" altLang="en-US" sz="2000">
+              <a:latin typeface="Consolas" pitchFamily="49" charset="0"/>
+              <a:cs typeface="Consolas" pitchFamily="49" charset="0"/>
+            </a:endParaRPr>
+          </a:p>
+        </p:txBody>
+      </p:sp>
+      <p:sp>
+        <p:nvSpPr>
+          <p:cNvPr id="68" name="직사각형 67">
+            <a:extLst>
+              <a:ext uri="{FF2B5EF4-FFF2-40B4-BE49-F238E27FC236}">
+                <a16:creationId xmlns:a16="http://schemas.microsoft.com/office/drawing/2014/main" id="{2E4E24FC-32A7-4DA4-9871-E67BE2899D05}"/>
+              </a:ext>
+            </a:extLst>
+          </p:cNvPr>
+          <p:cNvSpPr/>
+          <p:nvPr/>
+        </p:nvSpPr>
+        <p:spPr>
+          <a:xfrm>
+            <a:off x="6511711" y="4797152"/>
+            <a:ext cx="288032" cy="432048"/>
+          </a:xfrm>
+          <a:prstGeom prst="rect">
+            <a:avLst/>
+          </a:prstGeom>
+          <a:solidFill>
+            <a:srgbClr val="FFFF00"/>
+          </a:solidFill>
+          <a:ln w="9525"/>
+        </p:spPr>
+        <p:style>
+          <a:lnRef idx="2">
+            <a:schemeClr val="accent1">
+              <a:shade val="50000"/>
+            </a:schemeClr>
+          </a:lnRef>
+          <a:fillRef idx="1">
+            <a:schemeClr val="accent1"/>
+          </a:fillRef>
+          <a:effectRef idx="0">
+            <a:schemeClr val="accent1"/>
+          </a:effectRef>
+          <a:fontRef idx="minor">
+            <a:schemeClr val="lt1"/>
+          </a:fontRef>
+        </p:style>
+        <p:txBody>
+          <a:bodyPr rot="0" spcFirstLastPara="0" vertOverflow="overflow" horzOverflow="overflow" vert="horz" wrap="square" lIns="91440" tIns="45720" rIns="91440" bIns="45720" numCol="1" spcCol="0" rtlCol="0" fromWordArt="0" anchor="ctr" anchorCtr="0" forceAA="0" compatLnSpc="1">
+            <a:prstTxWarp prst="textNoShape">
+              <a:avLst/>
+            </a:prstTxWarp>
+            <a:noAutofit/>
+          </a:bodyPr>
+          <a:lstStyle/>
+          <a:p>
+            <a:pPr algn="ctr"/>
+            <a:r>
+              <a:rPr lang="en-US" altLang="ko-KR" sz="2000">
+                <a:solidFill>
+                  <a:schemeClr val="tx1"/>
+                </a:solidFill>
+                <a:latin typeface="Consolas" pitchFamily="49" charset="0"/>
+                <a:cs typeface="Consolas" pitchFamily="49" charset="0"/>
+              </a:rPr>
+              <a:t>1</a:t>
+            </a:r>
+            <a:endParaRPr lang="ko-KR" altLang="en-US" sz="2000">
+              <a:solidFill>
+                <a:schemeClr val="tx1"/>
+              </a:solidFill>
+              <a:latin typeface="Consolas" pitchFamily="49" charset="0"/>
+              <a:cs typeface="Consolas" pitchFamily="49" charset="0"/>
+            </a:endParaRPr>
+          </a:p>
+        </p:txBody>
+      </p:sp>
+      <p:sp>
+        <p:nvSpPr>
+          <p:cNvPr id="69" name="직사각형 68">
+            <a:extLst>
+              <a:ext uri="{FF2B5EF4-FFF2-40B4-BE49-F238E27FC236}">
+                <a16:creationId xmlns:a16="http://schemas.microsoft.com/office/drawing/2014/main" id="{2877C012-A255-4D66-A3BA-6E499FA28558}"/>
+              </a:ext>
+            </a:extLst>
+          </p:cNvPr>
+          <p:cNvSpPr/>
+          <p:nvPr/>
+        </p:nvSpPr>
+        <p:spPr>
+          <a:xfrm>
+            <a:off x="6799732" y="4797152"/>
+            <a:ext cx="288032" cy="432048"/>
+          </a:xfrm>
+          <a:prstGeom prst="rect">
+            <a:avLst/>
+          </a:prstGeom>
+          <a:solidFill>
+            <a:srgbClr val="FFFF00"/>
+          </a:solidFill>
+          <a:ln w="9525"/>
+        </p:spPr>
+        <p:style>
+          <a:lnRef idx="2">
+            <a:schemeClr val="accent1">
+              <a:shade val="50000"/>
+            </a:schemeClr>
+          </a:lnRef>
+          <a:fillRef idx="1">
+            <a:schemeClr val="accent1"/>
+          </a:fillRef>
+          <a:effectRef idx="0">
+            <a:schemeClr val="accent1"/>
+          </a:effectRef>
+          <a:fontRef idx="minor">
+            <a:schemeClr val="lt1"/>
+          </a:fontRef>
+        </p:style>
+        <p:txBody>
+          <a:bodyPr rot="0" spcFirstLastPara="0" vertOverflow="overflow" horzOverflow="overflow" vert="horz" wrap="square" lIns="91440" tIns="45720" rIns="91440" bIns="45720" numCol="1" spcCol="0" rtlCol="0" fromWordArt="0" anchor="ctr" anchorCtr="0" forceAA="0" compatLnSpc="1">
+            <a:prstTxWarp prst="textNoShape">
+              <a:avLst/>
+            </a:prstTxWarp>
+            <a:noAutofit/>
+          </a:bodyPr>
+          <a:lstStyle/>
+          <a:p>
+            <a:pPr algn="ctr"/>
+            <a:r>
+              <a:rPr lang="en-US" altLang="ko-KR" sz="2000">
+                <a:solidFill>
+                  <a:schemeClr val="tx1"/>
+                </a:solidFill>
+                <a:latin typeface="Consolas" pitchFamily="49" charset="0"/>
+                <a:cs typeface="Consolas" pitchFamily="49" charset="0"/>
+              </a:rPr>
+              <a:t>1</a:t>
+            </a:r>
+            <a:endParaRPr lang="ko-KR" altLang="en-US" sz="2000">
+              <a:solidFill>
+                <a:schemeClr val="tx1"/>
+              </a:solidFill>
+              <a:latin typeface="Consolas" pitchFamily="49" charset="0"/>
+              <a:cs typeface="Consolas" pitchFamily="49" charset="0"/>
+            </a:endParaRPr>
+          </a:p>
+        </p:txBody>
+      </p:sp>
+      <p:sp>
+        <p:nvSpPr>
+          <p:cNvPr id="70" name="직사각형 69">
+            <a:extLst>
+              <a:ext uri="{FF2B5EF4-FFF2-40B4-BE49-F238E27FC236}">
+                <a16:creationId xmlns:a16="http://schemas.microsoft.com/office/drawing/2014/main" id="{D6AF6568-CEF7-4ACE-BA98-BF49FD753102}"/>
+              </a:ext>
+            </a:extLst>
+          </p:cNvPr>
+          <p:cNvSpPr/>
+          <p:nvPr/>
+        </p:nvSpPr>
+        <p:spPr>
+          <a:xfrm>
+            <a:off x="7087753" y="4797152"/>
+            <a:ext cx="288032" cy="432048"/>
+          </a:xfrm>
+          <a:prstGeom prst="rect">
+            <a:avLst/>
+          </a:prstGeom>
+          <a:solidFill>
+            <a:srgbClr val="FFFF00"/>
+          </a:solidFill>
+          <a:ln w="9525"/>
+        </p:spPr>
+        <p:style>
+          <a:lnRef idx="2">
+            <a:schemeClr val="accent1">
+              <a:shade val="50000"/>
+            </a:schemeClr>
+          </a:lnRef>
+          <a:fillRef idx="1">
+            <a:schemeClr val="accent1"/>
+          </a:fillRef>
+          <a:effectRef idx="0">
+            <a:schemeClr val="accent1"/>
+          </a:effectRef>
+          <a:fontRef idx="minor">
+            <a:schemeClr val="lt1"/>
+          </a:fontRef>
+        </p:style>
+        <p:txBody>
+          <a:bodyPr rot="0" spcFirstLastPara="0" vertOverflow="overflow" horzOverflow="overflow" vert="horz" wrap="square" lIns="91440" tIns="45720" rIns="91440" bIns="45720" numCol="1" spcCol="0" rtlCol="0" fromWordArt="0" anchor="ctr" anchorCtr="0" forceAA="0" compatLnSpc="1">
+            <a:prstTxWarp prst="textNoShape">
+              <a:avLst/>
+            </a:prstTxWarp>
+            <a:noAutofit/>
+          </a:bodyPr>
+          <a:lstStyle/>
+          <a:p>
+            <a:pPr algn="ctr"/>
+            <a:r>
+              <a:rPr lang="en-US" altLang="ko-KR" sz="2000">
+                <a:solidFill>
+                  <a:schemeClr val="tx1"/>
+                </a:solidFill>
+                <a:latin typeface="Consolas" pitchFamily="49" charset="0"/>
+                <a:cs typeface="Consolas" pitchFamily="49" charset="0"/>
+              </a:rPr>
+              <a:t>1</a:t>
+            </a:r>
+            <a:endParaRPr lang="ko-KR" altLang="en-US" sz="2000">
+              <a:solidFill>
+                <a:schemeClr val="tx1"/>
+              </a:solidFill>
+              <a:latin typeface="Consolas" pitchFamily="49" charset="0"/>
+              <a:cs typeface="Consolas" pitchFamily="49" charset="0"/>
+            </a:endParaRPr>
+          </a:p>
+        </p:txBody>
+      </p:sp>
+      <p:sp>
+        <p:nvSpPr>
+          <p:cNvPr id="71" name="직사각형 70">
+            <a:extLst>
+              <a:ext uri="{FF2B5EF4-FFF2-40B4-BE49-F238E27FC236}">
+                <a16:creationId xmlns:a16="http://schemas.microsoft.com/office/drawing/2014/main" id="{5D8F2CF1-1D01-4D95-9477-CF5D5149C41B}"/>
+              </a:ext>
+            </a:extLst>
+          </p:cNvPr>
+          <p:cNvSpPr/>
+          <p:nvPr/>
+        </p:nvSpPr>
+        <p:spPr>
+          <a:xfrm>
+            <a:off x="7375774" y="4797152"/>
+            <a:ext cx="288032" cy="432048"/>
+          </a:xfrm>
+          <a:prstGeom prst="rect">
+            <a:avLst/>
+          </a:prstGeom>
+          <a:solidFill>
+            <a:srgbClr val="FFFF00"/>
+          </a:solidFill>
+          <a:ln w="9525"/>
+        </p:spPr>
+        <p:style>
+          <a:lnRef idx="2">
+            <a:schemeClr val="accent1">
+              <a:shade val="50000"/>
+            </a:schemeClr>
+          </a:lnRef>
+          <a:fillRef idx="1">
+            <a:schemeClr val="accent1"/>
+          </a:fillRef>
+          <a:effectRef idx="0">
+            <a:schemeClr val="accent1"/>
+          </a:effectRef>
+          <a:fontRef idx="minor">
+            <a:schemeClr val="lt1"/>
+          </a:fontRef>
+        </p:style>
+        <p:txBody>
+          <a:bodyPr rot="0" spcFirstLastPara="0" vertOverflow="overflow" horzOverflow="overflow" vert="horz" wrap="square" lIns="91440" tIns="45720" rIns="91440" bIns="45720" numCol="1" spcCol="0" rtlCol="0" fromWordArt="0" anchor="ctr" anchorCtr="0" forceAA="0" compatLnSpc="1">
+            <a:prstTxWarp prst="textNoShape">
+              <a:avLst/>
+            </a:prstTxWarp>
+            <a:noAutofit/>
+          </a:bodyPr>
+          <a:lstStyle/>
+          <a:p>
+            <a:pPr algn="ctr"/>
+            <a:r>
+              <a:rPr lang="en-US" altLang="ko-KR" sz="2000">
+                <a:solidFill>
+                  <a:schemeClr val="tx1"/>
+                </a:solidFill>
+                <a:latin typeface="Consolas" pitchFamily="49" charset="0"/>
+                <a:cs typeface="Consolas" pitchFamily="49" charset="0"/>
+              </a:rPr>
+              <a:t>0</a:t>
+            </a:r>
+            <a:endParaRPr lang="ko-KR" altLang="en-US" sz="2000">
+              <a:solidFill>
+                <a:schemeClr val="tx1"/>
+              </a:solidFill>
+              <a:latin typeface="Consolas" pitchFamily="49" charset="0"/>
+              <a:cs typeface="Consolas" pitchFamily="49" charset="0"/>
+            </a:endParaRPr>
+          </a:p>
+        </p:txBody>
+      </p:sp>
+      <p:sp>
+        <p:nvSpPr>
+          <p:cNvPr id="72" name="직사각형 71">
+            <a:extLst>
+              <a:ext uri="{FF2B5EF4-FFF2-40B4-BE49-F238E27FC236}">
+                <a16:creationId xmlns:a16="http://schemas.microsoft.com/office/drawing/2014/main" id="{FC5ECD19-ADFE-43D1-9495-6B80267992D7}"/>
+              </a:ext>
+            </a:extLst>
+          </p:cNvPr>
+          <p:cNvSpPr/>
+          <p:nvPr/>
+        </p:nvSpPr>
+        <p:spPr>
+          <a:xfrm>
+            <a:off x="7663795" y="4797152"/>
+            <a:ext cx="288032" cy="432048"/>
+          </a:xfrm>
+          <a:prstGeom prst="rect">
+            <a:avLst/>
+          </a:prstGeom>
+          <a:solidFill>
+            <a:srgbClr val="FFFF00"/>
+          </a:solidFill>
+          <a:ln w="9525"/>
+        </p:spPr>
+        <p:style>
+          <a:lnRef idx="2">
+            <a:schemeClr val="accent1">
+              <a:shade val="50000"/>
+            </a:schemeClr>
+          </a:lnRef>
+          <a:fillRef idx="1">
+            <a:schemeClr val="accent1"/>
+          </a:fillRef>
+          <a:effectRef idx="0">
+            <a:schemeClr val="accent1"/>
+          </a:effectRef>
+          <a:fontRef idx="minor">
+            <a:schemeClr val="lt1"/>
+          </a:fontRef>
+        </p:style>
+        <p:txBody>
+          <a:bodyPr rot="0" spcFirstLastPara="0" vertOverflow="overflow" horzOverflow="overflow" vert="horz" wrap="square" lIns="91440" tIns="45720" rIns="91440" bIns="45720" numCol="1" spcCol="0" rtlCol="0" fromWordArt="0" anchor="ctr" anchorCtr="0" forceAA="0" compatLnSpc="1">
+            <a:prstTxWarp prst="textNoShape">
+              <a:avLst/>
+            </a:prstTxWarp>
+            <a:noAutofit/>
+          </a:bodyPr>
+          <a:lstStyle/>
+          <a:p>
+            <a:pPr algn="ctr"/>
+            <a:r>
+              <a:rPr lang="en-US" altLang="ko-KR" sz="2000">
+                <a:solidFill>
+                  <a:schemeClr val="tx1"/>
+                </a:solidFill>
+                <a:latin typeface="Consolas" pitchFamily="49" charset="0"/>
+                <a:cs typeface="Consolas" pitchFamily="49" charset="0"/>
+              </a:rPr>
+              <a:t>1</a:t>
+            </a:r>
+            <a:endParaRPr lang="ko-KR" altLang="en-US" sz="2000">
+              <a:solidFill>
+                <a:schemeClr val="tx1"/>
+              </a:solidFill>
+              <a:latin typeface="Consolas" pitchFamily="49" charset="0"/>
+              <a:cs typeface="Consolas" pitchFamily="49" charset="0"/>
+            </a:endParaRPr>
+          </a:p>
+        </p:txBody>
+      </p:sp>
+      <p:sp>
+        <p:nvSpPr>
+          <p:cNvPr id="73" name="직사각형 72">
+            <a:extLst>
+              <a:ext uri="{FF2B5EF4-FFF2-40B4-BE49-F238E27FC236}">
+                <a16:creationId xmlns:a16="http://schemas.microsoft.com/office/drawing/2014/main" id="{BE5A18CC-82C2-41A7-B915-FA347D194CC8}"/>
+              </a:ext>
+            </a:extLst>
+          </p:cNvPr>
+          <p:cNvSpPr/>
+          <p:nvPr/>
+        </p:nvSpPr>
+        <p:spPr>
+          <a:xfrm>
+            <a:off x="7951816" y="4797152"/>
+            <a:ext cx="288032" cy="432048"/>
+          </a:xfrm>
+          <a:prstGeom prst="rect">
+            <a:avLst/>
+          </a:prstGeom>
+          <a:solidFill>
+            <a:srgbClr val="FFFF00"/>
+          </a:solidFill>
+          <a:ln w="9525"/>
+        </p:spPr>
+        <p:style>
+          <a:lnRef idx="2">
+            <a:schemeClr val="accent1">
+              <a:shade val="50000"/>
+            </a:schemeClr>
+          </a:lnRef>
+          <a:fillRef idx="1">
+            <a:schemeClr val="accent1"/>
+          </a:fillRef>
+          <a:effectRef idx="0">
+            <a:schemeClr val="accent1"/>
+          </a:effectRef>
+          <a:fontRef idx="minor">
+            <a:schemeClr val="lt1"/>
+          </a:fontRef>
+        </p:style>
+        <p:txBody>
+          <a:bodyPr rot="0" spcFirstLastPara="0" vertOverflow="overflow" horzOverflow="overflow" vert="horz" wrap="square" lIns="91440" tIns="45720" rIns="91440" bIns="45720" numCol="1" spcCol="0" rtlCol="0" fromWordArt="0" anchor="ctr" anchorCtr="0" forceAA="0" compatLnSpc="1">
+            <a:prstTxWarp prst="textNoShape">
+              <a:avLst/>
+            </a:prstTxWarp>
+            <a:noAutofit/>
+          </a:bodyPr>
+          <a:lstStyle/>
+          <a:p>
+            <a:pPr algn="ctr"/>
+            <a:r>
+              <a:rPr lang="en-US" altLang="ko-KR" sz="2000">
+                <a:solidFill>
+                  <a:schemeClr val="tx1"/>
+                </a:solidFill>
+                <a:latin typeface="Consolas" pitchFamily="49" charset="0"/>
+                <a:cs typeface="Consolas" pitchFamily="49" charset="0"/>
+              </a:rPr>
+              <a:t>1</a:t>
+            </a:r>
+            <a:endParaRPr lang="ko-KR" altLang="en-US" sz="2000">
+              <a:solidFill>
+                <a:schemeClr val="tx1"/>
+              </a:solidFill>
+              <a:latin typeface="Consolas" pitchFamily="49" charset="0"/>
+              <a:cs typeface="Consolas" pitchFamily="49" charset="0"/>
+            </a:endParaRPr>
+          </a:p>
+        </p:txBody>
+      </p:sp>
+      <p:sp>
+        <p:nvSpPr>
+          <p:cNvPr id="74" name="직사각형 73">
+            <a:extLst>
+              <a:ext uri="{FF2B5EF4-FFF2-40B4-BE49-F238E27FC236}">
+                <a16:creationId xmlns:a16="http://schemas.microsoft.com/office/drawing/2014/main" id="{D5A5C637-B8F1-4D02-9212-4B1084B92098}"/>
+              </a:ext>
+            </a:extLst>
+          </p:cNvPr>
+          <p:cNvSpPr/>
+          <p:nvPr/>
+        </p:nvSpPr>
+        <p:spPr>
+          <a:xfrm>
+            <a:off x="8239837" y="4797152"/>
+            <a:ext cx="288032" cy="432048"/>
+          </a:xfrm>
+          <a:prstGeom prst="rect">
+            <a:avLst/>
+          </a:prstGeom>
+          <a:solidFill>
+            <a:srgbClr val="FFFF00"/>
+          </a:solidFill>
+          <a:ln w="9525"/>
+        </p:spPr>
+        <p:style>
+          <a:lnRef idx="2">
+            <a:schemeClr val="accent1">
+              <a:shade val="50000"/>
+            </a:schemeClr>
+          </a:lnRef>
+          <a:fillRef idx="1">
+            <a:schemeClr val="accent1"/>
+          </a:fillRef>
+          <a:effectRef idx="0">
+            <a:schemeClr val="accent1"/>
+          </a:effectRef>
+          <a:fontRef idx="minor">
+            <a:schemeClr val="lt1"/>
+          </a:fontRef>
+        </p:style>
+        <p:txBody>
+          <a:bodyPr rot="0" spcFirstLastPara="0" vertOverflow="overflow" horzOverflow="overflow" vert="horz" wrap="square" lIns="91440" tIns="45720" rIns="91440" bIns="45720" numCol="1" spcCol="0" rtlCol="0" fromWordArt="0" anchor="ctr" anchorCtr="0" forceAA="0" compatLnSpc="1">
+            <a:prstTxWarp prst="textNoShape">
+              <a:avLst/>
+            </a:prstTxWarp>
+            <a:noAutofit/>
+          </a:bodyPr>
+          <a:lstStyle/>
+          <a:p>
+            <a:pPr algn="ctr"/>
+            <a:r>
+              <a:rPr lang="en-US" altLang="ko-KR" sz="2000">
+                <a:solidFill>
+                  <a:schemeClr val="tx1"/>
+                </a:solidFill>
+                <a:latin typeface="Consolas" pitchFamily="49" charset="0"/>
+                <a:cs typeface="Consolas" pitchFamily="49" charset="0"/>
+              </a:rPr>
+              <a:t>1</a:t>
+            </a:r>
+            <a:endParaRPr lang="ko-KR" altLang="en-US" sz="2000">
+              <a:solidFill>
+                <a:schemeClr val="tx1"/>
+              </a:solidFill>
+              <a:latin typeface="Consolas" pitchFamily="49" charset="0"/>
+              <a:cs typeface="Consolas" pitchFamily="49" charset="0"/>
+            </a:endParaRPr>
+          </a:p>
+        </p:txBody>
+      </p:sp>
+      <p:sp>
+        <p:nvSpPr>
+          <p:cNvPr id="75" name="직사각형 74">
+            <a:extLst>
+              <a:ext uri="{FF2B5EF4-FFF2-40B4-BE49-F238E27FC236}">
+                <a16:creationId xmlns:a16="http://schemas.microsoft.com/office/drawing/2014/main" id="{E0AD11A5-F7E5-4ACF-8969-CC0A992298E9}"/>
+              </a:ext>
+            </a:extLst>
+          </p:cNvPr>
+          <p:cNvSpPr/>
+          <p:nvPr/>
+        </p:nvSpPr>
+        <p:spPr>
+          <a:xfrm>
+            <a:off x="8527847" y="4797152"/>
+            <a:ext cx="288032" cy="432048"/>
+          </a:xfrm>
+          <a:prstGeom prst="rect">
+            <a:avLst/>
+          </a:prstGeom>
+          <a:solidFill>
+            <a:srgbClr val="FFFF00"/>
+          </a:solidFill>
+          <a:ln w="9525"/>
+        </p:spPr>
+        <p:style>
+          <a:lnRef idx="2">
+            <a:schemeClr val="accent1">
+              <a:shade val="50000"/>
+            </a:schemeClr>
+          </a:lnRef>
+          <a:fillRef idx="1">
+            <a:schemeClr val="accent1"/>
+          </a:fillRef>
+          <a:effectRef idx="0">
+            <a:schemeClr val="accent1"/>
+          </a:effectRef>
+          <a:fontRef idx="minor">
+            <a:schemeClr val="lt1"/>
+          </a:fontRef>
+        </p:style>
+        <p:txBody>
+          <a:bodyPr rot="0" spcFirstLastPara="0" vertOverflow="overflow" horzOverflow="overflow" vert="horz" wrap="square" lIns="91440" tIns="45720" rIns="91440" bIns="45720" numCol="1" spcCol="0" rtlCol="0" fromWordArt="0" anchor="ctr" anchorCtr="0" forceAA="0" compatLnSpc="1">
+            <a:prstTxWarp prst="textNoShape">
+              <a:avLst/>
+            </a:prstTxWarp>
+            <a:noAutofit/>
+          </a:bodyPr>
+          <a:lstStyle/>
+          <a:p>
+            <a:pPr algn="ctr"/>
+            <a:r>
+              <a:rPr lang="en-US" altLang="ko-KR" sz="2000">
+                <a:solidFill>
+                  <a:schemeClr val="tx1"/>
+                </a:solidFill>
+                <a:latin typeface="Consolas" pitchFamily="49" charset="0"/>
+                <a:cs typeface="Consolas" pitchFamily="49" charset="0"/>
+              </a:rPr>
+              <a:t>1</a:t>
+            </a:r>
+            <a:endParaRPr lang="ko-KR" altLang="en-US" sz="2000">
+              <a:solidFill>
+                <a:schemeClr val="tx1"/>
+              </a:solidFill>
+              <a:latin typeface="Consolas" pitchFamily="49" charset="0"/>
+              <a:cs typeface="Consolas" pitchFamily="49" charset="0"/>
+            </a:endParaRPr>
+          </a:p>
+        </p:txBody>
+      </p:sp>
+      <p:sp>
+        <p:nvSpPr>
+          <p:cNvPr id="76" name="TextBox 75">
+            <a:extLst>
+              <a:ext uri="{FF2B5EF4-FFF2-40B4-BE49-F238E27FC236}">
+                <a16:creationId xmlns:a16="http://schemas.microsoft.com/office/drawing/2014/main" id="{EABBE704-6B83-4664-9CB1-8B7D0D65E753}"/>
+              </a:ext>
+            </a:extLst>
+          </p:cNvPr>
+          <p:cNvSpPr txBox="1"/>
+          <p:nvPr/>
+        </p:nvSpPr>
+        <p:spPr>
+          <a:xfrm>
+            <a:off x="8833333" y="4782189"/>
+            <a:ext cx="325730" cy="400110"/>
+          </a:xfrm>
+          <a:prstGeom prst="rect">
+            <a:avLst/>
+          </a:prstGeom>
+          <a:noFill/>
+        </p:spPr>
+        <p:txBody>
+          <a:bodyPr wrap="none" rtlCol="0">
+            <a:spAutoFit/>
+          </a:bodyPr>
+          <a:lstStyle/>
+          <a:p>
+            <a:r>
+              <a:rPr lang="en-US" altLang="ko-KR" sz="2000">
+                <a:latin typeface="Consolas" pitchFamily="49" charset="0"/>
+                <a:cs typeface="Consolas" pitchFamily="49" charset="0"/>
+              </a:rPr>
+              <a:t>|</a:t>
+            </a:r>
+            <a:endParaRPr lang="ko-KR" altLang="en-US" sz="2000">
+              <a:latin typeface="Consolas" pitchFamily="49" charset="0"/>
+              <a:cs typeface="Consolas" pitchFamily="49" charset="0"/>
+            </a:endParaRPr>
+          </a:p>
+        </p:txBody>
+      </p:sp>
+    </p:spTree>
+    <p:extLst>
+      <p:ext uri="{BB962C8B-B14F-4D97-AF65-F5344CB8AC3E}">
+        <p14:creationId xmlns:p14="http://schemas.microsoft.com/office/powerpoint/2010/main" val="2319200370"/>
+      </p:ext>
+    </p:extLst>
+  </p:cSld>
+  <p:clrMapOvr>
+    <a:masterClrMapping/>
+  </p:clrMapOvr>
+</p:sld>
+</file>
+
 <file path=ppt/slides/slide2.xml><?xml version="1.0" encoding="utf-8"?>
 <p:sld xmlns:a="http://schemas.openxmlformats.org/drawingml/2006/main" xmlns:r="http://schemas.openxmlformats.org/officeDocument/2006/relationships" xmlns:p="http://schemas.openxmlformats.org/presentationml/2006/main">
   <p:cSld>
@@ -10340,6 +18661,606 @@
     <p:extLst>
       <p:ext uri="{BB962C8B-B14F-4D97-AF65-F5344CB8AC3E}">
         <p14:creationId xmlns:p14="http://schemas.microsoft.com/office/powerpoint/2010/main" val="3931561955"/>
+      </p:ext>
+    </p:extLst>
+  </p:cSld>
+  <p:clrMapOvr>
+    <a:masterClrMapping/>
+  </p:clrMapOvr>
+</p:sld>
+</file>
+
+<file path=ppt/slides/slide8.xml><?xml version="1.0" encoding="utf-8"?>
+<p:sld xmlns:a="http://schemas.openxmlformats.org/drawingml/2006/main" xmlns:r="http://schemas.openxmlformats.org/officeDocument/2006/relationships" xmlns:p="http://schemas.openxmlformats.org/presentationml/2006/main">
+  <p:cSld>
+    <p:spTree>
+      <p:nvGrpSpPr>
+        <p:cNvPr id="1" name=""/>
+        <p:cNvGrpSpPr/>
+        <p:nvPr/>
+      </p:nvGrpSpPr>
+      <p:grpSpPr>
+        <a:xfrm>
+          <a:off x="0" y="0"/>
+          <a:ext cx="0" cy="0"/>
+          <a:chOff x="0" y="0"/>
+          <a:chExt cx="0" cy="0"/>
+        </a:xfrm>
+      </p:grpSpPr>
+      <p:sp>
+        <p:nvSpPr>
+          <p:cNvPr id="4" name="TextBox 3">
+            <a:extLst>
+              <a:ext uri="{FF2B5EF4-FFF2-40B4-BE49-F238E27FC236}">
+                <a16:creationId xmlns:a16="http://schemas.microsoft.com/office/drawing/2014/main" id="{69683411-C882-4D08-B069-592E2D1B26BF}"/>
+              </a:ext>
+            </a:extLst>
+          </p:cNvPr>
+          <p:cNvSpPr txBox="1"/>
+          <p:nvPr/>
+        </p:nvSpPr>
+        <p:spPr>
+          <a:xfrm>
+            <a:off x="251520" y="332656"/>
+            <a:ext cx="5827236" cy="5016758"/>
+          </a:xfrm>
+          <a:prstGeom prst="rect">
+            <a:avLst/>
+          </a:prstGeom>
+          <a:noFill/>
+        </p:spPr>
+        <p:txBody>
+          <a:bodyPr wrap="none" rtlCol="0">
+            <a:spAutoFit/>
+          </a:bodyPr>
+          <a:lstStyle/>
+          <a:p>
+            <a:r>
+              <a:rPr lang="nn-NO" altLang="ko-KR" sz="2000">
+                <a:latin typeface="Consolas" pitchFamily="49" charset="0"/>
+                <a:cs typeface="Consolas" pitchFamily="49" charset="0"/>
+              </a:rPr>
+              <a:t>"This algorithm hello"</a:t>
+            </a:r>
+          </a:p>
+          <a:p>
+            <a:r>
+              <a:rPr lang="nn-NO" altLang="ko-KR" sz="2000">
+                <a:latin typeface="Consolas" pitchFamily="49" charset="0"/>
+                <a:cs typeface="Consolas" pitchFamily="49" charset="0"/>
+              </a:rPr>
+              <a:t> "hello"</a:t>
+            </a:r>
+          </a:p>
+          <a:p>
+            <a:r>
+              <a:rPr lang="nn-NO" altLang="ko-KR" sz="2000">
+                <a:latin typeface="Consolas" pitchFamily="49" charset="0"/>
+                <a:cs typeface="Consolas" pitchFamily="49" charset="0"/>
+              </a:rPr>
+              <a:t>"olleh"</a:t>
+            </a:r>
+          </a:p>
+          <a:p>
+            <a:endParaRPr lang="nn-NO" altLang="ko-KR" sz="2000">
+              <a:latin typeface="Consolas" pitchFamily="49" charset="0"/>
+              <a:cs typeface="Consolas" pitchFamily="49" charset="0"/>
+            </a:endParaRPr>
+          </a:p>
+          <a:p>
+            <a:r>
+              <a:rPr lang="nn-NO" altLang="ko-KR" sz="2000">
+                <a:latin typeface="Consolas" pitchFamily="49" charset="0"/>
+                <a:cs typeface="Consolas" pitchFamily="49" charset="0"/>
+              </a:rPr>
+              <a:t>int hx = 0;</a:t>
+            </a:r>
+          </a:p>
+          <a:p>
+            <a:r>
+              <a:rPr lang="nn-NO" altLang="ko-KR" sz="2000">
+                <a:latin typeface="Consolas" pitchFamily="49" charset="0"/>
+                <a:cs typeface="Consolas" pitchFamily="49" charset="0"/>
+              </a:rPr>
+              <a:t>for (hy = hx = i = 0; i &lt; m; ++i) {</a:t>
+            </a:r>
+          </a:p>
+          <a:p>
+            <a:r>
+              <a:rPr lang="nn-NO" altLang="ko-KR" sz="2000">
+                <a:latin typeface="Consolas" pitchFamily="49" charset="0"/>
+                <a:cs typeface="Consolas" pitchFamily="49" charset="0"/>
+              </a:rPr>
+              <a:t>      hx = ((hx&lt;&lt;1) + x[i]);</a:t>
+            </a:r>
+          </a:p>
+          <a:p>
+            <a:r>
+              <a:rPr lang="nn-NO" altLang="ko-KR" sz="2000">
+                <a:latin typeface="Consolas" pitchFamily="49" charset="0"/>
+                <a:cs typeface="Consolas" pitchFamily="49" charset="0"/>
+              </a:rPr>
+              <a:t>      hy = ((hy&lt;&lt;1) + y[i]);</a:t>
+            </a:r>
+          </a:p>
+          <a:p>
+            <a:r>
+              <a:rPr lang="nn-NO" altLang="ko-KR" sz="2000">
+                <a:latin typeface="Consolas" pitchFamily="49" charset="0"/>
+                <a:cs typeface="Consolas" pitchFamily="49" charset="0"/>
+              </a:rPr>
+              <a:t>}</a:t>
+            </a:r>
+          </a:p>
+          <a:p>
+            <a:endParaRPr lang="nn-NO" altLang="ko-KR" sz="2000">
+              <a:latin typeface="Consolas" pitchFamily="49" charset="0"/>
+              <a:cs typeface="Consolas" pitchFamily="49" charset="0"/>
+            </a:endParaRPr>
+          </a:p>
+          <a:p>
+            <a:r>
+              <a:rPr lang="nn-NO" altLang="ko-KR" sz="2000">
+                <a:latin typeface="Consolas" pitchFamily="49" charset="0"/>
+                <a:cs typeface="Consolas" pitchFamily="49" charset="0"/>
+              </a:rPr>
+              <a:t>hx = (hx&lt;&lt;1) + x[i];</a:t>
+            </a:r>
+          </a:p>
+          <a:p>
+            <a:r>
+              <a:rPr lang="nn-NO" altLang="ko-KR" sz="2000">
+                <a:latin typeface="Consolas" pitchFamily="49" charset="0"/>
+                <a:cs typeface="Consolas" pitchFamily="49" charset="0"/>
+              </a:rPr>
+              <a:t>'h'*2^4+'e'*2^3+'l'*2^2+'l'*2^1+'o'*2^0;</a:t>
+            </a:r>
+          </a:p>
+          <a:p>
+            <a:endParaRPr lang="nn-NO" altLang="ko-KR" sz="2000">
+              <a:latin typeface="Consolas" pitchFamily="49" charset="0"/>
+              <a:cs typeface="Consolas" pitchFamily="49" charset="0"/>
+            </a:endParaRPr>
+          </a:p>
+          <a:p>
+            <a:r>
+              <a:rPr lang="nn-NO" altLang="ko-KR" sz="2000">
+                <a:latin typeface="Consolas" pitchFamily="49" charset="0"/>
+                <a:cs typeface="Consolas" pitchFamily="49" charset="0"/>
+              </a:rPr>
+              <a:t>hy = (hy&lt;&lt;1) + x[i];</a:t>
+            </a:r>
+          </a:p>
+          <a:p>
+            <a:r>
+              <a:rPr lang="nn-NO" altLang="ko-KR" sz="2000">
+                <a:latin typeface="Consolas" pitchFamily="49" charset="0"/>
+                <a:cs typeface="Consolas" pitchFamily="49" charset="0"/>
+              </a:rPr>
+              <a:t>'T'*2^4+'h'*2^3+'i'*2^2+'s'*2^1+' '*2^0;</a:t>
+            </a:r>
+            <a:endParaRPr lang="ko-KR" altLang="en-US" sz="2000">
+              <a:latin typeface="Consolas" pitchFamily="49" charset="0"/>
+              <a:cs typeface="Consolas" pitchFamily="49" charset="0"/>
+            </a:endParaRPr>
+          </a:p>
+          <a:p>
+            <a:endParaRPr lang="ko-KR" altLang="en-US" sz="2000">
+              <a:latin typeface="Consolas" pitchFamily="49" charset="0"/>
+              <a:cs typeface="Consolas" pitchFamily="49" charset="0"/>
+            </a:endParaRPr>
+          </a:p>
+        </p:txBody>
+      </p:sp>
+      <p:sp>
+        <p:nvSpPr>
+          <p:cNvPr id="5" name="TextBox 4">
+            <a:extLst>
+              <a:ext uri="{FF2B5EF4-FFF2-40B4-BE49-F238E27FC236}">
+                <a16:creationId xmlns:a16="http://schemas.microsoft.com/office/drawing/2014/main" id="{2A8789C1-191C-43DF-8B26-7527DB563139}"/>
+              </a:ext>
+            </a:extLst>
+          </p:cNvPr>
+          <p:cNvSpPr txBox="1"/>
+          <p:nvPr/>
+        </p:nvSpPr>
+        <p:spPr>
+          <a:xfrm>
+            <a:off x="6300192" y="332656"/>
+            <a:ext cx="1454244" cy="1323439"/>
+          </a:xfrm>
+          <a:prstGeom prst="rect">
+            <a:avLst/>
+          </a:prstGeom>
+          <a:noFill/>
+        </p:spPr>
+        <p:txBody>
+          <a:bodyPr wrap="none" rtlCol="0">
+            <a:spAutoFit/>
+          </a:bodyPr>
+          <a:lstStyle/>
+          <a:p>
+            <a:r>
+              <a:rPr lang="en-US" altLang="ko-KR" sz="2000">
+                <a:latin typeface="Consolas" pitchFamily="49" charset="0"/>
+                <a:cs typeface="Consolas" pitchFamily="49" charset="0"/>
+              </a:rPr>
+              <a:t>'a' =&gt; 97</a:t>
+            </a:r>
+          </a:p>
+          <a:p>
+            <a:r>
+              <a:rPr lang="en-US" altLang="ko-KR" sz="2000">
+                <a:latin typeface="Consolas" pitchFamily="49" charset="0"/>
+                <a:cs typeface="Consolas" pitchFamily="49" charset="0"/>
+              </a:rPr>
+              <a:t>'A' =&gt; 65</a:t>
+            </a:r>
+          </a:p>
+          <a:p>
+            <a:r>
+              <a:rPr lang="en-US" altLang="ko-KR" sz="2000">
+                <a:latin typeface="Consolas" pitchFamily="49" charset="0"/>
+                <a:cs typeface="Consolas" pitchFamily="49" charset="0"/>
+              </a:rPr>
+              <a:t>'0' =&gt; 48</a:t>
+            </a:r>
+          </a:p>
+          <a:p>
+            <a:r>
+              <a:rPr lang="en-US" altLang="ko-KR" sz="2000">
+                <a:latin typeface="Consolas" pitchFamily="49" charset="0"/>
+                <a:cs typeface="Consolas" pitchFamily="49" charset="0"/>
+              </a:rPr>
+              <a:t>' ' =&gt; 32</a:t>
+            </a:r>
+            <a:endParaRPr lang="ko-KR" altLang="en-US" sz="2000">
+              <a:latin typeface="Consolas" pitchFamily="49" charset="0"/>
+              <a:cs typeface="Consolas" pitchFamily="49" charset="0"/>
+            </a:endParaRPr>
+          </a:p>
+        </p:txBody>
+      </p:sp>
+    </p:spTree>
+    <p:extLst>
+      <p:ext uri="{BB962C8B-B14F-4D97-AF65-F5344CB8AC3E}">
+        <p14:creationId xmlns:p14="http://schemas.microsoft.com/office/powerpoint/2010/main" val="640060906"/>
+      </p:ext>
+    </p:extLst>
+  </p:cSld>
+  <p:clrMapOvr>
+    <a:masterClrMapping/>
+  </p:clrMapOvr>
+</p:sld>
+</file>
+
+<file path=ppt/slides/slide9.xml><?xml version="1.0" encoding="utf-8"?>
+<p:sld xmlns:a="http://schemas.openxmlformats.org/drawingml/2006/main" xmlns:r="http://schemas.openxmlformats.org/officeDocument/2006/relationships" xmlns:p="http://schemas.openxmlformats.org/presentationml/2006/main">
+  <p:cSld>
+    <p:spTree>
+      <p:nvGrpSpPr>
+        <p:cNvPr id="1" name=""/>
+        <p:cNvGrpSpPr/>
+        <p:nvPr/>
+      </p:nvGrpSpPr>
+      <p:grpSpPr>
+        <a:xfrm>
+          <a:off x="0" y="0"/>
+          <a:ext cx="0" cy="0"/>
+          <a:chOff x="0" y="0"/>
+          <a:chExt cx="0" cy="0"/>
+        </a:xfrm>
+      </p:grpSpPr>
+      <p:sp>
+        <p:nvSpPr>
+          <p:cNvPr id="4" name="TextBox 3">
+            <a:extLst>
+              <a:ext uri="{FF2B5EF4-FFF2-40B4-BE49-F238E27FC236}">
+                <a16:creationId xmlns:a16="http://schemas.microsoft.com/office/drawing/2014/main" id="{69683411-C882-4D08-B069-592E2D1B26BF}"/>
+              </a:ext>
+            </a:extLst>
+          </p:cNvPr>
+          <p:cNvSpPr txBox="1"/>
+          <p:nvPr/>
+        </p:nvSpPr>
+        <p:spPr>
+          <a:xfrm>
+            <a:off x="251520" y="332656"/>
+            <a:ext cx="6814686" cy="6863417"/>
+          </a:xfrm>
+          <a:prstGeom prst="rect">
+            <a:avLst/>
+          </a:prstGeom>
+          <a:noFill/>
+        </p:spPr>
+        <p:txBody>
+          <a:bodyPr wrap="none" rtlCol="0">
+            <a:spAutoFit/>
+          </a:bodyPr>
+          <a:lstStyle/>
+          <a:p>
+            <a:r>
+              <a:rPr lang="nn-NO" altLang="ko-KR" sz="2000">
+                <a:latin typeface="Consolas" pitchFamily="49" charset="0"/>
+                <a:cs typeface="Consolas" pitchFamily="49" charset="0"/>
+              </a:rPr>
+              <a:t>"This algorithm hello"</a:t>
+            </a:r>
+          </a:p>
+          <a:p>
+            <a:r>
+              <a:rPr lang="nn-NO" altLang="ko-KR" sz="2000">
+                <a:latin typeface="Consolas" pitchFamily="49" charset="0"/>
+                <a:cs typeface="Consolas" pitchFamily="49" charset="0"/>
+              </a:rPr>
+              <a:t> "hello"</a:t>
+            </a:r>
+          </a:p>
+          <a:p>
+            <a:r>
+              <a:rPr lang="nn-NO" altLang="ko-KR" sz="2000">
+                <a:latin typeface="Consolas" pitchFamily="49" charset="0"/>
+                <a:cs typeface="Consolas" pitchFamily="49" charset="0"/>
+              </a:rPr>
+              <a:t>"olleh"</a:t>
+            </a:r>
+          </a:p>
+          <a:p>
+            <a:endParaRPr lang="nn-NO" altLang="ko-KR" sz="2000">
+              <a:latin typeface="Consolas" pitchFamily="49" charset="0"/>
+              <a:cs typeface="Consolas" pitchFamily="49" charset="0"/>
+            </a:endParaRPr>
+          </a:p>
+          <a:p>
+            <a:r>
+              <a:rPr lang="nn-NO" altLang="ko-KR" sz="2000">
+                <a:latin typeface="Consolas" pitchFamily="49" charset="0"/>
+                <a:cs typeface="Consolas" pitchFamily="49" charset="0"/>
+              </a:rPr>
+              <a:t>/* Searching */</a:t>
+            </a:r>
+          </a:p>
+          <a:p>
+            <a:r>
+              <a:rPr lang="nn-NO" altLang="ko-KR" sz="2000">
+                <a:latin typeface="Consolas" pitchFamily="49" charset="0"/>
+                <a:cs typeface="Consolas" pitchFamily="49" charset="0"/>
+              </a:rPr>
+              <a:t>   j = 0;</a:t>
+            </a:r>
+          </a:p>
+          <a:p>
+            <a:r>
+              <a:rPr lang="nn-NO" altLang="ko-KR" sz="2000">
+                <a:latin typeface="Consolas" pitchFamily="49" charset="0"/>
+                <a:cs typeface="Consolas" pitchFamily="49" charset="0"/>
+              </a:rPr>
+              <a:t>   while (j &lt;= n-m) {</a:t>
+            </a:r>
+          </a:p>
+          <a:p>
+            <a:r>
+              <a:rPr lang="nn-NO" altLang="ko-KR" sz="2000">
+                <a:latin typeface="Consolas" pitchFamily="49" charset="0"/>
+                <a:cs typeface="Consolas" pitchFamily="49" charset="0"/>
+              </a:rPr>
+              <a:t>      if (hx == hy &amp;&amp; memcmp(x, y + j, m) == 0)</a:t>
+            </a:r>
+          </a:p>
+          <a:p>
+            <a:r>
+              <a:rPr lang="nn-NO" altLang="ko-KR" sz="2000">
+                <a:latin typeface="Consolas" pitchFamily="49" charset="0"/>
+                <a:cs typeface="Consolas" pitchFamily="49" charset="0"/>
+              </a:rPr>
+              <a:t>         OUTPUT(j);</a:t>
+            </a:r>
+          </a:p>
+          <a:p>
+            <a:r>
+              <a:rPr lang="nn-NO" altLang="ko-KR" sz="2000">
+                <a:latin typeface="Consolas" pitchFamily="49" charset="0"/>
+                <a:cs typeface="Consolas" pitchFamily="49" charset="0"/>
+              </a:rPr>
+              <a:t>      hy = REHASH(y[j], y[j + m], hy);</a:t>
+            </a:r>
+          </a:p>
+          <a:p>
+            <a:r>
+              <a:rPr lang="nn-NO" altLang="ko-KR" sz="2000">
+                <a:latin typeface="Consolas" pitchFamily="49" charset="0"/>
+                <a:cs typeface="Consolas" pitchFamily="49" charset="0"/>
+              </a:rPr>
+              <a:t>      ++j;</a:t>
+            </a:r>
+          </a:p>
+          <a:p>
+            <a:r>
+              <a:rPr lang="nn-NO" altLang="ko-KR" sz="2000">
+                <a:latin typeface="Consolas" pitchFamily="49" charset="0"/>
+                <a:cs typeface="Consolas" pitchFamily="49" charset="0"/>
+              </a:rPr>
+              <a:t>   }</a:t>
+            </a:r>
+          </a:p>
+          <a:p>
+            <a:endParaRPr lang="nn-NO" altLang="ko-KR" sz="2000">
+              <a:latin typeface="Consolas" pitchFamily="49" charset="0"/>
+              <a:cs typeface="Consolas" pitchFamily="49" charset="0"/>
+            </a:endParaRPr>
+          </a:p>
+          <a:p>
+            <a:r>
+              <a:rPr lang="nn-NO" altLang="ko-KR" sz="2000">
+                <a:latin typeface="Consolas" pitchFamily="49" charset="0"/>
+                <a:cs typeface="Consolas" pitchFamily="49" charset="0"/>
+              </a:rPr>
+              <a:t>hy = (hy&lt;&lt;1) + x[i];</a:t>
+            </a:r>
+          </a:p>
+          <a:p>
+            <a:r>
+              <a:rPr lang="nn-NO" altLang="ko-KR" sz="2000">
+                <a:latin typeface="Consolas" pitchFamily="49" charset="0"/>
+                <a:cs typeface="Consolas" pitchFamily="49" charset="0"/>
+              </a:rPr>
+              <a:t>'T'*2^4+'h'*2^3+'i'*2^2+'s'*2^1+' '*2^0;</a:t>
+            </a:r>
+            <a:endParaRPr lang="ko-KR" altLang="en-US" sz="2000">
+              <a:latin typeface="Consolas" pitchFamily="49" charset="0"/>
+              <a:cs typeface="Consolas" pitchFamily="49" charset="0"/>
+            </a:endParaRPr>
+          </a:p>
+          <a:p>
+            <a:r>
+              <a:rPr lang="nn-NO" altLang="ko-KR" sz="2000">
+                <a:latin typeface="Consolas" pitchFamily="49" charset="0"/>
+                <a:cs typeface="Consolas" pitchFamily="49" charset="0"/>
+              </a:rPr>
+              <a:t>(hy -</a:t>
+            </a:r>
+            <a:r>
+              <a:rPr lang="nn-NO" altLang="ko-KR" sz="2000">
+                <a:solidFill>
+                  <a:srgbClr val="FF0000"/>
+                </a:solidFill>
+                <a:latin typeface="Consolas" pitchFamily="49" charset="0"/>
+                <a:cs typeface="Consolas" pitchFamily="49" charset="0"/>
+              </a:rPr>
+              <a:t> </a:t>
+            </a:r>
+            <a:r>
+              <a:rPr lang="nn-NO" altLang="ko-KR" sz="2000">
+                <a:latin typeface="Consolas" pitchFamily="49" charset="0"/>
+                <a:cs typeface="Consolas" pitchFamily="49" charset="0"/>
+              </a:rPr>
+              <a:t>'T'*2^4) &lt;&lt;1 + 'a';</a:t>
+            </a:r>
+          </a:p>
+          <a:p>
+            <a:r>
+              <a:rPr lang="nn-NO" altLang="ko-KR" sz="2000">
+                <a:latin typeface="Consolas" pitchFamily="49" charset="0"/>
+                <a:cs typeface="Consolas" pitchFamily="49" charset="0"/>
+              </a:rPr>
+              <a:t>REHASH('T', 'a', hy);</a:t>
+            </a:r>
+          </a:p>
+          <a:p>
+            <a:endParaRPr lang="nn-NO" altLang="ko-KR" sz="2000">
+              <a:latin typeface="Consolas" pitchFamily="49" charset="0"/>
+              <a:cs typeface="Consolas" pitchFamily="49" charset="0"/>
+            </a:endParaRPr>
+          </a:p>
+          <a:p>
+            <a:r>
+              <a:rPr lang="pt-BR" altLang="ko-KR" sz="2000">
+                <a:latin typeface="Consolas" pitchFamily="49" charset="0"/>
+                <a:cs typeface="Consolas" pitchFamily="49" charset="0"/>
+              </a:rPr>
+              <a:t>#define REHASH(a, b, h) </a:t>
+            </a:r>
+          </a:p>
+          <a:p>
+            <a:r>
+              <a:rPr lang="pt-BR" altLang="ko-KR" sz="2000">
+                <a:latin typeface="Consolas" pitchFamily="49" charset="0"/>
+                <a:cs typeface="Consolas" pitchFamily="49" charset="0"/>
+              </a:rPr>
+              <a:t>((hy - 'T'*2^4) &lt;&lt; 1) + 'a'</a:t>
+            </a:r>
+            <a:endParaRPr lang="nn-NO" altLang="ko-KR" sz="2000">
+              <a:latin typeface="Consolas" pitchFamily="49" charset="0"/>
+              <a:cs typeface="Consolas" pitchFamily="49" charset="0"/>
+            </a:endParaRPr>
+          </a:p>
+          <a:p>
+            <a:endParaRPr lang="ko-KR" altLang="en-US" sz="2000">
+              <a:latin typeface="Consolas" pitchFamily="49" charset="0"/>
+              <a:cs typeface="Consolas" pitchFamily="49" charset="0"/>
+            </a:endParaRPr>
+          </a:p>
+          <a:p>
+            <a:endParaRPr lang="ko-KR" altLang="en-US" sz="2000">
+              <a:latin typeface="Consolas" pitchFamily="49" charset="0"/>
+              <a:cs typeface="Consolas" pitchFamily="49" charset="0"/>
+            </a:endParaRPr>
+          </a:p>
+        </p:txBody>
+      </p:sp>
+      <p:sp>
+        <p:nvSpPr>
+          <p:cNvPr id="5" name="TextBox 4">
+            <a:extLst>
+              <a:ext uri="{FF2B5EF4-FFF2-40B4-BE49-F238E27FC236}">
+                <a16:creationId xmlns:a16="http://schemas.microsoft.com/office/drawing/2014/main" id="{2A8789C1-191C-43DF-8B26-7527DB563139}"/>
+              </a:ext>
+            </a:extLst>
+          </p:cNvPr>
+          <p:cNvSpPr txBox="1"/>
+          <p:nvPr/>
+        </p:nvSpPr>
+        <p:spPr>
+          <a:xfrm>
+            <a:off x="6300192" y="332656"/>
+            <a:ext cx="1454244" cy="1323439"/>
+          </a:xfrm>
+          <a:prstGeom prst="rect">
+            <a:avLst/>
+          </a:prstGeom>
+          <a:noFill/>
+        </p:spPr>
+        <p:txBody>
+          <a:bodyPr wrap="none" rtlCol="0">
+            <a:spAutoFit/>
+          </a:bodyPr>
+          <a:lstStyle/>
+          <a:p>
+            <a:r>
+              <a:rPr lang="en-US" altLang="ko-KR" sz="2000">
+                <a:latin typeface="Consolas" pitchFamily="49" charset="0"/>
+                <a:cs typeface="Consolas" pitchFamily="49" charset="0"/>
+              </a:rPr>
+              <a:t>'a' =&gt; 97</a:t>
+            </a:r>
+          </a:p>
+          <a:p>
+            <a:r>
+              <a:rPr lang="en-US" altLang="ko-KR" sz="2000">
+                <a:latin typeface="Consolas" pitchFamily="49" charset="0"/>
+                <a:cs typeface="Consolas" pitchFamily="49" charset="0"/>
+              </a:rPr>
+              <a:t>'A' =&gt; 65</a:t>
+            </a:r>
+          </a:p>
+          <a:p>
+            <a:r>
+              <a:rPr lang="en-US" altLang="ko-KR" sz="2000">
+                <a:latin typeface="Consolas" pitchFamily="49" charset="0"/>
+                <a:cs typeface="Consolas" pitchFamily="49" charset="0"/>
+              </a:rPr>
+              <a:t>'0' =&gt; 48</a:t>
+            </a:r>
+          </a:p>
+          <a:p>
+            <a:r>
+              <a:rPr lang="en-US" altLang="ko-KR" sz="2000">
+                <a:latin typeface="Consolas" pitchFamily="49" charset="0"/>
+                <a:cs typeface="Consolas" pitchFamily="49" charset="0"/>
+              </a:rPr>
+              <a:t>' ' =&gt; 32</a:t>
+            </a:r>
+            <a:endParaRPr lang="ko-KR" altLang="en-US" sz="2000">
+              <a:latin typeface="Consolas" pitchFamily="49" charset="0"/>
+              <a:cs typeface="Consolas" pitchFamily="49" charset="0"/>
+            </a:endParaRPr>
+          </a:p>
+        </p:txBody>
+      </p:sp>
+    </p:spTree>
+    <p:extLst>
+      <p:ext uri="{BB962C8B-B14F-4D97-AF65-F5344CB8AC3E}">
+        <p14:creationId xmlns:p14="http://schemas.microsoft.com/office/powerpoint/2010/main" val="2224007992"/>
       </p:ext>
     </p:extLst>
   </p:cSld>
